--- a/PPTs/L5-Exercises ANS.pptx
+++ b/PPTs/L5-Exercises ANS.pptx
@@ -213,14 +213,14 @@
           <a:effectLst/>
           <a:extLst>
             <a:ext uri="{909E8E84-426E-40dd-AFC4-6F175D3DCCD1}">
-              <a14:hiddenFill xmlns="" xmlns:a14="http://schemas.microsoft.com/office/drawing/2010/main">
+              <a14:hiddenFill xmlns:a14="http://schemas.microsoft.com/office/drawing/2010/main" xmlns="">
                 <a:solidFill>
                   <a:schemeClr val="bg1"/>
                 </a:solidFill>
               </a14:hiddenFill>
             </a:ext>
             <a:ext uri="{91240B29-F687-4f45-9708-019B960494DF}">
-              <a14:hiddenLine xmlns="" xmlns:a14="http://schemas.microsoft.com/office/drawing/2010/main" w="12700">
+              <a14:hiddenLine xmlns:a14="http://schemas.microsoft.com/office/drawing/2010/main" xmlns="" w="12700">
                 <a:pattFill prst="narHorz">
                   <a:fgClr>
                     <a:schemeClr val="tx1"/>
@@ -235,7 +235,7 @@
               </a14:hiddenLine>
             </a:ext>
             <a:ext uri="{AF507438-7753-43e0-B8FC-AC1667EBCBE1}">
-              <a14:hiddenEffects xmlns="" xmlns:a14="http://schemas.microsoft.com/office/drawing/2010/main">
+              <a14:hiddenEffects xmlns:a14="http://schemas.microsoft.com/office/drawing/2010/main" xmlns="">
                 <a:effectLst>
                   <a:outerShdw dist="35921" dir="2700000" algn="ctr" rotWithShape="0">
                     <a:schemeClr val="bg2"/>
@@ -341,14 +341,14 @@
           <a:effectLst/>
           <a:extLst>
             <a:ext uri="{909E8E84-426E-40dd-AFC4-6F175D3DCCD1}">
-              <a14:hiddenFill xmlns="" xmlns:a14="http://schemas.microsoft.com/office/drawing/2010/main">
+              <a14:hiddenFill xmlns:a14="http://schemas.microsoft.com/office/drawing/2010/main" xmlns="">
                 <a:solidFill>
                   <a:schemeClr val="bg1"/>
                 </a:solidFill>
               </a14:hiddenFill>
             </a:ext>
             <a:ext uri="{91240B29-F687-4f45-9708-019B960494DF}">
-              <a14:hiddenLine xmlns="" xmlns:a14="http://schemas.microsoft.com/office/drawing/2010/main" w="12700">
+              <a14:hiddenLine xmlns:a14="http://schemas.microsoft.com/office/drawing/2010/main" xmlns="" w="12700">
                 <a:pattFill prst="narHorz">
                   <a:fgClr>
                     <a:schemeClr val="tx1"/>
@@ -363,7 +363,7 @@
               </a14:hiddenLine>
             </a:ext>
             <a:ext uri="{AF507438-7753-43e0-B8FC-AC1667EBCBE1}">
-              <a14:hiddenEffects xmlns="" xmlns:a14="http://schemas.microsoft.com/office/drawing/2010/main">
+              <a14:hiddenEffects xmlns:a14="http://schemas.microsoft.com/office/drawing/2010/main" xmlns="">
                 <a:effectLst>
                   <a:outerShdw dist="35921" dir="2700000" algn="ctr" rotWithShape="0">
                     <a:schemeClr val="bg2"/>
@@ -431,17 +431,17 @@
           <a:effectLst/>
           <a:extLst>
             <a:ext uri="{FAA26D3D-D897-4be2-8F04-BA451C77F1D7}">
-              <ma14:placeholderFlag xmlns="" xmlns:ma14="http://schemas.microsoft.com/office/mac/drawingml/2011/main" val="1"/>
+              <ma14:placeholderFlag xmlns:ma14="http://schemas.microsoft.com/office/mac/drawingml/2011/main" xmlns="" val="1"/>
             </a:ext>
             <a:ext uri="{909E8E84-426E-40dd-AFC4-6F175D3DCCD1}">
-              <a14:hiddenFill xmlns="" xmlns:a14="http://schemas.microsoft.com/office/drawing/2010/main">
+              <a14:hiddenFill xmlns:a14="http://schemas.microsoft.com/office/drawing/2010/main" xmlns="">
                 <a:solidFill>
                   <a:srgbClr val="FFFFFF"/>
                 </a:solidFill>
               </a14:hiddenFill>
             </a:ext>
             <a:ext uri="{AF507438-7753-43e0-B8FC-AC1667EBCBE1}">
-              <a14:hiddenEffects xmlns="" xmlns:a14="http://schemas.microsoft.com/office/drawing/2010/main">
+              <a14:hiddenEffects xmlns:a14="http://schemas.microsoft.com/office/drawing/2010/main" xmlns="">
                 <a:effectLst>
                   <a:outerShdw blurRad="63500" dist="38099" dir="2700000" algn="ctr" rotWithShape="0">
                     <a:srgbClr val="000000">
@@ -452,7 +452,7 @@
               </a14:hiddenEffects>
             </a:ext>
             <a:ext uri="{53640926-AAD7-44d8-BBD7-CCE9431645EC}">
-              <a14:shadowObscured xmlns="" xmlns:a14="http://schemas.microsoft.com/office/drawing/2010/main" val="1"/>
+              <a14:shadowObscured xmlns:a14="http://schemas.microsoft.com/office/drawing/2010/main" xmlns="" val="1"/>
             </a:ext>
           </a:extLst>
         </p:spPr>
@@ -482,14 +482,14 @@
           <a:effectLst/>
           <a:extLst>
             <a:ext uri="{909E8E84-426E-40dd-AFC4-6F175D3DCCD1}">
-              <a14:hiddenFill xmlns="" xmlns:a14="http://schemas.microsoft.com/office/drawing/2010/main">
+              <a14:hiddenFill xmlns:a14="http://schemas.microsoft.com/office/drawing/2010/main" xmlns="">
                 <a:solidFill>
                   <a:schemeClr val="bg1"/>
                 </a:solidFill>
               </a14:hiddenFill>
             </a:ext>
             <a:ext uri="{91240B29-F687-4f45-9708-019B960494DF}">
-              <a14:hiddenLine xmlns="" xmlns:a14="http://schemas.microsoft.com/office/drawing/2010/main" w="12700">
+              <a14:hiddenLine xmlns:a14="http://schemas.microsoft.com/office/drawing/2010/main" xmlns="" w="12700">
                 <a:pattFill prst="narHorz">
                   <a:fgClr>
                     <a:schemeClr val="tx1"/>
@@ -504,7 +504,7 @@
               </a14:hiddenLine>
             </a:ext>
             <a:ext uri="{AF507438-7753-43e0-B8FC-AC1667EBCBE1}">
-              <a14:hiddenEffects xmlns="" xmlns:a14="http://schemas.microsoft.com/office/drawing/2010/main">
+              <a14:hiddenEffects xmlns:a14="http://schemas.microsoft.com/office/drawing/2010/main" xmlns="">
                 <a:effectLst>
                   <a:outerShdw dist="35921" dir="2700000" algn="ctr" rotWithShape="0">
                     <a:schemeClr val="bg2"/>
@@ -754,10 +754,10 @@
         <p:spPr>
           <a:extLst>
             <a:ext uri="{FAA26D3D-D897-4be2-8F04-BA451C77F1D7}">
-              <ma14:placeholderFlag xmlns="" xmlns:ma14="http://schemas.microsoft.com/office/mac/drawingml/2011/main" val="1"/>
+              <ma14:placeholderFlag xmlns:ma14="http://schemas.microsoft.com/office/mac/drawingml/2011/main" xmlns="" val="1"/>
             </a:ext>
             <a:ext uri="{AF507438-7753-43e0-B8FC-AC1667EBCBE1}">
-              <a14:hiddenEffects xmlns="" xmlns:a14="http://schemas.microsoft.com/office/drawing/2010/main">
+              <a14:hiddenEffects xmlns:a14="http://schemas.microsoft.com/office/drawing/2010/main" xmlns="">
                 <a:effectLst>
                   <a:outerShdw blurRad="63500" dist="38099" dir="2700000" algn="ctr" rotWithShape="0">
                     <a:schemeClr val="bg2">
@@ -3120,17 +3120,17 @@
           <a:effectLst/>
           <a:extLst>
             <a:ext uri="{FAA26D3D-D897-4be2-8F04-BA451C77F1D7}">
-              <ma14:placeholderFlag xmlns="" xmlns:ma14="http://schemas.microsoft.com/office/mac/drawingml/2011/main" val="1"/>
+              <ma14:placeholderFlag xmlns:ma14="http://schemas.microsoft.com/office/mac/drawingml/2011/main" xmlns="" val="1"/>
             </a:ext>
             <a:ext uri="{909E8E84-426E-40dd-AFC4-6F175D3DCCD1}">
-              <a14:hiddenFill xmlns="" xmlns:a14="http://schemas.microsoft.com/office/drawing/2010/main">
+              <a14:hiddenFill xmlns:a14="http://schemas.microsoft.com/office/drawing/2010/main" xmlns="">
                 <a:solidFill>
                   <a:schemeClr val="bg1"/>
                 </a:solidFill>
               </a14:hiddenFill>
             </a:ext>
             <a:ext uri="{91240B29-F687-4f45-9708-019B960494DF}">
-              <a14:hiddenLine xmlns="" xmlns:a14="http://schemas.microsoft.com/office/drawing/2010/main" w="12700">
+              <a14:hiddenLine xmlns:a14="http://schemas.microsoft.com/office/drawing/2010/main" xmlns="" w="12700">
                 <a:pattFill prst="narHorz">
                   <a:fgClr>
                     <a:schemeClr val="tx1"/>
@@ -3145,7 +3145,7 @@
               </a14:hiddenLine>
             </a:ext>
             <a:ext uri="{AF507438-7753-43e0-B8FC-AC1667EBCBE1}">
-              <a14:hiddenEffects xmlns="" xmlns:a14="http://schemas.microsoft.com/office/drawing/2010/main">
+              <a14:hiddenEffects xmlns:a14="http://schemas.microsoft.com/office/drawing/2010/main" xmlns="">
                 <a:effectLst>
                   <a:outerShdw blurRad="63500" dist="38099" dir="2700000" algn="ctr" rotWithShape="0">
                     <a:schemeClr val="bg2">
@@ -3198,17 +3198,17 @@
           <a:effectLst/>
           <a:extLst>
             <a:ext uri="{FAA26D3D-D897-4be2-8F04-BA451C77F1D7}">
-              <ma14:placeholderFlag xmlns="" xmlns:ma14="http://schemas.microsoft.com/office/mac/drawingml/2011/main" val="1"/>
+              <ma14:placeholderFlag xmlns:ma14="http://schemas.microsoft.com/office/mac/drawingml/2011/main" xmlns="" val="1"/>
             </a:ext>
             <a:ext uri="{909E8E84-426E-40dd-AFC4-6F175D3DCCD1}">
-              <a14:hiddenFill xmlns="" xmlns:a14="http://schemas.microsoft.com/office/drawing/2010/main">
+              <a14:hiddenFill xmlns:a14="http://schemas.microsoft.com/office/drawing/2010/main" xmlns="">
                 <a:solidFill>
                   <a:schemeClr val="bg1"/>
                 </a:solidFill>
               </a14:hiddenFill>
             </a:ext>
             <a:ext uri="{91240B29-F687-4f45-9708-019B960494DF}">
-              <a14:hiddenLine xmlns="" xmlns:a14="http://schemas.microsoft.com/office/drawing/2010/main" w="12700">
+              <a14:hiddenLine xmlns:a14="http://schemas.microsoft.com/office/drawing/2010/main" xmlns="" w="12700">
                 <a:pattFill prst="narHorz">
                   <a:fgClr>
                     <a:schemeClr val="tx1"/>
@@ -3223,7 +3223,7 @@
               </a14:hiddenLine>
             </a:ext>
             <a:ext uri="{AF507438-7753-43e0-B8FC-AC1667EBCBE1}">
-              <a14:hiddenEffects xmlns="" xmlns:a14="http://schemas.microsoft.com/office/drawing/2010/main">
+              <a14:hiddenEffects xmlns:a14="http://schemas.microsoft.com/office/drawing/2010/main" xmlns="">
                 <a:effectLst>
                   <a:outerShdw blurRad="63500" dist="38099" dir="2700000" algn="ctr" rotWithShape="0">
                     <a:schemeClr val="bg2">
@@ -3302,14 +3302,14 @@
           <a:effectLst/>
           <a:extLst>
             <a:ext uri="{909E8E84-426E-40dd-AFC4-6F175D3DCCD1}">
-              <a14:hiddenFill xmlns="" xmlns:a14="http://schemas.microsoft.com/office/drawing/2010/main">
+              <a14:hiddenFill xmlns:a14="http://schemas.microsoft.com/office/drawing/2010/main" xmlns="">
                 <a:solidFill>
                   <a:schemeClr val="bg1"/>
                 </a:solidFill>
               </a14:hiddenFill>
             </a:ext>
             <a:ext uri="{91240B29-F687-4f45-9708-019B960494DF}">
-              <a14:hiddenLine xmlns="" xmlns:a14="http://schemas.microsoft.com/office/drawing/2010/main" w="12700">
+              <a14:hiddenLine xmlns:a14="http://schemas.microsoft.com/office/drawing/2010/main" xmlns="" w="12700">
                 <a:pattFill prst="narHorz">
                   <a:fgClr>
                     <a:schemeClr val="tx1"/>
@@ -3324,7 +3324,7 @@
               </a14:hiddenLine>
             </a:ext>
             <a:ext uri="{AF507438-7753-43e0-B8FC-AC1667EBCBE1}">
-              <a14:hiddenEffects xmlns="" xmlns:a14="http://schemas.microsoft.com/office/drawing/2010/main">
+              <a14:hiddenEffects xmlns:a14="http://schemas.microsoft.com/office/drawing/2010/main" xmlns="">
                 <a:effectLst>
                   <a:outerShdw dist="35921" dir="2700000" algn="ctr" rotWithShape="0">
                     <a:schemeClr val="bg2"/>
@@ -3390,12 +3390,12 @@
           <a:effectLst/>
           <a:extLst>
             <a:ext uri="{909E8E84-426E-40dd-AFC4-6F175D3DCCD1}">
-              <a14:hiddenFill xmlns="" xmlns:a14="http://schemas.microsoft.com/office/drawing/2010/main">
+              <a14:hiddenFill xmlns:a14="http://schemas.microsoft.com/office/drawing/2010/main" xmlns="">
                 <a:noFill/>
               </a14:hiddenFill>
             </a:ext>
             <a:ext uri="{AF507438-7753-43e0-B8FC-AC1667EBCBE1}">
-              <a14:hiddenEffects xmlns="" xmlns:a14="http://schemas.microsoft.com/office/drawing/2010/main">
+              <a14:hiddenEffects xmlns:a14="http://schemas.microsoft.com/office/drawing/2010/main" xmlns="">
                 <a:effectLst>
                   <a:outerShdw blurRad="63500" dist="38099" dir="2700000" algn="ctr" rotWithShape="0">
                     <a:schemeClr val="bg2">
@@ -4166,7 +4166,15 @@
           <a:p>
             <a:r>
               <a:rPr lang="en-GB" dirty="0"/>
-              <a:t>1) Fill in the scheduling table with the Process ID (PID) that runs at each time instant, under 4 policies: First Come First Serve (FCFS), Shortest Job First (SJF), Shortest-Remaining-Time-First (SRTF), Round-Robin (RR) with </a:t>
+              <a:t>1) </a:t>
+            </a:r>
+            <a:r>
+              <a:rPr lang="en-US" altLang="zh-CN" dirty="0"/>
+              <a:t>Draw the Gantt chart </a:t>
+            </a:r>
+            <a:r>
+              <a:rPr lang="en-GB" dirty="0"/>
+              <a:t>under 4 policies: First Come First Serve (FCFS), Shortest Job First (SJF), Shortest-Remaining-Time-First (SRTF), Round-Robin (RR) with </a:t>
             </a:r>
             <a:r>
               <a:rPr lang="en-GB" dirty="0" err="1"/>
@@ -16139,7 +16147,7 @@
         <a:effectLst/>
         <a:extLst>
           <a:ext uri="{AF507438-7753-43e0-B8FC-AC1667EBCBE1}">
-            <a14:hiddenEffects xmlns="" xmlns:a14="http://schemas.microsoft.com/office/drawing/2010/main">
+            <a14:hiddenEffects xmlns:a14="http://schemas.microsoft.com/office/drawing/2010/main" xmlns="">
               <a:effectLst>
                 <a:outerShdw dist="35921" dir="2700000" algn="ctr" rotWithShape="0">
                   <a:schemeClr val="bg2"/>
@@ -16212,7 +16220,7 @@
         <a:effectLst/>
         <a:extLst>
           <a:ext uri="{AF507438-7753-43e0-B8FC-AC1667EBCBE1}">
-            <a14:hiddenEffects xmlns="" xmlns:a14="http://schemas.microsoft.com/office/drawing/2010/main">
+            <a14:hiddenEffects xmlns:a14="http://schemas.microsoft.com/office/drawing/2010/main" xmlns="">
               <a:effectLst>
                 <a:outerShdw dist="35921" dir="2700000" algn="ctr" rotWithShape="0">
                   <a:schemeClr val="bg2"/>

--- a/PPTs/L5-Exercises ANS.pptx
+++ b/PPTs/L5-Exercises ANS.pptx
@@ -5,18 +5,26 @@
     <p:sldMasterId id="2147483648" r:id="rId1"/>
   </p:sldMasterIdLst>
   <p:notesMasterIdLst>
-    <p:notesMasterId r:id="rId8"/>
+    <p:notesMasterId r:id="rId16"/>
   </p:notesMasterIdLst>
   <p:handoutMasterIdLst>
-    <p:handoutMasterId r:id="rId9"/>
+    <p:handoutMasterId r:id="rId17"/>
   </p:handoutMasterIdLst>
   <p:sldIdLst>
     <p:sldId id="256" r:id="rId2"/>
-    <p:sldId id="1493" r:id="rId3"/>
-    <p:sldId id="1488" r:id="rId4"/>
-    <p:sldId id="1494" r:id="rId5"/>
-    <p:sldId id="1497" r:id="rId6"/>
-    <p:sldId id="1499" r:id="rId7"/>
+    <p:sldId id="1500" r:id="rId3"/>
+    <p:sldId id="1501" r:id="rId4"/>
+    <p:sldId id="1493" r:id="rId5"/>
+    <p:sldId id="1488" r:id="rId6"/>
+    <p:sldId id="1494" r:id="rId7"/>
+    <p:sldId id="1497" r:id="rId8"/>
+    <p:sldId id="1499" r:id="rId9"/>
+    <p:sldId id="1507" r:id="rId10"/>
+    <p:sldId id="1506" r:id="rId11"/>
+    <p:sldId id="1502" r:id="rId12"/>
+    <p:sldId id="1505" r:id="rId13"/>
+    <p:sldId id="1504" r:id="rId14"/>
+    <p:sldId id="1503" r:id="rId15"/>
   </p:sldIdLst>
   <p:sldSz cx="12192000" cy="6858000"/>
   <p:notesSz cx="9601200" cy="7315200"/>
@@ -213,14 +221,14 @@
           <a:effectLst/>
           <a:extLst>
             <a:ext uri="{909E8E84-426E-40dd-AFC4-6F175D3DCCD1}">
-              <a14:hiddenFill xmlns:a14="http://schemas.microsoft.com/office/drawing/2010/main" xmlns="">
+              <a14:hiddenFill xmlns="" xmlns:a14="http://schemas.microsoft.com/office/drawing/2010/main">
                 <a:solidFill>
                   <a:schemeClr val="bg1"/>
                 </a:solidFill>
               </a14:hiddenFill>
             </a:ext>
             <a:ext uri="{91240B29-F687-4f45-9708-019B960494DF}">
-              <a14:hiddenLine xmlns:a14="http://schemas.microsoft.com/office/drawing/2010/main" xmlns="" w="12700">
+              <a14:hiddenLine xmlns="" xmlns:a14="http://schemas.microsoft.com/office/drawing/2010/main" w="12700">
                 <a:pattFill prst="narHorz">
                   <a:fgClr>
                     <a:schemeClr val="tx1"/>
@@ -235,7 +243,7 @@
               </a14:hiddenLine>
             </a:ext>
             <a:ext uri="{AF507438-7753-43e0-B8FC-AC1667EBCBE1}">
-              <a14:hiddenEffects xmlns:a14="http://schemas.microsoft.com/office/drawing/2010/main" xmlns="">
+              <a14:hiddenEffects xmlns="" xmlns:a14="http://schemas.microsoft.com/office/drawing/2010/main">
                 <a:effectLst>
                   <a:outerShdw dist="35921" dir="2700000" algn="ctr" rotWithShape="0">
                     <a:schemeClr val="bg2"/>
@@ -341,14 +349,14 @@
           <a:effectLst/>
           <a:extLst>
             <a:ext uri="{909E8E84-426E-40dd-AFC4-6F175D3DCCD1}">
-              <a14:hiddenFill xmlns:a14="http://schemas.microsoft.com/office/drawing/2010/main" xmlns="">
+              <a14:hiddenFill xmlns="" xmlns:a14="http://schemas.microsoft.com/office/drawing/2010/main">
                 <a:solidFill>
                   <a:schemeClr val="bg1"/>
                 </a:solidFill>
               </a14:hiddenFill>
             </a:ext>
             <a:ext uri="{91240B29-F687-4f45-9708-019B960494DF}">
-              <a14:hiddenLine xmlns:a14="http://schemas.microsoft.com/office/drawing/2010/main" xmlns="" w="12700">
+              <a14:hiddenLine xmlns="" xmlns:a14="http://schemas.microsoft.com/office/drawing/2010/main" w="12700">
                 <a:pattFill prst="narHorz">
                   <a:fgClr>
                     <a:schemeClr val="tx1"/>
@@ -363,7 +371,7 @@
               </a14:hiddenLine>
             </a:ext>
             <a:ext uri="{AF507438-7753-43e0-B8FC-AC1667EBCBE1}">
-              <a14:hiddenEffects xmlns:a14="http://schemas.microsoft.com/office/drawing/2010/main" xmlns="">
+              <a14:hiddenEffects xmlns="" xmlns:a14="http://schemas.microsoft.com/office/drawing/2010/main">
                 <a:effectLst>
                   <a:outerShdw dist="35921" dir="2700000" algn="ctr" rotWithShape="0">
                     <a:schemeClr val="bg2"/>
@@ -431,17 +439,17 @@
           <a:effectLst/>
           <a:extLst>
             <a:ext uri="{FAA26D3D-D897-4be2-8F04-BA451C77F1D7}">
-              <ma14:placeholderFlag xmlns:ma14="http://schemas.microsoft.com/office/mac/drawingml/2011/main" xmlns="" val="1"/>
+              <ma14:placeholderFlag xmlns="" xmlns:ma14="http://schemas.microsoft.com/office/mac/drawingml/2011/main" val="1"/>
             </a:ext>
             <a:ext uri="{909E8E84-426E-40dd-AFC4-6F175D3DCCD1}">
-              <a14:hiddenFill xmlns:a14="http://schemas.microsoft.com/office/drawing/2010/main" xmlns="">
+              <a14:hiddenFill xmlns="" xmlns:a14="http://schemas.microsoft.com/office/drawing/2010/main">
                 <a:solidFill>
                   <a:srgbClr val="FFFFFF"/>
                 </a:solidFill>
               </a14:hiddenFill>
             </a:ext>
             <a:ext uri="{AF507438-7753-43e0-B8FC-AC1667EBCBE1}">
-              <a14:hiddenEffects xmlns:a14="http://schemas.microsoft.com/office/drawing/2010/main" xmlns="">
+              <a14:hiddenEffects xmlns="" xmlns:a14="http://schemas.microsoft.com/office/drawing/2010/main">
                 <a:effectLst>
                   <a:outerShdw blurRad="63500" dist="38099" dir="2700000" algn="ctr" rotWithShape="0">
                     <a:srgbClr val="000000">
@@ -452,7 +460,7 @@
               </a14:hiddenEffects>
             </a:ext>
             <a:ext uri="{53640926-AAD7-44d8-BBD7-CCE9431645EC}">
-              <a14:shadowObscured xmlns:a14="http://schemas.microsoft.com/office/drawing/2010/main" xmlns="" val="1"/>
+              <a14:shadowObscured xmlns="" xmlns:a14="http://schemas.microsoft.com/office/drawing/2010/main" val="1"/>
             </a:ext>
           </a:extLst>
         </p:spPr>
@@ -482,14 +490,14 @@
           <a:effectLst/>
           <a:extLst>
             <a:ext uri="{909E8E84-426E-40dd-AFC4-6F175D3DCCD1}">
-              <a14:hiddenFill xmlns:a14="http://schemas.microsoft.com/office/drawing/2010/main" xmlns="">
+              <a14:hiddenFill xmlns="" xmlns:a14="http://schemas.microsoft.com/office/drawing/2010/main">
                 <a:solidFill>
                   <a:schemeClr val="bg1"/>
                 </a:solidFill>
               </a14:hiddenFill>
             </a:ext>
             <a:ext uri="{91240B29-F687-4f45-9708-019B960494DF}">
-              <a14:hiddenLine xmlns:a14="http://schemas.microsoft.com/office/drawing/2010/main" xmlns="" w="12700">
+              <a14:hiddenLine xmlns="" xmlns:a14="http://schemas.microsoft.com/office/drawing/2010/main" w="12700">
                 <a:pattFill prst="narHorz">
                   <a:fgClr>
                     <a:schemeClr val="tx1"/>
@@ -504,7 +512,7 @@
               </a14:hiddenLine>
             </a:ext>
             <a:ext uri="{AF507438-7753-43e0-B8FC-AC1667EBCBE1}">
-              <a14:hiddenEffects xmlns:a14="http://schemas.microsoft.com/office/drawing/2010/main" xmlns="">
+              <a14:hiddenEffects xmlns="" xmlns:a14="http://schemas.microsoft.com/office/drawing/2010/main">
                 <a:effectLst>
                   <a:outerShdw dist="35921" dir="2700000" algn="ctr" rotWithShape="0">
                     <a:schemeClr val="bg2"/>
@@ -754,10 +762,10 @@
         <p:spPr>
           <a:extLst>
             <a:ext uri="{FAA26D3D-D897-4be2-8F04-BA451C77F1D7}">
-              <ma14:placeholderFlag xmlns:ma14="http://schemas.microsoft.com/office/mac/drawingml/2011/main" xmlns="" val="1"/>
+              <ma14:placeholderFlag xmlns="" xmlns:ma14="http://schemas.microsoft.com/office/mac/drawingml/2011/main" val="1"/>
             </a:ext>
             <a:ext uri="{AF507438-7753-43e0-B8FC-AC1667EBCBE1}">
-              <a14:hiddenEffects xmlns:a14="http://schemas.microsoft.com/office/drawing/2010/main" xmlns="">
+              <a14:hiddenEffects xmlns="" xmlns:a14="http://schemas.microsoft.com/office/drawing/2010/main">
                 <a:effectLst>
                   <a:outerShdw blurRad="63500" dist="38099" dir="2700000" algn="ctr" rotWithShape="0">
                     <a:schemeClr val="bg2">
@@ -1216,6 +1224,180 @@
     <p:extLst>
       <p:ext uri="{BB962C8B-B14F-4D97-AF65-F5344CB8AC3E}">
         <p14:creationId xmlns:p14="http://schemas.microsoft.com/office/powerpoint/2010/main" val="1447493161"/>
+      </p:ext>
+    </p:extLst>
+  </p:cSld>
+  <p:clrMapOvr>
+    <a:masterClrMapping/>
+  </p:clrMapOvr>
+</p:notes>
+</file>
+
+<file path=ppt/notesSlides/notesSlide6.xml><?xml version="1.0" encoding="utf-8"?>
+<p:notes xmlns:a="http://schemas.openxmlformats.org/drawingml/2006/main" xmlns:r="http://schemas.openxmlformats.org/officeDocument/2006/relationships" xmlns:p="http://schemas.openxmlformats.org/presentationml/2006/main">
+  <p:cSld>
+    <p:spTree>
+      <p:nvGrpSpPr>
+        <p:cNvPr id="1" name="">
+          <a:extLst>
+            <a:ext uri="{FF2B5EF4-FFF2-40B4-BE49-F238E27FC236}">
+              <a16:creationId xmlns:a16="http://schemas.microsoft.com/office/drawing/2014/main" id="{A163533C-E2AD-25EA-00B7-41D9FE77D91E}"/>
+            </a:ext>
+          </a:extLst>
+        </p:cNvPr>
+        <p:cNvGrpSpPr/>
+        <p:nvPr/>
+      </p:nvGrpSpPr>
+      <p:grpSpPr>
+        <a:xfrm>
+          <a:off x="0" y="0"/>
+          <a:ext cx="0" cy="0"/>
+          <a:chOff x="0" y="0"/>
+          <a:chExt cx="0" cy="0"/>
+        </a:xfrm>
+      </p:grpSpPr>
+      <p:sp>
+        <p:nvSpPr>
+          <p:cNvPr id="2" name="Slide Image Placeholder 1">
+            <a:extLst>
+              <a:ext uri="{FF2B5EF4-FFF2-40B4-BE49-F238E27FC236}">
+                <a16:creationId xmlns:a16="http://schemas.microsoft.com/office/drawing/2014/main" id="{F025607D-E3B8-CC56-56AC-ACC137B070CF}"/>
+              </a:ext>
+            </a:extLst>
+          </p:cNvPr>
+          <p:cNvSpPr>
+            <a:spLocks noGrp="1" noRot="1" noChangeAspect="1"/>
+          </p:cNvSpPr>
+          <p:nvPr>
+            <p:ph type="sldImg"/>
+          </p:nvPr>
+        </p:nvSpPr>
+        <p:spPr/>
+      </p:sp>
+      <p:sp>
+        <p:nvSpPr>
+          <p:cNvPr id="3" name="Notes Placeholder 2">
+            <a:extLst>
+              <a:ext uri="{FF2B5EF4-FFF2-40B4-BE49-F238E27FC236}">
+                <a16:creationId xmlns:a16="http://schemas.microsoft.com/office/drawing/2014/main" id="{3FED66BF-E316-F722-68A1-DF1EF21FA9F2}"/>
+              </a:ext>
+            </a:extLst>
+          </p:cNvPr>
+          <p:cNvSpPr>
+            <a:spLocks noGrp="1"/>
+          </p:cNvSpPr>
+          <p:nvPr>
+            <p:ph type="body" idx="1"/>
+          </p:nvPr>
+        </p:nvSpPr>
+        <p:spPr/>
+        <p:txBody>
+          <a:bodyPr/>
+          <a:lstStyle/>
+          <a:p>
+            <a:r>
+              <a:rPr lang="en-GB" b="0" i="0" dirty="0">
+                <a:effectLst/>
+                <a:latin typeface="fkGroteskNeue"/>
+              </a:rPr>
+              <a:t>So, the average of 2, 7, 5, 6, and 8 is 5.6.</a:t>
+            </a:r>
+          </a:p>
+          <a:p>
+            <a:r>
+              <a:rPr lang="en-GB" b="0" i="0" dirty="0">
+                <a:effectLst/>
+                <a:latin typeface="fkGroteskNeue"/>
+              </a:rPr>
+              <a:t>The average of the numbers 2, 7, 5, 9, and 4 is 5.4.</a:t>
+            </a:r>
+          </a:p>
+          <a:p>
+            <a:r>
+              <a:rPr lang="en-GB" b="0" i="0" dirty="0">
+                <a:effectLst/>
+                <a:latin typeface="fkGroteskNeue"/>
+              </a:rPr>
+              <a:t>The average of the numbers 2, 8, 1, 9, and 4 is 4.8.</a:t>
+            </a:r>
+          </a:p>
+          <a:p>
+            <a:r>
+              <a:rPr lang="en-GB" b="0" i="0" dirty="0">
+                <a:effectLst/>
+                <a:latin typeface="fkGroteskNeue"/>
+              </a:rPr>
+              <a:t>The average of the numbers 3, 12, 1, 9, and 7 is 6.4.</a:t>
+            </a:r>
+            <a:endParaRPr lang="en-SE" dirty="0"/>
+          </a:p>
+        </p:txBody>
+      </p:sp>
+    </p:spTree>
+    <p:extLst>
+      <p:ext uri="{BB962C8B-B14F-4D97-AF65-F5344CB8AC3E}">
+        <p14:creationId xmlns:p14="http://schemas.microsoft.com/office/powerpoint/2010/main" val="1586170358"/>
+      </p:ext>
+    </p:extLst>
+  </p:cSld>
+  <p:clrMapOvr>
+    <a:masterClrMapping/>
+  </p:clrMapOvr>
+</p:notes>
+</file>
+
+<file path=ppt/notesSlides/notesSlide7.xml><?xml version="1.0" encoding="utf-8"?>
+<p:notes xmlns:a="http://schemas.openxmlformats.org/drawingml/2006/main" xmlns:r="http://schemas.openxmlformats.org/officeDocument/2006/relationships" xmlns:p="http://schemas.openxmlformats.org/presentationml/2006/main">
+  <p:cSld>
+    <p:spTree>
+      <p:nvGrpSpPr>
+        <p:cNvPr id="1" name=""/>
+        <p:cNvGrpSpPr/>
+        <p:nvPr/>
+      </p:nvGrpSpPr>
+      <p:grpSpPr>
+        <a:xfrm>
+          <a:off x="0" y="0"/>
+          <a:ext cx="0" cy="0"/>
+          <a:chOff x="0" y="0"/>
+          <a:chExt cx="0" cy="0"/>
+        </a:xfrm>
+      </p:grpSpPr>
+      <p:sp>
+        <p:nvSpPr>
+          <p:cNvPr id="2" name="Slide Image Placeholder 1"/>
+          <p:cNvSpPr>
+            <a:spLocks noGrp="1" noRot="1" noChangeAspect="1"/>
+          </p:cNvSpPr>
+          <p:nvPr>
+            <p:ph type="sldImg"/>
+          </p:nvPr>
+        </p:nvSpPr>
+        <p:spPr/>
+      </p:sp>
+      <p:sp>
+        <p:nvSpPr>
+          <p:cNvPr id="3" name="Notes Placeholder 2"/>
+          <p:cNvSpPr>
+            <a:spLocks noGrp="1"/>
+          </p:cNvSpPr>
+          <p:nvPr>
+            <p:ph type="body" idx="1"/>
+          </p:nvPr>
+        </p:nvSpPr>
+        <p:spPr/>
+        <p:txBody>
+          <a:bodyPr/>
+          <a:lstStyle/>
+          <a:p>
+            <a:endParaRPr lang="en-SE" dirty="0"/>
+          </a:p>
+        </p:txBody>
+      </p:sp>
+    </p:spTree>
+    <p:extLst>
+      <p:ext uri="{BB962C8B-B14F-4D97-AF65-F5344CB8AC3E}">
+        <p14:creationId xmlns:p14="http://schemas.microsoft.com/office/powerpoint/2010/main" val="3855054294"/>
       </p:ext>
     </p:extLst>
   </p:cSld>
@@ -3120,17 +3302,17 @@
           <a:effectLst/>
           <a:extLst>
             <a:ext uri="{FAA26D3D-D897-4be2-8F04-BA451C77F1D7}">
-              <ma14:placeholderFlag xmlns:ma14="http://schemas.microsoft.com/office/mac/drawingml/2011/main" xmlns="" val="1"/>
+              <ma14:placeholderFlag xmlns="" xmlns:ma14="http://schemas.microsoft.com/office/mac/drawingml/2011/main" val="1"/>
             </a:ext>
             <a:ext uri="{909E8E84-426E-40dd-AFC4-6F175D3DCCD1}">
-              <a14:hiddenFill xmlns:a14="http://schemas.microsoft.com/office/drawing/2010/main" xmlns="">
+              <a14:hiddenFill xmlns="" xmlns:a14="http://schemas.microsoft.com/office/drawing/2010/main">
                 <a:solidFill>
                   <a:schemeClr val="bg1"/>
                 </a:solidFill>
               </a14:hiddenFill>
             </a:ext>
             <a:ext uri="{91240B29-F687-4f45-9708-019B960494DF}">
-              <a14:hiddenLine xmlns:a14="http://schemas.microsoft.com/office/drawing/2010/main" xmlns="" w="12700">
+              <a14:hiddenLine xmlns="" xmlns:a14="http://schemas.microsoft.com/office/drawing/2010/main" w="12700">
                 <a:pattFill prst="narHorz">
                   <a:fgClr>
                     <a:schemeClr val="tx1"/>
@@ -3145,7 +3327,7 @@
               </a14:hiddenLine>
             </a:ext>
             <a:ext uri="{AF507438-7753-43e0-B8FC-AC1667EBCBE1}">
-              <a14:hiddenEffects xmlns:a14="http://schemas.microsoft.com/office/drawing/2010/main" xmlns="">
+              <a14:hiddenEffects xmlns="" xmlns:a14="http://schemas.microsoft.com/office/drawing/2010/main">
                 <a:effectLst>
                   <a:outerShdw blurRad="63500" dist="38099" dir="2700000" algn="ctr" rotWithShape="0">
                     <a:schemeClr val="bg2">
@@ -3198,17 +3380,17 @@
           <a:effectLst/>
           <a:extLst>
             <a:ext uri="{FAA26D3D-D897-4be2-8F04-BA451C77F1D7}">
-              <ma14:placeholderFlag xmlns:ma14="http://schemas.microsoft.com/office/mac/drawingml/2011/main" xmlns="" val="1"/>
+              <ma14:placeholderFlag xmlns="" xmlns:ma14="http://schemas.microsoft.com/office/mac/drawingml/2011/main" val="1"/>
             </a:ext>
             <a:ext uri="{909E8E84-426E-40dd-AFC4-6F175D3DCCD1}">
-              <a14:hiddenFill xmlns:a14="http://schemas.microsoft.com/office/drawing/2010/main" xmlns="">
+              <a14:hiddenFill xmlns="" xmlns:a14="http://schemas.microsoft.com/office/drawing/2010/main">
                 <a:solidFill>
                   <a:schemeClr val="bg1"/>
                 </a:solidFill>
               </a14:hiddenFill>
             </a:ext>
             <a:ext uri="{91240B29-F687-4f45-9708-019B960494DF}">
-              <a14:hiddenLine xmlns:a14="http://schemas.microsoft.com/office/drawing/2010/main" xmlns="" w="12700">
+              <a14:hiddenLine xmlns="" xmlns:a14="http://schemas.microsoft.com/office/drawing/2010/main" w="12700">
                 <a:pattFill prst="narHorz">
                   <a:fgClr>
                     <a:schemeClr val="tx1"/>
@@ -3223,7 +3405,7 @@
               </a14:hiddenLine>
             </a:ext>
             <a:ext uri="{AF507438-7753-43e0-B8FC-AC1667EBCBE1}">
-              <a14:hiddenEffects xmlns:a14="http://schemas.microsoft.com/office/drawing/2010/main" xmlns="">
+              <a14:hiddenEffects xmlns="" xmlns:a14="http://schemas.microsoft.com/office/drawing/2010/main">
                 <a:effectLst>
                   <a:outerShdw blurRad="63500" dist="38099" dir="2700000" algn="ctr" rotWithShape="0">
                     <a:schemeClr val="bg2">
@@ -3302,14 +3484,14 @@
           <a:effectLst/>
           <a:extLst>
             <a:ext uri="{909E8E84-426E-40dd-AFC4-6F175D3DCCD1}">
-              <a14:hiddenFill xmlns:a14="http://schemas.microsoft.com/office/drawing/2010/main" xmlns="">
+              <a14:hiddenFill xmlns="" xmlns:a14="http://schemas.microsoft.com/office/drawing/2010/main">
                 <a:solidFill>
                   <a:schemeClr val="bg1"/>
                 </a:solidFill>
               </a14:hiddenFill>
             </a:ext>
             <a:ext uri="{91240B29-F687-4f45-9708-019B960494DF}">
-              <a14:hiddenLine xmlns:a14="http://schemas.microsoft.com/office/drawing/2010/main" xmlns="" w="12700">
+              <a14:hiddenLine xmlns="" xmlns:a14="http://schemas.microsoft.com/office/drawing/2010/main" w="12700">
                 <a:pattFill prst="narHorz">
                   <a:fgClr>
                     <a:schemeClr val="tx1"/>
@@ -3324,7 +3506,7 @@
               </a14:hiddenLine>
             </a:ext>
             <a:ext uri="{AF507438-7753-43e0-B8FC-AC1667EBCBE1}">
-              <a14:hiddenEffects xmlns:a14="http://schemas.microsoft.com/office/drawing/2010/main" xmlns="">
+              <a14:hiddenEffects xmlns="" xmlns:a14="http://schemas.microsoft.com/office/drawing/2010/main">
                 <a:effectLst>
                   <a:outerShdw dist="35921" dir="2700000" algn="ctr" rotWithShape="0">
                     <a:schemeClr val="bg2"/>
@@ -3390,12 +3572,12 @@
           <a:effectLst/>
           <a:extLst>
             <a:ext uri="{909E8E84-426E-40dd-AFC4-6F175D3DCCD1}">
-              <a14:hiddenFill xmlns:a14="http://schemas.microsoft.com/office/drawing/2010/main" xmlns="">
+              <a14:hiddenFill xmlns="" xmlns:a14="http://schemas.microsoft.com/office/drawing/2010/main">
                 <a:noFill/>
               </a14:hiddenFill>
             </a:ext>
             <a:ext uri="{AF507438-7753-43e0-B8FC-AC1667EBCBE1}">
-              <a14:hiddenEffects xmlns:a14="http://schemas.microsoft.com/office/drawing/2010/main" xmlns="">
+              <a14:hiddenEffects xmlns="" xmlns:a14="http://schemas.microsoft.com/office/drawing/2010/main">
                 <a:effectLst>
                   <a:outerShdw blurRad="63500" dist="38099" dir="2700000" algn="ctr" rotWithShape="0">
                     <a:schemeClr val="bg2">
@@ -4089,7 +4271,6829 @@
 </p:sld>
 </file>
 
+<file path=ppt/slides/slide10.xml><?xml version="1.0" encoding="utf-8"?>
+<p:sld xmlns:a="http://schemas.openxmlformats.org/drawingml/2006/main" xmlns:r="http://schemas.openxmlformats.org/officeDocument/2006/relationships" xmlns:p="http://schemas.openxmlformats.org/presentationml/2006/main">
+  <p:cSld>
+    <p:spTree>
+      <p:nvGrpSpPr>
+        <p:cNvPr id="1" name="">
+          <a:extLst>
+            <a:ext uri="{FF2B5EF4-FFF2-40B4-BE49-F238E27FC236}">
+              <a16:creationId xmlns:a16="http://schemas.microsoft.com/office/drawing/2014/main" id="{8373E50E-F9BD-83CE-AE30-089D7101D36A}"/>
+            </a:ext>
+          </a:extLst>
+        </p:cNvPr>
+        <p:cNvGrpSpPr/>
+        <p:nvPr/>
+      </p:nvGrpSpPr>
+      <p:grpSpPr>
+        <a:xfrm>
+          <a:off x="0" y="0"/>
+          <a:ext cx="0" cy="0"/>
+          <a:chOff x="0" y="0"/>
+          <a:chExt cx="0" cy="0"/>
+        </a:xfrm>
+      </p:grpSpPr>
+      <p:sp>
+        <p:nvSpPr>
+          <p:cNvPr id="2" name="Title 1">
+            <a:extLst>
+              <a:ext uri="{FF2B5EF4-FFF2-40B4-BE49-F238E27FC236}">
+                <a16:creationId xmlns:a16="http://schemas.microsoft.com/office/drawing/2014/main" id="{F13A0D3E-606B-0FFA-AA6F-11621DA7F6AB}"/>
+              </a:ext>
+            </a:extLst>
+          </p:cNvPr>
+          <p:cNvSpPr>
+            <a:spLocks noGrp="1"/>
+          </p:cNvSpPr>
+          <p:nvPr>
+            <p:ph type="title"/>
+          </p:nvPr>
+        </p:nvSpPr>
+        <p:spPr/>
+        <p:txBody>
+          <a:bodyPr/>
+          <a:lstStyle/>
+          <a:p>
+            <a:r>
+              <a:rPr lang="en-US"/>
+              <a:t>Scheduling III ANS</a:t>
+            </a:r>
+            <a:endParaRPr lang="en-SE" dirty="0"/>
+          </a:p>
+        </p:txBody>
+      </p:sp>
+      <p:graphicFrame>
+        <p:nvGraphicFramePr>
+          <p:cNvPr id="6" name="表格 6">
+            <a:extLst>
+              <a:ext uri="{FF2B5EF4-FFF2-40B4-BE49-F238E27FC236}">
+                <a16:creationId xmlns:a16="http://schemas.microsoft.com/office/drawing/2014/main" id="{7EA41273-D802-3241-E78F-2C25FB07640B}"/>
+              </a:ext>
+            </a:extLst>
+          </p:cNvPr>
+          <p:cNvGraphicFramePr>
+            <a:graphicFrameLocks noGrp="1"/>
+          </p:cNvGraphicFramePr>
+          <p:nvPr>
+            <p:extLst>
+              <p:ext uri="{D42A27DB-BD31-4B8C-83A1-F6EECF244321}">
+                <p14:modId xmlns:p14="http://schemas.microsoft.com/office/powerpoint/2010/main" val="3327710084"/>
+              </p:ext>
+            </p:extLst>
+          </p:nvPr>
+        </p:nvGraphicFramePr>
+        <p:xfrm>
+          <a:off x="4269322" y="872701"/>
+          <a:ext cx="4057622" cy="2651760"/>
+        </p:xfrm>
+        <a:graphic>
+          <a:graphicData uri="http://schemas.openxmlformats.org/drawingml/2006/table">
+            <a:tbl>
+              <a:tblPr firstRow="1" bandRow="1">
+                <a:tableStyleId>{5C22544A-7EE6-4342-B048-85BDC9FD1C3A}</a:tableStyleId>
+              </a:tblPr>
+              <a:tblGrid>
+                <a:gridCol w="320287">
+                  <a:extLst>
+                    <a:ext uri="{9D8B030D-6E8A-4147-A177-3AD203B41FA5}">
+                      <a16:colId xmlns:a16="http://schemas.microsoft.com/office/drawing/2014/main" val="3897766631"/>
+                    </a:ext>
+                  </a:extLst>
+                </a:gridCol>
+                <a:gridCol w="814309">
+                  <a:extLst>
+                    <a:ext uri="{9D8B030D-6E8A-4147-A177-3AD203B41FA5}">
+                      <a16:colId xmlns:a16="http://schemas.microsoft.com/office/drawing/2014/main" val="3850674632"/>
+                    </a:ext>
+                  </a:extLst>
+                </a:gridCol>
+                <a:gridCol w="778832">
+                  <a:extLst>
+                    <a:ext uri="{9D8B030D-6E8A-4147-A177-3AD203B41FA5}">
+                      <a16:colId xmlns:a16="http://schemas.microsoft.com/office/drawing/2014/main" val="3839086762"/>
+                    </a:ext>
+                  </a:extLst>
+                </a:gridCol>
+                <a:gridCol w="1072097">
+                  <a:extLst>
+                    <a:ext uri="{9D8B030D-6E8A-4147-A177-3AD203B41FA5}">
+                      <a16:colId xmlns:a16="http://schemas.microsoft.com/office/drawing/2014/main" val="3306942541"/>
+                    </a:ext>
+                  </a:extLst>
+                </a:gridCol>
+                <a:gridCol w="1072097">
+                  <a:extLst>
+                    <a:ext uri="{9D8B030D-6E8A-4147-A177-3AD203B41FA5}">
+                      <a16:colId xmlns:a16="http://schemas.microsoft.com/office/drawing/2014/main" val="3517187588"/>
+                    </a:ext>
+                  </a:extLst>
+                </a:gridCol>
+              </a:tblGrid>
+              <a:tr h="875830">
+                <a:tc>
+                  <a:txBody>
+                    <a:bodyPr/>
+                    <a:lstStyle/>
+                    <a:p>
+                      <a:pPr algn="r"/>
+                      <a:r>
+                        <a:rPr lang="en-US" b="0" dirty="0">
+                          <a:solidFill>
+                            <a:schemeClr val="tx1"/>
+                          </a:solidFill>
+                        </a:rPr>
+                        <a:t>PID</a:t>
+                      </a:r>
+                    </a:p>
+                  </a:txBody>
+                  <a:tcPr/>
+                </a:tc>
+                <a:tc>
+                  <a:txBody>
+                    <a:bodyPr/>
+                    <a:lstStyle/>
+                    <a:p>
+                      <a:pPr algn="r"/>
+                      <a:r>
+                        <a:rPr lang="en-US" altLang="zh-CN" b="0" dirty="0" err="1">
+                          <a:solidFill>
+                            <a:schemeClr val="tx1"/>
+                          </a:solidFill>
+                        </a:rPr>
+                        <a:t>Arriv</a:t>
+                      </a:r>
+                      <a:r>
+                        <a:rPr lang="en-US" altLang="zh-CN" b="0" dirty="0">
+                          <a:solidFill>
+                            <a:schemeClr val="tx1"/>
+                          </a:solidFill>
+                        </a:rPr>
+                        <a:t>.</a:t>
+                      </a:r>
+                      <a:r>
+                        <a:rPr lang="zh-CN" altLang="en-US" b="0" dirty="0">
+                          <a:solidFill>
+                            <a:schemeClr val="tx1"/>
+                          </a:solidFill>
+                        </a:rPr>
+                        <a:t> </a:t>
+                      </a:r>
+                      <a:r>
+                        <a:rPr lang="en-US" altLang="zh-CN" b="0" dirty="0">
+                          <a:solidFill>
+                            <a:schemeClr val="tx1"/>
+                          </a:solidFill>
+                        </a:rPr>
+                        <a:t>time</a:t>
+                      </a:r>
+                      <a:endParaRPr lang="en-US" b="0" dirty="0">
+                        <a:solidFill>
+                          <a:schemeClr val="tx1"/>
+                        </a:solidFill>
+                      </a:endParaRPr>
+                    </a:p>
+                  </a:txBody>
+                  <a:tcPr/>
+                </a:tc>
+                <a:tc>
+                  <a:txBody>
+                    <a:bodyPr/>
+                    <a:lstStyle/>
+                    <a:p>
+                      <a:pPr algn="r"/>
+                      <a:r>
+                        <a:rPr lang="en-GB" altLang="zh-CN" b="0" dirty="0">
+                          <a:solidFill>
+                            <a:schemeClr val="tx1"/>
+                          </a:solidFill>
+                        </a:rPr>
+                        <a:t>Exec Time</a:t>
+                      </a:r>
+                      <a:endParaRPr lang="en-US" b="0" dirty="0">
+                        <a:solidFill>
+                          <a:schemeClr val="tx1"/>
+                        </a:solidFill>
+                      </a:endParaRPr>
+                    </a:p>
+                  </a:txBody>
+                  <a:tcPr/>
+                </a:tc>
+                <a:tc>
+                  <a:txBody>
+                    <a:bodyPr/>
+                    <a:lstStyle/>
+                    <a:p>
+                      <a:pPr algn="r"/>
+                      <a:r>
+                        <a:rPr lang="en-US" altLang="zh-CN" b="0" dirty="0">
+                          <a:solidFill>
+                            <a:schemeClr val="tx1"/>
+                          </a:solidFill>
+                        </a:rPr>
+                        <a:t>FCFS</a:t>
+                      </a:r>
+                    </a:p>
+                    <a:p>
+                      <a:pPr algn="r"/>
+                      <a:r>
+                        <a:rPr lang="en-US" altLang="zh-CN" b="0" dirty="0">
+                          <a:solidFill>
+                            <a:schemeClr val="tx1"/>
+                          </a:solidFill>
+                        </a:rPr>
+                        <a:t>Finish</a:t>
+                      </a:r>
+                      <a:r>
+                        <a:rPr lang="zh-CN" altLang="en-US" b="0" dirty="0">
+                          <a:solidFill>
+                            <a:schemeClr val="tx1"/>
+                          </a:solidFill>
+                        </a:rPr>
+                        <a:t> </a:t>
+                      </a:r>
+                      <a:r>
+                        <a:rPr lang="en-US" altLang="zh-CN" b="0" dirty="0">
+                          <a:solidFill>
+                            <a:schemeClr val="tx1"/>
+                          </a:solidFill>
+                        </a:rPr>
+                        <a:t>Time</a:t>
+                      </a:r>
+                      <a:endParaRPr lang="en-US" b="0" dirty="0">
+                        <a:solidFill>
+                          <a:schemeClr val="tx1"/>
+                        </a:solidFill>
+                      </a:endParaRPr>
+                    </a:p>
+                  </a:txBody>
+                  <a:tcPr/>
+                </a:tc>
+                <a:tc>
+                  <a:txBody>
+                    <a:bodyPr/>
+                    <a:lstStyle/>
+                    <a:p>
+                      <a:pPr algn="r"/>
+                      <a:r>
+                        <a:rPr lang="en-US" altLang="zh-CN" b="0" dirty="0">
+                          <a:solidFill>
+                            <a:schemeClr val="tx1"/>
+                          </a:solidFill>
+                        </a:rPr>
+                        <a:t>FCFS</a:t>
+                      </a:r>
+                    </a:p>
+                    <a:p>
+                      <a:pPr algn="r"/>
+                      <a:r>
+                        <a:rPr lang="en-US" altLang="zh-CN" b="0" dirty="0">
+                          <a:solidFill>
+                            <a:schemeClr val="tx1"/>
+                          </a:solidFill>
+                        </a:rPr>
+                        <a:t>Response</a:t>
+                      </a:r>
+                      <a:r>
+                        <a:rPr lang="zh-CN" altLang="en-US" b="0" dirty="0">
+                          <a:solidFill>
+                            <a:schemeClr val="tx1"/>
+                          </a:solidFill>
+                        </a:rPr>
+                        <a:t> </a:t>
+                      </a:r>
+                      <a:r>
+                        <a:rPr lang="en-US" altLang="zh-CN" b="0" dirty="0">
+                          <a:solidFill>
+                            <a:schemeClr val="tx1"/>
+                          </a:solidFill>
+                        </a:rPr>
+                        <a:t>Time</a:t>
+                      </a:r>
+                      <a:endParaRPr lang="en-US" b="0" dirty="0">
+                        <a:solidFill>
+                          <a:schemeClr val="tx1"/>
+                        </a:solidFill>
+                      </a:endParaRPr>
+                    </a:p>
+                  </a:txBody>
+                  <a:tcPr marL="45720" marR="45720"/>
+                </a:tc>
+                <a:extLst>
+                  <a:ext uri="{0D108BD9-81ED-4DB2-BD59-A6C34878D82A}">
+                    <a16:rowId xmlns:a16="http://schemas.microsoft.com/office/drawing/2014/main" val="3141622018"/>
+                  </a:ext>
+                </a:extLst>
+              </a:tr>
+              <a:tr h="0">
+                <a:tc>
+                  <a:txBody>
+                    <a:bodyPr/>
+                    <a:lstStyle/>
+                    <a:p>
+                      <a:pPr algn="r"/>
+                      <a:r>
+                        <a:rPr lang="en-US" altLang="zh-CN" dirty="0">
+                          <a:solidFill>
+                            <a:schemeClr val="tx1"/>
+                          </a:solidFill>
+                        </a:rPr>
+                        <a:t>1</a:t>
+                      </a:r>
+                      <a:endParaRPr lang="en-US" dirty="0">
+                        <a:solidFill>
+                          <a:schemeClr val="tx1"/>
+                        </a:solidFill>
+                      </a:endParaRPr>
+                    </a:p>
+                  </a:txBody>
+                  <a:tcPr/>
+                </a:tc>
+                <a:tc>
+                  <a:txBody>
+                    <a:bodyPr/>
+                    <a:lstStyle/>
+                    <a:p>
+                      <a:pPr algn="r"/>
+                      <a:r>
+                        <a:rPr lang="en-US" altLang="zh-CN" dirty="0">
+                          <a:solidFill>
+                            <a:schemeClr val="tx1"/>
+                          </a:solidFill>
+                        </a:rPr>
+                        <a:t>0</a:t>
+                      </a:r>
+                      <a:endParaRPr lang="en-US" dirty="0">
+                        <a:solidFill>
+                          <a:schemeClr val="tx1"/>
+                        </a:solidFill>
+                      </a:endParaRPr>
+                    </a:p>
+                  </a:txBody>
+                  <a:tcPr/>
+                </a:tc>
+                <a:tc>
+                  <a:txBody>
+                    <a:bodyPr/>
+                    <a:lstStyle/>
+                    <a:p>
+                      <a:pPr algn="r"/>
+                      <a:r>
+                        <a:rPr lang="en-US" altLang="zh-CN" strike="noStrike" dirty="0">
+                          <a:solidFill>
+                            <a:schemeClr val="tx1"/>
+                          </a:solidFill>
+                        </a:rPr>
+                        <a:t>2</a:t>
+                      </a:r>
+                      <a:endParaRPr lang="en-US" strike="noStrike" dirty="0">
+                        <a:solidFill>
+                          <a:schemeClr val="tx1"/>
+                        </a:solidFill>
+                      </a:endParaRPr>
+                    </a:p>
+                  </a:txBody>
+                  <a:tcPr/>
+                </a:tc>
+                <a:tc>
+                  <a:txBody>
+                    <a:bodyPr/>
+                    <a:lstStyle/>
+                    <a:p>
+                      <a:pPr algn="r"/>
+                      <a:r>
+                        <a:rPr lang="en-US" altLang="zh-CN" dirty="0">
+                          <a:solidFill>
+                            <a:schemeClr val="tx1"/>
+                          </a:solidFill>
+                        </a:rPr>
+                        <a:t>2</a:t>
+                      </a:r>
+                      <a:endParaRPr lang="en-US" dirty="0">
+                        <a:solidFill>
+                          <a:schemeClr val="tx1"/>
+                        </a:solidFill>
+                      </a:endParaRPr>
+                    </a:p>
+                  </a:txBody>
+                  <a:tcPr/>
+                </a:tc>
+                <a:tc>
+                  <a:txBody>
+                    <a:bodyPr/>
+                    <a:lstStyle/>
+                    <a:p>
+                      <a:pPr algn="r"/>
+                      <a:r>
+                        <a:rPr lang="en-US" dirty="0">
+                          <a:solidFill>
+                            <a:schemeClr val="tx1"/>
+                          </a:solidFill>
+                        </a:rPr>
+                        <a:t>2</a:t>
+                      </a:r>
+                    </a:p>
+                  </a:txBody>
+                  <a:tcPr/>
+                </a:tc>
+                <a:extLst>
+                  <a:ext uri="{0D108BD9-81ED-4DB2-BD59-A6C34878D82A}">
+                    <a16:rowId xmlns:a16="http://schemas.microsoft.com/office/drawing/2014/main" val="2311278232"/>
+                  </a:ext>
+                </a:extLst>
+              </a:tr>
+              <a:tr h="0">
+                <a:tc>
+                  <a:txBody>
+                    <a:bodyPr/>
+                    <a:lstStyle/>
+                    <a:p>
+                      <a:pPr marL="0" marR="0" lvl="0" indent="0" algn="r" defTabSz="914400" rtl="0" eaLnBrk="1" fontAlgn="auto" latinLnBrk="0" hangingPunct="1">
+                        <a:lnSpc>
+                          <a:spcPct val="100000"/>
+                        </a:lnSpc>
+                        <a:spcBef>
+                          <a:spcPts val="0"/>
+                        </a:spcBef>
+                        <a:spcAft>
+                          <a:spcPts val="0"/>
+                        </a:spcAft>
+                        <a:buClrTx/>
+                        <a:buSzTx/>
+                        <a:buFontTx/>
+                        <a:buNone/>
+                        <a:tabLst/>
+                        <a:defRPr/>
+                      </a:pPr>
+                      <a:r>
+                        <a:rPr lang="en-US" altLang="zh-CN" dirty="0">
+                          <a:solidFill>
+                            <a:schemeClr val="tx1"/>
+                          </a:solidFill>
+                        </a:rPr>
+                        <a:t>2</a:t>
+                      </a:r>
+                      <a:endParaRPr lang="en-US" dirty="0">
+                        <a:solidFill>
+                          <a:schemeClr val="tx1"/>
+                        </a:solidFill>
+                      </a:endParaRPr>
+                    </a:p>
+                  </a:txBody>
+                  <a:tcPr/>
+                </a:tc>
+                <a:tc>
+                  <a:txBody>
+                    <a:bodyPr/>
+                    <a:lstStyle/>
+                    <a:p>
+                      <a:pPr algn="r"/>
+                      <a:r>
+                        <a:rPr lang="en-US" altLang="zh-CN" baseline="0" dirty="0">
+                          <a:solidFill>
+                            <a:schemeClr val="tx1"/>
+                          </a:solidFill>
+                        </a:rPr>
+                        <a:t>3</a:t>
+                      </a:r>
+                      <a:endParaRPr lang="en-US" baseline="0" dirty="0">
+                        <a:solidFill>
+                          <a:schemeClr val="tx1"/>
+                        </a:solidFill>
+                      </a:endParaRPr>
+                    </a:p>
+                  </a:txBody>
+                  <a:tcPr/>
+                </a:tc>
+                <a:tc>
+                  <a:txBody>
+                    <a:bodyPr/>
+                    <a:lstStyle/>
+                    <a:p>
+                      <a:pPr algn="r"/>
+                      <a:r>
+                        <a:rPr lang="en-US" altLang="zh-CN" dirty="0">
+                          <a:solidFill>
+                            <a:schemeClr val="tx1"/>
+                          </a:solidFill>
+                        </a:rPr>
+                        <a:t>1</a:t>
+                      </a:r>
+                      <a:endParaRPr lang="en-US" dirty="0">
+                        <a:solidFill>
+                          <a:schemeClr val="tx1"/>
+                        </a:solidFill>
+                      </a:endParaRPr>
+                    </a:p>
+                  </a:txBody>
+                  <a:tcPr/>
+                </a:tc>
+                <a:tc>
+                  <a:txBody>
+                    <a:bodyPr/>
+                    <a:lstStyle/>
+                    <a:p>
+                      <a:pPr algn="r"/>
+                      <a:r>
+                        <a:rPr lang="en-US" altLang="zh-CN" dirty="0">
+                          <a:solidFill>
+                            <a:schemeClr val="tx1"/>
+                          </a:solidFill>
+                        </a:rPr>
+                        <a:t>4</a:t>
+                      </a:r>
+                      <a:endParaRPr lang="en-US" dirty="0">
+                        <a:solidFill>
+                          <a:schemeClr val="tx1"/>
+                        </a:solidFill>
+                      </a:endParaRPr>
+                    </a:p>
+                  </a:txBody>
+                  <a:tcPr/>
+                </a:tc>
+                <a:tc>
+                  <a:txBody>
+                    <a:bodyPr/>
+                    <a:lstStyle/>
+                    <a:p>
+                      <a:pPr algn="r"/>
+                      <a:r>
+                        <a:rPr lang="en-US" dirty="0">
+                          <a:solidFill>
+                            <a:schemeClr val="tx1"/>
+                          </a:solidFill>
+                        </a:rPr>
+                        <a:t>1</a:t>
+                      </a:r>
+                    </a:p>
+                  </a:txBody>
+                  <a:tcPr/>
+                </a:tc>
+                <a:extLst>
+                  <a:ext uri="{0D108BD9-81ED-4DB2-BD59-A6C34878D82A}">
+                    <a16:rowId xmlns:a16="http://schemas.microsoft.com/office/drawing/2014/main" val="1749603488"/>
+                  </a:ext>
+                </a:extLst>
+              </a:tr>
+              <a:tr h="0">
+                <a:tc>
+                  <a:txBody>
+                    <a:bodyPr/>
+                    <a:lstStyle/>
+                    <a:p>
+                      <a:pPr marL="0" marR="0" lvl="0" indent="0" algn="r" defTabSz="914400" rtl="0" eaLnBrk="1" fontAlgn="auto" latinLnBrk="0" hangingPunct="1">
+                        <a:lnSpc>
+                          <a:spcPct val="100000"/>
+                        </a:lnSpc>
+                        <a:spcBef>
+                          <a:spcPts val="0"/>
+                        </a:spcBef>
+                        <a:spcAft>
+                          <a:spcPts val="0"/>
+                        </a:spcAft>
+                        <a:buClrTx/>
+                        <a:buSzTx/>
+                        <a:buFontTx/>
+                        <a:buNone/>
+                        <a:tabLst/>
+                        <a:defRPr/>
+                      </a:pPr>
+                      <a:r>
+                        <a:rPr lang="en-US" altLang="zh-CN" dirty="0">
+                          <a:solidFill>
+                            <a:schemeClr val="tx1"/>
+                          </a:solidFill>
+                        </a:rPr>
+                        <a:t>3</a:t>
+                      </a:r>
+                      <a:endParaRPr lang="en-US" dirty="0">
+                        <a:solidFill>
+                          <a:schemeClr val="tx1"/>
+                        </a:solidFill>
+                      </a:endParaRPr>
+                    </a:p>
+                  </a:txBody>
+                  <a:tcPr/>
+                </a:tc>
+                <a:tc>
+                  <a:txBody>
+                    <a:bodyPr/>
+                    <a:lstStyle/>
+                    <a:p>
+                      <a:pPr algn="r"/>
+                      <a:r>
+                        <a:rPr lang="en-US" altLang="zh-CN" dirty="0">
+                          <a:solidFill>
+                            <a:schemeClr val="tx1"/>
+                          </a:solidFill>
+                        </a:rPr>
+                        <a:t>5</a:t>
+                      </a:r>
+                      <a:endParaRPr lang="en-US" baseline="30000" dirty="0">
+                        <a:solidFill>
+                          <a:schemeClr val="tx1"/>
+                        </a:solidFill>
+                      </a:endParaRPr>
+                    </a:p>
+                  </a:txBody>
+                  <a:tcPr/>
+                </a:tc>
+                <a:tc>
+                  <a:txBody>
+                    <a:bodyPr/>
+                    <a:lstStyle/>
+                    <a:p>
+                      <a:pPr algn="r"/>
+                      <a:r>
+                        <a:rPr lang="en-US" altLang="zh-CN" dirty="0">
+                          <a:solidFill>
+                            <a:schemeClr val="tx1"/>
+                          </a:solidFill>
+                        </a:rPr>
+                        <a:t>6</a:t>
+                      </a:r>
+                      <a:endParaRPr lang="en-US" dirty="0">
+                        <a:solidFill>
+                          <a:schemeClr val="tx1"/>
+                        </a:solidFill>
+                      </a:endParaRPr>
+                    </a:p>
+                  </a:txBody>
+                  <a:tcPr/>
+                </a:tc>
+                <a:tc>
+                  <a:txBody>
+                    <a:bodyPr/>
+                    <a:lstStyle/>
+                    <a:p>
+                      <a:pPr algn="r"/>
+                      <a:r>
+                        <a:rPr lang="en-US" altLang="zh-CN" dirty="0">
+                          <a:solidFill>
+                            <a:schemeClr val="tx1"/>
+                          </a:solidFill>
+                        </a:rPr>
+                        <a:t>11</a:t>
+                      </a:r>
+                      <a:endParaRPr lang="en-US" dirty="0">
+                        <a:solidFill>
+                          <a:schemeClr val="tx1"/>
+                        </a:solidFill>
+                      </a:endParaRPr>
+                    </a:p>
+                  </a:txBody>
+                  <a:tcPr/>
+                </a:tc>
+                <a:tc>
+                  <a:txBody>
+                    <a:bodyPr/>
+                    <a:lstStyle/>
+                    <a:p>
+                      <a:pPr algn="r"/>
+                      <a:r>
+                        <a:rPr lang="en-US" dirty="0">
+                          <a:solidFill>
+                            <a:schemeClr val="tx1"/>
+                          </a:solidFill>
+                        </a:rPr>
+                        <a:t>6</a:t>
+                      </a:r>
+                    </a:p>
+                  </a:txBody>
+                  <a:tcPr/>
+                </a:tc>
+                <a:extLst>
+                  <a:ext uri="{0D108BD9-81ED-4DB2-BD59-A6C34878D82A}">
+                    <a16:rowId xmlns:a16="http://schemas.microsoft.com/office/drawing/2014/main" val="1233945708"/>
+                  </a:ext>
+                </a:extLst>
+              </a:tr>
+              <a:tr h="0">
+                <a:tc>
+                  <a:txBody>
+                    <a:bodyPr/>
+                    <a:lstStyle/>
+                    <a:p>
+                      <a:pPr algn="r"/>
+                      <a:endParaRPr lang="en-US" dirty="0">
+                        <a:solidFill>
+                          <a:schemeClr val="tx1"/>
+                        </a:solidFill>
+                      </a:endParaRPr>
+                    </a:p>
+                  </a:txBody>
+                  <a:tcPr/>
+                </a:tc>
+                <a:tc gridSpan="2">
+                  <a:txBody>
+                    <a:bodyPr/>
+                    <a:lstStyle/>
+                    <a:p>
+                      <a:pPr algn="r"/>
+                      <a:endParaRPr lang="en-US" dirty="0">
+                        <a:solidFill>
+                          <a:schemeClr val="tx1"/>
+                        </a:solidFill>
+                      </a:endParaRPr>
+                    </a:p>
+                  </a:txBody>
+                  <a:tcPr/>
+                </a:tc>
+                <a:tc hMerge="1">
+                  <a:txBody>
+                    <a:bodyPr/>
+                    <a:lstStyle/>
+                    <a:p>
+                      <a:r>
+                        <a:rPr lang="en-US" altLang="zh-CN" dirty="0"/>
+                        <a:t>Average</a:t>
+                      </a:r>
+                      <a:r>
+                        <a:rPr lang="zh-CN" altLang="en-US" dirty="0"/>
+                        <a:t> </a:t>
+                      </a:r>
+                      <a:r>
+                        <a:rPr lang="en-US" altLang="zh-CN" dirty="0"/>
+                        <a:t>Turnaround</a:t>
+                      </a:r>
+                      <a:endParaRPr lang="en-US" dirty="0"/>
+                    </a:p>
+                  </a:txBody>
+                  <a:tcPr/>
+                </a:tc>
+                <a:tc>
+                  <a:txBody>
+                    <a:bodyPr/>
+                    <a:lstStyle/>
+                    <a:p>
+                      <a:pPr algn="r"/>
+                      <a:endParaRPr lang="en-US" dirty="0">
+                        <a:solidFill>
+                          <a:schemeClr val="tx1"/>
+                        </a:solidFill>
+                      </a:endParaRPr>
+                    </a:p>
+                  </a:txBody>
+                  <a:tcPr/>
+                </a:tc>
+                <a:tc>
+                  <a:txBody>
+                    <a:bodyPr/>
+                    <a:lstStyle/>
+                    <a:p>
+                      <a:pPr algn="r"/>
+                      <a:r>
+                        <a:rPr lang="en-US" dirty="0">
+                          <a:solidFill>
+                            <a:schemeClr val="tx1"/>
+                          </a:solidFill>
+                        </a:rPr>
+                        <a:t>Avg RT 3</a:t>
+                      </a:r>
+                    </a:p>
+                  </a:txBody>
+                  <a:tcPr/>
+                </a:tc>
+                <a:extLst>
+                  <a:ext uri="{0D108BD9-81ED-4DB2-BD59-A6C34878D82A}">
+                    <a16:rowId xmlns:a16="http://schemas.microsoft.com/office/drawing/2014/main" val="2879113726"/>
+                  </a:ext>
+                </a:extLst>
+              </a:tr>
+            </a:tbl>
+          </a:graphicData>
+        </a:graphic>
+      </p:graphicFrame>
+      <p:sp>
+        <p:nvSpPr>
+          <p:cNvPr id="11" name="文本框 10">
+            <a:extLst>
+              <a:ext uri="{FF2B5EF4-FFF2-40B4-BE49-F238E27FC236}">
+                <a16:creationId xmlns:a16="http://schemas.microsoft.com/office/drawing/2014/main" id="{108BCEE7-D40E-BDD6-0942-2F8A4779AAFE}"/>
+              </a:ext>
+            </a:extLst>
+          </p:cNvPr>
+          <p:cNvSpPr txBox="1"/>
+          <p:nvPr/>
+        </p:nvSpPr>
+        <p:spPr>
+          <a:xfrm>
+            <a:off x="5998668" y="7436332"/>
+            <a:ext cx="1031051" cy="369332"/>
+          </a:xfrm>
+          <a:prstGeom prst="rect">
+            <a:avLst/>
+          </a:prstGeom>
+          <a:noFill/>
+        </p:spPr>
+        <p:txBody>
+          <a:bodyPr wrap="none" rtlCol="0">
+            <a:spAutoFit/>
+          </a:bodyPr>
+          <a:lstStyle/>
+          <a:p>
+            <a:pPr defTabSz="457200" eaLnBrk="1" fontAlgn="auto" hangingPunct="1">
+              <a:spcBef>
+                <a:spcPts val="0"/>
+              </a:spcBef>
+              <a:spcAft>
+                <a:spcPts val="0"/>
+              </a:spcAft>
+            </a:pPr>
+            <a:r>
+              <a:rPr lang="en-US" altLang="zh-CN" b="0" dirty="0">
+                <a:solidFill>
+                  <a:srgbClr val="000000"/>
+                </a:solidFill>
+                <a:latin typeface="Arial" panose="020B0604020202020204"/>
+                <a:ea typeface="黑体" panose="02010609060101010101" pitchFamily="49" charset="-122"/>
+                <a:cs typeface="+mn-cs"/>
+              </a:rPr>
+              <a:t>B arrival</a:t>
+            </a:r>
+            <a:endParaRPr lang="en-US" b="0" dirty="0">
+              <a:solidFill>
+                <a:srgbClr val="000000"/>
+              </a:solidFill>
+              <a:latin typeface="Arial" panose="020B0604020202020204"/>
+              <a:ea typeface="+mn-ea"/>
+              <a:cs typeface="+mn-cs"/>
+            </a:endParaRPr>
+          </a:p>
+        </p:txBody>
+      </p:sp>
+      <p:sp>
+        <p:nvSpPr>
+          <p:cNvPr id="42" name="文本框 10">
+            <a:extLst>
+              <a:ext uri="{FF2B5EF4-FFF2-40B4-BE49-F238E27FC236}">
+                <a16:creationId xmlns:a16="http://schemas.microsoft.com/office/drawing/2014/main" id="{4ADD59B3-3E65-AA0D-BC0D-FCC84BEADF3F}"/>
+              </a:ext>
+            </a:extLst>
+          </p:cNvPr>
+          <p:cNvSpPr txBox="1"/>
+          <p:nvPr/>
+        </p:nvSpPr>
+        <p:spPr>
+          <a:xfrm>
+            <a:off x="7000409" y="7436332"/>
+            <a:ext cx="1043876" cy="369332"/>
+          </a:xfrm>
+          <a:prstGeom prst="rect">
+            <a:avLst/>
+          </a:prstGeom>
+          <a:noFill/>
+        </p:spPr>
+        <p:txBody>
+          <a:bodyPr wrap="none" rtlCol="0">
+            <a:spAutoFit/>
+          </a:bodyPr>
+          <a:lstStyle/>
+          <a:p>
+            <a:pPr defTabSz="457200" eaLnBrk="1" fontAlgn="auto" hangingPunct="1">
+              <a:spcBef>
+                <a:spcPts val="0"/>
+              </a:spcBef>
+              <a:spcAft>
+                <a:spcPts val="0"/>
+              </a:spcAft>
+            </a:pPr>
+            <a:r>
+              <a:rPr lang="en-US" altLang="zh-CN" b="0" dirty="0">
+                <a:solidFill>
+                  <a:srgbClr val="000000"/>
+                </a:solidFill>
+                <a:latin typeface="Arial" panose="020B0604020202020204"/>
+                <a:ea typeface="黑体" panose="02010609060101010101" pitchFamily="49" charset="-122"/>
+                <a:cs typeface="+mn-cs"/>
+              </a:rPr>
+              <a:t>C arrival</a:t>
+            </a:r>
+            <a:endParaRPr lang="en-US" b="0" dirty="0">
+              <a:solidFill>
+                <a:srgbClr val="000000"/>
+              </a:solidFill>
+              <a:latin typeface="Arial" panose="020B0604020202020204"/>
+              <a:ea typeface="+mn-ea"/>
+              <a:cs typeface="+mn-cs"/>
+            </a:endParaRPr>
+          </a:p>
+        </p:txBody>
+      </p:sp>
+      <p:sp>
+        <p:nvSpPr>
+          <p:cNvPr id="36" name="Content Placeholder 2">
+            <a:extLst>
+              <a:ext uri="{FF2B5EF4-FFF2-40B4-BE49-F238E27FC236}">
+                <a16:creationId xmlns:a16="http://schemas.microsoft.com/office/drawing/2014/main" id="{55A98081-1BEB-15A2-FE3F-D8B9D548D58A}"/>
+              </a:ext>
+            </a:extLst>
+          </p:cNvPr>
+          <p:cNvSpPr>
+            <a:spLocks noGrp="1"/>
+          </p:cNvSpPr>
+          <p:nvPr>
+            <p:ph idx="1"/>
+          </p:nvPr>
+        </p:nvSpPr>
+        <p:spPr>
+          <a:xfrm>
+            <a:off x="5775901" y="6121400"/>
+            <a:ext cx="1676400" cy="395575"/>
+          </a:xfrm>
+        </p:spPr>
+        <p:txBody>
+          <a:bodyPr>
+            <a:normAutofit lnSpcReduction="10000"/>
+          </a:bodyPr>
+          <a:lstStyle/>
+          <a:p>
+            <a:pPr marL="0" indent="0">
+              <a:buNone/>
+            </a:pPr>
+            <a:r>
+              <a:rPr lang="en-GB" sz="2400" dirty="0"/>
+              <a:t>Gantt Chart</a:t>
+            </a:r>
+            <a:endParaRPr lang="en-SE" sz="2400" dirty="0"/>
+          </a:p>
+        </p:txBody>
+      </p:sp>
+      <p:pic>
+        <p:nvPicPr>
+          <p:cNvPr id="16" name="Picture 15">
+            <a:extLst>
+              <a:ext uri="{FF2B5EF4-FFF2-40B4-BE49-F238E27FC236}">
+                <a16:creationId xmlns:a16="http://schemas.microsoft.com/office/drawing/2014/main" id="{36A896CB-5DD2-C680-B1C7-78CD59673291}"/>
+              </a:ext>
+            </a:extLst>
+          </p:cNvPr>
+          <p:cNvPicPr>
+            <a:picLocks noChangeAspect="1"/>
+          </p:cNvPicPr>
+          <p:nvPr/>
+        </p:nvPicPr>
+        <p:blipFill>
+          <a:blip r:embed="rId3"/>
+          <a:stretch>
+            <a:fillRect/>
+          </a:stretch>
+        </p:blipFill>
+        <p:spPr>
+          <a:xfrm>
+            <a:off x="3292365" y="4001901"/>
+            <a:ext cx="6260626" cy="1873830"/>
+          </a:xfrm>
+          <a:prstGeom prst="rect">
+            <a:avLst/>
+          </a:prstGeom>
+        </p:spPr>
+      </p:pic>
+      <p:cxnSp>
+        <p:nvCxnSpPr>
+          <p:cNvPr id="5" name="Straight Arrow Connector 4">
+            <a:extLst>
+              <a:ext uri="{FF2B5EF4-FFF2-40B4-BE49-F238E27FC236}">
+                <a16:creationId xmlns:a16="http://schemas.microsoft.com/office/drawing/2014/main" id="{296B1FF5-8908-C1F1-3825-E3A11BB75B14}"/>
+              </a:ext>
+            </a:extLst>
+          </p:cNvPr>
+          <p:cNvCxnSpPr>
+            <a:cxnSpLocks/>
+          </p:cNvCxnSpPr>
+          <p:nvPr/>
+        </p:nvCxnSpPr>
+        <p:spPr bwMode="auto">
+          <a:xfrm flipV="1">
+            <a:off x="3433009" y="5170196"/>
+            <a:ext cx="0" cy="485455"/>
+          </a:xfrm>
+          <a:prstGeom prst="straightConnector1">
+            <a:avLst/>
+          </a:prstGeom>
+          <a:ln w="19050" cap="flat" cmpd="sng" algn="ctr">
+            <a:solidFill>
+              <a:schemeClr val="accent1"/>
+            </a:solidFill>
+            <a:prstDash val="solid"/>
+            <a:round/>
+            <a:headEnd type="none" w="med" len="med"/>
+            <a:tailEnd type="arrow" w="med" len="med"/>
+          </a:ln>
+          <a:extLst>
+            <a:ext uri="{AF507438-7753-43e0-B8FC-AC1667EBCBE1}">
+              <a14:hiddenEffects xmlns:a14="http://schemas.microsoft.com/office/drawing/2010/main" xmlns="">
+                <a:effectLst>
+                  <a:outerShdw dist="35921" dir="2700000" algn="ctr" rotWithShape="0">
+                    <a:schemeClr val="bg2"/>
+                  </a:outerShdw>
+                </a:effectLst>
+              </a14:hiddenEffects>
+            </a:ext>
+          </a:extLst>
+        </p:spPr>
+        <p:style>
+          <a:lnRef idx="0">
+            <a:scrgbClr r="0" g="0" b="0"/>
+          </a:lnRef>
+          <a:fillRef idx="0">
+            <a:scrgbClr r="0" g="0" b="0"/>
+          </a:fillRef>
+          <a:effectRef idx="0">
+            <a:scrgbClr r="0" g="0" b="0"/>
+          </a:effectRef>
+          <a:fontRef idx="minor">
+            <a:schemeClr val="tx1"/>
+          </a:fontRef>
+        </p:style>
+      </p:cxnSp>
+      <p:sp>
+        <p:nvSpPr>
+          <p:cNvPr id="7" name="TextBox 6">
+            <a:extLst>
+              <a:ext uri="{FF2B5EF4-FFF2-40B4-BE49-F238E27FC236}">
+                <a16:creationId xmlns:a16="http://schemas.microsoft.com/office/drawing/2014/main" id="{2BF7F21A-509E-A1A1-7A8E-B5E8CD570EF3}"/>
+              </a:ext>
+            </a:extLst>
+          </p:cNvPr>
+          <p:cNvSpPr txBox="1"/>
+          <p:nvPr/>
+        </p:nvSpPr>
+        <p:spPr>
+          <a:xfrm>
+            <a:off x="2895600" y="5554219"/>
+            <a:ext cx="1013867" cy="369332"/>
+          </a:xfrm>
+          <a:prstGeom prst="rect">
+            <a:avLst/>
+          </a:prstGeom>
+          <a:noFill/>
+        </p:spPr>
+        <p:txBody>
+          <a:bodyPr wrap="none" rtlCol="0">
+            <a:spAutoFit/>
+          </a:bodyPr>
+          <a:lstStyle/>
+          <a:p>
+            <a:r>
+              <a:rPr lang="en-GB" dirty="0">
+                <a:solidFill>
+                  <a:schemeClr val="accent1">
+                    <a:lumMod val="75000"/>
+                  </a:schemeClr>
+                </a:solidFill>
+                <a:latin typeface="Gill Sans Light"/>
+              </a:rPr>
+              <a:t>P1 arrival</a:t>
+            </a:r>
+            <a:endParaRPr lang="en-SE" dirty="0">
+              <a:solidFill>
+                <a:schemeClr val="accent1">
+                  <a:lumMod val="75000"/>
+                </a:schemeClr>
+              </a:solidFill>
+              <a:latin typeface="Gill Sans Light"/>
+            </a:endParaRPr>
+          </a:p>
+        </p:txBody>
+      </p:sp>
+      <p:cxnSp>
+        <p:nvCxnSpPr>
+          <p:cNvPr id="10" name="Straight Arrow Connector 9">
+            <a:extLst>
+              <a:ext uri="{FF2B5EF4-FFF2-40B4-BE49-F238E27FC236}">
+                <a16:creationId xmlns:a16="http://schemas.microsoft.com/office/drawing/2014/main" id="{41CB4D02-B01F-3309-23BB-DB6A1412A332}"/>
+              </a:ext>
+            </a:extLst>
+          </p:cNvPr>
+          <p:cNvCxnSpPr>
+            <a:cxnSpLocks/>
+          </p:cNvCxnSpPr>
+          <p:nvPr/>
+        </p:nvCxnSpPr>
+        <p:spPr bwMode="auto">
+          <a:xfrm flipV="1">
+            <a:off x="5791200" y="5116584"/>
+            <a:ext cx="0" cy="485455"/>
+          </a:xfrm>
+          <a:prstGeom prst="straightConnector1">
+            <a:avLst/>
+          </a:prstGeom>
+          <a:ln w="19050" cap="flat" cmpd="sng" algn="ctr">
+            <a:solidFill>
+              <a:schemeClr val="accent1"/>
+            </a:solidFill>
+            <a:prstDash val="solid"/>
+            <a:round/>
+            <a:headEnd type="none" w="med" len="med"/>
+            <a:tailEnd type="arrow" w="med" len="med"/>
+          </a:ln>
+          <a:extLst>
+            <a:ext uri="{AF507438-7753-43e0-B8FC-AC1667EBCBE1}">
+              <a14:hiddenEffects xmlns:a14="http://schemas.microsoft.com/office/drawing/2010/main" xmlns="">
+                <a:effectLst>
+                  <a:outerShdw dist="35921" dir="2700000" algn="ctr" rotWithShape="0">
+                    <a:schemeClr val="bg2"/>
+                  </a:outerShdw>
+                </a:effectLst>
+              </a14:hiddenEffects>
+            </a:ext>
+          </a:extLst>
+        </p:spPr>
+        <p:style>
+          <a:lnRef idx="0">
+            <a:scrgbClr r="0" g="0" b="0"/>
+          </a:lnRef>
+          <a:fillRef idx="0">
+            <a:scrgbClr r="0" g="0" b="0"/>
+          </a:fillRef>
+          <a:effectRef idx="0">
+            <a:scrgbClr r="0" g="0" b="0"/>
+          </a:effectRef>
+          <a:fontRef idx="minor">
+            <a:schemeClr val="tx1"/>
+          </a:fontRef>
+        </p:style>
+      </p:cxnSp>
+      <p:sp>
+        <p:nvSpPr>
+          <p:cNvPr id="12" name="TextBox 11">
+            <a:extLst>
+              <a:ext uri="{FF2B5EF4-FFF2-40B4-BE49-F238E27FC236}">
+                <a16:creationId xmlns:a16="http://schemas.microsoft.com/office/drawing/2014/main" id="{83CD8C37-AF18-7991-3FD0-EC4CD78F30B3}"/>
+              </a:ext>
+            </a:extLst>
+          </p:cNvPr>
+          <p:cNvSpPr txBox="1"/>
+          <p:nvPr/>
+        </p:nvSpPr>
+        <p:spPr>
+          <a:xfrm>
+            <a:off x="5284266" y="5256617"/>
+            <a:ext cx="1013867" cy="369332"/>
+          </a:xfrm>
+          <a:prstGeom prst="rect">
+            <a:avLst/>
+          </a:prstGeom>
+          <a:solidFill>
+            <a:schemeClr val="bg1"/>
+          </a:solidFill>
+        </p:spPr>
+        <p:txBody>
+          <a:bodyPr wrap="none" rtlCol="0">
+            <a:spAutoFit/>
+          </a:bodyPr>
+          <a:lstStyle/>
+          <a:p>
+            <a:r>
+              <a:rPr lang="en-GB" dirty="0">
+                <a:solidFill>
+                  <a:schemeClr val="accent1">
+                    <a:lumMod val="75000"/>
+                  </a:schemeClr>
+                </a:solidFill>
+                <a:latin typeface="Gill Sans Light"/>
+              </a:rPr>
+              <a:t>P2 arrival</a:t>
+            </a:r>
+            <a:endParaRPr lang="en-SE" dirty="0">
+              <a:solidFill>
+                <a:schemeClr val="accent1">
+                  <a:lumMod val="75000"/>
+                </a:schemeClr>
+              </a:solidFill>
+              <a:latin typeface="Gill Sans Light"/>
+            </a:endParaRPr>
+          </a:p>
+        </p:txBody>
+      </p:sp>
+      <p:cxnSp>
+        <p:nvCxnSpPr>
+          <p:cNvPr id="13" name="Straight Arrow Connector 12">
+            <a:extLst>
+              <a:ext uri="{FF2B5EF4-FFF2-40B4-BE49-F238E27FC236}">
+                <a16:creationId xmlns:a16="http://schemas.microsoft.com/office/drawing/2014/main" id="{9EC07BAB-CA65-8856-7B45-64FC250AB29B}"/>
+              </a:ext>
+            </a:extLst>
+          </p:cNvPr>
+          <p:cNvCxnSpPr>
+            <a:cxnSpLocks/>
+          </p:cNvCxnSpPr>
+          <p:nvPr/>
+        </p:nvCxnSpPr>
+        <p:spPr bwMode="auto">
+          <a:xfrm flipV="1">
+            <a:off x="8081209" y="5122376"/>
+            <a:ext cx="0" cy="485455"/>
+          </a:xfrm>
+          <a:prstGeom prst="straightConnector1">
+            <a:avLst/>
+          </a:prstGeom>
+          <a:ln w="19050" cap="flat" cmpd="sng" algn="ctr">
+            <a:solidFill>
+              <a:schemeClr val="accent1"/>
+            </a:solidFill>
+            <a:prstDash val="solid"/>
+            <a:round/>
+            <a:headEnd type="none" w="med" len="med"/>
+            <a:tailEnd type="arrow" w="med" len="med"/>
+          </a:ln>
+          <a:extLst>
+            <a:ext uri="{AF507438-7753-43e0-B8FC-AC1667EBCBE1}">
+              <a14:hiddenEffects xmlns:a14="http://schemas.microsoft.com/office/drawing/2010/main" xmlns="">
+                <a:effectLst>
+                  <a:outerShdw dist="35921" dir="2700000" algn="ctr" rotWithShape="0">
+                    <a:schemeClr val="bg2"/>
+                  </a:outerShdw>
+                </a:effectLst>
+              </a14:hiddenEffects>
+            </a:ext>
+          </a:extLst>
+        </p:spPr>
+        <p:style>
+          <a:lnRef idx="0">
+            <a:scrgbClr r="0" g="0" b="0"/>
+          </a:lnRef>
+          <a:fillRef idx="0">
+            <a:scrgbClr r="0" g="0" b="0"/>
+          </a:fillRef>
+          <a:effectRef idx="0">
+            <a:scrgbClr r="0" g="0" b="0"/>
+          </a:effectRef>
+          <a:fontRef idx="minor">
+            <a:schemeClr val="tx1"/>
+          </a:fontRef>
+        </p:style>
+      </p:cxnSp>
+      <p:sp>
+        <p:nvSpPr>
+          <p:cNvPr id="14" name="TextBox 13">
+            <a:extLst>
+              <a:ext uri="{FF2B5EF4-FFF2-40B4-BE49-F238E27FC236}">
+                <a16:creationId xmlns:a16="http://schemas.microsoft.com/office/drawing/2014/main" id="{993DD6CA-202E-9A30-4606-90B46344B976}"/>
+              </a:ext>
+            </a:extLst>
+          </p:cNvPr>
+          <p:cNvSpPr txBox="1"/>
+          <p:nvPr/>
+        </p:nvSpPr>
+        <p:spPr>
+          <a:xfrm>
+            <a:off x="7543800" y="5554219"/>
+            <a:ext cx="1013867" cy="369332"/>
+          </a:xfrm>
+          <a:prstGeom prst="rect">
+            <a:avLst/>
+          </a:prstGeom>
+          <a:noFill/>
+        </p:spPr>
+        <p:txBody>
+          <a:bodyPr wrap="none" rtlCol="0">
+            <a:spAutoFit/>
+          </a:bodyPr>
+          <a:lstStyle/>
+          <a:p>
+            <a:r>
+              <a:rPr lang="en-GB" dirty="0">
+                <a:solidFill>
+                  <a:schemeClr val="accent1">
+                    <a:lumMod val="75000"/>
+                  </a:schemeClr>
+                </a:solidFill>
+                <a:latin typeface="Gill Sans Light"/>
+              </a:rPr>
+              <a:t>P3 arrival</a:t>
+            </a:r>
+            <a:endParaRPr lang="en-SE" dirty="0">
+              <a:solidFill>
+                <a:schemeClr val="accent1">
+                  <a:lumMod val="75000"/>
+                </a:schemeClr>
+              </a:solidFill>
+              <a:latin typeface="Gill Sans Light"/>
+            </a:endParaRPr>
+          </a:p>
+        </p:txBody>
+      </p:sp>
+    </p:spTree>
+    <p:extLst>
+      <p:ext uri="{BB962C8B-B14F-4D97-AF65-F5344CB8AC3E}">
+        <p14:creationId xmlns:p14="http://schemas.microsoft.com/office/powerpoint/2010/main" val="3792104184"/>
+      </p:ext>
+    </p:extLst>
+  </p:cSld>
+  <p:clrMapOvr>
+    <a:masterClrMapping/>
+  </p:clrMapOvr>
+  <p:transition/>
+  <p:timing>
+    <p:tnLst>
+      <p:par>
+        <p:cTn id="1" dur="indefinite" restart="never" nodeType="tmRoot">
+          <p:childTnLst>
+            <p:seq concurrent="1" nextAc="seek">
+              <p:cTn id="2" dur="indefinite" nodeType="mainSeq">
+                <p:childTnLst>
+                  <p:par>
+                    <p:cTn id="3" fill="hold">
+                      <p:stCondLst>
+                        <p:cond delay="indefinite"/>
+                        <p:cond evt="onBegin" delay="0">
+                          <p:tn val="2"/>
+                        </p:cond>
+                      </p:stCondLst>
+                      <p:childTnLst>
+                        <p:par>
+                          <p:cTn id="4" fill="hold">
+                            <p:stCondLst>
+                              <p:cond delay="0"/>
+                            </p:stCondLst>
+                            <p:childTnLst>
+                              <p:par>
+                                <p:cTn id="5" presetID="1" presetClass="entr" presetSubtype="0" fill="hold" grpId="0" nodeType="withEffect">
+                                  <p:stCondLst>
+                                    <p:cond delay="0"/>
+                                  </p:stCondLst>
+                                  <p:childTnLst>
+                                    <p:set>
+                                      <p:cBhvr>
+                                        <p:cTn id="6" dur="1" fill="hold">
+                                          <p:stCondLst>
+                                            <p:cond delay="0"/>
+                                          </p:stCondLst>
+                                        </p:cTn>
+                                        <p:tgtEl>
+                                          <p:spTgt spid="11"/>
+                                        </p:tgtEl>
+                                        <p:attrNameLst>
+                                          <p:attrName>style.visibility</p:attrName>
+                                        </p:attrNameLst>
+                                      </p:cBhvr>
+                                      <p:to>
+                                        <p:strVal val="visible"/>
+                                      </p:to>
+                                    </p:set>
+                                  </p:childTnLst>
+                                </p:cTn>
+                              </p:par>
+                              <p:par>
+                                <p:cTn id="7" presetID="1" presetClass="entr" presetSubtype="0" fill="hold" grpId="0" nodeType="withEffect">
+                                  <p:stCondLst>
+                                    <p:cond delay="0"/>
+                                  </p:stCondLst>
+                                  <p:childTnLst>
+                                    <p:set>
+                                      <p:cBhvr>
+                                        <p:cTn id="8" dur="1" fill="hold">
+                                          <p:stCondLst>
+                                            <p:cond delay="0"/>
+                                          </p:stCondLst>
+                                        </p:cTn>
+                                        <p:tgtEl>
+                                          <p:spTgt spid="42"/>
+                                        </p:tgtEl>
+                                        <p:attrNameLst>
+                                          <p:attrName>style.visibility</p:attrName>
+                                        </p:attrNameLst>
+                                      </p:cBhvr>
+                                      <p:to>
+                                        <p:strVal val="visible"/>
+                                      </p:to>
+                                    </p:set>
+                                  </p:childTnLst>
+                                </p:cTn>
+                              </p:par>
+                            </p:childTnLst>
+                          </p:cTn>
+                        </p:par>
+                      </p:childTnLst>
+                    </p:cTn>
+                  </p:par>
+                </p:childTnLst>
+              </p:cTn>
+              <p:prevCondLst>
+                <p:cond evt="onPrev" delay="0">
+                  <p:tgtEl>
+                    <p:sldTgt/>
+                  </p:tgtEl>
+                </p:cond>
+              </p:prevCondLst>
+              <p:nextCondLst>
+                <p:cond evt="onNext" delay="0">
+                  <p:tgtEl>
+                    <p:sldTgt/>
+                  </p:tgtEl>
+                </p:cond>
+              </p:nextCondLst>
+            </p:seq>
+          </p:childTnLst>
+        </p:cTn>
+      </p:par>
+    </p:tnLst>
+    <p:bldLst>
+      <p:bldP spid="11" grpId="0"/>
+      <p:bldP spid="42" grpId="0"/>
+    </p:bldLst>
+  </p:timing>
+</p:sld>
+</file>
+
+<file path=ppt/slides/slide11.xml><?xml version="1.0" encoding="utf-8"?>
+<p:sld xmlns:a="http://schemas.openxmlformats.org/drawingml/2006/main" xmlns:r="http://schemas.openxmlformats.org/officeDocument/2006/relationships" xmlns:p="http://schemas.openxmlformats.org/presentationml/2006/main">
+  <p:cSld>
+    <p:spTree>
+      <p:nvGrpSpPr>
+        <p:cNvPr id="1" name=""/>
+        <p:cNvGrpSpPr/>
+        <p:nvPr/>
+      </p:nvGrpSpPr>
+      <p:grpSpPr>
+        <a:xfrm>
+          <a:off x="0" y="0"/>
+          <a:ext cx="0" cy="0"/>
+          <a:chOff x="0" y="0"/>
+          <a:chExt cx="0" cy="0"/>
+        </a:xfrm>
+      </p:grpSpPr>
+      <p:sp>
+        <p:nvSpPr>
+          <p:cNvPr id="2" name="Title 1">
+            <a:extLst>
+              <a:ext uri="{FF2B5EF4-FFF2-40B4-BE49-F238E27FC236}">
+                <a16:creationId xmlns:a16="http://schemas.microsoft.com/office/drawing/2014/main" id="{2FC56AF0-7370-4F9A-34DD-3972859D43C7}"/>
+              </a:ext>
+            </a:extLst>
+          </p:cNvPr>
+          <p:cNvSpPr>
+            <a:spLocks noGrp="1"/>
+          </p:cNvSpPr>
+          <p:nvPr>
+            <p:ph type="title"/>
+          </p:nvPr>
+        </p:nvSpPr>
+        <p:spPr/>
+        <p:txBody>
+          <a:bodyPr/>
+          <a:lstStyle/>
+          <a:p>
+            <a:r>
+              <a:rPr lang="en-GB" dirty="0"/>
+              <a:t>Scheduling with Bursts I</a:t>
+            </a:r>
+            <a:endParaRPr lang="en-SE" dirty="0"/>
+          </a:p>
+        </p:txBody>
+      </p:sp>
+      <p:sp>
+        <p:nvSpPr>
+          <p:cNvPr id="3" name="Content Placeholder 2">
+            <a:extLst>
+              <a:ext uri="{FF2B5EF4-FFF2-40B4-BE49-F238E27FC236}">
+                <a16:creationId xmlns:a16="http://schemas.microsoft.com/office/drawing/2014/main" id="{3AADDD39-2EEB-BA36-450E-0A833D923877}"/>
+              </a:ext>
+            </a:extLst>
+          </p:cNvPr>
+          <p:cNvSpPr>
+            <a:spLocks noGrp="1"/>
+          </p:cNvSpPr>
+          <p:nvPr>
+            <p:ph idx="1"/>
+          </p:nvPr>
+        </p:nvSpPr>
+        <p:spPr/>
+        <p:txBody>
+          <a:bodyPr/>
+          <a:lstStyle/>
+          <a:p>
+            <a:r>
+              <a:rPr lang="en-GB" dirty="0"/>
+              <a:t>Consider the set of 4 processes whose arrival time and CPU/IO burst times are given below. If the CPU scheduling policy is </a:t>
+            </a:r>
+            <a:r>
+              <a:rPr lang="en-GB" b="1" dirty="0"/>
+              <a:t>Shortest Remaining Time First (SRTF)</a:t>
+            </a:r>
+            <a:r>
+              <a:rPr lang="en-GB" dirty="0"/>
+              <a:t>, draw the Gantt chart and calculate the average response time. (Note: consider the overlap of computation and IO busts of different processes)</a:t>
+            </a:r>
+            <a:endParaRPr lang="en-SE" dirty="0"/>
+          </a:p>
+        </p:txBody>
+      </p:sp>
+      <p:graphicFrame>
+        <p:nvGraphicFramePr>
+          <p:cNvPr id="8" name="表格 6">
+            <a:extLst>
+              <a:ext uri="{FF2B5EF4-FFF2-40B4-BE49-F238E27FC236}">
+                <a16:creationId xmlns:a16="http://schemas.microsoft.com/office/drawing/2014/main" id="{C5347911-4750-2155-2129-F0DAED0F0058}"/>
+              </a:ext>
+            </a:extLst>
+          </p:cNvPr>
+          <p:cNvGraphicFramePr>
+            <a:graphicFrameLocks noGrp="1"/>
+          </p:cNvGraphicFramePr>
+          <p:nvPr>
+            <p:extLst>
+              <p:ext uri="{D42A27DB-BD31-4B8C-83A1-F6EECF244321}">
+                <p14:modId xmlns:p14="http://schemas.microsoft.com/office/powerpoint/2010/main" val="2054541497"/>
+              </p:ext>
+            </p:extLst>
+          </p:nvPr>
+        </p:nvGraphicFramePr>
+        <p:xfrm>
+          <a:off x="3920556" y="3276600"/>
+          <a:ext cx="4350887" cy="2377440"/>
+        </p:xfrm>
+        <a:graphic>
+          <a:graphicData uri="http://schemas.openxmlformats.org/drawingml/2006/table">
+            <a:tbl>
+              <a:tblPr firstRow="1" bandRow="1">
+                <a:tableStyleId>{5C22544A-7EE6-4342-B048-85BDC9FD1C3A}</a:tableStyleId>
+              </a:tblPr>
+              <a:tblGrid>
+                <a:gridCol w="320287">
+                  <a:extLst>
+                    <a:ext uri="{9D8B030D-6E8A-4147-A177-3AD203B41FA5}">
+                      <a16:colId xmlns:a16="http://schemas.microsoft.com/office/drawing/2014/main" val="3897766631"/>
+                    </a:ext>
+                  </a:extLst>
+                </a:gridCol>
+                <a:gridCol w="814309">
+                  <a:extLst>
+                    <a:ext uri="{9D8B030D-6E8A-4147-A177-3AD203B41FA5}">
+                      <a16:colId xmlns:a16="http://schemas.microsoft.com/office/drawing/2014/main" val="3850674632"/>
+                    </a:ext>
+                  </a:extLst>
+                </a:gridCol>
+                <a:gridCol w="1072097">
+                  <a:extLst>
+                    <a:ext uri="{9D8B030D-6E8A-4147-A177-3AD203B41FA5}">
+                      <a16:colId xmlns:a16="http://schemas.microsoft.com/office/drawing/2014/main" val="3517187588"/>
+                    </a:ext>
+                  </a:extLst>
+                </a:gridCol>
+                <a:gridCol w="1072097">
+                  <a:extLst>
+                    <a:ext uri="{9D8B030D-6E8A-4147-A177-3AD203B41FA5}">
+                      <a16:colId xmlns:a16="http://schemas.microsoft.com/office/drawing/2014/main" val="2248621"/>
+                    </a:ext>
+                  </a:extLst>
+                </a:gridCol>
+                <a:gridCol w="1072097">
+                  <a:extLst>
+                    <a:ext uri="{9D8B030D-6E8A-4147-A177-3AD203B41FA5}">
+                      <a16:colId xmlns:a16="http://schemas.microsoft.com/office/drawing/2014/main" val="2712044097"/>
+                    </a:ext>
+                  </a:extLst>
+                </a:gridCol>
+              </a:tblGrid>
+              <a:tr h="769572">
+                <a:tc>
+                  <a:txBody>
+                    <a:bodyPr/>
+                    <a:lstStyle/>
+                    <a:p>
+                      <a:pPr algn="r"/>
+                      <a:r>
+                        <a:rPr lang="en-US" b="0" dirty="0">
+                          <a:solidFill>
+                            <a:schemeClr val="tx1"/>
+                          </a:solidFill>
+                        </a:rPr>
+                        <a:t>PID</a:t>
+                      </a:r>
+                    </a:p>
+                  </a:txBody>
+                  <a:tcPr/>
+                </a:tc>
+                <a:tc>
+                  <a:txBody>
+                    <a:bodyPr/>
+                    <a:lstStyle/>
+                    <a:p>
+                      <a:pPr algn="r"/>
+                      <a:r>
+                        <a:rPr lang="en-US" altLang="zh-CN" b="0" dirty="0" err="1">
+                          <a:solidFill>
+                            <a:schemeClr val="tx1"/>
+                          </a:solidFill>
+                        </a:rPr>
+                        <a:t>Arriv</a:t>
+                      </a:r>
+                      <a:r>
+                        <a:rPr lang="en-US" altLang="zh-CN" b="0" dirty="0">
+                          <a:solidFill>
+                            <a:schemeClr val="tx1"/>
+                          </a:solidFill>
+                        </a:rPr>
+                        <a:t>.</a:t>
+                      </a:r>
+                      <a:r>
+                        <a:rPr lang="zh-CN" altLang="en-US" b="0" dirty="0">
+                          <a:solidFill>
+                            <a:schemeClr val="tx1"/>
+                          </a:solidFill>
+                        </a:rPr>
+                        <a:t> </a:t>
+                      </a:r>
+                      <a:r>
+                        <a:rPr lang="en-US" altLang="zh-CN" b="0" dirty="0">
+                          <a:solidFill>
+                            <a:schemeClr val="tx1"/>
+                          </a:solidFill>
+                        </a:rPr>
+                        <a:t>time</a:t>
+                      </a:r>
+                      <a:endParaRPr lang="en-US" b="0" dirty="0">
+                        <a:solidFill>
+                          <a:schemeClr val="tx1"/>
+                        </a:solidFill>
+                      </a:endParaRPr>
+                    </a:p>
+                  </a:txBody>
+                  <a:tcPr/>
+                </a:tc>
+                <a:tc>
+                  <a:txBody>
+                    <a:bodyPr/>
+                    <a:lstStyle/>
+                    <a:p>
+                      <a:pPr marL="0" marR="0" lvl="0" indent="0" algn="r" defTabSz="914400" rtl="0" eaLnBrk="1" fontAlgn="auto" latinLnBrk="0" hangingPunct="1">
+                        <a:lnSpc>
+                          <a:spcPct val="100000"/>
+                        </a:lnSpc>
+                        <a:spcBef>
+                          <a:spcPts val="0"/>
+                        </a:spcBef>
+                        <a:spcAft>
+                          <a:spcPts val="0"/>
+                        </a:spcAft>
+                        <a:buClrTx/>
+                        <a:buSzTx/>
+                        <a:buFontTx/>
+                        <a:buNone/>
+                        <a:tabLst/>
+                        <a:defRPr/>
+                      </a:pPr>
+                      <a:r>
+                        <a:rPr lang="en-US" b="0" dirty="0">
+                          <a:solidFill>
+                            <a:schemeClr val="tx1"/>
+                          </a:solidFill>
+                        </a:rPr>
+                        <a:t>IO Burst</a:t>
+                      </a:r>
+                    </a:p>
+                  </a:txBody>
+                  <a:tcPr marL="45720" marR="45720"/>
+                </a:tc>
+                <a:tc>
+                  <a:txBody>
+                    <a:bodyPr/>
+                    <a:lstStyle/>
+                    <a:p>
+                      <a:pPr marL="0" marR="0" lvl="0" indent="0" algn="r" defTabSz="914400" rtl="0" eaLnBrk="1" fontAlgn="auto" latinLnBrk="0" hangingPunct="1">
+                        <a:lnSpc>
+                          <a:spcPct val="100000"/>
+                        </a:lnSpc>
+                        <a:spcBef>
+                          <a:spcPts val="0"/>
+                        </a:spcBef>
+                        <a:spcAft>
+                          <a:spcPts val="0"/>
+                        </a:spcAft>
+                        <a:buClrTx/>
+                        <a:buSzTx/>
+                        <a:buFontTx/>
+                        <a:buNone/>
+                        <a:tabLst/>
+                        <a:defRPr/>
+                      </a:pPr>
+                      <a:r>
+                        <a:rPr lang="en-US" b="0" dirty="0">
+                          <a:solidFill>
+                            <a:schemeClr val="tx1"/>
+                          </a:solidFill>
+                        </a:rPr>
+                        <a:t>CPU Burst</a:t>
+                      </a:r>
+                    </a:p>
+                  </a:txBody>
+                  <a:tcPr/>
+                </a:tc>
+                <a:tc>
+                  <a:txBody>
+                    <a:bodyPr/>
+                    <a:lstStyle/>
+                    <a:p>
+                      <a:pPr marL="0" marR="0" lvl="0" indent="0" algn="r" defTabSz="914400" rtl="0" eaLnBrk="1" fontAlgn="auto" latinLnBrk="0" hangingPunct="1">
+                        <a:lnSpc>
+                          <a:spcPct val="100000"/>
+                        </a:lnSpc>
+                        <a:spcBef>
+                          <a:spcPts val="0"/>
+                        </a:spcBef>
+                        <a:spcAft>
+                          <a:spcPts val="0"/>
+                        </a:spcAft>
+                        <a:buClrTx/>
+                        <a:buSzTx/>
+                        <a:buFontTx/>
+                        <a:buNone/>
+                        <a:tabLst/>
+                        <a:defRPr/>
+                      </a:pPr>
+                      <a:r>
+                        <a:rPr lang="en-US" b="0" dirty="0">
+                          <a:solidFill>
+                            <a:schemeClr val="tx1"/>
+                          </a:solidFill>
+                        </a:rPr>
+                        <a:t>IO Burst</a:t>
+                      </a:r>
+                    </a:p>
+                  </a:txBody>
+                  <a:tcPr marL="45720" marR="45720"/>
+                </a:tc>
+                <a:extLst>
+                  <a:ext uri="{0D108BD9-81ED-4DB2-BD59-A6C34878D82A}">
+                    <a16:rowId xmlns:a16="http://schemas.microsoft.com/office/drawing/2014/main" val="3141622018"/>
+                  </a:ext>
+                </a:extLst>
+              </a:tr>
+              <a:tr h="0">
+                <a:tc>
+                  <a:txBody>
+                    <a:bodyPr/>
+                    <a:lstStyle/>
+                    <a:p>
+                      <a:pPr algn="r"/>
+                      <a:r>
+                        <a:rPr lang="en-US" altLang="zh-CN" dirty="0">
+                          <a:solidFill>
+                            <a:schemeClr val="tx1"/>
+                          </a:solidFill>
+                        </a:rPr>
+                        <a:t>1</a:t>
+                      </a:r>
+                      <a:endParaRPr lang="en-US" dirty="0">
+                        <a:solidFill>
+                          <a:schemeClr val="tx1"/>
+                        </a:solidFill>
+                      </a:endParaRPr>
+                    </a:p>
+                  </a:txBody>
+                  <a:tcPr/>
+                </a:tc>
+                <a:tc>
+                  <a:txBody>
+                    <a:bodyPr/>
+                    <a:lstStyle/>
+                    <a:p>
+                      <a:pPr algn="r"/>
+                      <a:r>
+                        <a:rPr lang="en-US" altLang="zh-CN" dirty="0">
+                          <a:solidFill>
+                            <a:schemeClr val="tx1"/>
+                          </a:solidFill>
+                        </a:rPr>
+                        <a:t>0</a:t>
+                      </a:r>
+                      <a:endParaRPr lang="en-US" dirty="0">
+                        <a:solidFill>
+                          <a:schemeClr val="tx1"/>
+                        </a:solidFill>
+                      </a:endParaRPr>
+                    </a:p>
+                  </a:txBody>
+                  <a:tcPr/>
+                </a:tc>
+                <a:tc>
+                  <a:txBody>
+                    <a:bodyPr/>
+                    <a:lstStyle/>
+                    <a:p>
+                      <a:pPr algn="r"/>
+                      <a:r>
+                        <a:rPr lang="en-US" altLang="zh-CN" strike="noStrike" dirty="0">
+                          <a:solidFill>
+                            <a:schemeClr val="tx1"/>
+                          </a:solidFill>
+                        </a:rPr>
+                        <a:t>2</a:t>
+                      </a:r>
+                      <a:endParaRPr lang="en-US" strike="noStrike" dirty="0">
+                        <a:solidFill>
+                          <a:schemeClr val="tx1"/>
+                        </a:solidFill>
+                      </a:endParaRPr>
+                    </a:p>
+                  </a:txBody>
+                  <a:tcPr/>
+                </a:tc>
+                <a:tc>
+                  <a:txBody>
+                    <a:bodyPr/>
+                    <a:lstStyle/>
+                    <a:p>
+                      <a:pPr algn="r"/>
+                      <a:r>
+                        <a:rPr lang="en-US" dirty="0">
+                          <a:solidFill>
+                            <a:schemeClr val="tx1"/>
+                          </a:solidFill>
+                        </a:rPr>
+                        <a:t>7</a:t>
+                      </a:r>
+                    </a:p>
+                  </a:txBody>
+                  <a:tcPr/>
+                </a:tc>
+                <a:tc>
+                  <a:txBody>
+                    <a:bodyPr/>
+                    <a:lstStyle/>
+                    <a:p>
+                      <a:pPr algn="r"/>
+                      <a:r>
+                        <a:rPr lang="en-US" altLang="zh-CN" strike="noStrike" dirty="0">
+                          <a:solidFill>
+                            <a:schemeClr val="tx1"/>
+                          </a:solidFill>
+                        </a:rPr>
+                        <a:t>1</a:t>
+                      </a:r>
+                      <a:endParaRPr lang="en-US" strike="noStrike" dirty="0">
+                        <a:solidFill>
+                          <a:schemeClr val="tx1"/>
+                        </a:solidFill>
+                      </a:endParaRPr>
+                    </a:p>
+                  </a:txBody>
+                  <a:tcPr/>
+                </a:tc>
+                <a:extLst>
+                  <a:ext uri="{0D108BD9-81ED-4DB2-BD59-A6C34878D82A}">
+                    <a16:rowId xmlns:a16="http://schemas.microsoft.com/office/drawing/2014/main" val="2311278232"/>
+                  </a:ext>
+                </a:extLst>
+              </a:tr>
+              <a:tr h="0">
+                <a:tc>
+                  <a:txBody>
+                    <a:bodyPr/>
+                    <a:lstStyle/>
+                    <a:p>
+                      <a:pPr marL="0" marR="0" lvl="0" indent="0" algn="r" defTabSz="914400" rtl="0" eaLnBrk="1" fontAlgn="auto" latinLnBrk="0" hangingPunct="1">
+                        <a:lnSpc>
+                          <a:spcPct val="100000"/>
+                        </a:lnSpc>
+                        <a:spcBef>
+                          <a:spcPts val="0"/>
+                        </a:spcBef>
+                        <a:spcAft>
+                          <a:spcPts val="0"/>
+                        </a:spcAft>
+                        <a:buClrTx/>
+                        <a:buSzTx/>
+                        <a:buFontTx/>
+                        <a:buNone/>
+                        <a:tabLst/>
+                        <a:defRPr/>
+                      </a:pPr>
+                      <a:r>
+                        <a:rPr lang="en-US" altLang="zh-CN" dirty="0">
+                          <a:solidFill>
+                            <a:schemeClr val="tx1"/>
+                          </a:solidFill>
+                        </a:rPr>
+                        <a:t>2</a:t>
+                      </a:r>
+                      <a:endParaRPr lang="en-US" dirty="0">
+                        <a:solidFill>
+                          <a:schemeClr val="tx1"/>
+                        </a:solidFill>
+                      </a:endParaRPr>
+                    </a:p>
+                  </a:txBody>
+                  <a:tcPr/>
+                </a:tc>
+                <a:tc>
+                  <a:txBody>
+                    <a:bodyPr/>
+                    <a:lstStyle/>
+                    <a:p>
+                      <a:pPr algn="r"/>
+                      <a:r>
+                        <a:rPr lang="en-US" altLang="zh-CN" baseline="0" dirty="0">
+                          <a:solidFill>
+                            <a:schemeClr val="tx1"/>
+                          </a:solidFill>
+                        </a:rPr>
+                        <a:t>0</a:t>
+                      </a:r>
+                      <a:endParaRPr lang="en-US" baseline="0" dirty="0">
+                        <a:solidFill>
+                          <a:schemeClr val="tx1"/>
+                        </a:solidFill>
+                      </a:endParaRPr>
+                    </a:p>
+                  </a:txBody>
+                  <a:tcPr/>
+                </a:tc>
+                <a:tc>
+                  <a:txBody>
+                    <a:bodyPr/>
+                    <a:lstStyle/>
+                    <a:p>
+                      <a:pPr algn="r"/>
+                      <a:r>
+                        <a:rPr lang="en-US" altLang="zh-CN" dirty="0">
+                          <a:solidFill>
+                            <a:schemeClr val="tx1"/>
+                          </a:solidFill>
+                        </a:rPr>
+                        <a:t>4</a:t>
+                      </a:r>
+                      <a:endParaRPr lang="en-US" dirty="0">
+                        <a:solidFill>
+                          <a:schemeClr val="tx1"/>
+                        </a:solidFill>
+                      </a:endParaRPr>
+                    </a:p>
+                  </a:txBody>
+                  <a:tcPr/>
+                </a:tc>
+                <a:tc>
+                  <a:txBody>
+                    <a:bodyPr/>
+                    <a:lstStyle/>
+                    <a:p>
+                      <a:pPr algn="r"/>
+                      <a:r>
+                        <a:rPr lang="en-US" dirty="0">
+                          <a:solidFill>
+                            <a:schemeClr val="tx1"/>
+                          </a:solidFill>
+                        </a:rPr>
+                        <a:t>14</a:t>
+                      </a:r>
+                    </a:p>
+                  </a:txBody>
+                  <a:tcPr/>
+                </a:tc>
+                <a:tc>
+                  <a:txBody>
+                    <a:bodyPr/>
+                    <a:lstStyle/>
+                    <a:p>
+                      <a:pPr algn="r"/>
+                      <a:r>
+                        <a:rPr lang="en-US" altLang="zh-CN" dirty="0">
+                          <a:solidFill>
+                            <a:schemeClr val="tx1"/>
+                          </a:solidFill>
+                        </a:rPr>
+                        <a:t>2</a:t>
+                      </a:r>
+                      <a:endParaRPr lang="en-US" dirty="0">
+                        <a:solidFill>
+                          <a:schemeClr val="tx1"/>
+                        </a:solidFill>
+                      </a:endParaRPr>
+                    </a:p>
+                  </a:txBody>
+                  <a:tcPr/>
+                </a:tc>
+                <a:extLst>
+                  <a:ext uri="{0D108BD9-81ED-4DB2-BD59-A6C34878D82A}">
+                    <a16:rowId xmlns:a16="http://schemas.microsoft.com/office/drawing/2014/main" val="1749603488"/>
+                  </a:ext>
+                </a:extLst>
+              </a:tr>
+              <a:tr h="0">
+                <a:tc>
+                  <a:txBody>
+                    <a:bodyPr/>
+                    <a:lstStyle/>
+                    <a:p>
+                      <a:pPr marL="0" marR="0" lvl="0" indent="0" algn="r" defTabSz="914400" rtl="0" eaLnBrk="1" fontAlgn="auto" latinLnBrk="0" hangingPunct="1">
+                        <a:lnSpc>
+                          <a:spcPct val="100000"/>
+                        </a:lnSpc>
+                        <a:spcBef>
+                          <a:spcPts val="0"/>
+                        </a:spcBef>
+                        <a:spcAft>
+                          <a:spcPts val="0"/>
+                        </a:spcAft>
+                        <a:buClrTx/>
+                        <a:buSzTx/>
+                        <a:buFontTx/>
+                        <a:buNone/>
+                        <a:tabLst/>
+                        <a:defRPr/>
+                      </a:pPr>
+                      <a:r>
+                        <a:rPr lang="en-US" altLang="zh-CN" dirty="0">
+                          <a:solidFill>
+                            <a:schemeClr val="tx1"/>
+                          </a:solidFill>
+                        </a:rPr>
+                        <a:t>3</a:t>
+                      </a:r>
+                      <a:endParaRPr lang="en-US" dirty="0">
+                        <a:solidFill>
+                          <a:schemeClr val="tx1"/>
+                        </a:solidFill>
+                      </a:endParaRPr>
+                    </a:p>
+                  </a:txBody>
+                  <a:tcPr/>
+                </a:tc>
+                <a:tc>
+                  <a:txBody>
+                    <a:bodyPr/>
+                    <a:lstStyle/>
+                    <a:p>
+                      <a:pPr algn="r"/>
+                      <a:r>
+                        <a:rPr lang="en-US" altLang="zh-CN" dirty="0">
+                          <a:solidFill>
+                            <a:schemeClr val="tx1"/>
+                          </a:solidFill>
+                        </a:rPr>
+                        <a:t>0</a:t>
+                      </a:r>
+                      <a:endParaRPr lang="en-US" baseline="30000" dirty="0">
+                        <a:solidFill>
+                          <a:schemeClr val="tx1"/>
+                        </a:solidFill>
+                      </a:endParaRPr>
+                    </a:p>
+                  </a:txBody>
+                  <a:tcPr/>
+                </a:tc>
+                <a:tc>
+                  <a:txBody>
+                    <a:bodyPr/>
+                    <a:lstStyle/>
+                    <a:p>
+                      <a:pPr algn="r"/>
+                      <a:r>
+                        <a:rPr lang="en-US" altLang="zh-CN" dirty="0">
+                          <a:solidFill>
+                            <a:schemeClr val="tx1"/>
+                          </a:solidFill>
+                        </a:rPr>
+                        <a:t>6</a:t>
+                      </a:r>
+                      <a:endParaRPr lang="en-US" dirty="0">
+                        <a:solidFill>
+                          <a:schemeClr val="tx1"/>
+                        </a:solidFill>
+                      </a:endParaRPr>
+                    </a:p>
+                  </a:txBody>
+                  <a:tcPr/>
+                </a:tc>
+                <a:tc>
+                  <a:txBody>
+                    <a:bodyPr/>
+                    <a:lstStyle/>
+                    <a:p>
+                      <a:pPr algn="r"/>
+                      <a:r>
+                        <a:rPr lang="en-US" dirty="0">
+                          <a:solidFill>
+                            <a:schemeClr val="tx1"/>
+                          </a:solidFill>
+                        </a:rPr>
+                        <a:t>21</a:t>
+                      </a:r>
+                    </a:p>
+                  </a:txBody>
+                  <a:tcPr/>
+                </a:tc>
+                <a:tc>
+                  <a:txBody>
+                    <a:bodyPr/>
+                    <a:lstStyle/>
+                    <a:p>
+                      <a:pPr algn="r"/>
+                      <a:r>
+                        <a:rPr lang="en-US" altLang="zh-CN" dirty="0">
+                          <a:solidFill>
+                            <a:schemeClr val="tx1"/>
+                          </a:solidFill>
+                        </a:rPr>
+                        <a:t>3</a:t>
+                      </a:r>
+                      <a:endParaRPr lang="en-US" dirty="0">
+                        <a:solidFill>
+                          <a:schemeClr val="tx1"/>
+                        </a:solidFill>
+                      </a:endParaRPr>
+                    </a:p>
+                  </a:txBody>
+                  <a:tcPr/>
+                </a:tc>
+                <a:extLst>
+                  <a:ext uri="{0D108BD9-81ED-4DB2-BD59-A6C34878D82A}">
+                    <a16:rowId xmlns:a16="http://schemas.microsoft.com/office/drawing/2014/main" val="1233945708"/>
+                  </a:ext>
+                </a:extLst>
+              </a:tr>
+              <a:tr h="0">
+                <a:tc>
+                  <a:txBody>
+                    <a:bodyPr/>
+                    <a:lstStyle/>
+                    <a:p>
+                      <a:pPr algn="r"/>
+                      <a:endParaRPr lang="en-US" dirty="0">
+                        <a:solidFill>
+                          <a:schemeClr val="tx1"/>
+                        </a:solidFill>
+                      </a:endParaRPr>
+                    </a:p>
+                  </a:txBody>
+                  <a:tcPr/>
+                </a:tc>
+                <a:tc>
+                  <a:txBody>
+                    <a:bodyPr/>
+                    <a:lstStyle/>
+                    <a:p>
+                      <a:pPr algn="r"/>
+                      <a:endParaRPr lang="en-US" dirty="0">
+                        <a:solidFill>
+                          <a:schemeClr val="tx1"/>
+                        </a:solidFill>
+                      </a:endParaRPr>
+                    </a:p>
+                  </a:txBody>
+                  <a:tcPr/>
+                </a:tc>
+                <a:tc>
+                  <a:txBody>
+                    <a:bodyPr/>
+                    <a:lstStyle/>
+                    <a:p>
+                      <a:pPr algn="r"/>
+                      <a:endParaRPr lang="en-US" dirty="0">
+                        <a:solidFill>
+                          <a:schemeClr val="tx1"/>
+                        </a:solidFill>
+                      </a:endParaRPr>
+                    </a:p>
+                  </a:txBody>
+                  <a:tcPr/>
+                </a:tc>
+                <a:tc>
+                  <a:txBody>
+                    <a:bodyPr/>
+                    <a:lstStyle/>
+                    <a:p>
+                      <a:pPr algn="r"/>
+                      <a:endParaRPr lang="en-US" dirty="0">
+                        <a:solidFill>
+                          <a:schemeClr val="tx1"/>
+                        </a:solidFill>
+                      </a:endParaRPr>
+                    </a:p>
+                  </a:txBody>
+                  <a:tcPr/>
+                </a:tc>
+                <a:tc>
+                  <a:txBody>
+                    <a:bodyPr/>
+                    <a:lstStyle/>
+                    <a:p>
+                      <a:pPr algn="r"/>
+                      <a:r>
+                        <a:rPr lang="en-US" dirty="0">
+                          <a:solidFill>
+                            <a:schemeClr val="tx1"/>
+                          </a:solidFill>
+                        </a:rPr>
+                        <a:t>Avg RT</a:t>
+                      </a:r>
+                    </a:p>
+                  </a:txBody>
+                  <a:tcPr/>
+                </a:tc>
+                <a:extLst>
+                  <a:ext uri="{0D108BD9-81ED-4DB2-BD59-A6C34878D82A}">
+                    <a16:rowId xmlns:a16="http://schemas.microsoft.com/office/drawing/2014/main" val="2879113726"/>
+                  </a:ext>
+                </a:extLst>
+              </a:tr>
+            </a:tbl>
+          </a:graphicData>
+        </a:graphic>
+      </p:graphicFrame>
+    </p:spTree>
+    <p:extLst>
+      <p:ext uri="{BB962C8B-B14F-4D97-AF65-F5344CB8AC3E}">
+        <p14:creationId xmlns:p14="http://schemas.microsoft.com/office/powerpoint/2010/main" val="2087608417"/>
+      </p:ext>
+    </p:extLst>
+  </p:cSld>
+  <p:clrMapOvr>
+    <a:masterClrMapping/>
+  </p:clrMapOvr>
+  <p:transition/>
+</p:sld>
+</file>
+
+<file path=ppt/slides/slide12.xml><?xml version="1.0" encoding="utf-8"?>
+<p:sld xmlns:a="http://schemas.openxmlformats.org/drawingml/2006/main" xmlns:r="http://schemas.openxmlformats.org/officeDocument/2006/relationships" xmlns:p="http://schemas.openxmlformats.org/presentationml/2006/main">
+  <p:cSld>
+    <p:spTree>
+      <p:nvGrpSpPr>
+        <p:cNvPr id="1" name="">
+          <a:extLst>
+            <a:ext uri="{FF2B5EF4-FFF2-40B4-BE49-F238E27FC236}">
+              <a16:creationId xmlns:a16="http://schemas.microsoft.com/office/drawing/2014/main" id="{CCC5CC07-F3B6-04E8-B4EB-9CF9F48DC5A6}"/>
+            </a:ext>
+          </a:extLst>
+        </p:cNvPr>
+        <p:cNvGrpSpPr/>
+        <p:nvPr/>
+      </p:nvGrpSpPr>
+      <p:grpSpPr>
+        <a:xfrm>
+          <a:off x="0" y="0"/>
+          <a:ext cx="0" cy="0"/>
+          <a:chOff x="0" y="0"/>
+          <a:chExt cx="0" cy="0"/>
+        </a:xfrm>
+      </p:grpSpPr>
+      <p:sp>
+        <p:nvSpPr>
+          <p:cNvPr id="2" name="Title 1">
+            <a:extLst>
+              <a:ext uri="{FF2B5EF4-FFF2-40B4-BE49-F238E27FC236}">
+                <a16:creationId xmlns:a16="http://schemas.microsoft.com/office/drawing/2014/main" id="{F6CA6576-C415-5FE8-27A3-075448AAE703}"/>
+              </a:ext>
+            </a:extLst>
+          </p:cNvPr>
+          <p:cNvSpPr>
+            <a:spLocks noGrp="1"/>
+          </p:cNvSpPr>
+          <p:nvPr>
+            <p:ph type="title"/>
+          </p:nvPr>
+        </p:nvSpPr>
+        <p:spPr/>
+        <p:txBody>
+          <a:bodyPr/>
+          <a:lstStyle/>
+          <a:p>
+            <a:r>
+              <a:rPr lang="en-GB" dirty="0"/>
+              <a:t>Scheduling with Bursts I ANS</a:t>
+            </a:r>
+            <a:endParaRPr lang="en-SE" dirty="0"/>
+          </a:p>
+        </p:txBody>
+      </p:sp>
+      <p:graphicFrame>
+        <p:nvGraphicFramePr>
+          <p:cNvPr id="8" name="表格 6">
+            <a:extLst>
+              <a:ext uri="{FF2B5EF4-FFF2-40B4-BE49-F238E27FC236}">
+                <a16:creationId xmlns:a16="http://schemas.microsoft.com/office/drawing/2014/main" id="{645EE26D-01F6-37BB-34ED-7BFA54544EA8}"/>
+              </a:ext>
+            </a:extLst>
+          </p:cNvPr>
+          <p:cNvGraphicFramePr>
+            <a:graphicFrameLocks noGrp="1"/>
+          </p:cNvGraphicFramePr>
+          <p:nvPr>
+            <p:extLst>
+              <p:ext uri="{D42A27DB-BD31-4B8C-83A1-F6EECF244321}">
+                <p14:modId xmlns:p14="http://schemas.microsoft.com/office/powerpoint/2010/main" val="2483179076"/>
+              </p:ext>
+            </p:extLst>
+          </p:nvPr>
+        </p:nvGraphicFramePr>
+        <p:xfrm>
+          <a:off x="4038600" y="757989"/>
+          <a:ext cx="5791203" cy="2377440"/>
+        </p:xfrm>
+        <a:graphic>
+          <a:graphicData uri="http://schemas.openxmlformats.org/drawingml/2006/table">
+            <a:tbl>
+              <a:tblPr firstRow="1" bandRow="1">
+                <a:tableStyleId>{5C22544A-7EE6-4342-B048-85BDC9FD1C3A}</a:tableStyleId>
+              </a:tblPr>
+              <a:tblGrid>
+                <a:gridCol w="285577">
+                  <a:extLst>
+                    <a:ext uri="{9D8B030D-6E8A-4147-A177-3AD203B41FA5}">
+                      <a16:colId xmlns:a16="http://schemas.microsoft.com/office/drawing/2014/main" val="3897766631"/>
+                    </a:ext>
+                  </a:extLst>
+                </a:gridCol>
+                <a:gridCol w="726061">
+                  <a:extLst>
+                    <a:ext uri="{9D8B030D-6E8A-4147-A177-3AD203B41FA5}">
+                      <a16:colId xmlns:a16="http://schemas.microsoft.com/office/drawing/2014/main" val="3850674632"/>
+                    </a:ext>
+                  </a:extLst>
+                </a:gridCol>
+                <a:gridCol w="955913">
+                  <a:extLst>
+                    <a:ext uri="{9D8B030D-6E8A-4147-A177-3AD203B41FA5}">
+                      <a16:colId xmlns:a16="http://schemas.microsoft.com/office/drawing/2014/main" val="3517187588"/>
+                    </a:ext>
+                  </a:extLst>
+                </a:gridCol>
+                <a:gridCol w="955913">
+                  <a:extLst>
+                    <a:ext uri="{9D8B030D-6E8A-4147-A177-3AD203B41FA5}">
+                      <a16:colId xmlns:a16="http://schemas.microsoft.com/office/drawing/2014/main" val="2248621"/>
+                    </a:ext>
+                  </a:extLst>
+                </a:gridCol>
+                <a:gridCol w="955913">
+                  <a:extLst>
+                    <a:ext uri="{9D8B030D-6E8A-4147-A177-3AD203B41FA5}">
+                      <a16:colId xmlns:a16="http://schemas.microsoft.com/office/drawing/2014/main" val="2712044097"/>
+                    </a:ext>
+                  </a:extLst>
+                </a:gridCol>
+                <a:gridCol w="955913">
+                  <a:extLst>
+                    <a:ext uri="{9D8B030D-6E8A-4147-A177-3AD203B41FA5}">
+                      <a16:colId xmlns:a16="http://schemas.microsoft.com/office/drawing/2014/main" val="2350337837"/>
+                    </a:ext>
+                  </a:extLst>
+                </a:gridCol>
+                <a:gridCol w="955913">
+                  <a:extLst>
+                    <a:ext uri="{9D8B030D-6E8A-4147-A177-3AD203B41FA5}">
+                      <a16:colId xmlns:a16="http://schemas.microsoft.com/office/drawing/2014/main" val="2014823287"/>
+                    </a:ext>
+                  </a:extLst>
+                </a:gridCol>
+              </a:tblGrid>
+              <a:tr h="769572">
+                <a:tc>
+                  <a:txBody>
+                    <a:bodyPr/>
+                    <a:lstStyle/>
+                    <a:p>
+                      <a:pPr algn="r"/>
+                      <a:r>
+                        <a:rPr lang="en-US" b="0" dirty="0">
+                          <a:solidFill>
+                            <a:schemeClr val="tx1"/>
+                          </a:solidFill>
+                        </a:rPr>
+                        <a:t>PID</a:t>
+                      </a:r>
+                    </a:p>
+                  </a:txBody>
+                  <a:tcPr/>
+                </a:tc>
+                <a:tc>
+                  <a:txBody>
+                    <a:bodyPr/>
+                    <a:lstStyle/>
+                    <a:p>
+                      <a:pPr algn="r"/>
+                      <a:r>
+                        <a:rPr lang="en-US" altLang="zh-CN" b="0" dirty="0" err="1">
+                          <a:solidFill>
+                            <a:schemeClr val="tx1"/>
+                          </a:solidFill>
+                        </a:rPr>
+                        <a:t>Arriv</a:t>
+                      </a:r>
+                      <a:r>
+                        <a:rPr lang="en-US" altLang="zh-CN" b="0" dirty="0">
+                          <a:solidFill>
+                            <a:schemeClr val="tx1"/>
+                          </a:solidFill>
+                        </a:rPr>
+                        <a:t>.</a:t>
+                      </a:r>
+                      <a:r>
+                        <a:rPr lang="zh-CN" altLang="en-US" b="0" dirty="0">
+                          <a:solidFill>
+                            <a:schemeClr val="tx1"/>
+                          </a:solidFill>
+                        </a:rPr>
+                        <a:t> </a:t>
+                      </a:r>
+                      <a:r>
+                        <a:rPr lang="en-US" altLang="zh-CN" b="0" dirty="0">
+                          <a:solidFill>
+                            <a:schemeClr val="tx1"/>
+                          </a:solidFill>
+                        </a:rPr>
+                        <a:t>time</a:t>
+                      </a:r>
+                      <a:endParaRPr lang="en-US" b="0" dirty="0">
+                        <a:solidFill>
+                          <a:schemeClr val="tx1"/>
+                        </a:solidFill>
+                      </a:endParaRPr>
+                    </a:p>
+                  </a:txBody>
+                  <a:tcPr/>
+                </a:tc>
+                <a:tc>
+                  <a:txBody>
+                    <a:bodyPr/>
+                    <a:lstStyle/>
+                    <a:p>
+                      <a:pPr marL="0" marR="0" lvl="0" indent="0" algn="r" defTabSz="914400" rtl="0" eaLnBrk="1" fontAlgn="auto" latinLnBrk="0" hangingPunct="1">
+                        <a:lnSpc>
+                          <a:spcPct val="100000"/>
+                        </a:lnSpc>
+                        <a:spcBef>
+                          <a:spcPts val="0"/>
+                        </a:spcBef>
+                        <a:spcAft>
+                          <a:spcPts val="0"/>
+                        </a:spcAft>
+                        <a:buClrTx/>
+                        <a:buSzTx/>
+                        <a:buFontTx/>
+                        <a:buNone/>
+                        <a:tabLst/>
+                        <a:defRPr/>
+                      </a:pPr>
+                      <a:r>
+                        <a:rPr lang="en-US" b="0" dirty="0">
+                          <a:solidFill>
+                            <a:schemeClr val="tx1"/>
+                          </a:solidFill>
+                        </a:rPr>
+                        <a:t>IO Burst</a:t>
+                      </a:r>
+                    </a:p>
+                  </a:txBody>
+                  <a:tcPr marL="45720" marR="45720"/>
+                </a:tc>
+                <a:tc>
+                  <a:txBody>
+                    <a:bodyPr/>
+                    <a:lstStyle/>
+                    <a:p>
+                      <a:pPr marL="0" marR="0" lvl="0" indent="0" algn="r" defTabSz="914400" rtl="0" eaLnBrk="1" fontAlgn="auto" latinLnBrk="0" hangingPunct="1">
+                        <a:lnSpc>
+                          <a:spcPct val="100000"/>
+                        </a:lnSpc>
+                        <a:spcBef>
+                          <a:spcPts val="0"/>
+                        </a:spcBef>
+                        <a:spcAft>
+                          <a:spcPts val="0"/>
+                        </a:spcAft>
+                        <a:buClrTx/>
+                        <a:buSzTx/>
+                        <a:buFontTx/>
+                        <a:buNone/>
+                        <a:tabLst/>
+                        <a:defRPr/>
+                      </a:pPr>
+                      <a:r>
+                        <a:rPr lang="en-US" b="0" dirty="0">
+                          <a:solidFill>
+                            <a:schemeClr val="tx1"/>
+                          </a:solidFill>
+                        </a:rPr>
+                        <a:t>CPU Burst</a:t>
+                      </a:r>
+                    </a:p>
+                  </a:txBody>
+                  <a:tcPr/>
+                </a:tc>
+                <a:tc>
+                  <a:txBody>
+                    <a:bodyPr/>
+                    <a:lstStyle/>
+                    <a:p>
+                      <a:pPr marL="0" marR="0" lvl="0" indent="0" algn="r" defTabSz="914400" rtl="0" eaLnBrk="1" fontAlgn="auto" latinLnBrk="0" hangingPunct="1">
+                        <a:lnSpc>
+                          <a:spcPct val="100000"/>
+                        </a:lnSpc>
+                        <a:spcBef>
+                          <a:spcPts val="0"/>
+                        </a:spcBef>
+                        <a:spcAft>
+                          <a:spcPts val="0"/>
+                        </a:spcAft>
+                        <a:buClrTx/>
+                        <a:buSzTx/>
+                        <a:buFontTx/>
+                        <a:buNone/>
+                        <a:tabLst/>
+                        <a:defRPr/>
+                      </a:pPr>
+                      <a:r>
+                        <a:rPr lang="en-US" b="0" dirty="0">
+                          <a:solidFill>
+                            <a:schemeClr val="tx1"/>
+                          </a:solidFill>
+                        </a:rPr>
+                        <a:t>IO Burst</a:t>
+                      </a:r>
+                    </a:p>
+                  </a:txBody>
+                  <a:tcPr marL="45720" marR="45720"/>
+                </a:tc>
+                <a:tc>
+                  <a:txBody>
+                    <a:bodyPr/>
+                    <a:lstStyle/>
+                    <a:p>
+                      <a:pPr marL="0" marR="0" lvl="0" indent="0" algn="r" defTabSz="914400" rtl="0" eaLnBrk="1" fontAlgn="auto" latinLnBrk="0" hangingPunct="1">
+                        <a:lnSpc>
+                          <a:spcPct val="100000"/>
+                        </a:lnSpc>
+                        <a:spcBef>
+                          <a:spcPts val="0"/>
+                        </a:spcBef>
+                        <a:spcAft>
+                          <a:spcPts val="0"/>
+                        </a:spcAft>
+                        <a:buClrTx/>
+                        <a:buSzTx/>
+                        <a:buFontTx/>
+                        <a:buNone/>
+                        <a:tabLst/>
+                        <a:defRPr/>
+                      </a:pPr>
+                      <a:r>
+                        <a:rPr lang="en-GB" altLang="zh-CN" b="0" dirty="0">
+                          <a:solidFill>
+                            <a:schemeClr val="tx1"/>
+                          </a:solidFill>
+                        </a:rPr>
+                        <a:t>Finish Time</a:t>
+                      </a:r>
+                      <a:endParaRPr lang="en-US" b="0" dirty="0">
+                        <a:solidFill>
+                          <a:schemeClr val="tx1"/>
+                        </a:solidFill>
+                      </a:endParaRPr>
+                    </a:p>
+                  </a:txBody>
+                  <a:tcPr marL="45720" marR="45720"/>
+                </a:tc>
+                <a:tc>
+                  <a:txBody>
+                    <a:bodyPr/>
+                    <a:lstStyle/>
+                    <a:p>
+                      <a:pPr marL="0" marR="0" lvl="0" indent="0" algn="r" defTabSz="914400" rtl="0" eaLnBrk="1" fontAlgn="auto" latinLnBrk="0" hangingPunct="1">
+                        <a:lnSpc>
+                          <a:spcPct val="100000"/>
+                        </a:lnSpc>
+                        <a:spcBef>
+                          <a:spcPts val="0"/>
+                        </a:spcBef>
+                        <a:spcAft>
+                          <a:spcPts val="0"/>
+                        </a:spcAft>
+                        <a:buClrTx/>
+                        <a:buSzTx/>
+                        <a:buFontTx/>
+                        <a:buNone/>
+                        <a:tabLst/>
+                        <a:defRPr/>
+                      </a:pPr>
+                      <a:r>
+                        <a:rPr lang="en-GB" altLang="zh-CN" b="0" dirty="0">
+                          <a:solidFill>
+                            <a:schemeClr val="tx1"/>
+                          </a:solidFill>
+                        </a:rPr>
+                        <a:t>Resp.  Time</a:t>
+                      </a:r>
+                      <a:endParaRPr lang="en-US" b="0" dirty="0">
+                        <a:solidFill>
+                          <a:schemeClr val="tx1"/>
+                        </a:solidFill>
+                      </a:endParaRPr>
+                    </a:p>
+                  </a:txBody>
+                  <a:tcPr marL="45720" marR="45720"/>
+                </a:tc>
+                <a:extLst>
+                  <a:ext uri="{0D108BD9-81ED-4DB2-BD59-A6C34878D82A}">
+                    <a16:rowId xmlns:a16="http://schemas.microsoft.com/office/drawing/2014/main" val="3141622018"/>
+                  </a:ext>
+                </a:extLst>
+              </a:tr>
+              <a:tr h="0">
+                <a:tc>
+                  <a:txBody>
+                    <a:bodyPr/>
+                    <a:lstStyle/>
+                    <a:p>
+                      <a:pPr algn="r"/>
+                      <a:r>
+                        <a:rPr lang="en-US" altLang="zh-CN" dirty="0">
+                          <a:solidFill>
+                            <a:schemeClr val="tx1"/>
+                          </a:solidFill>
+                        </a:rPr>
+                        <a:t>1</a:t>
+                      </a:r>
+                      <a:endParaRPr lang="en-US" dirty="0">
+                        <a:solidFill>
+                          <a:schemeClr val="tx1"/>
+                        </a:solidFill>
+                      </a:endParaRPr>
+                    </a:p>
+                  </a:txBody>
+                  <a:tcPr/>
+                </a:tc>
+                <a:tc>
+                  <a:txBody>
+                    <a:bodyPr/>
+                    <a:lstStyle/>
+                    <a:p>
+                      <a:pPr algn="r"/>
+                      <a:r>
+                        <a:rPr lang="en-US" altLang="zh-CN" dirty="0">
+                          <a:solidFill>
+                            <a:schemeClr val="tx1"/>
+                          </a:solidFill>
+                        </a:rPr>
+                        <a:t>0</a:t>
+                      </a:r>
+                      <a:endParaRPr lang="en-US" dirty="0">
+                        <a:solidFill>
+                          <a:schemeClr val="tx1"/>
+                        </a:solidFill>
+                      </a:endParaRPr>
+                    </a:p>
+                  </a:txBody>
+                  <a:tcPr/>
+                </a:tc>
+                <a:tc>
+                  <a:txBody>
+                    <a:bodyPr/>
+                    <a:lstStyle/>
+                    <a:p>
+                      <a:pPr algn="r"/>
+                      <a:r>
+                        <a:rPr lang="en-US" altLang="zh-CN" strike="noStrike" dirty="0">
+                          <a:solidFill>
+                            <a:schemeClr val="tx1"/>
+                          </a:solidFill>
+                        </a:rPr>
+                        <a:t>2</a:t>
+                      </a:r>
+                      <a:endParaRPr lang="en-US" strike="noStrike" dirty="0">
+                        <a:solidFill>
+                          <a:schemeClr val="tx1"/>
+                        </a:solidFill>
+                      </a:endParaRPr>
+                    </a:p>
+                  </a:txBody>
+                  <a:tcPr/>
+                </a:tc>
+                <a:tc>
+                  <a:txBody>
+                    <a:bodyPr/>
+                    <a:lstStyle/>
+                    <a:p>
+                      <a:pPr algn="r"/>
+                      <a:r>
+                        <a:rPr lang="en-US" dirty="0">
+                          <a:solidFill>
+                            <a:schemeClr val="tx1"/>
+                          </a:solidFill>
+                        </a:rPr>
+                        <a:t>7</a:t>
+                      </a:r>
+                    </a:p>
+                  </a:txBody>
+                  <a:tcPr/>
+                </a:tc>
+                <a:tc>
+                  <a:txBody>
+                    <a:bodyPr/>
+                    <a:lstStyle/>
+                    <a:p>
+                      <a:pPr algn="r"/>
+                      <a:r>
+                        <a:rPr lang="en-US" altLang="zh-CN" strike="noStrike" dirty="0">
+                          <a:solidFill>
+                            <a:schemeClr val="tx1"/>
+                          </a:solidFill>
+                        </a:rPr>
+                        <a:t>1</a:t>
+                      </a:r>
+                      <a:endParaRPr lang="en-US" strike="noStrike" dirty="0">
+                        <a:solidFill>
+                          <a:schemeClr val="tx1"/>
+                        </a:solidFill>
+                      </a:endParaRPr>
+                    </a:p>
+                  </a:txBody>
+                  <a:tcPr/>
+                </a:tc>
+                <a:tc>
+                  <a:txBody>
+                    <a:bodyPr/>
+                    <a:lstStyle/>
+                    <a:p>
+                      <a:pPr algn="r"/>
+                      <a:r>
+                        <a:rPr lang="en-US" strike="noStrike" dirty="0">
+                          <a:solidFill>
+                            <a:schemeClr val="tx1"/>
+                          </a:solidFill>
+                        </a:rPr>
+                        <a:t>10</a:t>
+                      </a:r>
+                    </a:p>
+                  </a:txBody>
+                  <a:tcPr/>
+                </a:tc>
+                <a:tc>
+                  <a:txBody>
+                    <a:bodyPr/>
+                    <a:lstStyle/>
+                    <a:p>
+                      <a:pPr algn="r"/>
+                      <a:r>
+                        <a:rPr lang="en-US" strike="noStrike" dirty="0">
+                          <a:solidFill>
+                            <a:schemeClr val="tx1"/>
+                          </a:solidFill>
+                        </a:rPr>
+                        <a:t>10</a:t>
+                      </a:r>
+                    </a:p>
+                  </a:txBody>
+                  <a:tcPr/>
+                </a:tc>
+                <a:extLst>
+                  <a:ext uri="{0D108BD9-81ED-4DB2-BD59-A6C34878D82A}">
+                    <a16:rowId xmlns:a16="http://schemas.microsoft.com/office/drawing/2014/main" val="2311278232"/>
+                  </a:ext>
+                </a:extLst>
+              </a:tr>
+              <a:tr h="0">
+                <a:tc>
+                  <a:txBody>
+                    <a:bodyPr/>
+                    <a:lstStyle/>
+                    <a:p>
+                      <a:pPr marL="0" marR="0" lvl="0" indent="0" algn="r" defTabSz="914400" rtl="0" eaLnBrk="1" fontAlgn="auto" latinLnBrk="0" hangingPunct="1">
+                        <a:lnSpc>
+                          <a:spcPct val="100000"/>
+                        </a:lnSpc>
+                        <a:spcBef>
+                          <a:spcPts val="0"/>
+                        </a:spcBef>
+                        <a:spcAft>
+                          <a:spcPts val="0"/>
+                        </a:spcAft>
+                        <a:buClrTx/>
+                        <a:buSzTx/>
+                        <a:buFontTx/>
+                        <a:buNone/>
+                        <a:tabLst/>
+                        <a:defRPr/>
+                      </a:pPr>
+                      <a:r>
+                        <a:rPr lang="en-US" altLang="zh-CN" dirty="0">
+                          <a:solidFill>
+                            <a:schemeClr val="tx1"/>
+                          </a:solidFill>
+                        </a:rPr>
+                        <a:t>2</a:t>
+                      </a:r>
+                      <a:endParaRPr lang="en-US" dirty="0">
+                        <a:solidFill>
+                          <a:schemeClr val="tx1"/>
+                        </a:solidFill>
+                      </a:endParaRPr>
+                    </a:p>
+                  </a:txBody>
+                  <a:tcPr/>
+                </a:tc>
+                <a:tc>
+                  <a:txBody>
+                    <a:bodyPr/>
+                    <a:lstStyle/>
+                    <a:p>
+                      <a:pPr algn="r"/>
+                      <a:r>
+                        <a:rPr lang="en-US" altLang="zh-CN" baseline="0" dirty="0">
+                          <a:solidFill>
+                            <a:schemeClr val="tx1"/>
+                          </a:solidFill>
+                        </a:rPr>
+                        <a:t>0</a:t>
+                      </a:r>
+                      <a:endParaRPr lang="en-US" baseline="0" dirty="0">
+                        <a:solidFill>
+                          <a:schemeClr val="tx1"/>
+                        </a:solidFill>
+                      </a:endParaRPr>
+                    </a:p>
+                  </a:txBody>
+                  <a:tcPr/>
+                </a:tc>
+                <a:tc>
+                  <a:txBody>
+                    <a:bodyPr/>
+                    <a:lstStyle/>
+                    <a:p>
+                      <a:pPr algn="r"/>
+                      <a:r>
+                        <a:rPr lang="en-US" altLang="zh-CN" dirty="0">
+                          <a:solidFill>
+                            <a:schemeClr val="tx1"/>
+                          </a:solidFill>
+                        </a:rPr>
+                        <a:t>4</a:t>
+                      </a:r>
+                      <a:endParaRPr lang="en-US" dirty="0">
+                        <a:solidFill>
+                          <a:schemeClr val="tx1"/>
+                        </a:solidFill>
+                      </a:endParaRPr>
+                    </a:p>
+                  </a:txBody>
+                  <a:tcPr/>
+                </a:tc>
+                <a:tc>
+                  <a:txBody>
+                    <a:bodyPr/>
+                    <a:lstStyle/>
+                    <a:p>
+                      <a:pPr algn="r"/>
+                      <a:r>
+                        <a:rPr lang="en-US" dirty="0">
+                          <a:solidFill>
+                            <a:schemeClr val="tx1"/>
+                          </a:solidFill>
+                        </a:rPr>
+                        <a:t>14</a:t>
+                      </a:r>
+                    </a:p>
+                  </a:txBody>
+                  <a:tcPr/>
+                </a:tc>
+                <a:tc>
+                  <a:txBody>
+                    <a:bodyPr/>
+                    <a:lstStyle/>
+                    <a:p>
+                      <a:pPr algn="r"/>
+                      <a:r>
+                        <a:rPr lang="en-US" altLang="zh-CN" dirty="0">
+                          <a:solidFill>
+                            <a:schemeClr val="tx1"/>
+                          </a:solidFill>
+                        </a:rPr>
+                        <a:t>2</a:t>
+                      </a:r>
+                      <a:endParaRPr lang="en-US" dirty="0">
+                        <a:solidFill>
+                          <a:schemeClr val="tx1"/>
+                        </a:solidFill>
+                      </a:endParaRPr>
+                    </a:p>
+                  </a:txBody>
+                  <a:tcPr/>
+                </a:tc>
+                <a:tc>
+                  <a:txBody>
+                    <a:bodyPr/>
+                    <a:lstStyle/>
+                    <a:p>
+                      <a:pPr algn="r"/>
+                      <a:r>
+                        <a:rPr lang="en-US" dirty="0">
+                          <a:solidFill>
+                            <a:schemeClr val="tx1"/>
+                          </a:solidFill>
+                        </a:rPr>
+                        <a:t>25</a:t>
+                      </a:r>
+                    </a:p>
+                  </a:txBody>
+                  <a:tcPr/>
+                </a:tc>
+                <a:tc>
+                  <a:txBody>
+                    <a:bodyPr/>
+                    <a:lstStyle/>
+                    <a:p>
+                      <a:pPr algn="r"/>
+                      <a:r>
+                        <a:rPr lang="en-US" dirty="0">
+                          <a:solidFill>
+                            <a:schemeClr val="tx1"/>
+                          </a:solidFill>
+                        </a:rPr>
+                        <a:t>25</a:t>
+                      </a:r>
+                    </a:p>
+                  </a:txBody>
+                  <a:tcPr/>
+                </a:tc>
+                <a:extLst>
+                  <a:ext uri="{0D108BD9-81ED-4DB2-BD59-A6C34878D82A}">
+                    <a16:rowId xmlns:a16="http://schemas.microsoft.com/office/drawing/2014/main" val="1749603488"/>
+                  </a:ext>
+                </a:extLst>
+              </a:tr>
+              <a:tr h="0">
+                <a:tc>
+                  <a:txBody>
+                    <a:bodyPr/>
+                    <a:lstStyle/>
+                    <a:p>
+                      <a:pPr marL="0" marR="0" lvl="0" indent="0" algn="r" defTabSz="914400" rtl="0" eaLnBrk="1" fontAlgn="auto" latinLnBrk="0" hangingPunct="1">
+                        <a:lnSpc>
+                          <a:spcPct val="100000"/>
+                        </a:lnSpc>
+                        <a:spcBef>
+                          <a:spcPts val="0"/>
+                        </a:spcBef>
+                        <a:spcAft>
+                          <a:spcPts val="0"/>
+                        </a:spcAft>
+                        <a:buClrTx/>
+                        <a:buSzTx/>
+                        <a:buFontTx/>
+                        <a:buNone/>
+                        <a:tabLst/>
+                        <a:defRPr/>
+                      </a:pPr>
+                      <a:r>
+                        <a:rPr lang="en-US" altLang="zh-CN" dirty="0">
+                          <a:solidFill>
+                            <a:schemeClr val="tx1"/>
+                          </a:solidFill>
+                        </a:rPr>
+                        <a:t>3</a:t>
+                      </a:r>
+                      <a:endParaRPr lang="en-US" dirty="0">
+                        <a:solidFill>
+                          <a:schemeClr val="tx1"/>
+                        </a:solidFill>
+                      </a:endParaRPr>
+                    </a:p>
+                  </a:txBody>
+                  <a:tcPr/>
+                </a:tc>
+                <a:tc>
+                  <a:txBody>
+                    <a:bodyPr/>
+                    <a:lstStyle/>
+                    <a:p>
+                      <a:pPr algn="r"/>
+                      <a:r>
+                        <a:rPr lang="en-US" altLang="zh-CN" dirty="0">
+                          <a:solidFill>
+                            <a:schemeClr val="tx1"/>
+                          </a:solidFill>
+                        </a:rPr>
+                        <a:t>0</a:t>
+                      </a:r>
+                      <a:endParaRPr lang="en-US" baseline="30000" dirty="0">
+                        <a:solidFill>
+                          <a:schemeClr val="tx1"/>
+                        </a:solidFill>
+                      </a:endParaRPr>
+                    </a:p>
+                  </a:txBody>
+                  <a:tcPr/>
+                </a:tc>
+                <a:tc>
+                  <a:txBody>
+                    <a:bodyPr/>
+                    <a:lstStyle/>
+                    <a:p>
+                      <a:pPr algn="r"/>
+                      <a:r>
+                        <a:rPr lang="en-US" altLang="zh-CN" dirty="0">
+                          <a:solidFill>
+                            <a:schemeClr val="tx1"/>
+                          </a:solidFill>
+                        </a:rPr>
+                        <a:t>6</a:t>
+                      </a:r>
+                      <a:endParaRPr lang="en-US" dirty="0">
+                        <a:solidFill>
+                          <a:schemeClr val="tx1"/>
+                        </a:solidFill>
+                      </a:endParaRPr>
+                    </a:p>
+                  </a:txBody>
+                  <a:tcPr/>
+                </a:tc>
+                <a:tc>
+                  <a:txBody>
+                    <a:bodyPr/>
+                    <a:lstStyle/>
+                    <a:p>
+                      <a:pPr algn="r"/>
+                      <a:r>
+                        <a:rPr lang="en-US" dirty="0">
+                          <a:solidFill>
+                            <a:schemeClr val="tx1"/>
+                          </a:solidFill>
+                        </a:rPr>
+                        <a:t>21</a:t>
+                      </a:r>
+                    </a:p>
+                  </a:txBody>
+                  <a:tcPr/>
+                </a:tc>
+                <a:tc>
+                  <a:txBody>
+                    <a:bodyPr/>
+                    <a:lstStyle/>
+                    <a:p>
+                      <a:pPr algn="r"/>
+                      <a:r>
+                        <a:rPr lang="en-US" altLang="zh-CN" dirty="0">
+                          <a:solidFill>
+                            <a:schemeClr val="tx1"/>
+                          </a:solidFill>
+                        </a:rPr>
+                        <a:t>3</a:t>
+                      </a:r>
+                      <a:endParaRPr lang="en-US" dirty="0">
+                        <a:solidFill>
+                          <a:schemeClr val="tx1"/>
+                        </a:solidFill>
+                      </a:endParaRPr>
+                    </a:p>
+                  </a:txBody>
+                  <a:tcPr/>
+                </a:tc>
+                <a:tc>
+                  <a:txBody>
+                    <a:bodyPr/>
+                    <a:lstStyle/>
+                    <a:p>
+                      <a:pPr algn="r"/>
+                      <a:r>
+                        <a:rPr lang="en-US" dirty="0">
+                          <a:solidFill>
+                            <a:schemeClr val="tx1"/>
+                          </a:solidFill>
+                        </a:rPr>
+                        <a:t>47</a:t>
+                      </a:r>
+                    </a:p>
+                  </a:txBody>
+                  <a:tcPr/>
+                </a:tc>
+                <a:tc>
+                  <a:txBody>
+                    <a:bodyPr/>
+                    <a:lstStyle/>
+                    <a:p>
+                      <a:pPr algn="r"/>
+                      <a:r>
+                        <a:rPr lang="en-US" dirty="0">
+                          <a:solidFill>
+                            <a:schemeClr val="tx1"/>
+                          </a:solidFill>
+                        </a:rPr>
+                        <a:t>47</a:t>
+                      </a:r>
+                    </a:p>
+                  </a:txBody>
+                  <a:tcPr/>
+                </a:tc>
+                <a:extLst>
+                  <a:ext uri="{0D108BD9-81ED-4DB2-BD59-A6C34878D82A}">
+                    <a16:rowId xmlns:a16="http://schemas.microsoft.com/office/drawing/2014/main" val="1233945708"/>
+                  </a:ext>
+                </a:extLst>
+              </a:tr>
+              <a:tr h="0">
+                <a:tc>
+                  <a:txBody>
+                    <a:bodyPr/>
+                    <a:lstStyle/>
+                    <a:p>
+                      <a:pPr algn="r"/>
+                      <a:endParaRPr lang="en-US" dirty="0">
+                        <a:solidFill>
+                          <a:schemeClr val="tx1"/>
+                        </a:solidFill>
+                      </a:endParaRPr>
+                    </a:p>
+                  </a:txBody>
+                  <a:tcPr/>
+                </a:tc>
+                <a:tc>
+                  <a:txBody>
+                    <a:bodyPr/>
+                    <a:lstStyle/>
+                    <a:p>
+                      <a:pPr algn="r"/>
+                      <a:endParaRPr lang="en-US" dirty="0">
+                        <a:solidFill>
+                          <a:schemeClr val="tx1"/>
+                        </a:solidFill>
+                      </a:endParaRPr>
+                    </a:p>
+                  </a:txBody>
+                  <a:tcPr/>
+                </a:tc>
+                <a:tc>
+                  <a:txBody>
+                    <a:bodyPr/>
+                    <a:lstStyle/>
+                    <a:p>
+                      <a:pPr algn="r"/>
+                      <a:endParaRPr lang="en-US" dirty="0">
+                        <a:solidFill>
+                          <a:schemeClr val="tx1"/>
+                        </a:solidFill>
+                      </a:endParaRPr>
+                    </a:p>
+                  </a:txBody>
+                  <a:tcPr/>
+                </a:tc>
+                <a:tc>
+                  <a:txBody>
+                    <a:bodyPr/>
+                    <a:lstStyle/>
+                    <a:p>
+                      <a:pPr marL="0" marR="0" lvl="0" indent="0" algn="r" defTabSz="914400" rtl="0" eaLnBrk="1" fontAlgn="auto" latinLnBrk="0" hangingPunct="1">
+                        <a:lnSpc>
+                          <a:spcPct val="100000"/>
+                        </a:lnSpc>
+                        <a:spcBef>
+                          <a:spcPts val="0"/>
+                        </a:spcBef>
+                        <a:spcAft>
+                          <a:spcPts val="0"/>
+                        </a:spcAft>
+                        <a:buClrTx/>
+                        <a:buSzTx/>
+                        <a:buFontTx/>
+                        <a:buNone/>
+                        <a:tabLst/>
+                        <a:defRPr/>
+                      </a:pPr>
+                      <a:endParaRPr lang="en-US" dirty="0">
+                        <a:solidFill>
+                          <a:schemeClr val="tx1"/>
+                        </a:solidFill>
+                      </a:endParaRPr>
+                    </a:p>
+                  </a:txBody>
+                  <a:tcPr/>
+                </a:tc>
+                <a:tc>
+                  <a:txBody>
+                    <a:bodyPr/>
+                    <a:lstStyle/>
+                    <a:p>
+                      <a:pPr algn="r"/>
+                      <a:endParaRPr lang="en-US" dirty="0">
+                        <a:solidFill>
+                          <a:schemeClr val="tx1"/>
+                        </a:solidFill>
+                      </a:endParaRPr>
+                    </a:p>
+                  </a:txBody>
+                  <a:tcPr/>
+                </a:tc>
+                <a:tc>
+                  <a:txBody>
+                    <a:bodyPr/>
+                    <a:lstStyle/>
+                    <a:p>
+                      <a:pPr marL="0" marR="0" lvl="0" indent="0" algn="r" defTabSz="914400" rtl="0" eaLnBrk="1" fontAlgn="auto" latinLnBrk="0" hangingPunct="1">
+                        <a:lnSpc>
+                          <a:spcPct val="100000"/>
+                        </a:lnSpc>
+                        <a:spcBef>
+                          <a:spcPts val="0"/>
+                        </a:spcBef>
+                        <a:spcAft>
+                          <a:spcPts val="0"/>
+                        </a:spcAft>
+                        <a:buClrTx/>
+                        <a:buSzTx/>
+                        <a:buFontTx/>
+                        <a:buNone/>
+                        <a:tabLst/>
+                        <a:defRPr/>
+                      </a:pPr>
+                      <a:r>
+                        <a:rPr lang="en-US" dirty="0">
+                          <a:solidFill>
+                            <a:schemeClr val="tx1"/>
+                          </a:solidFill>
+                        </a:rPr>
+                        <a:t>Avg RT</a:t>
+                      </a:r>
+                    </a:p>
+                  </a:txBody>
+                  <a:tcPr/>
+                </a:tc>
+                <a:tc>
+                  <a:txBody>
+                    <a:bodyPr/>
+                    <a:lstStyle/>
+                    <a:p>
+                      <a:pPr algn="r"/>
+                      <a:r>
+                        <a:rPr lang="en-US" dirty="0">
+                          <a:solidFill>
+                            <a:schemeClr val="tx1"/>
+                          </a:solidFill>
+                        </a:rPr>
+                        <a:t>27.3</a:t>
+                      </a:r>
+                    </a:p>
+                  </a:txBody>
+                  <a:tcPr/>
+                </a:tc>
+                <a:extLst>
+                  <a:ext uri="{0D108BD9-81ED-4DB2-BD59-A6C34878D82A}">
+                    <a16:rowId xmlns:a16="http://schemas.microsoft.com/office/drawing/2014/main" val="2879113726"/>
+                  </a:ext>
+                </a:extLst>
+              </a:tr>
+            </a:tbl>
+          </a:graphicData>
+        </a:graphic>
+      </p:graphicFrame>
+      <p:pic>
+        <p:nvPicPr>
+          <p:cNvPr id="7" name="Picture 6">
+            <a:extLst>
+              <a:ext uri="{FF2B5EF4-FFF2-40B4-BE49-F238E27FC236}">
+                <a16:creationId xmlns:a16="http://schemas.microsoft.com/office/drawing/2014/main" id="{7B211E08-18A4-0B53-A853-D44C622D5577}"/>
+              </a:ext>
+            </a:extLst>
+          </p:cNvPr>
+          <p:cNvPicPr>
+            <a:picLocks noChangeAspect="1"/>
+          </p:cNvPicPr>
+          <p:nvPr/>
+        </p:nvPicPr>
+        <p:blipFill>
+          <a:blip r:embed="rId2"/>
+          <a:stretch>
+            <a:fillRect/>
+          </a:stretch>
+        </p:blipFill>
+        <p:spPr>
+          <a:xfrm>
+            <a:off x="1308768" y="3429000"/>
+            <a:ext cx="9821955" cy="3256547"/>
+          </a:xfrm>
+          <a:prstGeom prst="rect">
+            <a:avLst/>
+          </a:prstGeom>
+        </p:spPr>
+      </p:pic>
+      <p:sp>
+        <p:nvSpPr>
+          <p:cNvPr id="9" name="TextBox 8">
+            <a:extLst>
+              <a:ext uri="{FF2B5EF4-FFF2-40B4-BE49-F238E27FC236}">
+                <a16:creationId xmlns:a16="http://schemas.microsoft.com/office/drawing/2014/main" id="{53D9FB4D-71DC-9670-0457-FF52A713A203}"/>
+              </a:ext>
+            </a:extLst>
+          </p:cNvPr>
+          <p:cNvSpPr txBox="1"/>
+          <p:nvPr/>
+        </p:nvSpPr>
+        <p:spPr>
+          <a:xfrm>
+            <a:off x="2133600" y="4739289"/>
+            <a:ext cx="495649" cy="558615"/>
+          </a:xfrm>
+          <a:prstGeom prst="rect">
+            <a:avLst/>
+          </a:prstGeom>
+          <a:noFill/>
+        </p:spPr>
+        <p:txBody>
+          <a:bodyPr wrap="none" rtlCol="0">
+            <a:spAutoFit/>
+          </a:bodyPr>
+          <a:lstStyle/>
+          <a:p>
+            <a:r>
+              <a:rPr lang="en-GB" sz="2400" dirty="0">
+                <a:solidFill>
+                  <a:srgbClr val="C00000"/>
+                </a:solidFill>
+                <a:latin typeface="Gill Sans Light"/>
+              </a:rPr>
+              <a:t>IO</a:t>
+            </a:r>
+            <a:endParaRPr lang="en-SE" sz="2400" dirty="0">
+              <a:solidFill>
+                <a:srgbClr val="C00000"/>
+              </a:solidFill>
+              <a:latin typeface="Gill Sans Light"/>
+            </a:endParaRPr>
+          </a:p>
+        </p:txBody>
+      </p:sp>
+      <p:sp>
+        <p:nvSpPr>
+          <p:cNvPr id="10" name="TextBox 9">
+            <a:extLst>
+              <a:ext uri="{FF2B5EF4-FFF2-40B4-BE49-F238E27FC236}">
+                <a16:creationId xmlns:a16="http://schemas.microsoft.com/office/drawing/2014/main" id="{F3171692-EFA5-CFE4-4CF5-CF2C4418DF45}"/>
+              </a:ext>
+            </a:extLst>
+          </p:cNvPr>
+          <p:cNvSpPr txBox="1"/>
+          <p:nvPr/>
+        </p:nvSpPr>
+        <p:spPr>
+          <a:xfrm>
+            <a:off x="6286151" y="4739289"/>
+            <a:ext cx="495649" cy="558615"/>
+          </a:xfrm>
+          <a:prstGeom prst="rect">
+            <a:avLst/>
+          </a:prstGeom>
+          <a:noFill/>
+        </p:spPr>
+        <p:txBody>
+          <a:bodyPr wrap="none" rtlCol="0">
+            <a:spAutoFit/>
+          </a:bodyPr>
+          <a:lstStyle/>
+          <a:p>
+            <a:r>
+              <a:rPr lang="en-GB" sz="2400" dirty="0">
+                <a:solidFill>
+                  <a:srgbClr val="C00000"/>
+                </a:solidFill>
+                <a:latin typeface="Gill Sans Light"/>
+              </a:rPr>
+              <a:t>IO</a:t>
+            </a:r>
+            <a:endParaRPr lang="en-SE" sz="2400" dirty="0">
+              <a:solidFill>
+                <a:srgbClr val="C00000"/>
+              </a:solidFill>
+              <a:latin typeface="Gill Sans Light"/>
+            </a:endParaRPr>
+          </a:p>
+        </p:txBody>
+      </p:sp>
+      <p:sp>
+        <p:nvSpPr>
+          <p:cNvPr id="11" name="TextBox 10">
+            <a:extLst>
+              <a:ext uri="{FF2B5EF4-FFF2-40B4-BE49-F238E27FC236}">
+                <a16:creationId xmlns:a16="http://schemas.microsoft.com/office/drawing/2014/main" id="{76DE50C5-903D-4D23-21EF-EBB55CE240B5}"/>
+              </a:ext>
+            </a:extLst>
+          </p:cNvPr>
+          <p:cNvSpPr txBox="1"/>
+          <p:nvPr/>
+        </p:nvSpPr>
+        <p:spPr>
+          <a:xfrm>
+            <a:off x="8419751" y="4739289"/>
+            <a:ext cx="495649" cy="558615"/>
+          </a:xfrm>
+          <a:prstGeom prst="rect">
+            <a:avLst/>
+          </a:prstGeom>
+          <a:noFill/>
+        </p:spPr>
+        <p:txBody>
+          <a:bodyPr wrap="none" rtlCol="0">
+            <a:spAutoFit/>
+          </a:bodyPr>
+          <a:lstStyle/>
+          <a:p>
+            <a:r>
+              <a:rPr lang="en-GB" sz="2400" dirty="0">
+                <a:solidFill>
+                  <a:srgbClr val="C00000"/>
+                </a:solidFill>
+                <a:latin typeface="Gill Sans Light"/>
+              </a:rPr>
+              <a:t>IO</a:t>
+            </a:r>
+            <a:endParaRPr lang="en-SE" sz="2400" dirty="0">
+              <a:solidFill>
+                <a:srgbClr val="C00000"/>
+              </a:solidFill>
+              <a:latin typeface="Gill Sans Light"/>
+            </a:endParaRPr>
+          </a:p>
+        </p:txBody>
+      </p:sp>
+      <p:sp>
+        <p:nvSpPr>
+          <p:cNvPr id="12" name="TextBox 11">
+            <a:extLst>
+              <a:ext uri="{FF2B5EF4-FFF2-40B4-BE49-F238E27FC236}">
+                <a16:creationId xmlns:a16="http://schemas.microsoft.com/office/drawing/2014/main" id="{7608CC1D-A3E7-BE0E-CAF3-96BEBCB4E3E8}"/>
+              </a:ext>
+            </a:extLst>
+          </p:cNvPr>
+          <p:cNvSpPr txBox="1"/>
+          <p:nvPr/>
+        </p:nvSpPr>
+        <p:spPr>
+          <a:xfrm>
+            <a:off x="10521267" y="4648200"/>
+            <a:ext cx="495649" cy="558615"/>
+          </a:xfrm>
+          <a:prstGeom prst="rect">
+            <a:avLst/>
+          </a:prstGeom>
+          <a:noFill/>
+        </p:spPr>
+        <p:txBody>
+          <a:bodyPr wrap="none" rtlCol="0">
+            <a:spAutoFit/>
+          </a:bodyPr>
+          <a:lstStyle/>
+          <a:p>
+            <a:r>
+              <a:rPr lang="en-GB" sz="2400" dirty="0">
+                <a:solidFill>
+                  <a:srgbClr val="C00000"/>
+                </a:solidFill>
+                <a:latin typeface="Gill Sans Light"/>
+              </a:rPr>
+              <a:t>IO</a:t>
+            </a:r>
+            <a:endParaRPr lang="en-SE" sz="2400" dirty="0">
+              <a:solidFill>
+                <a:srgbClr val="C00000"/>
+              </a:solidFill>
+              <a:latin typeface="Gill Sans Light"/>
+            </a:endParaRPr>
+          </a:p>
+        </p:txBody>
+      </p:sp>
+      <p:sp>
+        <p:nvSpPr>
+          <p:cNvPr id="13" name="TextBox 12">
+            <a:extLst>
+              <a:ext uri="{FF2B5EF4-FFF2-40B4-BE49-F238E27FC236}">
+                <a16:creationId xmlns:a16="http://schemas.microsoft.com/office/drawing/2014/main" id="{0845DE8D-CC0E-117A-8D00-6CF38CD9A132}"/>
+              </a:ext>
+            </a:extLst>
+          </p:cNvPr>
+          <p:cNvSpPr txBox="1"/>
+          <p:nvPr/>
+        </p:nvSpPr>
+        <p:spPr>
+          <a:xfrm>
+            <a:off x="2743200" y="5437121"/>
+            <a:ext cx="495649" cy="558615"/>
+          </a:xfrm>
+          <a:prstGeom prst="rect">
+            <a:avLst/>
+          </a:prstGeom>
+          <a:noFill/>
+        </p:spPr>
+        <p:txBody>
+          <a:bodyPr wrap="none" rtlCol="0">
+            <a:spAutoFit/>
+          </a:bodyPr>
+          <a:lstStyle/>
+          <a:p>
+            <a:r>
+              <a:rPr lang="en-GB" sz="2400" dirty="0">
+                <a:solidFill>
+                  <a:srgbClr val="C00000"/>
+                </a:solidFill>
+                <a:latin typeface="Gill Sans Light"/>
+              </a:rPr>
+              <a:t>IO</a:t>
+            </a:r>
+            <a:endParaRPr lang="en-SE" sz="2400" dirty="0">
+              <a:solidFill>
+                <a:srgbClr val="C00000"/>
+              </a:solidFill>
+              <a:latin typeface="Gill Sans Light"/>
+            </a:endParaRPr>
+          </a:p>
+        </p:txBody>
+      </p:sp>
+      <p:sp>
+        <p:nvSpPr>
+          <p:cNvPr id="14" name="TextBox 13">
+            <a:extLst>
+              <a:ext uri="{FF2B5EF4-FFF2-40B4-BE49-F238E27FC236}">
+                <a16:creationId xmlns:a16="http://schemas.microsoft.com/office/drawing/2014/main" id="{41536FF2-CA6F-0D44-E8FF-57BF3E908801}"/>
+              </a:ext>
+            </a:extLst>
+          </p:cNvPr>
+          <p:cNvSpPr txBox="1"/>
+          <p:nvPr/>
+        </p:nvSpPr>
+        <p:spPr>
+          <a:xfrm>
+            <a:off x="3124200" y="6096000"/>
+            <a:ext cx="495649" cy="558615"/>
+          </a:xfrm>
+          <a:prstGeom prst="rect">
+            <a:avLst/>
+          </a:prstGeom>
+          <a:noFill/>
+        </p:spPr>
+        <p:txBody>
+          <a:bodyPr wrap="none" rtlCol="0">
+            <a:spAutoFit/>
+          </a:bodyPr>
+          <a:lstStyle/>
+          <a:p>
+            <a:r>
+              <a:rPr lang="en-GB" sz="2400" dirty="0">
+                <a:solidFill>
+                  <a:srgbClr val="C00000"/>
+                </a:solidFill>
+                <a:latin typeface="Gill Sans Light"/>
+              </a:rPr>
+              <a:t>IO</a:t>
+            </a:r>
+            <a:endParaRPr lang="en-SE" sz="2400" dirty="0">
+              <a:solidFill>
+                <a:srgbClr val="C00000"/>
+              </a:solidFill>
+              <a:latin typeface="Gill Sans Light"/>
+            </a:endParaRPr>
+          </a:p>
+        </p:txBody>
+      </p:sp>
+      <p:cxnSp>
+        <p:nvCxnSpPr>
+          <p:cNvPr id="17" name="Straight Arrow Connector 16">
+            <a:extLst>
+              <a:ext uri="{FF2B5EF4-FFF2-40B4-BE49-F238E27FC236}">
+                <a16:creationId xmlns:a16="http://schemas.microsoft.com/office/drawing/2014/main" id="{2FF0BD6F-0234-4008-71A8-EF8636D9A871}"/>
+              </a:ext>
+            </a:extLst>
+          </p:cNvPr>
+          <p:cNvCxnSpPr>
+            <a:cxnSpLocks/>
+          </p:cNvCxnSpPr>
+          <p:nvPr/>
+        </p:nvCxnSpPr>
+        <p:spPr bwMode="auto">
+          <a:xfrm flipV="1">
+            <a:off x="1467135" y="4496729"/>
+            <a:ext cx="0" cy="485455"/>
+          </a:xfrm>
+          <a:prstGeom prst="straightConnector1">
+            <a:avLst/>
+          </a:prstGeom>
+          <a:ln w="19050" cap="flat" cmpd="sng" algn="ctr">
+            <a:solidFill>
+              <a:schemeClr val="accent1"/>
+            </a:solidFill>
+            <a:prstDash val="solid"/>
+            <a:round/>
+            <a:headEnd type="none" w="med" len="med"/>
+            <a:tailEnd type="arrow" w="med" len="med"/>
+          </a:ln>
+          <a:extLst>
+            <a:ext uri="{AF507438-7753-43e0-B8FC-AC1667EBCBE1}">
+              <a14:hiddenEffects xmlns:a14="http://schemas.microsoft.com/office/drawing/2010/main" xmlns="">
+                <a:effectLst>
+                  <a:outerShdw dist="35921" dir="2700000" algn="ctr" rotWithShape="0">
+                    <a:schemeClr val="bg2"/>
+                  </a:outerShdw>
+                </a:effectLst>
+              </a14:hiddenEffects>
+            </a:ext>
+          </a:extLst>
+        </p:spPr>
+        <p:style>
+          <a:lnRef idx="0">
+            <a:scrgbClr r="0" g="0" b="0"/>
+          </a:lnRef>
+          <a:fillRef idx="0">
+            <a:scrgbClr r="0" g="0" b="0"/>
+          </a:fillRef>
+          <a:effectRef idx="0">
+            <a:scrgbClr r="0" g="0" b="0"/>
+          </a:effectRef>
+          <a:fontRef idx="minor">
+            <a:schemeClr val="tx1"/>
+          </a:fontRef>
+        </p:style>
+      </p:cxnSp>
+      <p:sp>
+        <p:nvSpPr>
+          <p:cNvPr id="18" name="TextBox 17">
+            <a:extLst>
+              <a:ext uri="{FF2B5EF4-FFF2-40B4-BE49-F238E27FC236}">
+                <a16:creationId xmlns:a16="http://schemas.microsoft.com/office/drawing/2014/main" id="{5002EA4D-95EF-7455-DE42-02F716EBEBB1}"/>
+              </a:ext>
+            </a:extLst>
+          </p:cNvPr>
+          <p:cNvSpPr txBox="1"/>
+          <p:nvPr/>
+        </p:nvSpPr>
+        <p:spPr>
+          <a:xfrm>
+            <a:off x="335870" y="4988775"/>
+            <a:ext cx="1683923" cy="369332"/>
+          </a:xfrm>
+          <a:prstGeom prst="rect">
+            <a:avLst/>
+          </a:prstGeom>
+          <a:noFill/>
+        </p:spPr>
+        <p:txBody>
+          <a:bodyPr wrap="none" rtlCol="0">
+            <a:spAutoFit/>
+          </a:bodyPr>
+          <a:lstStyle/>
+          <a:p>
+            <a:r>
+              <a:rPr lang="en-GB" dirty="0">
+                <a:solidFill>
+                  <a:schemeClr val="accent1">
+                    <a:lumMod val="75000"/>
+                  </a:schemeClr>
+                </a:solidFill>
+                <a:latin typeface="Gill Sans Light"/>
+              </a:rPr>
+              <a:t>P1, P2, P3 arrival</a:t>
+            </a:r>
+            <a:endParaRPr lang="en-SE" dirty="0">
+              <a:solidFill>
+                <a:schemeClr val="accent1">
+                  <a:lumMod val="75000"/>
+                </a:schemeClr>
+              </a:solidFill>
+              <a:latin typeface="Gill Sans Light"/>
+            </a:endParaRPr>
+          </a:p>
+        </p:txBody>
+      </p:sp>
+    </p:spTree>
+    <p:extLst>
+      <p:ext uri="{BB962C8B-B14F-4D97-AF65-F5344CB8AC3E}">
+        <p14:creationId xmlns:p14="http://schemas.microsoft.com/office/powerpoint/2010/main" val="4004612482"/>
+      </p:ext>
+    </p:extLst>
+  </p:cSld>
+  <p:clrMapOvr>
+    <a:masterClrMapping/>
+  </p:clrMapOvr>
+  <p:transition/>
+</p:sld>
+</file>
+
+<file path=ppt/slides/slide13.xml><?xml version="1.0" encoding="utf-8"?>
+<p:sld xmlns:a="http://schemas.openxmlformats.org/drawingml/2006/main" xmlns:r="http://schemas.openxmlformats.org/officeDocument/2006/relationships" xmlns:p="http://schemas.openxmlformats.org/presentationml/2006/main">
+  <p:cSld>
+    <p:spTree>
+      <p:nvGrpSpPr>
+        <p:cNvPr id="1" name="">
+          <a:extLst>
+            <a:ext uri="{FF2B5EF4-FFF2-40B4-BE49-F238E27FC236}">
+              <a16:creationId xmlns:a16="http://schemas.microsoft.com/office/drawing/2014/main" id="{99ED07C2-AF29-B03A-E6A6-9CAE5F5E03AB}"/>
+            </a:ext>
+          </a:extLst>
+        </p:cNvPr>
+        <p:cNvGrpSpPr/>
+        <p:nvPr/>
+      </p:nvGrpSpPr>
+      <p:grpSpPr>
+        <a:xfrm>
+          <a:off x="0" y="0"/>
+          <a:ext cx="0" cy="0"/>
+          <a:chOff x="0" y="0"/>
+          <a:chExt cx="0" cy="0"/>
+        </a:xfrm>
+      </p:grpSpPr>
+      <p:sp>
+        <p:nvSpPr>
+          <p:cNvPr id="2" name="Title 1">
+            <a:extLst>
+              <a:ext uri="{FF2B5EF4-FFF2-40B4-BE49-F238E27FC236}">
+                <a16:creationId xmlns:a16="http://schemas.microsoft.com/office/drawing/2014/main" id="{A822C23E-586F-DDDF-60F8-BAB18B89FB33}"/>
+              </a:ext>
+            </a:extLst>
+          </p:cNvPr>
+          <p:cNvSpPr>
+            <a:spLocks noGrp="1"/>
+          </p:cNvSpPr>
+          <p:nvPr>
+            <p:ph type="title"/>
+          </p:nvPr>
+        </p:nvSpPr>
+        <p:spPr/>
+        <p:txBody>
+          <a:bodyPr/>
+          <a:lstStyle/>
+          <a:p>
+            <a:r>
+              <a:rPr lang="en-GB" dirty="0"/>
+              <a:t>Scheduling with Bursts II</a:t>
+            </a:r>
+            <a:endParaRPr lang="en-SE" dirty="0"/>
+          </a:p>
+        </p:txBody>
+      </p:sp>
+      <p:sp>
+        <p:nvSpPr>
+          <p:cNvPr id="3" name="Content Placeholder 2">
+            <a:extLst>
+              <a:ext uri="{FF2B5EF4-FFF2-40B4-BE49-F238E27FC236}">
+                <a16:creationId xmlns:a16="http://schemas.microsoft.com/office/drawing/2014/main" id="{A8E39957-29B2-6ADC-3302-9BAC7F0D973A}"/>
+              </a:ext>
+            </a:extLst>
+          </p:cNvPr>
+          <p:cNvSpPr>
+            <a:spLocks noGrp="1"/>
+          </p:cNvSpPr>
+          <p:nvPr>
+            <p:ph idx="1"/>
+          </p:nvPr>
+        </p:nvSpPr>
+        <p:spPr/>
+        <p:txBody>
+          <a:bodyPr/>
+          <a:lstStyle/>
+          <a:p>
+            <a:r>
+              <a:rPr lang="en-GB" dirty="0"/>
+              <a:t>Consider the set of 4 processes whose arrival time and CPU/IO burst times are given below. If the CPU scheduling policy is </a:t>
+            </a:r>
+            <a:r>
+              <a:rPr lang="en-GB" b="1" dirty="0"/>
+              <a:t>Fixed-Priority Scheduling</a:t>
+            </a:r>
+            <a:r>
+              <a:rPr lang="en-GB" dirty="0"/>
+              <a:t> (larger number denotes higher priority), draw the Gantt chart and calculate the average response time. </a:t>
+            </a:r>
+            <a:endParaRPr lang="en-SE" dirty="0"/>
+          </a:p>
+        </p:txBody>
+      </p:sp>
+      <p:graphicFrame>
+        <p:nvGraphicFramePr>
+          <p:cNvPr id="8" name="表格 6">
+            <a:extLst>
+              <a:ext uri="{FF2B5EF4-FFF2-40B4-BE49-F238E27FC236}">
+                <a16:creationId xmlns:a16="http://schemas.microsoft.com/office/drawing/2014/main" id="{E9333747-37E8-1778-C12B-BF88C5D4145D}"/>
+              </a:ext>
+            </a:extLst>
+          </p:cNvPr>
+          <p:cNvGraphicFramePr>
+            <a:graphicFrameLocks noGrp="1"/>
+          </p:cNvGraphicFramePr>
+          <p:nvPr/>
+        </p:nvGraphicFramePr>
+        <p:xfrm>
+          <a:off x="3384508" y="2667000"/>
+          <a:ext cx="5422984" cy="2377440"/>
+        </p:xfrm>
+        <a:graphic>
+          <a:graphicData uri="http://schemas.openxmlformats.org/drawingml/2006/table">
+            <a:tbl>
+              <a:tblPr firstRow="1" bandRow="1">
+                <a:tableStyleId>{5C22544A-7EE6-4342-B048-85BDC9FD1C3A}</a:tableStyleId>
+              </a:tblPr>
+              <a:tblGrid>
+                <a:gridCol w="320287">
+                  <a:extLst>
+                    <a:ext uri="{9D8B030D-6E8A-4147-A177-3AD203B41FA5}">
+                      <a16:colId xmlns:a16="http://schemas.microsoft.com/office/drawing/2014/main" val="3897766631"/>
+                    </a:ext>
+                  </a:extLst>
+                </a:gridCol>
+                <a:gridCol w="814309">
+                  <a:extLst>
+                    <a:ext uri="{9D8B030D-6E8A-4147-A177-3AD203B41FA5}">
+                      <a16:colId xmlns:a16="http://schemas.microsoft.com/office/drawing/2014/main" val="3850674632"/>
+                    </a:ext>
+                  </a:extLst>
+                </a:gridCol>
+                <a:gridCol w="1072097">
+                  <a:extLst>
+                    <a:ext uri="{9D8B030D-6E8A-4147-A177-3AD203B41FA5}">
+                      <a16:colId xmlns:a16="http://schemas.microsoft.com/office/drawing/2014/main" val="3306942541"/>
+                    </a:ext>
+                  </a:extLst>
+                </a:gridCol>
+                <a:gridCol w="1072097">
+                  <a:extLst>
+                    <a:ext uri="{9D8B030D-6E8A-4147-A177-3AD203B41FA5}">
+                      <a16:colId xmlns:a16="http://schemas.microsoft.com/office/drawing/2014/main" val="3517187588"/>
+                    </a:ext>
+                  </a:extLst>
+                </a:gridCol>
+                <a:gridCol w="1072097">
+                  <a:extLst>
+                    <a:ext uri="{9D8B030D-6E8A-4147-A177-3AD203B41FA5}">
+                      <a16:colId xmlns:a16="http://schemas.microsoft.com/office/drawing/2014/main" val="2248621"/>
+                    </a:ext>
+                  </a:extLst>
+                </a:gridCol>
+                <a:gridCol w="1072097">
+                  <a:extLst>
+                    <a:ext uri="{9D8B030D-6E8A-4147-A177-3AD203B41FA5}">
+                      <a16:colId xmlns:a16="http://schemas.microsoft.com/office/drawing/2014/main" val="2712044097"/>
+                    </a:ext>
+                  </a:extLst>
+                </a:gridCol>
+              </a:tblGrid>
+              <a:tr h="769572">
+                <a:tc>
+                  <a:txBody>
+                    <a:bodyPr/>
+                    <a:lstStyle/>
+                    <a:p>
+                      <a:pPr algn="r"/>
+                      <a:r>
+                        <a:rPr lang="en-US" b="0" dirty="0">
+                          <a:solidFill>
+                            <a:schemeClr val="tx1"/>
+                          </a:solidFill>
+                        </a:rPr>
+                        <a:t>PID</a:t>
+                      </a:r>
+                    </a:p>
+                  </a:txBody>
+                  <a:tcPr/>
+                </a:tc>
+                <a:tc>
+                  <a:txBody>
+                    <a:bodyPr/>
+                    <a:lstStyle/>
+                    <a:p>
+                      <a:pPr algn="r"/>
+                      <a:r>
+                        <a:rPr lang="en-US" altLang="zh-CN" b="0" dirty="0" err="1">
+                          <a:solidFill>
+                            <a:schemeClr val="tx1"/>
+                          </a:solidFill>
+                        </a:rPr>
+                        <a:t>Arriv</a:t>
+                      </a:r>
+                      <a:r>
+                        <a:rPr lang="en-US" altLang="zh-CN" b="0" dirty="0">
+                          <a:solidFill>
+                            <a:schemeClr val="tx1"/>
+                          </a:solidFill>
+                        </a:rPr>
+                        <a:t>.</a:t>
+                      </a:r>
+                      <a:r>
+                        <a:rPr lang="zh-CN" altLang="en-US" b="0" dirty="0">
+                          <a:solidFill>
+                            <a:schemeClr val="tx1"/>
+                          </a:solidFill>
+                        </a:rPr>
+                        <a:t> </a:t>
+                      </a:r>
+                      <a:r>
+                        <a:rPr lang="en-US" altLang="zh-CN" b="0" dirty="0">
+                          <a:solidFill>
+                            <a:schemeClr val="tx1"/>
+                          </a:solidFill>
+                        </a:rPr>
+                        <a:t>time</a:t>
+                      </a:r>
+                      <a:endParaRPr lang="en-US" b="0" dirty="0">
+                        <a:solidFill>
+                          <a:schemeClr val="tx1"/>
+                        </a:solidFill>
+                      </a:endParaRPr>
+                    </a:p>
+                  </a:txBody>
+                  <a:tcPr/>
+                </a:tc>
+                <a:tc>
+                  <a:txBody>
+                    <a:bodyPr/>
+                    <a:lstStyle/>
+                    <a:p>
+                      <a:pPr algn="r"/>
+                      <a:r>
+                        <a:rPr lang="en-GB" altLang="zh-CN" b="0" dirty="0">
+                          <a:solidFill>
+                            <a:schemeClr val="tx1"/>
+                          </a:solidFill>
+                        </a:rPr>
+                        <a:t>Priority</a:t>
+                      </a:r>
+                      <a:endParaRPr lang="en-US" b="0" dirty="0">
+                        <a:solidFill>
+                          <a:schemeClr val="tx1"/>
+                        </a:solidFill>
+                      </a:endParaRPr>
+                    </a:p>
+                  </a:txBody>
+                  <a:tcPr/>
+                </a:tc>
+                <a:tc>
+                  <a:txBody>
+                    <a:bodyPr/>
+                    <a:lstStyle/>
+                    <a:p>
+                      <a:pPr algn="r"/>
+                      <a:r>
+                        <a:rPr lang="en-GB" altLang="zh-CN" b="0" dirty="0">
+                          <a:solidFill>
+                            <a:schemeClr val="tx1"/>
+                          </a:solidFill>
+                        </a:rPr>
+                        <a:t>CPU Burst</a:t>
+                      </a:r>
+                      <a:endParaRPr lang="en-US" b="0" dirty="0">
+                        <a:solidFill>
+                          <a:schemeClr val="tx1"/>
+                        </a:solidFill>
+                      </a:endParaRPr>
+                    </a:p>
+                  </a:txBody>
+                  <a:tcPr marL="45720" marR="45720"/>
+                </a:tc>
+                <a:tc>
+                  <a:txBody>
+                    <a:bodyPr/>
+                    <a:lstStyle/>
+                    <a:p>
+                      <a:pPr marL="0" marR="0" lvl="0" indent="0" algn="r" defTabSz="914400" rtl="0" eaLnBrk="1" fontAlgn="auto" latinLnBrk="0" hangingPunct="1">
+                        <a:lnSpc>
+                          <a:spcPct val="100000"/>
+                        </a:lnSpc>
+                        <a:spcBef>
+                          <a:spcPts val="0"/>
+                        </a:spcBef>
+                        <a:spcAft>
+                          <a:spcPts val="0"/>
+                        </a:spcAft>
+                        <a:buClrTx/>
+                        <a:buSzTx/>
+                        <a:buFontTx/>
+                        <a:buNone/>
+                        <a:tabLst/>
+                        <a:defRPr/>
+                      </a:pPr>
+                      <a:r>
+                        <a:rPr lang="en-US" b="0" dirty="0">
+                          <a:solidFill>
+                            <a:schemeClr val="tx1"/>
+                          </a:solidFill>
+                        </a:rPr>
+                        <a:t>IO Burst</a:t>
+                      </a:r>
+                    </a:p>
+                  </a:txBody>
+                  <a:tcPr/>
+                </a:tc>
+                <a:tc>
+                  <a:txBody>
+                    <a:bodyPr/>
+                    <a:lstStyle/>
+                    <a:p>
+                      <a:pPr algn="r"/>
+                      <a:r>
+                        <a:rPr lang="en-GB" altLang="zh-CN" b="0" dirty="0">
+                          <a:solidFill>
+                            <a:schemeClr val="tx1"/>
+                          </a:solidFill>
+                        </a:rPr>
+                        <a:t>CPU Burst</a:t>
+                      </a:r>
+                      <a:endParaRPr lang="en-US" b="0" dirty="0">
+                        <a:solidFill>
+                          <a:schemeClr val="tx1"/>
+                        </a:solidFill>
+                      </a:endParaRPr>
+                    </a:p>
+                  </a:txBody>
+                  <a:tcPr marL="45720" marR="45720"/>
+                </a:tc>
+                <a:extLst>
+                  <a:ext uri="{0D108BD9-81ED-4DB2-BD59-A6C34878D82A}">
+                    <a16:rowId xmlns:a16="http://schemas.microsoft.com/office/drawing/2014/main" val="3141622018"/>
+                  </a:ext>
+                </a:extLst>
+              </a:tr>
+              <a:tr h="0">
+                <a:tc>
+                  <a:txBody>
+                    <a:bodyPr/>
+                    <a:lstStyle/>
+                    <a:p>
+                      <a:pPr algn="r"/>
+                      <a:r>
+                        <a:rPr lang="en-US" altLang="zh-CN" dirty="0">
+                          <a:solidFill>
+                            <a:schemeClr val="tx1"/>
+                          </a:solidFill>
+                        </a:rPr>
+                        <a:t>1</a:t>
+                      </a:r>
+                      <a:endParaRPr lang="en-US" dirty="0">
+                        <a:solidFill>
+                          <a:schemeClr val="tx1"/>
+                        </a:solidFill>
+                      </a:endParaRPr>
+                    </a:p>
+                  </a:txBody>
+                  <a:tcPr/>
+                </a:tc>
+                <a:tc>
+                  <a:txBody>
+                    <a:bodyPr/>
+                    <a:lstStyle/>
+                    <a:p>
+                      <a:pPr algn="r"/>
+                      <a:r>
+                        <a:rPr lang="en-US" altLang="zh-CN" dirty="0">
+                          <a:solidFill>
+                            <a:schemeClr val="tx1"/>
+                          </a:solidFill>
+                        </a:rPr>
+                        <a:t>0</a:t>
+                      </a:r>
+                      <a:endParaRPr lang="en-US" dirty="0">
+                        <a:solidFill>
+                          <a:schemeClr val="tx1"/>
+                        </a:solidFill>
+                      </a:endParaRPr>
+                    </a:p>
+                  </a:txBody>
+                  <a:tcPr/>
+                </a:tc>
+                <a:tc>
+                  <a:txBody>
+                    <a:bodyPr/>
+                    <a:lstStyle/>
+                    <a:p>
+                      <a:pPr algn="r"/>
+                      <a:r>
+                        <a:rPr lang="en-US" dirty="0">
+                          <a:solidFill>
+                            <a:schemeClr val="tx1"/>
+                          </a:solidFill>
+                        </a:rPr>
+                        <a:t>2</a:t>
+                      </a:r>
+                    </a:p>
+                  </a:txBody>
+                  <a:tcPr/>
+                </a:tc>
+                <a:tc>
+                  <a:txBody>
+                    <a:bodyPr/>
+                    <a:lstStyle/>
+                    <a:p>
+                      <a:pPr algn="r"/>
+                      <a:r>
+                        <a:rPr lang="en-US" altLang="zh-CN" strike="noStrike" dirty="0">
+                          <a:solidFill>
+                            <a:schemeClr val="tx1"/>
+                          </a:solidFill>
+                        </a:rPr>
+                        <a:t>1</a:t>
+                      </a:r>
+                      <a:endParaRPr lang="en-US" strike="noStrike" dirty="0">
+                        <a:solidFill>
+                          <a:schemeClr val="tx1"/>
+                        </a:solidFill>
+                      </a:endParaRPr>
+                    </a:p>
+                  </a:txBody>
+                  <a:tcPr/>
+                </a:tc>
+                <a:tc>
+                  <a:txBody>
+                    <a:bodyPr/>
+                    <a:lstStyle/>
+                    <a:p>
+                      <a:pPr algn="r"/>
+                      <a:r>
+                        <a:rPr lang="en-US" dirty="0">
+                          <a:solidFill>
+                            <a:schemeClr val="tx1"/>
+                          </a:solidFill>
+                        </a:rPr>
+                        <a:t>5</a:t>
+                      </a:r>
+                    </a:p>
+                  </a:txBody>
+                  <a:tcPr/>
+                </a:tc>
+                <a:tc>
+                  <a:txBody>
+                    <a:bodyPr/>
+                    <a:lstStyle/>
+                    <a:p>
+                      <a:pPr algn="r"/>
+                      <a:r>
+                        <a:rPr lang="en-US" altLang="zh-CN" strike="noStrike" dirty="0">
+                          <a:solidFill>
+                            <a:schemeClr val="tx1"/>
+                          </a:solidFill>
+                        </a:rPr>
+                        <a:t>3</a:t>
+                      </a:r>
+                      <a:endParaRPr lang="en-US" strike="noStrike" dirty="0">
+                        <a:solidFill>
+                          <a:schemeClr val="tx1"/>
+                        </a:solidFill>
+                      </a:endParaRPr>
+                    </a:p>
+                  </a:txBody>
+                  <a:tcPr/>
+                </a:tc>
+                <a:extLst>
+                  <a:ext uri="{0D108BD9-81ED-4DB2-BD59-A6C34878D82A}">
+                    <a16:rowId xmlns:a16="http://schemas.microsoft.com/office/drawing/2014/main" val="2311278232"/>
+                  </a:ext>
+                </a:extLst>
+              </a:tr>
+              <a:tr h="0">
+                <a:tc>
+                  <a:txBody>
+                    <a:bodyPr/>
+                    <a:lstStyle/>
+                    <a:p>
+                      <a:pPr marL="0" marR="0" lvl="0" indent="0" algn="r" defTabSz="914400" rtl="0" eaLnBrk="1" fontAlgn="auto" latinLnBrk="0" hangingPunct="1">
+                        <a:lnSpc>
+                          <a:spcPct val="100000"/>
+                        </a:lnSpc>
+                        <a:spcBef>
+                          <a:spcPts val="0"/>
+                        </a:spcBef>
+                        <a:spcAft>
+                          <a:spcPts val="0"/>
+                        </a:spcAft>
+                        <a:buClrTx/>
+                        <a:buSzTx/>
+                        <a:buFontTx/>
+                        <a:buNone/>
+                        <a:tabLst/>
+                        <a:defRPr/>
+                      </a:pPr>
+                      <a:r>
+                        <a:rPr lang="en-US" altLang="zh-CN" dirty="0">
+                          <a:solidFill>
+                            <a:schemeClr val="tx1"/>
+                          </a:solidFill>
+                        </a:rPr>
+                        <a:t>2</a:t>
+                      </a:r>
+                      <a:endParaRPr lang="en-US" dirty="0">
+                        <a:solidFill>
+                          <a:schemeClr val="tx1"/>
+                        </a:solidFill>
+                      </a:endParaRPr>
+                    </a:p>
+                  </a:txBody>
+                  <a:tcPr/>
+                </a:tc>
+                <a:tc>
+                  <a:txBody>
+                    <a:bodyPr/>
+                    <a:lstStyle/>
+                    <a:p>
+                      <a:pPr algn="r"/>
+                      <a:r>
+                        <a:rPr lang="en-US" altLang="zh-CN" baseline="0" dirty="0">
+                          <a:solidFill>
+                            <a:schemeClr val="tx1"/>
+                          </a:solidFill>
+                        </a:rPr>
+                        <a:t>2</a:t>
+                      </a:r>
+                      <a:endParaRPr lang="en-US" baseline="0" dirty="0">
+                        <a:solidFill>
+                          <a:schemeClr val="tx1"/>
+                        </a:solidFill>
+                      </a:endParaRPr>
+                    </a:p>
+                  </a:txBody>
+                  <a:tcPr/>
+                </a:tc>
+                <a:tc>
+                  <a:txBody>
+                    <a:bodyPr/>
+                    <a:lstStyle/>
+                    <a:p>
+                      <a:pPr algn="r"/>
+                      <a:r>
+                        <a:rPr lang="en-US" dirty="0">
+                          <a:solidFill>
+                            <a:schemeClr val="tx1"/>
+                          </a:solidFill>
+                        </a:rPr>
+                        <a:t>1</a:t>
+                      </a:r>
+                    </a:p>
+                  </a:txBody>
+                  <a:tcPr/>
+                </a:tc>
+                <a:tc>
+                  <a:txBody>
+                    <a:bodyPr/>
+                    <a:lstStyle/>
+                    <a:p>
+                      <a:pPr algn="r"/>
+                      <a:r>
+                        <a:rPr lang="en-US" altLang="zh-CN" dirty="0">
+                          <a:solidFill>
+                            <a:schemeClr val="tx1"/>
+                          </a:solidFill>
+                        </a:rPr>
+                        <a:t>3</a:t>
+                      </a:r>
+                      <a:endParaRPr lang="en-US" dirty="0">
+                        <a:solidFill>
+                          <a:schemeClr val="tx1"/>
+                        </a:solidFill>
+                      </a:endParaRPr>
+                    </a:p>
+                  </a:txBody>
+                  <a:tcPr/>
+                </a:tc>
+                <a:tc>
+                  <a:txBody>
+                    <a:bodyPr/>
+                    <a:lstStyle/>
+                    <a:p>
+                      <a:pPr algn="r"/>
+                      <a:r>
+                        <a:rPr lang="en-US" dirty="0">
+                          <a:solidFill>
+                            <a:schemeClr val="tx1"/>
+                          </a:solidFill>
+                        </a:rPr>
+                        <a:t>3</a:t>
+                      </a:r>
+                    </a:p>
+                  </a:txBody>
+                  <a:tcPr/>
+                </a:tc>
+                <a:tc>
+                  <a:txBody>
+                    <a:bodyPr/>
+                    <a:lstStyle/>
+                    <a:p>
+                      <a:pPr algn="r"/>
+                      <a:r>
+                        <a:rPr lang="en-US" altLang="zh-CN" dirty="0">
+                          <a:solidFill>
+                            <a:schemeClr val="tx1"/>
+                          </a:solidFill>
+                        </a:rPr>
+                        <a:t>1</a:t>
+                      </a:r>
+                      <a:endParaRPr lang="en-US" dirty="0">
+                        <a:solidFill>
+                          <a:schemeClr val="tx1"/>
+                        </a:solidFill>
+                      </a:endParaRPr>
+                    </a:p>
+                  </a:txBody>
+                  <a:tcPr/>
+                </a:tc>
+                <a:extLst>
+                  <a:ext uri="{0D108BD9-81ED-4DB2-BD59-A6C34878D82A}">
+                    <a16:rowId xmlns:a16="http://schemas.microsoft.com/office/drawing/2014/main" val="1749603488"/>
+                  </a:ext>
+                </a:extLst>
+              </a:tr>
+              <a:tr h="0">
+                <a:tc>
+                  <a:txBody>
+                    <a:bodyPr/>
+                    <a:lstStyle/>
+                    <a:p>
+                      <a:pPr marL="0" marR="0" lvl="0" indent="0" algn="r" defTabSz="914400" rtl="0" eaLnBrk="1" fontAlgn="auto" latinLnBrk="0" hangingPunct="1">
+                        <a:lnSpc>
+                          <a:spcPct val="100000"/>
+                        </a:lnSpc>
+                        <a:spcBef>
+                          <a:spcPts val="0"/>
+                        </a:spcBef>
+                        <a:spcAft>
+                          <a:spcPts val="0"/>
+                        </a:spcAft>
+                        <a:buClrTx/>
+                        <a:buSzTx/>
+                        <a:buFontTx/>
+                        <a:buNone/>
+                        <a:tabLst/>
+                        <a:defRPr/>
+                      </a:pPr>
+                      <a:r>
+                        <a:rPr lang="en-US" altLang="zh-CN" dirty="0">
+                          <a:solidFill>
+                            <a:schemeClr val="tx1"/>
+                          </a:solidFill>
+                        </a:rPr>
+                        <a:t>3</a:t>
+                      </a:r>
+                      <a:endParaRPr lang="en-US" dirty="0">
+                        <a:solidFill>
+                          <a:schemeClr val="tx1"/>
+                        </a:solidFill>
+                      </a:endParaRPr>
+                    </a:p>
+                  </a:txBody>
+                  <a:tcPr/>
+                </a:tc>
+                <a:tc>
+                  <a:txBody>
+                    <a:bodyPr/>
+                    <a:lstStyle/>
+                    <a:p>
+                      <a:pPr algn="r"/>
+                      <a:r>
+                        <a:rPr lang="en-US" altLang="zh-CN" dirty="0">
+                          <a:solidFill>
+                            <a:schemeClr val="tx1"/>
+                          </a:solidFill>
+                        </a:rPr>
+                        <a:t>3</a:t>
+                      </a:r>
+                      <a:endParaRPr lang="en-US" baseline="30000" dirty="0">
+                        <a:solidFill>
+                          <a:schemeClr val="tx1"/>
+                        </a:solidFill>
+                      </a:endParaRPr>
+                    </a:p>
+                  </a:txBody>
+                  <a:tcPr/>
+                </a:tc>
+                <a:tc>
+                  <a:txBody>
+                    <a:bodyPr/>
+                    <a:lstStyle/>
+                    <a:p>
+                      <a:pPr algn="r"/>
+                      <a:r>
+                        <a:rPr lang="en-US" dirty="0">
+                          <a:solidFill>
+                            <a:schemeClr val="tx1"/>
+                          </a:solidFill>
+                        </a:rPr>
+                        <a:t>3</a:t>
+                      </a:r>
+                    </a:p>
+                  </a:txBody>
+                  <a:tcPr/>
+                </a:tc>
+                <a:tc>
+                  <a:txBody>
+                    <a:bodyPr/>
+                    <a:lstStyle/>
+                    <a:p>
+                      <a:pPr algn="r"/>
+                      <a:r>
+                        <a:rPr lang="en-US" altLang="zh-CN" dirty="0">
+                          <a:solidFill>
+                            <a:schemeClr val="tx1"/>
+                          </a:solidFill>
+                        </a:rPr>
+                        <a:t>2</a:t>
+                      </a:r>
+                      <a:endParaRPr lang="en-US" dirty="0">
+                        <a:solidFill>
+                          <a:schemeClr val="tx1"/>
+                        </a:solidFill>
+                      </a:endParaRPr>
+                    </a:p>
+                  </a:txBody>
+                  <a:tcPr/>
+                </a:tc>
+                <a:tc>
+                  <a:txBody>
+                    <a:bodyPr/>
+                    <a:lstStyle/>
+                    <a:p>
+                      <a:pPr algn="r"/>
+                      <a:r>
+                        <a:rPr lang="en-US" dirty="0">
+                          <a:solidFill>
+                            <a:schemeClr val="tx1"/>
+                          </a:solidFill>
+                        </a:rPr>
+                        <a:t>3</a:t>
+                      </a:r>
+                    </a:p>
+                  </a:txBody>
+                  <a:tcPr/>
+                </a:tc>
+                <a:tc>
+                  <a:txBody>
+                    <a:bodyPr/>
+                    <a:lstStyle/>
+                    <a:p>
+                      <a:pPr algn="r"/>
+                      <a:r>
+                        <a:rPr lang="en-US" altLang="zh-CN" dirty="0">
+                          <a:solidFill>
+                            <a:schemeClr val="tx1"/>
+                          </a:solidFill>
+                        </a:rPr>
+                        <a:t>1</a:t>
+                      </a:r>
+                      <a:endParaRPr lang="en-US" dirty="0">
+                        <a:solidFill>
+                          <a:schemeClr val="tx1"/>
+                        </a:solidFill>
+                      </a:endParaRPr>
+                    </a:p>
+                  </a:txBody>
+                  <a:tcPr/>
+                </a:tc>
+                <a:extLst>
+                  <a:ext uri="{0D108BD9-81ED-4DB2-BD59-A6C34878D82A}">
+                    <a16:rowId xmlns:a16="http://schemas.microsoft.com/office/drawing/2014/main" val="1233945708"/>
+                  </a:ext>
+                </a:extLst>
+              </a:tr>
+              <a:tr h="0">
+                <a:tc>
+                  <a:txBody>
+                    <a:bodyPr/>
+                    <a:lstStyle/>
+                    <a:p>
+                      <a:pPr algn="r"/>
+                      <a:endParaRPr lang="en-US" dirty="0">
+                        <a:solidFill>
+                          <a:schemeClr val="tx1"/>
+                        </a:solidFill>
+                      </a:endParaRPr>
+                    </a:p>
+                  </a:txBody>
+                  <a:tcPr/>
+                </a:tc>
+                <a:tc>
+                  <a:txBody>
+                    <a:bodyPr/>
+                    <a:lstStyle/>
+                    <a:p>
+                      <a:pPr algn="r"/>
+                      <a:endParaRPr lang="en-US" dirty="0">
+                        <a:solidFill>
+                          <a:schemeClr val="tx1"/>
+                        </a:solidFill>
+                      </a:endParaRPr>
+                    </a:p>
+                  </a:txBody>
+                  <a:tcPr/>
+                </a:tc>
+                <a:tc>
+                  <a:txBody>
+                    <a:bodyPr/>
+                    <a:lstStyle/>
+                    <a:p>
+                      <a:pPr algn="r"/>
+                      <a:endParaRPr lang="en-US" dirty="0">
+                        <a:solidFill>
+                          <a:schemeClr val="tx1"/>
+                        </a:solidFill>
+                      </a:endParaRPr>
+                    </a:p>
+                  </a:txBody>
+                  <a:tcPr/>
+                </a:tc>
+                <a:tc>
+                  <a:txBody>
+                    <a:bodyPr/>
+                    <a:lstStyle/>
+                    <a:p>
+                      <a:pPr algn="r"/>
+                      <a:r>
+                        <a:rPr lang="en-US" dirty="0">
+                          <a:solidFill>
+                            <a:schemeClr val="tx1"/>
+                          </a:solidFill>
+                        </a:rPr>
+                        <a:t>Avg RT</a:t>
+                      </a:r>
+                    </a:p>
+                  </a:txBody>
+                  <a:tcPr/>
+                </a:tc>
+                <a:tc>
+                  <a:txBody>
+                    <a:bodyPr/>
+                    <a:lstStyle/>
+                    <a:p>
+                      <a:pPr algn="r"/>
+                      <a:endParaRPr lang="en-US" dirty="0">
+                        <a:solidFill>
+                          <a:schemeClr val="tx1"/>
+                        </a:solidFill>
+                      </a:endParaRPr>
+                    </a:p>
+                  </a:txBody>
+                  <a:tcPr/>
+                </a:tc>
+                <a:tc>
+                  <a:txBody>
+                    <a:bodyPr/>
+                    <a:lstStyle/>
+                    <a:p>
+                      <a:pPr algn="r"/>
+                      <a:r>
+                        <a:rPr lang="en-US" dirty="0">
+                          <a:solidFill>
+                            <a:schemeClr val="tx1"/>
+                          </a:solidFill>
+                        </a:rPr>
+                        <a:t>Avg RT</a:t>
+                      </a:r>
+                    </a:p>
+                  </a:txBody>
+                  <a:tcPr/>
+                </a:tc>
+                <a:extLst>
+                  <a:ext uri="{0D108BD9-81ED-4DB2-BD59-A6C34878D82A}">
+                    <a16:rowId xmlns:a16="http://schemas.microsoft.com/office/drawing/2014/main" val="2879113726"/>
+                  </a:ext>
+                </a:extLst>
+              </a:tr>
+            </a:tbl>
+          </a:graphicData>
+        </a:graphic>
+      </p:graphicFrame>
+    </p:spTree>
+    <p:extLst>
+      <p:ext uri="{BB962C8B-B14F-4D97-AF65-F5344CB8AC3E}">
+        <p14:creationId xmlns:p14="http://schemas.microsoft.com/office/powerpoint/2010/main" val="3399895290"/>
+      </p:ext>
+    </p:extLst>
+  </p:cSld>
+  <p:clrMapOvr>
+    <a:masterClrMapping/>
+  </p:clrMapOvr>
+  <p:transition/>
+</p:sld>
+</file>
+
+<file path=ppt/slides/slide14.xml><?xml version="1.0" encoding="utf-8"?>
+<p:sld xmlns:a="http://schemas.openxmlformats.org/drawingml/2006/main" xmlns:r="http://schemas.openxmlformats.org/officeDocument/2006/relationships" xmlns:p="http://schemas.openxmlformats.org/presentationml/2006/main">
+  <p:cSld>
+    <p:spTree>
+      <p:nvGrpSpPr>
+        <p:cNvPr id="1" name="">
+          <a:extLst>
+            <a:ext uri="{FF2B5EF4-FFF2-40B4-BE49-F238E27FC236}">
+              <a16:creationId xmlns:a16="http://schemas.microsoft.com/office/drawing/2014/main" id="{B4EF1B59-79DC-106C-228B-EBE81B0F2BB9}"/>
+            </a:ext>
+          </a:extLst>
+        </p:cNvPr>
+        <p:cNvGrpSpPr/>
+        <p:nvPr/>
+      </p:nvGrpSpPr>
+      <p:grpSpPr>
+        <a:xfrm>
+          <a:off x="0" y="0"/>
+          <a:ext cx="0" cy="0"/>
+          <a:chOff x="0" y="0"/>
+          <a:chExt cx="0" cy="0"/>
+        </a:xfrm>
+      </p:grpSpPr>
+      <p:sp>
+        <p:nvSpPr>
+          <p:cNvPr id="2" name="Title 1">
+            <a:extLst>
+              <a:ext uri="{FF2B5EF4-FFF2-40B4-BE49-F238E27FC236}">
+                <a16:creationId xmlns:a16="http://schemas.microsoft.com/office/drawing/2014/main" id="{F860F62E-1AB9-3B3E-5F25-073059F42A49}"/>
+              </a:ext>
+            </a:extLst>
+          </p:cNvPr>
+          <p:cNvSpPr>
+            <a:spLocks noGrp="1"/>
+          </p:cNvSpPr>
+          <p:nvPr>
+            <p:ph type="title"/>
+          </p:nvPr>
+        </p:nvSpPr>
+        <p:spPr/>
+        <p:txBody>
+          <a:bodyPr/>
+          <a:lstStyle/>
+          <a:p>
+            <a:r>
+              <a:rPr lang="en-GB" dirty="0"/>
+              <a:t>Scheduling with Bursts ANS</a:t>
+            </a:r>
+            <a:endParaRPr lang="en-SE" dirty="0"/>
+          </a:p>
+        </p:txBody>
+      </p:sp>
+      <p:graphicFrame>
+        <p:nvGraphicFramePr>
+          <p:cNvPr id="8" name="表格 6">
+            <a:extLst>
+              <a:ext uri="{FF2B5EF4-FFF2-40B4-BE49-F238E27FC236}">
+                <a16:creationId xmlns:a16="http://schemas.microsoft.com/office/drawing/2014/main" id="{968E9BB6-E529-9B2B-2A75-0498D438F58D}"/>
+              </a:ext>
+            </a:extLst>
+          </p:cNvPr>
+          <p:cNvGraphicFramePr>
+            <a:graphicFrameLocks noGrp="1"/>
+          </p:cNvGraphicFramePr>
+          <p:nvPr>
+            <p:extLst>
+              <p:ext uri="{D42A27DB-BD31-4B8C-83A1-F6EECF244321}">
+                <p14:modId xmlns:p14="http://schemas.microsoft.com/office/powerpoint/2010/main" val="693476059"/>
+              </p:ext>
+            </p:extLst>
+          </p:nvPr>
+        </p:nvGraphicFramePr>
+        <p:xfrm>
+          <a:off x="3200401" y="729069"/>
+          <a:ext cx="6934197" cy="2377440"/>
+        </p:xfrm>
+        <a:graphic>
+          <a:graphicData uri="http://schemas.openxmlformats.org/drawingml/2006/table">
+            <a:tbl>
+              <a:tblPr firstRow="1" bandRow="1">
+                <a:tableStyleId>{5C22544A-7EE6-4342-B048-85BDC9FD1C3A}</a:tableStyleId>
+              </a:tblPr>
+              <a:tblGrid>
+                <a:gridCol w="293496">
+                  <a:extLst>
+                    <a:ext uri="{9D8B030D-6E8A-4147-A177-3AD203B41FA5}">
+                      <a16:colId xmlns:a16="http://schemas.microsoft.com/office/drawing/2014/main" val="3897766631"/>
+                    </a:ext>
+                  </a:extLst>
+                </a:gridCol>
+                <a:gridCol w="746193">
+                  <a:extLst>
+                    <a:ext uri="{9D8B030D-6E8A-4147-A177-3AD203B41FA5}">
+                      <a16:colId xmlns:a16="http://schemas.microsoft.com/office/drawing/2014/main" val="3850674632"/>
+                    </a:ext>
+                  </a:extLst>
+                </a:gridCol>
+                <a:gridCol w="982418">
+                  <a:extLst>
+                    <a:ext uri="{9D8B030D-6E8A-4147-A177-3AD203B41FA5}">
+                      <a16:colId xmlns:a16="http://schemas.microsoft.com/office/drawing/2014/main" val="3306942541"/>
+                    </a:ext>
+                  </a:extLst>
+                </a:gridCol>
+                <a:gridCol w="982418">
+                  <a:extLst>
+                    <a:ext uri="{9D8B030D-6E8A-4147-A177-3AD203B41FA5}">
+                      <a16:colId xmlns:a16="http://schemas.microsoft.com/office/drawing/2014/main" val="3517187588"/>
+                    </a:ext>
+                  </a:extLst>
+                </a:gridCol>
+                <a:gridCol w="982418">
+                  <a:extLst>
+                    <a:ext uri="{9D8B030D-6E8A-4147-A177-3AD203B41FA5}">
+                      <a16:colId xmlns:a16="http://schemas.microsoft.com/office/drawing/2014/main" val="2248621"/>
+                    </a:ext>
+                  </a:extLst>
+                </a:gridCol>
+                <a:gridCol w="982418">
+                  <a:extLst>
+                    <a:ext uri="{9D8B030D-6E8A-4147-A177-3AD203B41FA5}">
+                      <a16:colId xmlns:a16="http://schemas.microsoft.com/office/drawing/2014/main" val="2712044097"/>
+                    </a:ext>
+                  </a:extLst>
+                </a:gridCol>
+                <a:gridCol w="982418">
+                  <a:extLst>
+                    <a:ext uri="{9D8B030D-6E8A-4147-A177-3AD203B41FA5}">
+                      <a16:colId xmlns:a16="http://schemas.microsoft.com/office/drawing/2014/main" val="3323698870"/>
+                    </a:ext>
+                  </a:extLst>
+                </a:gridCol>
+                <a:gridCol w="982418">
+                  <a:extLst>
+                    <a:ext uri="{9D8B030D-6E8A-4147-A177-3AD203B41FA5}">
+                      <a16:colId xmlns:a16="http://schemas.microsoft.com/office/drawing/2014/main" val="3121262138"/>
+                    </a:ext>
+                  </a:extLst>
+                </a:gridCol>
+              </a:tblGrid>
+              <a:tr h="769572">
+                <a:tc>
+                  <a:txBody>
+                    <a:bodyPr/>
+                    <a:lstStyle/>
+                    <a:p>
+                      <a:pPr algn="r"/>
+                      <a:r>
+                        <a:rPr lang="en-US" b="0" dirty="0">
+                          <a:solidFill>
+                            <a:schemeClr val="tx1"/>
+                          </a:solidFill>
+                        </a:rPr>
+                        <a:t>PID</a:t>
+                      </a:r>
+                    </a:p>
+                  </a:txBody>
+                  <a:tcPr/>
+                </a:tc>
+                <a:tc>
+                  <a:txBody>
+                    <a:bodyPr/>
+                    <a:lstStyle/>
+                    <a:p>
+                      <a:pPr algn="r"/>
+                      <a:r>
+                        <a:rPr lang="en-US" altLang="zh-CN" b="0" dirty="0" err="1">
+                          <a:solidFill>
+                            <a:schemeClr val="tx1"/>
+                          </a:solidFill>
+                        </a:rPr>
+                        <a:t>Arriv</a:t>
+                      </a:r>
+                      <a:r>
+                        <a:rPr lang="en-US" altLang="zh-CN" b="0" dirty="0">
+                          <a:solidFill>
+                            <a:schemeClr val="tx1"/>
+                          </a:solidFill>
+                        </a:rPr>
+                        <a:t>.</a:t>
+                      </a:r>
+                      <a:r>
+                        <a:rPr lang="zh-CN" altLang="en-US" b="0" dirty="0">
+                          <a:solidFill>
+                            <a:schemeClr val="tx1"/>
+                          </a:solidFill>
+                        </a:rPr>
+                        <a:t> </a:t>
+                      </a:r>
+                      <a:r>
+                        <a:rPr lang="en-US" altLang="zh-CN" b="0" dirty="0">
+                          <a:solidFill>
+                            <a:schemeClr val="tx1"/>
+                          </a:solidFill>
+                        </a:rPr>
+                        <a:t>time</a:t>
+                      </a:r>
+                      <a:endParaRPr lang="en-US" b="0" dirty="0">
+                        <a:solidFill>
+                          <a:schemeClr val="tx1"/>
+                        </a:solidFill>
+                      </a:endParaRPr>
+                    </a:p>
+                  </a:txBody>
+                  <a:tcPr/>
+                </a:tc>
+                <a:tc>
+                  <a:txBody>
+                    <a:bodyPr/>
+                    <a:lstStyle/>
+                    <a:p>
+                      <a:pPr algn="r"/>
+                      <a:r>
+                        <a:rPr lang="en-GB" altLang="zh-CN" b="0" dirty="0">
+                          <a:solidFill>
+                            <a:schemeClr val="tx1"/>
+                          </a:solidFill>
+                        </a:rPr>
+                        <a:t>Priority</a:t>
+                      </a:r>
+                      <a:endParaRPr lang="en-US" b="0" dirty="0">
+                        <a:solidFill>
+                          <a:schemeClr val="tx1"/>
+                        </a:solidFill>
+                      </a:endParaRPr>
+                    </a:p>
+                  </a:txBody>
+                  <a:tcPr/>
+                </a:tc>
+                <a:tc>
+                  <a:txBody>
+                    <a:bodyPr/>
+                    <a:lstStyle/>
+                    <a:p>
+                      <a:pPr algn="r"/>
+                      <a:r>
+                        <a:rPr lang="en-GB" altLang="zh-CN" b="0" dirty="0">
+                          <a:solidFill>
+                            <a:schemeClr val="tx1"/>
+                          </a:solidFill>
+                        </a:rPr>
+                        <a:t>CPU Burst</a:t>
+                      </a:r>
+                      <a:endParaRPr lang="en-US" b="0" dirty="0">
+                        <a:solidFill>
+                          <a:schemeClr val="tx1"/>
+                        </a:solidFill>
+                      </a:endParaRPr>
+                    </a:p>
+                  </a:txBody>
+                  <a:tcPr marL="45720" marR="45720"/>
+                </a:tc>
+                <a:tc>
+                  <a:txBody>
+                    <a:bodyPr/>
+                    <a:lstStyle/>
+                    <a:p>
+                      <a:pPr marL="0" marR="0" lvl="0" indent="0" algn="r" defTabSz="914400" rtl="0" eaLnBrk="1" fontAlgn="auto" latinLnBrk="0" hangingPunct="1">
+                        <a:lnSpc>
+                          <a:spcPct val="100000"/>
+                        </a:lnSpc>
+                        <a:spcBef>
+                          <a:spcPts val="0"/>
+                        </a:spcBef>
+                        <a:spcAft>
+                          <a:spcPts val="0"/>
+                        </a:spcAft>
+                        <a:buClrTx/>
+                        <a:buSzTx/>
+                        <a:buFontTx/>
+                        <a:buNone/>
+                        <a:tabLst/>
+                        <a:defRPr/>
+                      </a:pPr>
+                      <a:r>
+                        <a:rPr lang="en-US" b="0" dirty="0">
+                          <a:solidFill>
+                            <a:schemeClr val="tx1"/>
+                          </a:solidFill>
+                        </a:rPr>
+                        <a:t>IO Burst</a:t>
+                      </a:r>
+                    </a:p>
+                  </a:txBody>
+                  <a:tcPr/>
+                </a:tc>
+                <a:tc>
+                  <a:txBody>
+                    <a:bodyPr/>
+                    <a:lstStyle/>
+                    <a:p>
+                      <a:pPr algn="r"/>
+                      <a:r>
+                        <a:rPr lang="en-GB" altLang="zh-CN" b="0" dirty="0">
+                          <a:solidFill>
+                            <a:schemeClr val="tx1"/>
+                          </a:solidFill>
+                        </a:rPr>
+                        <a:t>CPU Burst</a:t>
+                      </a:r>
+                      <a:endParaRPr lang="en-US" b="0" dirty="0">
+                        <a:solidFill>
+                          <a:schemeClr val="tx1"/>
+                        </a:solidFill>
+                      </a:endParaRPr>
+                    </a:p>
+                  </a:txBody>
+                  <a:tcPr marL="45720" marR="45720"/>
+                </a:tc>
+                <a:tc>
+                  <a:txBody>
+                    <a:bodyPr/>
+                    <a:lstStyle/>
+                    <a:p>
+                      <a:pPr marL="0" marR="0" lvl="0" indent="0" algn="r" defTabSz="914400" rtl="0" eaLnBrk="1" fontAlgn="auto" latinLnBrk="0" hangingPunct="1">
+                        <a:lnSpc>
+                          <a:spcPct val="100000"/>
+                        </a:lnSpc>
+                        <a:spcBef>
+                          <a:spcPts val="0"/>
+                        </a:spcBef>
+                        <a:spcAft>
+                          <a:spcPts val="0"/>
+                        </a:spcAft>
+                        <a:buClrTx/>
+                        <a:buSzTx/>
+                        <a:buFontTx/>
+                        <a:buNone/>
+                        <a:tabLst/>
+                        <a:defRPr/>
+                      </a:pPr>
+                      <a:r>
+                        <a:rPr lang="en-GB" altLang="zh-CN" b="0" dirty="0">
+                          <a:solidFill>
+                            <a:schemeClr val="tx1"/>
+                          </a:solidFill>
+                        </a:rPr>
+                        <a:t>Finish Time</a:t>
+                      </a:r>
+                      <a:endParaRPr lang="en-US" b="0" dirty="0">
+                        <a:solidFill>
+                          <a:schemeClr val="tx1"/>
+                        </a:solidFill>
+                      </a:endParaRPr>
+                    </a:p>
+                    <a:p>
+                      <a:pPr algn="r"/>
+                      <a:endParaRPr lang="en-US" b="0" dirty="0">
+                        <a:solidFill>
+                          <a:schemeClr val="tx1"/>
+                        </a:solidFill>
+                      </a:endParaRPr>
+                    </a:p>
+                  </a:txBody>
+                  <a:tcPr marL="45720" marR="45720"/>
+                </a:tc>
+                <a:tc>
+                  <a:txBody>
+                    <a:bodyPr/>
+                    <a:lstStyle/>
+                    <a:p>
+                      <a:pPr marL="0" marR="0" lvl="0" indent="0" algn="r" defTabSz="914400" rtl="0" eaLnBrk="1" fontAlgn="auto" latinLnBrk="0" hangingPunct="1">
+                        <a:lnSpc>
+                          <a:spcPct val="100000"/>
+                        </a:lnSpc>
+                        <a:spcBef>
+                          <a:spcPts val="0"/>
+                        </a:spcBef>
+                        <a:spcAft>
+                          <a:spcPts val="0"/>
+                        </a:spcAft>
+                        <a:buClrTx/>
+                        <a:buSzTx/>
+                        <a:buFontTx/>
+                        <a:buNone/>
+                        <a:tabLst/>
+                        <a:defRPr/>
+                      </a:pPr>
+                      <a:r>
+                        <a:rPr lang="en-GB" altLang="zh-CN" b="0" dirty="0">
+                          <a:solidFill>
+                            <a:schemeClr val="tx1"/>
+                          </a:solidFill>
+                        </a:rPr>
+                        <a:t>Resp.  Time</a:t>
+                      </a:r>
+                      <a:endParaRPr lang="en-US" b="0" dirty="0">
+                        <a:solidFill>
+                          <a:schemeClr val="tx1"/>
+                        </a:solidFill>
+                      </a:endParaRPr>
+                    </a:p>
+                    <a:p>
+                      <a:pPr algn="r"/>
+                      <a:endParaRPr lang="en-US" b="0" dirty="0">
+                        <a:solidFill>
+                          <a:schemeClr val="tx1"/>
+                        </a:solidFill>
+                      </a:endParaRPr>
+                    </a:p>
+                  </a:txBody>
+                  <a:tcPr marL="45720" marR="45720"/>
+                </a:tc>
+                <a:extLst>
+                  <a:ext uri="{0D108BD9-81ED-4DB2-BD59-A6C34878D82A}">
+                    <a16:rowId xmlns:a16="http://schemas.microsoft.com/office/drawing/2014/main" val="3141622018"/>
+                  </a:ext>
+                </a:extLst>
+              </a:tr>
+              <a:tr h="0">
+                <a:tc>
+                  <a:txBody>
+                    <a:bodyPr/>
+                    <a:lstStyle/>
+                    <a:p>
+                      <a:pPr algn="r"/>
+                      <a:r>
+                        <a:rPr lang="en-US" altLang="zh-CN" dirty="0">
+                          <a:solidFill>
+                            <a:schemeClr val="tx1"/>
+                          </a:solidFill>
+                        </a:rPr>
+                        <a:t>1</a:t>
+                      </a:r>
+                      <a:endParaRPr lang="en-US" dirty="0">
+                        <a:solidFill>
+                          <a:schemeClr val="tx1"/>
+                        </a:solidFill>
+                      </a:endParaRPr>
+                    </a:p>
+                  </a:txBody>
+                  <a:tcPr/>
+                </a:tc>
+                <a:tc>
+                  <a:txBody>
+                    <a:bodyPr/>
+                    <a:lstStyle/>
+                    <a:p>
+                      <a:pPr algn="r"/>
+                      <a:r>
+                        <a:rPr lang="en-US" altLang="zh-CN" dirty="0">
+                          <a:solidFill>
+                            <a:schemeClr val="tx1"/>
+                          </a:solidFill>
+                        </a:rPr>
+                        <a:t>0</a:t>
+                      </a:r>
+                      <a:endParaRPr lang="en-US" dirty="0">
+                        <a:solidFill>
+                          <a:schemeClr val="tx1"/>
+                        </a:solidFill>
+                      </a:endParaRPr>
+                    </a:p>
+                  </a:txBody>
+                  <a:tcPr/>
+                </a:tc>
+                <a:tc>
+                  <a:txBody>
+                    <a:bodyPr/>
+                    <a:lstStyle/>
+                    <a:p>
+                      <a:pPr algn="r"/>
+                      <a:r>
+                        <a:rPr lang="en-US" dirty="0">
+                          <a:solidFill>
+                            <a:schemeClr val="tx1"/>
+                          </a:solidFill>
+                        </a:rPr>
+                        <a:t>2</a:t>
+                      </a:r>
+                    </a:p>
+                  </a:txBody>
+                  <a:tcPr/>
+                </a:tc>
+                <a:tc>
+                  <a:txBody>
+                    <a:bodyPr/>
+                    <a:lstStyle/>
+                    <a:p>
+                      <a:pPr algn="r"/>
+                      <a:r>
+                        <a:rPr lang="en-US" altLang="zh-CN" strike="noStrike" dirty="0">
+                          <a:solidFill>
+                            <a:schemeClr val="tx1"/>
+                          </a:solidFill>
+                        </a:rPr>
+                        <a:t>1</a:t>
+                      </a:r>
+                      <a:endParaRPr lang="en-US" strike="noStrike" dirty="0">
+                        <a:solidFill>
+                          <a:schemeClr val="tx1"/>
+                        </a:solidFill>
+                      </a:endParaRPr>
+                    </a:p>
+                  </a:txBody>
+                  <a:tcPr/>
+                </a:tc>
+                <a:tc>
+                  <a:txBody>
+                    <a:bodyPr/>
+                    <a:lstStyle/>
+                    <a:p>
+                      <a:pPr algn="r"/>
+                      <a:r>
+                        <a:rPr lang="en-US" dirty="0">
+                          <a:solidFill>
+                            <a:schemeClr val="tx1"/>
+                          </a:solidFill>
+                        </a:rPr>
+                        <a:t>5</a:t>
+                      </a:r>
+                    </a:p>
+                  </a:txBody>
+                  <a:tcPr/>
+                </a:tc>
+                <a:tc>
+                  <a:txBody>
+                    <a:bodyPr/>
+                    <a:lstStyle/>
+                    <a:p>
+                      <a:pPr algn="r"/>
+                      <a:r>
+                        <a:rPr lang="en-US" altLang="zh-CN" strike="noStrike" dirty="0">
+                          <a:solidFill>
+                            <a:schemeClr val="tx1"/>
+                          </a:solidFill>
+                        </a:rPr>
+                        <a:t>3</a:t>
+                      </a:r>
+                      <a:endParaRPr lang="en-US" strike="noStrike" dirty="0">
+                        <a:solidFill>
+                          <a:schemeClr val="tx1"/>
+                        </a:solidFill>
+                      </a:endParaRPr>
+                    </a:p>
+                  </a:txBody>
+                  <a:tcPr/>
+                </a:tc>
+                <a:tc>
+                  <a:txBody>
+                    <a:bodyPr/>
+                    <a:lstStyle/>
+                    <a:p>
+                      <a:pPr algn="r"/>
+                      <a:r>
+                        <a:rPr lang="en-US" strike="noStrike" dirty="0">
+                          <a:solidFill>
+                            <a:schemeClr val="tx1"/>
+                          </a:solidFill>
+                        </a:rPr>
+                        <a:t>10</a:t>
+                      </a:r>
+                    </a:p>
+                  </a:txBody>
+                  <a:tcPr/>
+                </a:tc>
+                <a:tc>
+                  <a:txBody>
+                    <a:bodyPr/>
+                    <a:lstStyle/>
+                    <a:p>
+                      <a:pPr algn="r"/>
+                      <a:r>
+                        <a:rPr lang="en-US" strike="noStrike" dirty="0">
+                          <a:solidFill>
+                            <a:schemeClr val="tx1"/>
+                          </a:solidFill>
+                        </a:rPr>
+                        <a:t>10</a:t>
+                      </a:r>
+                    </a:p>
+                  </a:txBody>
+                  <a:tcPr/>
+                </a:tc>
+                <a:extLst>
+                  <a:ext uri="{0D108BD9-81ED-4DB2-BD59-A6C34878D82A}">
+                    <a16:rowId xmlns:a16="http://schemas.microsoft.com/office/drawing/2014/main" val="2311278232"/>
+                  </a:ext>
+                </a:extLst>
+              </a:tr>
+              <a:tr h="0">
+                <a:tc>
+                  <a:txBody>
+                    <a:bodyPr/>
+                    <a:lstStyle/>
+                    <a:p>
+                      <a:pPr marL="0" marR="0" lvl="0" indent="0" algn="r" defTabSz="914400" rtl="0" eaLnBrk="1" fontAlgn="auto" latinLnBrk="0" hangingPunct="1">
+                        <a:lnSpc>
+                          <a:spcPct val="100000"/>
+                        </a:lnSpc>
+                        <a:spcBef>
+                          <a:spcPts val="0"/>
+                        </a:spcBef>
+                        <a:spcAft>
+                          <a:spcPts val="0"/>
+                        </a:spcAft>
+                        <a:buClrTx/>
+                        <a:buSzTx/>
+                        <a:buFontTx/>
+                        <a:buNone/>
+                        <a:tabLst/>
+                        <a:defRPr/>
+                      </a:pPr>
+                      <a:r>
+                        <a:rPr lang="en-US" altLang="zh-CN" dirty="0">
+                          <a:solidFill>
+                            <a:schemeClr val="tx1"/>
+                          </a:solidFill>
+                        </a:rPr>
+                        <a:t>2</a:t>
+                      </a:r>
+                      <a:endParaRPr lang="en-US" dirty="0">
+                        <a:solidFill>
+                          <a:schemeClr val="tx1"/>
+                        </a:solidFill>
+                      </a:endParaRPr>
+                    </a:p>
+                  </a:txBody>
+                  <a:tcPr/>
+                </a:tc>
+                <a:tc>
+                  <a:txBody>
+                    <a:bodyPr/>
+                    <a:lstStyle/>
+                    <a:p>
+                      <a:pPr algn="r"/>
+                      <a:r>
+                        <a:rPr lang="en-US" altLang="zh-CN" baseline="0" dirty="0">
+                          <a:solidFill>
+                            <a:schemeClr val="tx1"/>
+                          </a:solidFill>
+                        </a:rPr>
+                        <a:t>2</a:t>
+                      </a:r>
+                      <a:endParaRPr lang="en-US" baseline="0" dirty="0">
+                        <a:solidFill>
+                          <a:schemeClr val="tx1"/>
+                        </a:solidFill>
+                      </a:endParaRPr>
+                    </a:p>
+                  </a:txBody>
+                  <a:tcPr/>
+                </a:tc>
+                <a:tc>
+                  <a:txBody>
+                    <a:bodyPr/>
+                    <a:lstStyle/>
+                    <a:p>
+                      <a:pPr algn="r"/>
+                      <a:r>
+                        <a:rPr lang="en-US" dirty="0">
+                          <a:solidFill>
+                            <a:schemeClr val="tx1"/>
+                          </a:solidFill>
+                        </a:rPr>
+                        <a:t>1</a:t>
+                      </a:r>
+                    </a:p>
+                  </a:txBody>
+                  <a:tcPr/>
+                </a:tc>
+                <a:tc>
+                  <a:txBody>
+                    <a:bodyPr/>
+                    <a:lstStyle/>
+                    <a:p>
+                      <a:pPr algn="r"/>
+                      <a:r>
+                        <a:rPr lang="en-US" altLang="zh-CN" dirty="0">
+                          <a:solidFill>
+                            <a:schemeClr val="tx1"/>
+                          </a:solidFill>
+                        </a:rPr>
+                        <a:t>3</a:t>
+                      </a:r>
+                      <a:endParaRPr lang="en-US" dirty="0">
+                        <a:solidFill>
+                          <a:schemeClr val="tx1"/>
+                        </a:solidFill>
+                      </a:endParaRPr>
+                    </a:p>
+                  </a:txBody>
+                  <a:tcPr/>
+                </a:tc>
+                <a:tc>
+                  <a:txBody>
+                    <a:bodyPr/>
+                    <a:lstStyle/>
+                    <a:p>
+                      <a:pPr algn="r"/>
+                      <a:r>
+                        <a:rPr lang="en-US" dirty="0">
+                          <a:solidFill>
+                            <a:schemeClr val="tx1"/>
+                          </a:solidFill>
+                        </a:rPr>
+                        <a:t>3</a:t>
+                      </a:r>
+                    </a:p>
+                  </a:txBody>
+                  <a:tcPr/>
+                </a:tc>
+                <a:tc>
+                  <a:txBody>
+                    <a:bodyPr/>
+                    <a:lstStyle/>
+                    <a:p>
+                      <a:pPr algn="r"/>
+                      <a:r>
+                        <a:rPr lang="en-US" altLang="zh-CN" dirty="0">
+                          <a:solidFill>
+                            <a:schemeClr val="tx1"/>
+                          </a:solidFill>
+                        </a:rPr>
+                        <a:t>1</a:t>
+                      </a:r>
+                      <a:endParaRPr lang="en-US" dirty="0">
+                        <a:solidFill>
+                          <a:schemeClr val="tx1"/>
+                        </a:solidFill>
+                      </a:endParaRPr>
+                    </a:p>
+                  </a:txBody>
+                  <a:tcPr/>
+                </a:tc>
+                <a:tc>
+                  <a:txBody>
+                    <a:bodyPr/>
+                    <a:lstStyle/>
+                    <a:p>
+                      <a:pPr algn="r"/>
+                      <a:r>
+                        <a:rPr lang="en-US" dirty="0">
+                          <a:solidFill>
+                            <a:schemeClr val="tx1"/>
+                          </a:solidFill>
+                        </a:rPr>
+                        <a:t>15</a:t>
+                      </a:r>
+                    </a:p>
+                  </a:txBody>
+                  <a:tcPr/>
+                </a:tc>
+                <a:tc>
+                  <a:txBody>
+                    <a:bodyPr/>
+                    <a:lstStyle/>
+                    <a:p>
+                      <a:pPr algn="r"/>
+                      <a:r>
+                        <a:rPr lang="en-US" dirty="0">
+                          <a:solidFill>
+                            <a:schemeClr val="tx1"/>
+                          </a:solidFill>
+                        </a:rPr>
+                        <a:t>13</a:t>
+                      </a:r>
+                    </a:p>
+                  </a:txBody>
+                  <a:tcPr/>
+                </a:tc>
+                <a:extLst>
+                  <a:ext uri="{0D108BD9-81ED-4DB2-BD59-A6C34878D82A}">
+                    <a16:rowId xmlns:a16="http://schemas.microsoft.com/office/drawing/2014/main" val="1749603488"/>
+                  </a:ext>
+                </a:extLst>
+              </a:tr>
+              <a:tr h="0">
+                <a:tc>
+                  <a:txBody>
+                    <a:bodyPr/>
+                    <a:lstStyle/>
+                    <a:p>
+                      <a:pPr marL="0" marR="0" lvl="0" indent="0" algn="r" defTabSz="914400" rtl="0" eaLnBrk="1" fontAlgn="auto" latinLnBrk="0" hangingPunct="1">
+                        <a:lnSpc>
+                          <a:spcPct val="100000"/>
+                        </a:lnSpc>
+                        <a:spcBef>
+                          <a:spcPts val="0"/>
+                        </a:spcBef>
+                        <a:spcAft>
+                          <a:spcPts val="0"/>
+                        </a:spcAft>
+                        <a:buClrTx/>
+                        <a:buSzTx/>
+                        <a:buFontTx/>
+                        <a:buNone/>
+                        <a:tabLst/>
+                        <a:defRPr/>
+                      </a:pPr>
+                      <a:r>
+                        <a:rPr lang="en-US" altLang="zh-CN" dirty="0">
+                          <a:solidFill>
+                            <a:schemeClr val="tx1"/>
+                          </a:solidFill>
+                        </a:rPr>
+                        <a:t>3</a:t>
+                      </a:r>
+                      <a:endParaRPr lang="en-US" dirty="0">
+                        <a:solidFill>
+                          <a:schemeClr val="tx1"/>
+                        </a:solidFill>
+                      </a:endParaRPr>
+                    </a:p>
+                  </a:txBody>
+                  <a:tcPr/>
+                </a:tc>
+                <a:tc>
+                  <a:txBody>
+                    <a:bodyPr/>
+                    <a:lstStyle/>
+                    <a:p>
+                      <a:pPr algn="r"/>
+                      <a:r>
+                        <a:rPr lang="en-US" altLang="zh-CN" dirty="0">
+                          <a:solidFill>
+                            <a:schemeClr val="tx1"/>
+                          </a:solidFill>
+                        </a:rPr>
+                        <a:t>3</a:t>
+                      </a:r>
+                      <a:endParaRPr lang="en-US" baseline="30000" dirty="0">
+                        <a:solidFill>
+                          <a:schemeClr val="tx1"/>
+                        </a:solidFill>
+                      </a:endParaRPr>
+                    </a:p>
+                  </a:txBody>
+                  <a:tcPr/>
+                </a:tc>
+                <a:tc>
+                  <a:txBody>
+                    <a:bodyPr/>
+                    <a:lstStyle/>
+                    <a:p>
+                      <a:pPr algn="r"/>
+                      <a:r>
+                        <a:rPr lang="en-US" dirty="0">
+                          <a:solidFill>
+                            <a:schemeClr val="tx1"/>
+                          </a:solidFill>
+                        </a:rPr>
+                        <a:t>3</a:t>
+                      </a:r>
+                    </a:p>
+                  </a:txBody>
+                  <a:tcPr/>
+                </a:tc>
+                <a:tc>
+                  <a:txBody>
+                    <a:bodyPr/>
+                    <a:lstStyle/>
+                    <a:p>
+                      <a:pPr algn="r"/>
+                      <a:r>
+                        <a:rPr lang="en-US" altLang="zh-CN" dirty="0">
+                          <a:solidFill>
+                            <a:schemeClr val="tx1"/>
+                          </a:solidFill>
+                        </a:rPr>
+                        <a:t>2</a:t>
+                      </a:r>
+                      <a:endParaRPr lang="en-US" dirty="0">
+                        <a:solidFill>
+                          <a:schemeClr val="tx1"/>
+                        </a:solidFill>
+                      </a:endParaRPr>
+                    </a:p>
+                  </a:txBody>
+                  <a:tcPr/>
+                </a:tc>
+                <a:tc>
+                  <a:txBody>
+                    <a:bodyPr/>
+                    <a:lstStyle/>
+                    <a:p>
+                      <a:pPr algn="r"/>
+                      <a:r>
+                        <a:rPr lang="en-US" dirty="0">
+                          <a:solidFill>
+                            <a:schemeClr val="tx1"/>
+                          </a:solidFill>
+                        </a:rPr>
+                        <a:t>3</a:t>
+                      </a:r>
+                    </a:p>
+                  </a:txBody>
+                  <a:tcPr/>
+                </a:tc>
+                <a:tc>
+                  <a:txBody>
+                    <a:bodyPr/>
+                    <a:lstStyle/>
+                    <a:p>
+                      <a:pPr algn="r"/>
+                      <a:r>
+                        <a:rPr lang="en-US" altLang="zh-CN" dirty="0">
+                          <a:solidFill>
+                            <a:schemeClr val="tx1"/>
+                          </a:solidFill>
+                        </a:rPr>
+                        <a:t>1</a:t>
+                      </a:r>
+                      <a:endParaRPr lang="en-US" dirty="0">
+                        <a:solidFill>
+                          <a:schemeClr val="tx1"/>
+                        </a:solidFill>
+                      </a:endParaRPr>
+                    </a:p>
+                  </a:txBody>
+                  <a:tcPr/>
+                </a:tc>
+                <a:tc>
+                  <a:txBody>
+                    <a:bodyPr/>
+                    <a:lstStyle/>
+                    <a:p>
+                      <a:pPr algn="r"/>
+                      <a:r>
+                        <a:rPr lang="en-US" dirty="0">
+                          <a:solidFill>
+                            <a:schemeClr val="tx1"/>
+                          </a:solidFill>
+                        </a:rPr>
+                        <a:t>9</a:t>
+                      </a:r>
+                    </a:p>
+                  </a:txBody>
+                  <a:tcPr/>
+                </a:tc>
+                <a:tc>
+                  <a:txBody>
+                    <a:bodyPr/>
+                    <a:lstStyle/>
+                    <a:p>
+                      <a:pPr algn="r"/>
+                      <a:r>
+                        <a:rPr lang="en-US" dirty="0">
+                          <a:solidFill>
+                            <a:schemeClr val="tx1"/>
+                          </a:solidFill>
+                        </a:rPr>
+                        <a:t>6</a:t>
+                      </a:r>
+                    </a:p>
+                  </a:txBody>
+                  <a:tcPr/>
+                </a:tc>
+                <a:extLst>
+                  <a:ext uri="{0D108BD9-81ED-4DB2-BD59-A6C34878D82A}">
+                    <a16:rowId xmlns:a16="http://schemas.microsoft.com/office/drawing/2014/main" val="1233945708"/>
+                  </a:ext>
+                </a:extLst>
+              </a:tr>
+              <a:tr h="0">
+                <a:tc>
+                  <a:txBody>
+                    <a:bodyPr/>
+                    <a:lstStyle/>
+                    <a:p>
+                      <a:pPr algn="r"/>
+                      <a:endParaRPr lang="en-US" dirty="0">
+                        <a:solidFill>
+                          <a:schemeClr val="tx1"/>
+                        </a:solidFill>
+                      </a:endParaRPr>
+                    </a:p>
+                  </a:txBody>
+                  <a:tcPr/>
+                </a:tc>
+                <a:tc>
+                  <a:txBody>
+                    <a:bodyPr/>
+                    <a:lstStyle/>
+                    <a:p>
+                      <a:pPr algn="r"/>
+                      <a:endParaRPr lang="en-US" dirty="0">
+                        <a:solidFill>
+                          <a:schemeClr val="tx1"/>
+                        </a:solidFill>
+                      </a:endParaRPr>
+                    </a:p>
+                  </a:txBody>
+                  <a:tcPr/>
+                </a:tc>
+                <a:tc>
+                  <a:txBody>
+                    <a:bodyPr/>
+                    <a:lstStyle/>
+                    <a:p>
+                      <a:pPr algn="r"/>
+                      <a:endParaRPr lang="en-US" dirty="0">
+                        <a:solidFill>
+                          <a:schemeClr val="tx1"/>
+                        </a:solidFill>
+                      </a:endParaRPr>
+                    </a:p>
+                  </a:txBody>
+                  <a:tcPr/>
+                </a:tc>
+                <a:tc>
+                  <a:txBody>
+                    <a:bodyPr/>
+                    <a:lstStyle/>
+                    <a:p>
+                      <a:pPr algn="r"/>
+                      <a:endParaRPr lang="en-US" dirty="0">
+                        <a:solidFill>
+                          <a:schemeClr val="tx1"/>
+                        </a:solidFill>
+                      </a:endParaRPr>
+                    </a:p>
+                  </a:txBody>
+                  <a:tcPr/>
+                </a:tc>
+                <a:tc>
+                  <a:txBody>
+                    <a:bodyPr/>
+                    <a:lstStyle/>
+                    <a:p>
+                      <a:pPr algn="r"/>
+                      <a:endParaRPr lang="en-US" dirty="0">
+                        <a:solidFill>
+                          <a:schemeClr val="tx1"/>
+                        </a:solidFill>
+                      </a:endParaRPr>
+                    </a:p>
+                  </a:txBody>
+                  <a:tcPr/>
+                </a:tc>
+                <a:tc>
+                  <a:txBody>
+                    <a:bodyPr/>
+                    <a:lstStyle/>
+                    <a:p>
+                      <a:pPr algn="r"/>
+                      <a:endParaRPr lang="en-US" dirty="0">
+                        <a:solidFill>
+                          <a:schemeClr val="tx1"/>
+                        </a:solidFill>
+                      </a:endParaRPr>
+                    </a:p>
+                  </a:txBody>
+                  <a:tcPr/>
+                </a:tc>
+                <a:tc>
+                  <a:txBody>
+                    <a:bodyPr/>
+                    <a:lstStyle/>
+                    <a:p>
+                      <a:pPr marL="0" marR="0" lvl="0" indent="0" algn="r" defTabSz="914400" rtl="0" eaLnBrk="1" fontAlgn="auto" latinLnBrk="0" hangingPunct="1">
+                        <a:lnSpc>
+                          <a:spcPct val="100000"/>
+                        </a:lnSpc>
+                        <a:spcBef>
+                          <a:spcPts val="0"/>
+                        </a:spcBef>
+                        <a:spcAft>
+                          <a:spcPts val="0"/>
+                        </a:spcAft>
+                        <a:buClrTx/>
+                        <a:buSzTx/>
+                        <a:buFontTx/>
+                        <a:buNone/>
+                        <a:tabLst/>
+                        <a:defRPr/>
+                      </a:pPr>
+                      <a:r>
+                        <a:rPr lang="en-US" dirty="0">
+                          <a:solidFill>
+                            <a:schemeClr val="tx1"/>
+                          </a:solidFill>
+                        </a:rPr>
+                        <a:t>Avg RT</a:t>
+                      </a:r>
+                    </a:p>
+                  </a:txBody>
+                  <a:tcPr/>
+                </a:tc>
+                <a:tc>
+                  <a:txBody>
+                    <a:bodyPr/>
+                    <a:lstStyle/>
+                    <a:p>
+                      <a:pPr algn="r"/>
+                      <a:r>
+                        <a:rPr lang="en-US" dirty="0">
+                          <a:solidFill>
+                            <a:schemeClr val="tx1"/>
+                          </a:solidFill>
+                        </a:rPr>
+                        <a:t>9.67</a:t>
+                      </a:r>
+                    </a:p>
+                  </a:txBody>
+                  <a:tcPr/>
+                </a:tc>
+                <a:extLst>
+                  <a:ext uri="{0D108BD9-81ED-4DB2-BD59-A6C34878D82A}">
+                    <a16:rowId xmlns:a16="http://schemas.microsoft.com/office/drawing/2014/main" val="2879113726"/>
+                  </a:ext>
+                </a:extLst>
+              </a:tr>
+            </a:tbl>
+          </a:graphicData>
+        </a:graphic>
+      </p:graphicFrame>
+      <p:pic>
+        <p:nvPicPr>
+          <p:cNvPr id="5" name="Picture 4">
+            <a:extLst>
+              <a:ext uri="{FF2B5EF4-FFF2-40B4-BE49-F238E27FC236}">
+                <a16:creationId xmlns:a16="http://schemas.microsoft.com/office/drawing/2014/main" id="{5292D9CA-3F46-7480-1917-67323BB07F35}"/>
+              </a:ext>
+            </a:extLst>
+          </p:cNvPr>
+          <p:cNvPicPr>
+            <a:picLocks noChangeAspect="1"/>
+          </p:cNvPicPr>
+          <p:nvPr/>
+        </p:nvPicPr>
+        <p:blipFill>
+          <a:blip r:embed="rId3"/>
+          <a:stretch>
+            <a:fillRect/>
+          </a:stretch>
+        </p:blipFill>
+        <p:spPr>
+          <a:xfrm>
+            <a:off x="2057400" y="3098489"/>
+            <a:ext cx="7757310" cy="3708222"/>
+          </a:xfrm>
+          <a:prstGeom prst="rect">
+            <a:avLst/>
+          </a:prstGeom>
+        </p:spPr>
+      </p:pic>
+      <p:sp>
+        <p:nvSpPr>
+          <p:cNvPr id="9" name="TextBox 8">
+            <a:extLst>
+              <a:ext uri="{FF2B5EF4-FFF2-40B4-BE49-F238E27FC236}">
+                <a16:creationId xmlns:a16="http://schemas.microsoft.com/office/drawing/2014/main" id="{79B54355-4DCE-7321-DDD8-CADA9D68D457}"/>
+              </a:ext>
+            </a:extLst>
+          </p:cNvPr>
+          <p:cNvSpPr txBox="1"/>
+          <p:nvPr/>
+        </p:nvSpPr>
+        <p:spPr>
+          <a:xfrm>
+            <a:off x="5181600" y="4079452"/>
+            <a:ext cx="417102" cy="369332"/>
+          </a:xfrm>
+          <a:prstGeom prst="rect">
+            <a:avLst/>
+          </a:prstGeom>
+          <a:noFill/>
+        </p:spPr>
+        <p:txBody>
+          <a:bodyPr wrap="none" rtlCol="0">
+            <a:spAutoFit/>
+          </a:bodyPr>
+          <a:lstStyle/>
+          <a:p>
+            <a:r>
+              <a:rPr lang="en-GB" dirty="0">
+                <a:solidFill>
+                  <a:srgbClr val="C00000"/>
+                </a:solidFill>
+                <a:latin typeface="Gill Sans Light"/>
+              </a:rPr>
+              <a:t>IO</a:t>
+            </a:r>
+            <a:endParaRPr lang="en-SE" dirty="0">
+              <a:solidFill>
+                <a:srgbClr val="C00000"/>
+              </a:solidFill>
+              <a:latin typeface="Gill Sans Light"/>
+            </a:endParaRPr>
+          </a:p>
+        </p:txBody>
+      </p:sp>
+      <p:sp>
+        <p:nvSpPr>
+          <p:cNvPr id="10" name="TextBox 9">
+            <a:extLst>
+              <a:ext uri="{FF2B5EF4-FFF2-40B4-BE49-F238E27FC236}">
+                <a16:creationId xmlns:a16="http://schemas.microsoft.com/office/drawing/2014/main" id="{4877B267-5D1C-BD8A-C029-3FCF0B267CA2}"/>
+              </a:ext>
+            </a:extLst>
+          </p:cNvPr>
+          <p:cNvSpPr txBox="1"/>
+          <p:nvPr/>
+        </p:nvSpPr>
+        <p:spPr>
+          <a:xfrm>
+            <a:off x="7656096" y="4395172"/>
+            <a:ext cx="417102" cy="369332"/>
+          </a:xfrm>
+          <a:prstGeom prst="rect">
+            <a:avLst/>
+          </a:prstGeom>
+          <a:noFill/>
+        </p:spPr>
+        <p:txBody>
+          <a:bodyPr wrap="none" rtlCol="0">
+            <a:spAutoFit/>
+          </a:bodyPr>
+          <a:lstStyle/>
+          <a:p>
+            <a:r>
+              <a:rPr lang="en-GB" dirty="0">
+                <a:solidFill>
+                  <a:srgbClr val="C00000"/>
+                </a:solidFill>
+                <a:latin typeface="Gill Sans Light"/>
+              </a:rPr>
+              <a:t>IO</a:t>
+            </a:r>
+            <a:endParaRPr lang="en-SE" dirty="0">
+              <a:solidFill>
+                <a:srgbClr val="C00000"/>
+              </a:solidFill>
+              <a:latin typeface="Gill Sans Light"/>
+            </a:endParaRPr>
+          </a:p>
+        </p:txBody>
+      </p:sp>
+      <p:sp>
+        <p:nvSpPr>
+          <p:cNvPr id="13" name="TextBox 12">
+            <a:extLst>
+              <a:ext uri="{FF2B5EF4-FFF2-40B4-BE49-F238E27FC236}">
+                <a16:creationId xmlns:a16="http://schemas.microsoft.com/office/drawing/2014/main" id="{B48045AB-DEC0-D726-91DD-6210B113E1A5}"/>
+              </a:ext>
+            </a:extLst>
+          </p:cNvPr>
+          <p:cNvSpPr txBox="1"/>
+          <p:nvPr/>
+        </p:nvSpPr>
+        <p:spPr>
+          <a:xfrm>
+            <a:off x="6541168" y="6031832"/>
+            <a:ext cx="417102" cy="369332"/>
+          </a:xfrm>
+          <a:prstGeom prst="rect">
+            <a:avLst/>
+          </a:prstGeom>
+          <a:noFill/>
+        </p:spPr>
+        <p:txBody>
+          <a:bodyPr wrap="none" rtlCol="0">
+            <a:spAutoFit/>
+          </a:bodyPr>
+          <a:lstStyle/>
+          <a:p>
+            <a:r>
+              <a:rPr lang="en-GB" dirty="0">
+                <a:solidFill>
+                  <a:srgbClr val="C00000"/>
+                </a:solidFill>
+                <a:latin typeface="Gill Sans Light"/>
+              </a:rPr>
+              <a:t>IO</a:t>
+            </a:r>
+            <a:endParaRPr lang="en-SE" dirty="0">
+              <a:solidFill>
+                <a:srgbClr val="C00000"/>
+              </a:solidFill>
+              <a:latin typeface="Gill Sans Light"/>
+            </a:endParaRPr>
+          </a:p>
+        </p:txBody>
+      </p:sp>
+      <p:cxnSp>
+        <p:nvCxnSpPr>
+          <p:cNvPr id="15" name="Straight Arrow Connector 14">
+            <a:extLst>
+              <a:ext uri="{FF2B5EF4-FFF2-40B4-BE49-F238E27FC236}">
+                <a16:creationId xmlns:a16="http://schemas.microsoft.com/office/drawing/2014/main" id="{1C7317A9-87F8-388A-FE67-6BBBF47F8873}"/>
+              </a:ext>
+            </a:extLst>
+          </p:cNvPr>
+          <p:cNvCxnSpPr>
+            <a:cxnSpLocks/>
+          </p:cNvCxnSpPr>
+          <p:nvPr/>
+        </p:nvCxnSpPr>
+        <p:spPr bwMode="auto">
+          <a:xfrm flipV="1">
+            <a:off x="2209800" y="3963329"/>
+            <a:ext cx="0" cy="485455"/>
+          </a:xfrm>
+          <a:prstGeom prst="straightConnector1">
+            <a:avLst/>
+          </a:prstGeom>
+          <a:ln w="19050" cap="flat" cmpd="sng" algn="ctr">
+            <a:solidFill>
+              <a:schemeClr val="accent1"/>
+            </a:solidFill>
+            <a:prstDash val="solid"/>
+            <a:round/>
+            <a:headEnd type="none" w="med" len="med"/>
+            <a:tailEnd type="arrow" w="med" len="med"/>
+          </a:ln>
+          <a:extLst>
+            <a:ext uri="{AF507438-7753-43e0-B8FC-AC1667EBCBE1}">
+              <a14:hiddenEffects xmlns:a14="http://schemas.microsoft.com/office/drawing/2010/main" xmlns="">
+                <a:effectLst>
+                  <a:outerShdw dist="35921" dir="2700000" algn="ctr" rotWithShape="0">
+                    <a:schemeClr val="bg2"/>
+                  </a:outerShdw>
+                </a:effectLst>
+              </a14:hiddenEffects>
+            </a:ext>
+          </a:extLst>
+        </p:spPr>
+        <p:style>
+          <a:lnRef idx="0">
+            <a:scrgbClr r="0" g="0" b="0"/>
+          </a:lnRef>
+          <a:fillRef idx="0">
+            <a:scrgbClr r="0" g="0" b="0"/>
+          </a:fillRef>
+          <a:effectRef idx="0">
+            <a:scrgbClr r="0" g="0" b="0"/>
+          </a:effectRef>
+          <a:fontRef idx="minor">
+            <a:schemeClr val="tx1"/>
+          </a:fontRef>
+        </p:style>
+      </p:cxnSp>
+      <p:sp>
+        <p:nvSpPr>
+          <p:cNvPr id="21" name="TextBox 20">
+            <a:extLst>
+              <a:ext uri="{FF2B5EF4-FFF2-40B4-BE49-F238E27FC236}">
+                <a16:creationId xmlns:a16="http://schemas.microsoft.com/office/drawing/2014/main" id="{4ACC4C2C-A5C5-6247-F70A-B4ABB7CBC6D7}"/>
+              </a:ext>
+            </a:extLst>
+          </p:cNvPr>
+          <p:cNvSpPr txBox="1"/>
+          <p:nvPr/>
+        </p:nvSpPr>
+        <p:spPr>
+          <a:xfrm>
+            <a:off x="1672391" y="4395172"/>
+            <a:ext cx="1013867" cy="369332"/>
+          </a:xfrm>
+          <a:prstGeom prst="rect">
+            <a:avLst/>
+          </a:prstGeom>
+          <a:noFill/>
+        </p:spPr>
+        <p:txBody>
+          <a:bodyPr wrap="none" rtlCol="0">
+            <a:spAutoFit/>
+          </a:bodyPr>
+          <a:lstStyle/>
+          <a:p>
+            <a:r>
+              <a:rPr lang="en-GB" dirty="0">
+                <a:solidFill>
+                  <a:schemeClr val="accent1">
+                    <a:lumMod val="75000"/>
+                  </a:schemeClr>
+                </a:solidFill>
+                <a:latin typeface="Gill Sans Light"/>
+              </a:rPr>
+              <a:t>P1 arrival</a:t>
+            </a:r>
+            <a:endParaRPr lang="en-SE" dirty="0">
+              <a:solidFill>
+                <a:schemeClr val="accent1">
+                  <a:lumMod val="75000"/>
+                </a:schemeClr>
+              </a:solidFill>
+              <a:latin typeface="Gill Sans Light"/>
+            </a:endParaRPr>
+          </a:p>
+        </p:txBody>
+      </p:sp>
+      <p:cxnSp>
+        <p:nvCxnSpPr>
+          <p:cNvPr id="22" name="Straight Arrow Connector 21">
+            <a:extLst>
+              <a:ext uri="{FF2B5EF4-FFF2-40B4-BE49-F238E27FC236}">
+                <a16:creationId xmlns:a16="http://schemas.microsoft.com/office/drawing/2014/main" id="{E4C6931C-1B28-18B1-6CDE-25362E697EE4}"/>
+              </a:ext>
+            </a:extLst>
+          </p:cNvPr>
+          <p:cNvCxnSpPr>
+            <a:cxnSpLocks/>
+          </p:cNvCxnSpPr>
+          <p:nvPr/>
+        </p:nvCxnSpPr>
+        <p:spPr bwMode="auto">
+          <a:xfrm flipV="1">
+            <a:off x="3909505" y="3952661"/>
+            <a:ext cx="0" cy="485455"/>
+          </a:xfrm>
+          <a:prstGeom prst="straightConnector1">
+            <a:avLst/>
+          </a:prstGeom>
+          <a:ln w="19050" cap="flat" cmpd="sng" algn="ctr">
+            <a:solidFill>
+              <a:schemeClr val="accent1"/>
+            </a:solidFill>
+            <a:prstDash val="solid"/>
+            <a:round/>
+            <a:headEnd type="none" w="med" len="med"/>
+            <a:tailEnd type="arrow" w="med" len="med"/>
+          </a:ln>
+          <a:extLst>
+            <a:ext uri="{AF507438-7753-43e0-B8FC-AC1667EBCBE1}">
+              <a14:hiddenEffects xmlns:a14="http://schemas.microsoft.com/office/drawing/2010/main" xmlns="">
+                <a:effectLst>
+                  <a:outerShdw dist="35921" dir="2700000" algn="ctr" rotWithShape="0">
+                    <a:schemeClr val="bg2"/>
+                  </a:outerShdw>
+                </a:effectLst>
+              </a14:hiddenEffects>
+            </a:ext>
+          </a:extLst>
+        </p:spPr>
+        <p:style>
+          <a:lnRef idx="0">
+            <a:scrgbClr r="0" g="0" b="0"/>
+          </a:lnRef>
+          <a:fillRef idx="0">
+            <a:scrgbClr r="0" g="0" b="0"/>
+          </a:fillRef>
+          <a:effectRef idx="0">
+            <a:scrgbClr r="0" g="0" b="0"/>
+          </a:effectRef>
+          <a:fontRef idx="minor">
+            <a:schemeClr val="tx1"/>
+          </a:fontRef>
+        </p:style>
+      </p:cxnSp>
+      <p:sp>
+        <p:nvSpPr>
+          <p:cNvPr id="23" name="TextBox 22">
+            <a:extLst>
+              <a:ext uri="{FF2B5EF4-FFF2-40B4-BE49-F238E27FC236}">
+                <a16:creationId xmlns:a16="http://schemas.microsoft.com/office/drawing/2014/main" id="{EB06616C-E11C-8C5E-807D-F38530638942}"/>
+              </a:ext>
+            </a:extLst>
+          </p:cNvPr>
+          <p:cNvSpPr txBox="1"/>
+          <p:nvPr/>
+        </p:nvSpPr>
+        <p:spPr>
+          <a:xfrm>
+            <a:off x="3372096" y="4384504"/>
+            <a:ext cx="1013867" cy="369332"/>
+          </a:xfrm>
+          <a:prstGeom prst="rect">
+            <a:avLst/>
+          </a:prstGeom>
+          <a:noFill/>
+        </p:spPr>
+        <p:txBody>
+          <a:bodyPr wrap="none" rtlCol="0">
+            <a:spAutoFit/>
+          </a:bodyPr>
+          <a:lstStyle/>
+          <a:p>
+            <a:r>
+              <a:rPr lang="en-GB" dirty="0">
+                <a:solidFill>
+                  <a:schemeClr val="accent1">
+                    <a:lumMod val="75000"/>
+                  </a:schemeClr>
+                </a:solidFill>
+                <a:latin typeface="Gill Sans Light"/>
+              </a:rPr>
+              <a:t>P2 arrival</a:t>
+            </a:r>
+            <a:endParaRPr lang="en-SE" dirty="0">
+              <a:solidFill>
+                <a:schemeClr val="accent1">
+                  <a:lumMod val="75000"/>
+                </a:schemeClr>
+              </a:solidFill>
+              <a:latin typeface="Gill Sans Light"/>
+            </a:endParaRPr>
+          </a:p>
+        </p:txBody>
+      </p:sp>
+      <p:cxnSp>
+        <p:nvCxnSpPr>
+          <p:cNvPr id="24" name="Straight Arrow Connector 23">
+            <a:extLst>
+              <a:ext uri="{FF2B5EF4-FFF2-40B4-BE49-F238E27FC236}">
+                <a16:creationId xmlns:a16="http://schemas.microsoft.com/office/drawing/2014/main" id="{FF7722BC-D0CB-EFCA-8C92-822654AA12C6}"/>
+              </a:ext>
+            </a:extLst>
+          </p:cNvPr>
+          <p:cNvCxnSpPr>
+            <a:cxnSpLocks/>
+          </p:cNvCxnSpPr>
+          <p:nvPr/>
+        </p:nvCxnSpPr>
+        <p:spPr bwMode="auto">
+          <a:xfrm flipV="1">
+            <a:off x="4719162" y="4021950"/>
+            <a:ext cx="0" cy="485455"/>
+          </a:xfrm>
+          <a:prstGeom prst="straightConnector1">
+            <a:avLst/>
+          </a:prstGeom>
+          <a:ln w="19050" cap="flat" cmpd="sng" algn="ctr">
+            <a:solidFill>
+              <a:schemeClr val="accent1"/>
+            </a:solidFill>
+            <a:prstDash val="solid"/>
+            <a:round/>
+            <a:headEnd type="none" w="med" len="med"/>
+            <a:tailEnd type="arrow" w="med" len="med"/>
+          </a:ln>
+          <a:extLst>
+            <a:ext uri="{AF507438-7753-43e0-B8FC-AC1667EBCBE1}">
+              <a14:hiddenEffects xmlns:a14="http://schemas.microsoft.com/office/drawing/2010/main" xmlns="">
+                <a:effectLst>
+                  <a:outerShdw dist="35921" dir="2700000" algn="ctr" rotWithShape="0">
+                    <a:schemeClr val="bg2"/>
+                  </a:outerShdw>
+                </a:effectLst>
+              </a14:hiddenEffects>
+            </a:ext>
+          </a:extLst>
+        </p:spPr>
+        <p:style>
+          <a:lnRef idx="0">
+            <a:scrgbClr r="0" g="0" b="0"/>
+          </a:lnRef>
+          <a:fillRef idx="0">
+            <a:scrgbClr r="0" g="0" b="0"/>
+          </a:fillRef>
+          <a:effectRef idx="0">
+            <a:scrgbClr r="0" g="0" b="0"/>
+          </a:effectRef>
+          <a:fontRef idx="minor">
+            <a:schemeClr val="tx1"/>
+          </a:fontRef>
+        </p:style>
+      </p:cxnSp>
+      <p:sp>
+        <p:nvSpPr>
+          <p:cNvPr id="25" name="TextBox 24">
+            <a:extLst>
+              <a:ext uri="{FF2B5EF4-FFF2-40B4-BE49-F238E27FC236}">
+                <a16:creationId xmlns:a16="http://schemas.microsoft.com/office/drawing/2014/main" id="{BE718C5C-8DCF-62FE-2355-FFE78D3E3A9F}"/>
+              </a:ext>
+            </a:extLst>
+          </p:cNvPr>
+          <p:cNvSpPr txBox="1"/>
+          <p:nvPr/>
+        </p:nvSpPr>
+        <p:spPr>
+          <a:xfrm>
+            <a:off x="4162244" y="4587278"/>
+            <a:ext cx="1013867" cy="369332"/>
+          </a:xfrm>
+          <a:prstGeom prst="rect">
+            <a:avLst/>
+          </a:prstGeom>
+          <a:noFill/>
+        </p:spPr>
+        <p:txBody>
+          <a:bodyPr wrap="none" rtlCol="0">
+            <a:spAutoFit/>
+          </a:bodyPr>
+          <a:lstStyle/>
+          <a:p>
+            <a:r>
+              <a:rPr lang="en-GB" dirty="0">
+                <a:solidFill>
+                  <a:schemeClr val="accent1">
+                    <a:lumMod val="75000"/>
+                  </a:schemeClr>
+                </a:solidFill>
+                <a:latin typeface="Gill Sans Light"/>
+              </a:rPr>
+              <a:t>P3 arrival</a:t>
+            </a:r>
+            <a:endParaRPr lang="en-SE" dirty="0">
+              <a:solidFill>
+                <a:schemeClr val="accent1">
+                  <a:lumMod val="75000"/>
+                </a:schemeClr>
+              </a:solidFill>
+              <a:latin typeface="Gill Sans Light"/>
+            </a:endParaRPr>
+          </a:p>
+        </p:txBody>
+      </p:sp>
+    </p:spTree>
+    <p:extLst>
+      <p:ext uri="{BB962C8B-B14F-4D97-AF65-F5344CB8AC3E}">
+        <p14:creationId xmlns:p14="http://schemas.microsoft.com/office/powerpoint/2010/main" val="570477452"/>
+      </p:ext>
+    </p:extLst>
+  </p:cSld>
+  <p:clrMapOvr>
+    <a:masterClrMapping/>
+  </p:clrMapOvr>
+  <p:transition/>
+</p:sld>
+</file>
+
 <file path=ppt/slides/slide2.xml><?xml version="1.0" encoding="utf-8"?>
+<p:sld xmlns:a="http://schemas.openxmlformats.org/drawingml/2006/main" xmlns:r="http://schemas.openxmlformats.org/officeDocument/2006/relationships" xmlns:p="http://schemas.openxmlformats.org/presentationml/2006/main">
+  <p:cSld>
+    <p:spTree>
+      <p:nvGrpSpPr>
+        <p:cNvPr id="1" name=""/>
+        <p:cNvGrpSpPr/>
+        <p:nvPr/>
+      </p:nvGrpSpPr>
+      <p:grpSpPr>
+        <a:xfrm>
+          <a:off x="0" y="0"/>
+          <a:ext cx="0" cy="0"/>
+          <a:chOff x="0" y="0"/>
+          <a:chExt cx="0" cy="0"/>
+        </a:xfrm>
+      </p:grpSpPr>
+      <p:sp>
+        <p:nvSpPr>
+          <p:cNvPr id="2" name="Title 1">
+            <a:extLst>
+              <a:ext uri="{FF2B5EF4-FFF2-40B4-BE49-F238E27FC236}">
+                <a16:creationId xmlns:a16="http://schemas.microsoft.com/office/drawing/2014/main" id="{F4C8165B-77B3-A766-647F-94728AAE698E}"/>
+              </a:ext>
+            </a:extLst>
+          </p:cNvPr>
+          <p:cNvSpPr>
+            <a:spLocks noGrp="1"/>
+          </p:cNvSpPr>
+          <p:nvPr>
+            <p:ph type="title"/>
+          </p:nvPr>
+        </p:nvSpPr>
+        <p:spPr/>
+        <p:txBody>
+          <a:bodyPr/>
+          <a:lstStyle/>
+          <a:p>
+            <a:r>
+              <a:rPr lang="en-GB" dirty="0"/>
+              <a:t>Predicting Burst Time</a:t>
+            </a:r>
+            <a:endParaRPr lang="en-SE" dirty="0"/>
+          </a:p>
+        </p:txBody>
+      </p:sp>
+      <p:sp>
+        <p:nvSpPr>
+          <p:cNvPr id="3" name="Content Placeholder 2">
+            <a:extLst>
+              <a:ext uri="{FF2B5EF4-FFF2-40B4-BE49-F238E27FC236}">
+                <a16:creationId xmlns:a16="http://schemas.microsoft.com/office/drawing/2014/main" id="{A568D32D-8A26-D01F-B9B1-DC028CCAB513}"/>
+              </a:ext>
+            </a:extLst>
+          </p:cNvPr>
+          <p:cNvSpPr>
+            <a:spLocks noGrp="1"/>
+          </p:cNvSpPr>
+          <p:nvPr>
+            <p:ph idx="1"/>
+          </p:nvPr>
+        </p:nvSpPr>
+        <p:spPr/>
+        <p:txBody>
+          <a:bodyPr>
+            <a:normAutofit/>
+          </a:bodyPr>
+          <a:lstStyle/>
+          <a:p>
+            <a:r>
+              <a:rPr lang="en-US" altLang="ko-KR" dirty="0"/>
+              <a:t>Use </a:t>
+            </a:r>
+            <a:r>
+              <a:rPr lang="en-US" altLang="ko-KR" sz="2800" dirty="0"/>
+              <a:t>exponential averaging  </a:t>
+            </a:r>
+            <a:r>
+              <a:rPr lang="en-US" altLang="ko-KR" sz="2800" dirty="0">
+                <a:sym typeface="Symbol" panose="05050102010706020507" pitchFamily="18" charset="2"/>
+              </a:rPr>
+              <a:t></a:t>
+            </a:r>
+            <a:r>
+              <a:rPr lang="en-US" altLang="ko-KR" sz="2800" baseline="-25000" dirty="0">
+                <a:sym typeface="Symbol" panose="05050102010706020507" pitchFamily="18" charset="2"/>
+              </a:rPr>
+              <a:t>n</a:t>
+            </a:r>
+            <a:r>
+              <a:rPr lang="en-US" altLang="ko-KR" sz="2800" dirty="0">
+                <a:sym typeface="Symbol" panose="05050102010706020507" pitchFamily="18" charset="2"/>
+              </a:rPr>
+              <a:t> = t</a:t>
+            </a:r>
+            <a:r>
+              <a:rPr lang="en-US" altLang="ko-KR" sz="2800" baseline="-25000" dirty="0">
+                <a:sym typeface="Symbol" panose="05050102010706020507" pitchFamily="18" charset="2"/>
+              </a:rPr>
+              <a:t>n-1</a:t>
+            </a:r>
+            <a:r>
+              <a:rPr lang="en-US" altLang="ko-KR" sz="2800" dirty="0">
+                <a:sym typeface="Symbol" panose="05050102010706020507" pitchFamily="18" charset="2"/>
+              </a:rPr>
+              <a:t>+(1-)</a:t>
+            </a:r>
+            <a:r>
+              <a:rPr lang="en-US" altLang="ko-KR" sz="2800" baseline="-25000" dirty="0">
+                <a:sym typeface="Symbol" panose="05050102010706020507" pitchFamily="18" charset="2"/>
+              </a:rPr>
+              <a:t>n-1</a:t>
+            </a:r>
+            <a:r>
+              <a:rPr lang="en-US" altLang="ko-KR" sz="2800" dirty="0">
+                <a:sym typeface="Symbol" panose="05050102010706020507" pitchFamily="18" charset="2"/>
+              </a:rPr>
+              <a:t> to predict the next burst time. Assume initial estimate </a:t>
+            </a:r>
+            <a:r>
+              <a:rPr lang="en-US" altLang="ko-KR" sz="2800" baseline="-25000" dirty="0">
+                <a:sym typeface="Symbol" panose="05050102010706020507" pitchFamily="18" charset="2"/>
+              </a:rPr>
+              <a:t>0</a:t>
+            </a:r>
+            <a:r>
+              <a:rPr lang="en-US" altLang="ko-KR" sz="2800" dirty="0">
+                <a:sym typeface="Symbol" panose="05050102010706020507" pitchFamily="18" charset="2"/>
+              </a:rPr>
+              <a:t> = 10, and the </a:t>
+            </a:r>
+            <a:r>
+              <a:rPr lang="en-GB" dirty="0"/>
+              <a:t>actual burst times of the first four processes </a:t>
+            </a:r>
+            <a:r>
+              <a:rPr lang="en-US" altLang="ko-KR" sz="2800" dirty="0">
+                <a:sym typeface="Symbol" panose="05050102010706020507" pitchFamily="18" charset="2"/>
+              </a:rPr>
+              <a:t>t</a:t>
+            </a:r>
+            <a:r>
+              <a:rPr lang="en-US" altLang="ko-KR" sz="2800" baseline="-25000" dirty="0">
+                <a:sym typeface="Symbol" panose="05050102010706020507" pitchFamily="18" charset="2"/>
+              </a:rPr>
+              <a:t>0</a:t>
+            </a:r>
+            <a:r>
+              <a:rPr lang="en-GB" dirty="0"/>
+              <a:t>, </a:t>
+            </a:r>
+            <a:r>
+              <a:rPr lang="en-US" altLang="ko-KR" sz="2800" dirty="0">
+                <a:sym typeface="Symbol" panose="05050102010706020507" pitchFamily="18" charset="2"/>
+              </a:rPr>
+              <a:t>t</a:t>
+            </a:r>
+            <a:r>
+              <a:rPr lang="en-US" altLang="ko-KR" sz="2800" baseline="-25000" dirty="0">
+                <a:sym typeface="Symbol" panose="05050102010706020507" pitchFamily="18" charset="2"/>
+              </a:rPr>
+              <a:t>1</a:t>
+            </a:r>
+            <a:r>
+              <a:rPr lang="en-GB" dirty="0"/>
+              <a:t>, </a:t>
+            </a:r>
+            <a:r>
+              <a:rPr lang="en-US" altLang="ko-KR" sz="2800" dirty="0">
+                <a:sym typeface="Symbol" panose="05050102010706020507" pitchFamily="18" charset="2"/>
+              </a:rPr>
+              <a:t>t</a:t>
+            </a:r>
+            <a:r>
+              <a:rPr lang="en-US" altLang="ko-KR" sz="2800" baseline="-25000" dirty="0">
+                <a:sym typeface="Symbol" panose="05050102010706020507" pitchFamily="18" charset="2"/>
+              </a:rPr>
+              <a:t>2</a:t>
+            </a:r>
+            <a:r>
+              <a:rPr lang="en-GB" dirty="0"/>
+              <a:t>, </a:t>
+            </a:r>
+            <a:r>
+              <a:rPr lang="en-US" altLang="ko-KR" sz="2800" dirty="0">
+                <a:sym typeface="Symbol" panose="05050102010706020507" pitchFamily="18" charset="2"/>
+              </a:rPr>
+              <a:t>t</a:t>
+            </a:r>
+            <a:r>
+              <a:rPr lang="en-US" altLang="ko-KR" sz="2800" baseline="-25000" dirty="0">
+                <a:sym typeface="Symbol" panose="05050102010706020507" pitchFamily="18" charset="2"/>
+              </a:rPr>
+              <a:t>3</a:t>
+            </a:r>
+            <a:r>
+              <a:rPr lang="en-GB" dirty="0"/>
+              <a:t> are 4, 8, 6 and 7, respectively. Given α = 0.5. Compute the predicted burst times </a:t>
+            </a:r>
+            <a:r>
+              <a:rPr lang="en-US" altLang="ko-KR" sz="2800" dirty="0">
+                <a:sym typeface="Symbol" panose="05050102010706020507" pitchFamily="18" charset="2"/>
+              </a:rPr>
+              <a:t></a:t>
+            </a:r>
+            <a:r>
+              <a:rPr lang="en-US" altLang="ko-KR" sz="2800" baseline="-25000" dirty="0">
+                <a:sym typeface="Symbol" panose="05050102010706020507" pitchFamily="18" charset="2"/>
+              </a:rPr>
+              <a:t>1</a:t>
+            </a:r>
+            <a:r>
+              <a:rPr lang="en-US" altLang="ko-KR" sz="2800" dirty="0">
+                <a:sym typeface="Symbol" panose="05050102010706020507" pitchFamily="18" charset="2"/>
+              </a:rPr>
+              <a:t>, </a:t>
+            </a:r>
+            <a:r>
+              <a:rPr lang="en-US" altLang="ko-KR" sz="2800" baseline="-25000" dirty="0">
+                <a:sym typeface="Symbol" panose="05050102010706020507" pitchFamily="18" charset="2"/>
+              </a:rPr>
+              <a:t>2</a:t>
+            </a:r>
+            <a:r>
+              <a:rPr lang="en-US" altLang="ko-KR" sz="2800" dirty="0">
+                <a:sym typeface="Symbol" panose="05050102010706020507" pitchFamily="18" charset="2"/>
+              </a:rPr>
+              <a:t>, </a:t>
+            </a:r>
+            <a:r>
+              <a:rPr lang="en-US" altLang="ko-KR" sz="2800" baseline="-25000" dirty="0">
+                <a:sym typeface="Symbol" panose="05050102010706020507" pitchFamily="18" charset="2"/>
+              </a:rPr>
+              <a:t>3</a:t>
+            </a:r>
+            <a:r>
+              <a:rPr lang="en-US" altLang="ko-KR" sz="2800" dirty="0">
+                <a:sym typeface="Symbol" panose="05050102010706020507" pitchFamily="18" charset="2"/>
+              </a:rPr>
+              <a:t>, </a:t>
+            </a:r>
+            <a:r>
+              <a:rPr lang="en-US" altLang="ko-KR" sz="2800" baseline="-25000" dirty="0">
+                <a:sym typeface="Symbol" panose="05050102010706020507" pitchFamily="18" charset="2"/>
+              </a:rPr>
+              <a:t>4. </a:t>
+            </a:r>
+            <a:endParaRPr lang="en-GB" dirty="0"/>
+          </a:p>
+        </p:txBody>
+      </p:sp>
+    </p:spTree>
+    <p:extLst>
+      <p:ext uri="{BB962C8B-B14F-4D97-AF65-F5344CB8AC3E}">
+        <p14:creationId xmlns:p14="http://schemas.microsoft.com/office/powerpoint/2010/main" val="1830605874"/>
+      </p:ext>
+    </p:extLst>
+  </p:cSld>
+  <p:clrMapOvr>
+    <a:masterClrMapping/>
+  </p:clrMapOvr>
+  <p:transition/>
+</p:sld>
+</file>
+
+<file path=ppt/slides/slide3.xml><?xml version="1.0" encoding="utf-8"?>
+<p:sld xmlns:a="http://schemas.openxmlformats.org/drawingml/2006/main" xmlns:r="http://schemas.openxmlformats.org/officeDocument/2006/relationships" xmlns:p="http://schemas.openxmlformats.org/presentationml/2006/main">
+  <p:cSld>
+    <p:spTree>
+      <p:nvGrpSpPr>
+        <p:cNvPr id="1" name="">
+          <a:extLst>
+            <a:ext uri="{FF2B5EF4-FFF2-40B4-BE49-F238E27FC236}">
+              <a16:creationId xmlns:a16="http://schemas.microsoft.com/office/drawing/2014/main" id="{C4F1AD51-C722-ED23-27FF-56338D8A0759}"/>
+            </a:ext>
+          </a:extLst>
+        </p:cNvPr>
+        <p:cNvGrpSpPr/>
+        <p:nvPr/>
+      </p:nvGrpSpPr>
+      <p:grpSpPr>
+        <a:xfrm>
+          <a:off x="0" y="0"/>
+          <a:ext cx="0" cy="0"/>
+          <a:chOff x="0" y="0"/>
+          <a:chExt cx="0" cy="0"/>
+        </a:xfrm>
+      </p:grpSpPr>
+      <p:sp>
+        <p:nvSpPr>
+          <p:cNvPr id="2" name="Title 1">
+            <a:extLst>
+              <a:ext uri="{FF2B5EF4-FFF2-40B4-BE49-F238E27FC236}">
+                <a16:creationId xmlns:a16="http://schemas.microsoft.com/office/drawing/2014/main" id="{EF947E7B-32F3-3735-987C-876AF2264A2B}"/>
+              </a:ext>
+            </a:extLst>
+          </p:cNvPr>
+          <p:cNvSpPr>
+            <a:spLocks noGrp="1"/>
+          </p:cNvSpPr>
+          <p:nvPr>
+            <p:ph type="title"/>
+          </p:nvPr>
+        </p:nvSpPr>
+        <p:spPr/>
+        <p:txBody>
+          <a:bodyPr/>
+          <a:lstStyle/>
+          <a:p>
+            <a:r>
+              <a:rPr lang="en-GB" dirty="0"/>
+              <a:t>Predicting Burst Time ANS</a:t>
+            </a:r>
+            <a:endParaRPr lang="en-SE" dirty="0"/>
+          </a:p>
+        </p:txBody>
+      </p:sp>
+      <p:sp>
+        <p:nvSpPr>
+          <p:cNvPr id="3" name="Content Placeholder 2">
+            <a:extLst>
+              <a:ext uri="{FF2B5EF4-FFF2-40B4-BE49-F238E27FC236}">
+                <a16:creationId xmlns:a16="http://schemas.microsoft.com/office/drawing/2014/main" id="{C96E4FFE-F627-F544-AB84-D0B202D11C76}"/>
+              </a:ext>
+            </a:extLst>
+          </p:cNvPr>
+          <p:cNvSpPr>
+            <a:spLocks noGrp="1"/>
+          </p:cNvSpPr>
+          <p:nvPr>
+            <p:ph idx="1"/>
+          </p:nvPr>
+        </p:nvSpPr>
+        <p:spPr/>
+        <p:txBody>
+          <a:bodyPr>
+            <a:normAutofit/>
+          </a:bodyPr>
+          <a:lstStyle/>
+          <a:p>
+            <a:r>
+              <a:rPr lang="en-US" altLang="ko-KR" dirty="0"/>
+              <a:t>Use </a:t>
+            </a:r>
+            <a:r>
+              <a:rPr lang="en-US" altLang="ko-KR" sz="2800" dirty="0"/>
+              <a:t>exponential averaging  </a:t>
+            </a:r>
+            <a:r>
+              <a:rPr lang="en-US" altLang="ko-KR" sz="2800" dirty="0">
+                <a:sym typeface="Symbol" panose="05050102010706020507" pitchFamily="18" charset="2"/>
+              </a:rPr>
+              <a:t></a:t>
+            </a:r>
+            <a:r>
+              <a:rPr lang="en-US" altLang="ko-KR" sz="2800" baseline="-25000" dirty="0">
+                <a:sym typeface="Symbol" panose="05050102010706020507" pitchFamily="18" charset="2"/>
+              </a:rPr>
+              <a:t>n</a:t>
+            </a:r>
+            <a:r>
+              <a:rPr lang="en-US" altLang="ko-KR" sz="2800" dirty="0">
+                <a:sym typeface="Symbol" panose="05050102010706020507" pitchFamily="18" charset="2"/>
+              </a:rPr>
+              <a:t> = t</a:t>
+            </a:r>
+            <a:r>
+              <a:rPr lang="en-US" altLang="ko-KR" sz="2800" baseline="-25000" dirty="0">
+                <a:sym typeface="Symbol" panose="05050102010706020507" pitchFamily="18" charset="2"/>
+              </a:rPr>
+              <a:t>n-1</a:t>
+            </a:r>
+            <a:r>
+              <a:rPr lang="en-US" altLang="ko-KR" sz="2800" dirty="0">
+                <a:sym typeface="Symbol" panose="05050102010706020507" pitchFamily="18" charset="2"/>
+              </a:rPr>
+              <a:t>+(1-)</a:t>
+            </a:r>
+            <a:r>
+              <a:rPr lang="en-US" altLang="ko-KR" sz="2800" baseline="-25000" dirty="0">
+                <a:sym typeface="Symbol" panose="05050102010706020507" pitchFamily="18" charset="2"/>
+              </a:rPr>
+              <a:t>n-1</a:t>
+            </a:r>
+            <a:r>
+              <a:rPr lang="en-US" altLang="ko-KR" sz="2800" dirty="0">
+                <a:sym typeface="Symbol" panose="05050102010706020507" pitchFamily="18" charset="2"/>
+              </a:rPr>
+              <a:t> to predict the next burst time. Assume initial estimate </a:t>
+            </a:r>
+            <a:r>
+              <a:rPr lang="en-US" altLang="ko-KR" sz="2800" baseline="-25000" dirty="0">
+                <a:sym typeface="Symbol" panose="05050102010706020507" pitchFamily="18" charset="2"/>
+              </a:rPr>
+              <a:t>0</a:t>
+            </a:r>
+            <a:r>
+              <a:rPr lang="en-US" altLang="ko-KR" sz="2800" dirty="0">
+                <a:sym typeface="Symbol" panose="05050102010706020507" pitchFamily="18" charset="2"/>
+              </a:rPr>
+              <a:t> = 10, and the </a:t>
+            </a:r>
+            <a:r>
+              <a:rPr lang="en-GB" dirty="0"/>
+              <a:t>actual burst times of the first four processes </a:t>
+            </a:r>
+            <a:r>
+              <a:rPr lang="en-US" altLang="ko-KR" sz="2800" dirty="0">
+                <a:sym typeface="Symbol" panose="05050102010706020507" pitchFamily="18" charset="2"/>
+              </a:rPr>
+              <a:t>t</a:t>
+            </a:r>
+            <a:r>
+              <a:rPr lang="en-US" altLang="ko-KR" sz="2800" baseline="-25000" dirty="0">
+                <a:sym typeface="Symbol" panose="05050102010706020507" pitchFamily="18" charset="2"/>
+              </a:rPr>
+              <a:t>0</a:t>
+            </a:r>
+            <a:r>
+              <a:rPr lang="en-GB" dirty="0"/>
+              <a:t>, </a:t>
+            </a:r>
+            <a:r>
+              <a:rPr lang="en-US" altLang="ko-KR" sz="2800" dirty="0">
+                <a:sym typeface="Symbol" panose="05050102010706020507" pitchFamily="18" charset="2"/>
+              </a:rPr>
+              <a:t>t</a:t>
+            </a:r>
+            <a:r>
+              <a:rPr lang="en-US" altLang="ko-KR" sz="2800" baseline="-25000" dirty="0">
+                <a:sym typeface="Symbol" panose="05050102010706020507" pitchFamily="18" charset="2"/>
+              </a:rPr>
+              <a:t>1</a:t>
+            </a:r>
+            <a:r>
+              <a:rPr lang="en-GB" dirty="0"/>
+              <a:t>, </a:t>
+            </a:r>
+            <a:r>
+              <a:rPr lang="en-US" altLang="ko-KR" sz="2800" dirty="0">
+                <a:sym typeface="Symbol" panose="05050102010706020507" pitchFamily="18" charset="2"/>
+              </a:rPr>
+              <a:t>t</a:t>
+            </a:r>
+            <a:r>
+              <a:rPr lang="en-US" altLang="ko-KR" sz="2800" baseline="-25000" dirty="0">
+                <a:sym typeface="Symbol" panose="05050102010706020507" pitchFamily="18" charset="2"/>
+              </a:rPr>
+              <a:t>2</a:t>
+            </a:r>
+            <a:r>
+              <a:rPr lang="en-GB" dirty="0"/>
+              <a:t>, </a:t>
+            </a:r>
+            <a:r>
+              <a:rPr lang="en-US" altLang="ko-KR" sz="2800" dirty="0">
+                <a:sym typeface="Symbol" panose="05050102010706020507" pitchFamily="18" charset="2"/>
+              </a:rPr>
+              <a:t>t</a:t>
+            </a:r>
+            <a:r>
+              <a:rPr lang="en-US" altLang="ko-KR" sz="2800" baseline="-25000" dirty="0">
+                <a:sym typeface="Symbol" panose="05050102010706020507" pitchFamily="18" charset="2"/>
+              </a:rPr>
+              <a:t>3</a:t>
+            </a:r>
+            <a:r>
+              <a:rPr lang="en-GB" dirty="0"/>
+              <a:t> are 4, 8, 6 and 7, respectively. Given α = 0.5. Compute the predicted burst times </a:t>
+            </a:r>
+            <a:r>
+              <a:rPr lang="en-US" altLang="ko-KR" sz="2800" dirty="0">
+                <a:sym typeface="Symbol" panose="05050102010706020507" pitchFamily="18" charset="2"/>
+              </a:rPr>
+              <a:t></a:t>
+            </a:r>
+            <a:r>
+              <a:rPr lang="en-US" altLang="ko-KR" sz="2800" baseline="-25000" dirty="0">
+                <a:sym typeface="Symbol" panose="05050102010706020507" pitchFamily="18" charset="2"/>
+              </a:rPr>
+              <a:t>1</a:t>
+            </a:r>
+            <a:r>
+              <a:rPr lang="en-US" altLang="ko-KR" sz="2800" dirty="0">
+                <a:sym typeface="Symbol" panose="05050102010706020507" pitchFamily="18" charset="2"/>
+              </a:rPr>
+              <a:t>, </a:t>
+            </a:r>
+            <a:r>
+              <a:rPr lang="en-US" altLang="ko-KR" sz="2800" baseline="-25000" dirty="0">
+                <a:sym typeface="Symbol" panose="05050102010706020507" pitchFamily="18" charset="2"/>
+              </a:rPr>
+              <a:t>2</a:t>
+            </a:r>
+            <a:r>
+              <a:rPr lang="en-US" altLang="ko-KR" sz="2800" dirty="0">
+                <a:sym typeface="Symbol" panose="05050102010706020507" pitchFamily="18" charset="2"/>
+              </a:rPr>
+              <a:t>, </a:t>
+            </a:r>
+            <a:r>
+              <a:rPr lang="en-US" altLang="ko-KR" sz="2800" baseline="-25000" dirty="0">
+                <a:sym typeface="Symbol" panose="05050102010706020507" pitchFamily="18" charset="2"/>
+              </a:rPr>
+              <a:t>3</a:t>
+            </a:r>
+            <a:r>
+              <a:rPr lang="en-US" altLang="ko-KR" sz="2800" dirty="0">
+                <a:sym typeface="Symbol" panose="05050102010706020507" pitchFamily="18" charset="2"/>
+              </a:rPr>
+              <a:t>, </a:t>
+            </a:r>
+            <a:r>
+              <a:rPr lang="en-US" altLang="ko-KR" sz="2800" baseline="-25000" dirty="0">
+                <a:sym typeface="Symbol" panose="05050102010706020507" pitchFamily="18" charset="2"/>
+              </a:rPr>
+              <a:t>4. </a:t>
+            </a:r>
+            <a:r>
+              <a:rPr lang="en-US" altLang="ko-KR" sz="2800" dirty="0">
+                <a:sym typeface="Symbol" panose="05050102010706020507" pitchFamily="18" charset="2"/>
+              </a:rPr>
+              <a:t>(It is best if you can bring a calculator. But if you do not have one, just writing out the following formulas is OK.)</a:t>
+            </a:r>
+            <a:endParaRPr lang="en-US" altLang="ko-KR" sz="2800" baseline="-25000" dirty="0">
+              <a:sym typeface="Symbol" panose="05050102010706020507" pitchFamily="18" charset="2"/>
+            </a:endParaRPr>
+          </a:p>
+          <a:p>
+            <a:pPr marL="0" indent="0">
+              <a:buNone/>
+            </a:pPr>
+            <a:endParaRPr lang="en-US" altLang="ko-KR" sz="2800" baseline="-25000" dirty="0">
+              <a:sym typeface="Symbol" panose="05050102010706020507" pitchFamily="18" charset="2"/>
+            </a:endParaRPr>
+          </a:p>
+          <a:p>
+            <a:r>
+              <a:rPr lang="en-US" altLang="ko-KR" sz="2800" dirty="0">
+                <a:sym typeface="Symbol" panose="05050102010706020507" pitchFamily="18" charset="2"/>
+              </a:rPr>
+              <a:t></a:t>
+            </a:r>
+            <a:r>
+              <a:rPr lang="en-US" altLang="ko-KR" sz="2800" baseline="-25000" dirty="0">
+                <a:sym typeface="Symbol" panose="05050102010706020507" pitchFamily="18" charset="2"/>
+              </a:rPr>
+              <a:t>1  </a:t>
+            </a:r>
+            <a:r>
+              <a:rPr lang="en-GB" dirty="0"/>
+              <a:t>= 0.5 x 4 + 0.5 x 10 = 7</a:t>
+            </a:r>
+          </a:p>
+          <a:p>
+            <a:r>
+              <a:rPr lang="en-US" altLang="ko-KR" sz="2800" dirty="0">
+                <a:sym typeface="Symbol" panose="05050102010706020507" pitchFamily="18" charset="2"/>
+              </a:rPr>
+              <a:t></a:t>
+            </a:r>
+            <a:r>
+              <a:rPr lang="en-US" altLang="ko-KR" sz="2800" baseline="-25000" dirty="0">
+                <a:sym typeface="Symbol" panose="05050102010706020507" pitchFamily="18" charset="2"/>
+              </a:rPr>
+              <a:t>2  </a:t>
+            </a:r>
+            <a:r>
+              <a:rPr lang="en-GB" dirty="0"/>
+              <a:t>= 0.5 x 8 + 0.5 x 7 = 7.5</a:t>
+            </a:r>
+          </a:p>
+          <a:p>
+            <a:r>
+              <a:rPr lang="en-US" altLang="ko-KR" sz="2800" dirty="0">
+                <a:sym typeface="Symbol" panose="05050102010706020507" pitchFamily="18" charset="2"/>
+              </a:rPr>
+              <a:t></a:t>
+            </a:r>
+            <a:r>
+              <a:rPr lang="en-US" altLang="ko-KR" sz="2800" baseline="-25000" dirty="0">
+                <a:sym typeface="Symbol" panose="05050102010706020507" pitchFamily="18" charset="2"/>
+              </a:rPr>
+              <a:t>3  </a:t>
+            </a:r>
+            <a:r>
+              <a:rPr lang="en-GB" dirty="0"/>
+              <a:t>= 0.5 x 6 + 0.5 x 7.5 = 6.75</a:t>
+            </a:r>
+          </a:p>
+          <a:p>
+            <a:r>
+              <a:rPr lang="en-US" altLang="ko-KR" sz="2800" dirty="0">
+                <a:sym typeface="Symbol" panose="05050102010706020507" pitchFamily="18" charset="2"/>
+              </a:rPr>
+              <a:t></a:t>
+            </a:r>
+            <a:r>
+              <a:rPr lang="en-US" altLang="ko-KR" sz="2800" baseline="-25000" dirty="0">
+                <a:sym typeface="Symbol" panose="05050102010706020507" pitchFamily="18" charset="2"/>
+              </a:rPr>
+              <a:t>4  </a:t>
+            </a:r>
+            <a:r>
+              <a:rPr lang="en-GB" dirty="0"/>
+              <a:t>= 0.5 x 7 + 0.5 x 6.75 = 6.875</a:t>
+            </a:r>
+          </a:p>
+        </p:txBody>
+      </p:sp>
+    </p:spTree>
+    <p:extLst>
+      <p:ext uri="{BB962C8B-B14F-4D97-AF65-F5344CB8AC3E}">
+        <p14:creationId xmlns:p14="http://schemas.microsoft.com/office/powerpoint/2010/main" val="2766716578"/>
+      </p:ext>
+    </p:extLst>
+  </p:cSld>
+  <p:clrMapOvr>
+    <a:masterClrMapping/>
+  </p:clrMapOvr>
+  <p:transition/>
+</p:sld>
+</file>
+
+<file path=ppt/slides/slide4.xml><?xml version="1.0" encoding="utf-8"?>
 <p:sld xmlns:a="http://schemas.openxmlformats.org/drawingml/2006/main" xmlns:r="http://schemas.openxmlformats.org/officeDocument/2006/relationships" xmlns:p="http://schemas.openxmlformats.org/presentationml/2006/main">
   <p:cSld>
     <p:spTree>
@@ -4207,7 +11211,7 @@
 </p:sld>
 </file>
 
-<file path=ppt/slides/slide3.xml><?xml version="1.0" encoding="utf-8"?>
+<file path=ppt/slides/slide5.xml><?xml version="1.0" encoding="utf-8"?>
 <p:sld xmlns:a="http://schemas.openxmlformats.org/drawingml/2006/main" xmlns:r="http://schemas.openxmlformats.org/officeDocument/2006/relationships" xmlns:p="http://schemas.openxmlformats.org/presentationml/2006/main">
   <p:cSld>
     <p:spTree>
@@ -5637,7 +12641,7 @@
         <p:spPr>
           <a:xfrm>
             <a:off x="4942626" y="7629372"/>
-            <a:ext cx="1095172" cy="369332"/>
+            <a:ext cx="1031051" cy="369332"/>
           </a:xfrm>
           <a:prstGeom prst="rect">
             <a:avLst/>
@@ -5667,7 +12671,7 @@
                 <a:ea typeface="黑体" panose="02010609060101010101" pitchFamily="49" charset="-122"/>
                 <a:cs typeface="+mn-cs"/>
               </a:rPr>
-              <a:t>B arrives</a:t>
+              <a:t>B arrival</a:t>
             </a:r>
             <a:endParaRPr lang="en-US" b="0" dirty="0">
               <a:solidFill>
@@ -5695,7 +12699,7 @@
         <p:spPr>
           <a:xfrm>
             <a:off x="5944367" y="7629372"/>
-            <a:ext cx="1107996" cy="369332"/>
+            <a:ext cx="1043876" cy="369332"/>
           </a:xfrm>
           <a:prstGeom prst="rect">
             <a:avLst/>
@@ -5725,7 +12729,7 @@
                 <a:ea typeface="黑体" panose="02010609060101010101" pitchFamily="49" charset="-122"/>
                 <a:cs typeface="+mn-cs"/>
               </a:rPr>
-              <a:t>C arrives</a:t>
+              <a:t>C arrival</a:t>
             </a:r>
             <a:endParaRPr lang="en-US" b="0" dirty="0">
               <a:solidFill>
@@ -6843,7 +13847,7 @@
 </p:sld>
 </file>
 
-<file path=ppt/slides/slide4.xml><?xml version="1.0" encoding="utf-8"?>
+<file path=ppt/slides/slide6.xml><?xml version="1.0" encoding="utf-8"?>
 <p:sld xmlns:a="http://schemas.openxmlformats.org/drawingml/2006/main" xmlns:r="http://schemas.openxmlformats.org/officeDocument/2006/relationships" xmlns:p="http://schemas.openxmlformats.org/presentationml/2006/main">
   <p:cSld>
     <p:spTree>
@@ -8351,7 +15355,7 @@
         <p:spPr>
           <a:xfrm>
             <a:off x="4942626" y="7629372"/>
-            <a:ext cx="1095172" cy="369332"/>
+            <a:ext cx="1031051" cy="369332"/>
           </a:xfrm>
           <a:prstGeom prst="rect">
             <a:avLst/>
@@ -8381,7 +15385,7 @@
                 <a:ea typeface="黑体" panose="02010609060101010101" pitchFamily="49" charset="-122"/>
                 <a:cs typeface="+mn-cs"/>
               </a:rPr>
-              <a:t>B arrives</a:t>
+              <a:t>B arrival</a:t>
             </a:r>
             <a:endParaRPr lang="en-US" b="0" dirty="0">
               <a:solidFill>
@@ -8409,7 +15413,7 @@
         <p:spPr>
           <a:xfrm>
             <a:off x="5944367" y="7629372"/>
-            <a:ext cx="1107996" cy="369332"/>
+            <a:ext cx="1043876" cy="369332"/>
           </a:xfrm>
           <a:prstGeom prst="rect">
             <a:avLst/>
@@ -8439,7 +15443,7 @@
                 <a:ea typeface="黑体" panose="02010609060101010101" pitchFamily="49" charset="-122"/>
                 <a:cs typeface="+mn-cs"/>
               </a:rPr>
-              <a:t>C arrives</a:t>
+              <a:t>C arrival</a:t>
             </a:r>
             <a:endParaRPr lang="en-US" b="0" dirty="0">
               <a:solidFill>
@@ -9561,7 +16565,7 @@
         </p:nvSpPr>
         <p:spPr>
           <a:xfrm>
-            <a:off x="5490212" y="5892800"/>
+            <a:off x="7317541" y="5796883"/>
             <a:ext cx="1676400" cy="395575"/>
           </a:xfrm>
         </p:spPr>
@@ -9579,6 +16583,330 @@
               <a:t>Gantt Chart</a:t>
             </a:r>
             <a:endParaRPr lang="en-SE" sz="2400" dirty="0"/>
+          </a:p>
+        </p:txBody>
+      </p:sp>
+      <p:cxnSp>
+        <p:nvCxnSpPr>
+          <p:cNvPr id="3" name="Straight Arrow Connector 2">
+            <a:extLst>
+              <a:ext uri="{FF2B5EF4-FFF2-40B4-BE49-F238E27FC236}">
+                <a16:creationId xmlns:a16="http://schemas.microsoft.com/office/drawing/2014/main" id="{41F14D9E-E168-7744-EA27-8404019A8882}"/>
+              </a:ext>
+            </a:extLst>
+          </p:cNvPr>
+          <p:cNvCxnSpPr>
+            <a:cxnSpLocks/>
+          </p:cNvCxnSpPr>
+          <p:nvPr/>
+        </p:nvCxnSpPr>
+        <p:spPr bwMode="auto">
+          <a:xfrm flipV="1">
+            <a:off x="4118809" y="5856532"/>
+            <a:ext cx="0" cy="485455"/>
+          </a:xfrm>
+          <a:prstGeom prst="straightConnector1">
+            <a:avLst/>
+          </a:prstGeom>
+          <a:ln w="19050" cap="flat" cmpd="sng" algn="ctr">
+            <a:solidFill>
+              <a:schemeClr val="accent1"/>
+            </a:solidFill>
+            <a:prstDash val="solid"/>
+            <a:round/>
+            <a:headEnd type="none" w="med" len="med"/>
+            <a:tailEnd type="arrow" w="med" len="med"/>
+          </a:ln>
+          <a:extLst>
+            <a:ext uri="{AF507438-7753-43e0-B8FC-AC1667EBCBE1}">
+              <a14:hiddenEffects xmlns:a14="http://schemas.microsoft.com/office/drawing/2010/main" xmlns="">
+                <a:effectLst>
+                  <a:outerShdw dist="35921" dir="2700000" algn="ctr" rotWithShape="0">
+                    <a:schemeClr val="bg2"/>
+                  </a:outerShdw>
+                </a:effectLst>
+              </a14:hiddenEffects>
+            </a:ext>
+          </a:extLst>
+        </p:spPr>
+        <p:style>
+          <a:lnRef idx="0">
+            <a:scrgbClr r="0" g="0" b="0"/>
+          </a:lnRef>
+          <a:fillRef idx="0">
+            <a:scrgbClr r="0" g="0" b="0"/>
+          </a:fillRef>
+          <a:effectRef idx="0">
+            <a:scrgbClr r="0" g="0" b="0"/>
+          </a:effectRef>
+          <a:fontRef idx="minor">
+            <a:schemeClr val="tx1"/>
+          </a:fontRef>
+        </p:style>
+      </p:cxnSp>
+      <p:sp>
+        <p:nvSpPr>
+          <p:cNvPr id="4" name="TextBox 3">
+            <a:extLst>
+              <a:ext uri="{FF2B5EF4-FFF2-40B4-BE49-F238E27FC236}">
+                <a16:creationId xmlns:a16="http://schemas.microsoft.com/office/drawing/2014/main" id="{85948B47-53BC-0BB0-6EF8-0BF47B631131}"/>
+              </a:ext>
+            </a:extLst>
+          </p:cNvPr>
+          <p:cNvSpPr txBox="1"/>
+          <p:nvPr/>
+        </p:nvSpPr>
+        <p:spPr>
+          <a:xfrm>
+            <a:off x="3581400" y="6288375"/>
+            <a:ext cx="1013867" cy="369332"/>
+          </a:xfrm>
+          <a:prstGeom prst="rect">
+            <a:avLst/>
+          </a:prstGeom>
+          <a:noFill/>
+        </p:spPr>
+        <p:txBody>
+          <a:bodyPr wrap="none" rtlCol="0">
+            <a:spAutoFit/>
+          </a:bodyPr>
+          <a:lstStyle/>
+          <a:p>
+            <a:r>
+              <a:rPr lang="en-GB" dirty="0">
+                <a:solidFill>
+                  <a:schemeClr val="accent1">
+                    <a:lumMod val="75000"/>
+                  </a:schemeClr>
+                </a:solidFill>
+                <a:latin typeface="Gill Sans Light"/>
+              </a:rPr>
+              <a:t>P1 arrival</a:t>
+            </a:r>
+            <a:endParaRPr lang="en-SE" dirty="0">
+              <a:solidFill>
+                <a:schemeClr val="accent1">
+                  <a:lumMod val="75000"/>
+                </a:schemeClr>
+              </a:solidFill>
+              <a:latin typeface="Gill Sans Light"/>
+            </a:endParaRPr>
+          </a:p>
+        </p:txBody>
+      </p:sp>
+      <p:cxnSp>
+        <p:nvCxnSpPr>
+          <p:cNvPr id="5" name="Straight Arrow Connector 4">
+            <a:extLst>
+              <a:ext uri="{FF2B5EF4-FFF2-40B4-BE49-F238E27FC236}">
+                <a16:creationId xmlns:a16="http://schemas.microsoft.com/office/drawing/2014/main" id="{C1266E1A-B691-83B0-19BE-5310A9B6B11D}"/>
+              </a:ext>
+            </a:extLst>
+          </p:cNvPr>
+          <p:cNvCxnSpPr>
+            <a:cxnSpLocks/>
+          </p:cNvCxnSpPr>
+          <p:nvPr/>
+        </p:nvCxnSpPr>
+        <p:spPr bwMode="auto">
+          <a:xfrm flipV="1">
+            <a:off x="4636165" y="5879197"/>
+            <a:ext cx="0" cy="259272"/>
+          </a:xfrm>
+          <a:prstGeom prst="straightConnector1">
+            <a:avLst/>
+          </a:prstGeom>
+          <a:ln w="19050" cap="flat" cmpd="sng" algn="ctr">
+            <a:solidFill>
+              <a:schemeClr val="accent1"/>
+            </a:solidFill>
+            <a:prstDash val="solid"/>
+            <a:round/>
+            <a:headEnd type="none" w="med" len="med"/>
+            <a:tailEnd type="arrow" w="med" len="med"/>
+          </a:ln>
+          <a:extLst>
+            <a:ext uri="{AF507438-7753-43e0-B8FC-AC1667EBCBE1}">
+              <a14:hiddenEffects xmlns:a14="http://schemas.microsoft.com/office/drawing/2010/main" xmlns="">
+                <a:effectLst>
+                  <a:outerShdw dist="35921" dir="2700000" algn="ctr" rotWithShape="0">
+                    <a:schemeClr val="bg2"/>
+                  </a:outerShdw>
+                </a:effectLst>
+              </a14:hiddenEffects>
+            </a:ext>
+          </a:extLst>
+        </p:spPr>
+        <p:style>
+          <a:lnRef idx="0">
+            <a:scrgbClr r="0" g="0" b="0"/>
+          </a:lnRef>
+          <a:fillRef idx="0">
+            <a:scrgbClr r="0" g="0" b="0"/>
+          </a:fillRef>
+          <a:effectRef idx="0">
+            <a:scrgbClr r="0" g="0" b="0"/>
+          </a:effectRef>
+          <a:fontRef idx="minor">
+            <a:schemeClr val="tx1"/>
+          </a:fontRef>
+        </p:style>
+      </p:cxnSp>
+      <p:sp>
+        <p:nvSpPr>
+          <p:cNvPr id="7" name="TextBox 6">
+            <a:extLst>
+              <a:ext uri="{FF2B5EF4-FFF2-40B4-BE49-F238E27FC236}">
+                <a16:creationId xmlns:a16="http://schemas.microsoft.com/office/drawing/2014/main" id="{22EB69F8-9E00-3584-8C2B-5ECB456610EA}"/>
+              </a:ext>
+            </a:extLst>
+          </p:cNvPr>
+          <p:cNvSpPr txBox="1"/>
+          <p:nvPr/>
+        </p:nvSpPr>
+        <p:spPr>
+          <a:xfrm>
+            <a:off x="4118809" y="6042706"/>
+            <a:ext cx="1013867" cy="369332"/>
+          </a:xfrm>
+          <a:prstGeom prst="rect">
+            <a:avLst/>
+          </a:prstGeom>
+          <a:noFill/>
+        </p:spPr>
+        <p:txBody>
+          <a:bodyPr wrap="none" rtlCol="0">
+            <a:spAutoFit/>
+          </a:bodyPr>
+          <a:lstStyle/>
+          <a:p>
+            <a:r>
+              <a:rPr lang="en-GB" dirty="0">
+                <a:solidFill>
+                  <a:schemeClr val="accent1">
+                    <a:lumMod val="75000"/>
+                  </a:schemeClr>
+                </a:solidFill>
+                <a:latin typeface="Gill Sans Light"/>
+              </a:rPr>
+              <a:t>P2 arrival</a:t>
+            </a:r>
+            <a:endParaRPr lang="en-SE" dirty="0">
+              <a:solidFill>
+                <a:schemeClr val="accent1">
+                  <a:lumMod val="75000"/>
+                </a:schemeClr>
+              </a:solidFill>
+              <a:latin typeface="Gill Sans Light"/>
+            </a:endParaRPr>
+          </a:p>
+        </p:txBody>
+      </p:sp>
+      <p:cxnSp>
+        <p:nvCxnSpPr>
+          <p:cNvPr id="10" name="Straight Arrow Connector 9">
+            <a:extLst>
+              <a:ext uri="{FF2B5EF4-FFF2-40B4-BE49-F238E27FC236}">
+                <a16:creationId xmlns:a16="http://schemas.microsoft.com/office/drawing/2014/main" id="{2DCB0EB2-C85B-55BA-BC34-8DE06AB9249B}"/>
+              </a:ext>
+            </a:extLst>
+          </p:cNvPr>
+          <p:cNvCxnSpPr>
+            <a:cxnSpLocks/>
+          </p:cNvCxnSpPr>
+          <p:nvPr/>
+        </p:nvCxnSpPr>
+        <p:spPr bwMode="auto">
+          <a:xfrm flipV="1">
+            <a:off x="5718175" y="5864752"/>
+            <a:ext cx="0" cy="485455"/>
+          </a:xfrm>
+          <a:prstGeom prst="straightConnector1">
+            <a:avLst/>
+          </a:prstGeom>
+          <a:ln w="19050" cap="flat" cmpd="sng" algn="ctr">
+            <a:solidFill>
+              <a:schemeClr val="accent1"/>
+            </a:solidFill>
+            <a:prstDash val="solid"/>
+            <a:round/>
+            <a:headEnd type="none" w="med" len="med"/>
+            <a:tailEnd type="arrow" w="med" len="med"/>
+          </a:ln>
+          <a:extLst>
+            <a:ext uri="{AF507438-7753-43e0-B8FC-AC1667EBCBE1}">
+              <a14:hiddenEffects xmlns:a14="http://schemas.microsoft.com/office/drawing/2010/main" xmlns="">
+                <a:effectLst>
+                  <a:outerShdw dist="35921" dir="2700000" algn="ctr" rotWithShape="0">
+                    <a:schemeClr val="bg2"/>
+                  </a:outerShdw>
+                </a:effectLst>
+              </a14:hiddenEffects>
+            </a:ext>
+          </a:extLst>
+        </p:spPr>
+        <p:style>
+          <a:lnRef idx="0">
+            <a:scrgbClr r="0" g="0" b="0"/>
+          </a:lnRef>
+          <a:fillRef idx="0">
+            <a:scrgbClr r="0" g="0" b="0"/>
+          </a:fillRef>
+          <a:effectRef idx="0">
+            <a:scrgbClr r="0" g="0" b="0"/>
+          </a:effectRef>
+          <a:fontRef idx="minor">
+            <a:schemeClr val="tx1"/>
+          </a:fontRef>
+        </p:style>
+      </p:cxnSp>
+      <p:sp>
+        <p:nvSpPr>
+          <p:cNvPr id="12" name="TextBox 11">
+            <a:extLst>
+              <a:ext uri="{FF2B5EF4-FFF2-40B4-BE49-F238E27FC236}">
+                <a16:creationId xmlns:a16="http://schemas.microsoft.com/office/drawing/2014/main" id="{EAC50148-17AB-2B4C-A8AB-9C2A8969E968}"/>
+              </a:ext>
+            </a:extLst>
+          </p:cNvPr>
+          <p:cNvSpPr txBox="1"/>
+          <p:nvPr/>
+        </p:nvSpPr>
+        <p:spPr>
+          <a:xfrm>
+            <a:off x="5180766" y="6296595"/>
+            <a:ext cx="1013867" cy="369332"/>
+          </a:xfrm>
+          <a:prstGeom prst="rect">
+            <a:avLst/>
+          </a:prstGeom>
+          <a:noFill/>
+        </p:spPr>
+        <p:txBody>
+          <a:bodyPr wrap="none" rtlCol="0">
+            <a:spAutoFit/>
+          </a:bodyPr>
+          <a:lstStyle/>
+          <a:p>
+            <a:r>
+              <a:rPr lang="en-GB" dirty="0">
+                <a:solidFill>
+                  <a:schemeClr val="accent1">
+                    <a:lumMod val="75000"/>
+                  </a:schemeClr>
+                </a:solidFill>
+                <a:latin typeface="Gill Sans Light"/>
+              </a:rPr>
+              <a:t>P3 arrival</a:t>
+            </a:r>
+            <a:endParaRPr lang="en-SE" dirty="0">
+              <a:solidFill>
+                <a:schemeClr val="accent1">
+                  <a:lumMod val="75000"/>
+                </a:schemeClr>
+              </a:solidFill>
+              <a:latin typeface="Gill Sans Light"/>
+            </a:endParaRPr>
           </a:p>
         </p:txBody>
       </p:sp>
@@ -9705,7 +17033,7 @@
 </p:sld>
 </file>
 
-<file path=ppt/slides/slide5.xml><?xml version="1.0" encoding="utf-8"?>
+<file path=ppt/slides/slide7.xml><?xml version="1.0" encoding="utf-8"?>
 <p:sld xmlns:a="http://schemas.openxmlformats.org/drawingml/2006/main" xmlns:r="http://schemas.openxmlformats.org/officeDocument/2006/relationships" xmlns:p="http://schemas.openxmlformats.org/presentationml/2006/main">
   <p:cSld>
     <p:spTree>
@@ -11308,7 +18636,7 @@
         <p:spPr>
           <a:xfrm>
             <a:off x="4942626" y="7629372"/>
-            <a:ext cx="1095172" cy="369332"/>
+            <a:ext cx="1031051" cy="369332"/>
           </a:xfrm>
           <a:prstGeom prst="rect">
             <a:avLst/>
@@ -11338,7 +18666,7 @@
                 <a:ea typeface="黑体" panose="02010609060101010101" pitchFamily="49" charset="-122"/>
                 <a:cs typeface="+mn-cs"/>
               </a:rPr>
-              <a:t>B arrives</a:t>
+              <a:t>B arrival</a:t>
             </a:r>
             <a:endParaRPr lang="en-US" b="0" dirty="0">
               <a:solidFill>
@@ -11366,7 +18694,7 @@
         <p:spPr>
           <a:xfrm>
             <a:off x="5944367" y="7629372"/>
-            <a:ext cx="1107996" cy="369332"/>
+            <a:ext cx="1043876" cy="369332"/>
           </a:xfrm>
           <a:prstGeom prst="rect">
             <a:avLst/>
@@ -11396,7 +18724,7 @@
                 <a:ea typeface="黑体" panose="02010609060101010101" pitchFamily="49" charset="-122"/>
                 <a:cs typeface="+mn-cs"/>
               </a:rPr>
-              <a:t>C arrives</a:t>
+              <a:t>C arrival</a:t>
             </a:r>
             <a:endParaRPr lang="en-US" b="0" dirty="0">
               <a:solidFill>
@@ -12648,7 +19976,7 @@
 </p:sld>
 </file>
 
-<file path=ppt/slides/slide6.xml><?xml version="1.0" encoding="utf-8"?>
+<file path=ppt/slides/slide8.xml><?xml version="1.0" encoding="utf-8"?>
 <p:sld xmlns:a="http://schemas.openxmlformats.org/drawingml/2006/main" xmlns:r="http://schemas.openxmlformats.org/officeDocument/2006/relationships" xmlns:p="http://schemas.openxmlformats.org/presentationml/2006/main">
   <p:cSld>
     <p:spTree>
@@ -14377,7 +21705,7 @@
         <p:spPr>
           <a:xfrm>
             <a:off x="5998668" y="7436332"/>
-            <a:ext cx="1095172" cy="369332"/>
+            <a:ext cx="1031051" cy="369332"/>
           </a:xfrm>
           <a:prstGeom prst="rect">
             <a:avLst/>
@@ -14407,7 +21735,7 @@
                 <a:ea typeface="黑体" panose="02010609060101010101" pitchFamily="49" charset="-122"/>
                 <a:cs typeface="+mn-cs"/>
               </a:rPr>
-              <a:t>B arrives</a:t>
+              <a:t>B arrival</a:t>
             </a:r>
             <a:endParaRPr lang="en-US" b="0" dirty="0">
               <a:solidFill>
@@ -14435,7 +21763,7 @@
         <p:spPr>
           <a:xfrm>
             <a:off x="7000409" y="7436332"/>
-            <a:ext cx="1107996" cy="369332"/>
+            <a:ext cx="1043876" cy="369332"/>
           </a:xfrm>
           <a:prstGeom prst="rect">
             <a:avLst/>
@@ -14465,7 +21793,7 @@
                 <a:ea typeface="黑体" panose="02010609060101010101" pitchFamily="49" charset="-122"/>
                 <a:cs typeface="+mn-cs"/>
               </a:rPr>
-              <a:t>C arrives</a:t>
+              <a:t>C arrival</a:t>
             </a:r>
             <a:endParaRPr lang="en-US" b="0" dirty="0">
               <a:solidFill>
@@ -15786,6 +23114,438 @@
           </a:p>
         </p:txBody>
       </p:sp>
+      <p:cxnSp>
+        <p:nvCxnSpPr>
+          <p:cNvPr id="5" name="Straight Arrow Connector 4">
+            <a:extLst>
+              <a:ext uri="{FF2B5EF4-FFF2-40B4-BE49-F238E27FC236}">
+                <a16:creationId xmlns:a16="http://schemas.microsoft.com/office/drawing/2014/main" id="{C8870995-F7A8-C01B-1596-BC0B66D4CDD1}"/>
+              </a:ext>
+            </a:extLst>
+          </p:cNvPr>
+          <p:cNvCxnSpPr>
+            <a:cxnSpLocks/>
+          </p:cNvCxnSpPr>
+          <p:nvPr/>
+        </p:nvCxnSpPr>
+        <p:spPr bwMode="auto">
+          <a:xfrm flipV="1">
+            <a:off x="3870743" y="6083431"/>
+            <a:ext cx="0" cy="485455"/>
+          </a:xfrm>
+          <a:prstGeom prst="straightConnector1">
+            <a:avLst/>
+          </a:prstGeom>
+          <a:ln w="19050" cap="flat" cmpd="sng" algn="ctr">
+            <a:solidFill>
+              <a:schemeClr val="accent1"/>
+            </a:solidFill>
+            <a:prstDash val="solid"/>
+            <a:round/>
+            <a:headEnd type="none" w="med" len="med"/>
+            <a:tailEnd type="arrow" w="med" len="med"/>
+          </a:ln>
+          <a:extLst>
+            <a:ext uri="{AF507438-7753-43e0-B8FC-AC1667EBCBE1}">
+              <a14:hiddenEffects xmlns:a14="http://schemas.microsoft.com/office/drawing/2010/main" xmlns="">
+                <a:effectLst>
+                  <a:outerShdw dist="35921" dir="2700000" algn="ctr" rotWithShape="0">
+                    <a:schemeClr val="bg2"/>
+                  </a:outerShdw>
+                </a:effectLst>
+              </a14:hiddenEffects>
+            </a:ext>
+          </a:extLst>
+        </p:spPr>
+        <p:style>
+          <a:lnRef idx="0">
+            <a:scrgbClr r="0" g="0" b="0"/>
+          </a:lnRef>
+          <a:fillRef idx="0">
+            <a:scrgbClr r="0" g="0" b="0"/>
+          </a:fillRef>
+          <a:effectRef idx="0">
+            <a:scrgbClr r="0" g="0" b="0"/>
+          </a:effectRef>
+          <a:fontRef idx="minor">
+            <a:schemeClr val="tx1"/>
+          </a:fontRef>
+        </p:style>
+      </p:cxnSp>
+      <p:sp>
+        <p:nvSpPr>
+          <p:cNvPr id="7" name="TextBox 6">
+            <a:extLst>
+              <a:ext uri="{FF2B5EF4-FFF2-40B4-BE49-F238E27FC236}">
+                <a16:creationId xmlns:a16="http://schemas.microsoft.com/office/drawing/2014/main" id="{A667137C-7349-8A34-7BF2-AEB6ED8B8D2E}"/>
+              </a:ext>
+            </a:extLst>
+          </p:cNvPr>
+          <p:cNvSpPr txBox="1"/>
+          <p:nvPr/>
+        </p:nvSpPr>
+        <p:spPr>
+          <a:xfrm>
+            <a:off x="3333334" y="6515274"/>
+            <a:ext cx="1013867" cy="369332"/>
+          </a:xfrm>
+          <a:prstGeom prst="rect">
+            <a:avLst/>
+          </a:prstGeom>
+          <a:noFill/>
+        </p:spPr>
+        <p:txBody>
+          <a:bodyPr wrap="none" rtlCol="0">
+            <a:spAutoFit/>
+          </a:bodyPr>
+          <a:lstStyle/>
+          <a:p>
+            <a:r>
+              <a:rPr lang="en-GB" dirty="0">
+                <a:solidFill>
+                  <a:schemeClr val="accent1">
+                    <a:lumMod val="75000"/>
+                  </a:schemeClr>
+                </a:solidFill>
+                <a:latin typeface="Gill Sans Light"/>
+              </a:rPr>
+              <a:t>P1 arrival</a:t>
+            </a:r>
+            <a:endParaRPr lang="en-SE" dirty="0">
+              <a:solidFill>
+                <a:schemeClr val="accent1">
+                  <a:lumMod val="75000"/>
+                </a:schemeClr>
+              </a:solidFill>
+              <a:latin typeface="Gill Sans Light"/>
+            </a:endParaRPr>
+          </a:p>
+        </p:txBody>
+      </p:sp>
+      <p:cxnSp>
+        <p:nvCxnSpPr>
+          <p:cNvPr id="8" name="Straight Arrow Connector 7">
+            <a:extLst>
+              <a:ext uri="{FF2B5EF4-FFF2-40B4-BE49-F238E27FC236}">
+                <a16:creationId xmlns:a16="http://schemas.microsoft.com/office/drawing/2014/main" id="{E0BFB9E7-5955-2874-9393-F6C891D0B13C}"/>
+              </a:ext>
+            </a:extLst>
+          </p:cNvPr>
+          <p:cNvCxnSpPr>
+            <a:cxnSpLocks/>
+          </p:cNvCxnSpPr>
+          <p:nvPr/>
+        </p:nvCxnSpPr>
+        <p:spPr bwMode="auto">
+          <a:xfrm flipV="1">
+            <a:off x="4388099" y="6106096"/>
+            <a:ext cx="0" cy="259272"/>
+          </a:xfrm>
+          <a:prstGeom prst="straightConnector1">
+            <a:avLst/>
+          </a:prstGeom>
+          <a:ln w="19050" cap="flat" cmpd="sng" algn="ctr">
+            <a:solidFill>
+              <a:schemeClr val="accent1"/>
+            </a:solidFill>
+            <a:prstDash val="solid"/>
+            <a:round/>
+            <a:headEnd type="none" w="med" len="med"/>
+            <a:tailEnd type="arrow" w="med" len="med"/>
+          </a:ln>
+          <a:extLst>
+            <a:ext uri="{AF507438-7753-43e0-B8FC-AC1667EBCBE1}">
+              <a14:hiddenEffects xmlns:a14="http://schemas.microsoft.com/office/drawing/2010/main" xmlns="">
+                <a:effectLst>
+                  <a:outerShdw dist="35921" dir="2700000" algn="ctr" rotWithShape="0">
+                    <a:schemeClr val="bg2"/>
+                  </a:outerShdw>
+                </a:effectLst>
+              </a14:hiddenEffects>
+            </a:ext>
+          </a:extLst>
+        </p:spPr>
+        <p:style>
+          <a:lnRef idx="0">
+            <a:scrgbClr r="0" g="0" b="0"/>
+          </a:lnRef>
+          <a:fillRef idx="0">
+            <a:scrgbClr r="0" g="0" b="0"/>
+          </a:fillRef>
+          <a:effectRef idx="0">
+            <a:scrgbClr r="0" g="0" b="0"/>
+          </a:effectRef>
+          <a:fontRef idx="minor">
+            <a:schemeClr val="tx1"/>
+          </a:fontRef>
+        </p:style>
+      </p:cxnSp>
+      <p:sp>
+        <p:nvSpPr>
+          <p:cNvPr id="9" name="TextBox 8">
+            <a:extLst>
+              <a:ext uri="{FF2B5EF4-FFF2-40B4-BE49-F238E27FC236}">
+                <a16:creationId xmlns:a16="http://schemas.microsoft.com/office/drawing/2014/main" id="{C77E63C6-6C86-9AE0-4674-53D0C1F6984B}"/>
+              </a:ext>
+            </a:extLst>
+          </p:cNvPr>
+          <p:cNvSpPr txBox="1"/>
+          <p:nvPr/>
+        </p:nvSpPr>
+        <p:spPr>
+          <a:xfrm>
+            <a:off x="3870743" y="6269605"/>
+            <a:ext cx="1013867" cy="369332"/>
+          </a:xfrm>
+          <a:prstGeom prst="rect">
+            <a:avLst/>
+          </a:prstGeom>
+          <a:noFill/>
+        </p:spPr>
+        <p:txBody>
+          <a:bodyPr wrap="none" rtlCol="0">
+            <a:spAutoFit/>
+          </a:bodyPr>
+          <a:lstStyle/>
+          <a:p>
+            <a:r>
+              <a:rPr lang="en-GB" dirty="0">
+                <a:solidFill>
+                  <a:schemeClr val="accent1">
+                    <a:lumMod val="75000"/>
+                  </a:schemeClr>
+                </a:solidFill>
+                <a:latin typeface="Gill Sans Light"/>
+              </a:rPr>
+              <a:t>P2 arrival</a:t>
+            </a:r>
+            <a:endParaRPr lang="en-SE" dirty="0">
+              <a:solidFill>
+                <a:schemeClr val="accent1">
+                  <a:lumMod val="75000"/>
+                </a:schemeClr>
+              </a:solidFill>
+              <a:latin typeface="Gill Sans Light"/>
+            </a:endParaRPr>
+          </a:p>
+        </p:txBody>
+      </p:sp>
+      <p:cxnSp>
+        <p:nvCxnSpPr>
+          <p:cNvPr id="10" name="Straight Arrow Connector 9">
+            <a:extLst>
+              <a:ext uri="{FF2B5EF4-FFF2-40B4-BE49-F238E27FC236}">
+                <a16:creationId xmlns:a16="http://schemas.microsoft.com/office/drawing/2014/main" id="{E2665EC6-C41E-2EF8-36FA-A215AA17D27B}"/>
+              </a:ext>
+            </a:extLst>
+          </p:cNvPr>
+          <p:cNvCxnSpPr>
+            <a:cxnSpLocks/>
+          </p:cNvCxnSpPr>
+          <p:nvPr/>
+        </p:nvCxnSpPr>
+        <p:spPr bwMode="auto">
+          <a:xfrm flipV="1">
+            <a:off x="5470109" y="6091651"/>
+            <a:ext cx="0" cy="485455"/>
+          </a:xfrm>
+          <a:prstGeom prst="straightConnector1">
+            <a:avLst/>
+          </a:prstGeom>
+          <a:ln w="19050" cap="flat" cmpd="sng" algn="ctr">
+            <a:solidFill>
+              <a:schemeClr val="accent1"/>
+            </a:solidFill>
+            <a:prstDash val="solid"/>
+            <a:round/>
+            <a:headEnd type="none" w="med" len="med"/>
+            <a:tailEnd type="arrow" w="med" len="med"/>
+          </a:ln>
+          <a:extLst>
+            <a:ext uri="{AF507438-7753-43e0-B8FC-AC1667EBCBE1}">
+              <a14:hiddenEffects xmlns:a14="http://schemas.microsoft.com/office/drawing/2010/main" xmlns="">
+                <a:effectLst>
+                  <a:outerShdw dist="35921" dir="2700000" algn="ctr" rotWithShape="0">
+                    <a:schemeClr val="bg2"/>
+                  </a:outerShdw>
+                </a:effectLst>
+              </a14:hiddenEffects>
+            </a:ext>
+          </a:extLst>
+        </p:spPr>
+        <p:style>
+          <a:lnRef idx="0">
+            <a:scrgbClr r="0" g="0" b="0"/>
+          </a:lnRef>
+          <a:fillRef idx="0">
+            <a:scrgbClr r="0" g="0" b="0"/>
+          </a:fillRef>
+          <a:effectRef idx="0">
+            <a:scrgbClr r="0" g="0" b="0"/>
+          </a:effectRef>
+          <a:fontRef idx="minor">
+            <a:schemeClr val="tx1"/>
+          </a:fontRef>
+        </p:style>
+      </p:cxnSp>
+      <p:sp>
+        <p:nvSpPr>
+          <p:cNvPr id="12" name="TextBox 11">
+            <a:extLst>
+              <a:ext uri="{FF2B5EF4-FFF2-40B4-BE49-F238E27FC236}">
+                <a16:creationId xmlns:a16="http://schemas.microsoft.com/office/drawing/2014/main" id="{8589FFEE-21B4-1C30-2E04-034233F9A4A2}"/>
+              </a:ext>
+            </a:extLst>
+          </p:cNvPr>
+          <p:cNvSpPr txBox="1"/>
+          <p:nvPr/>
+        </p:nvSpPr>
+        <p:spPr>
+          <a:xfrm>
+            <a:off x="4932700" y="6523494"/>
+            <a:ext cx="1013867" cy="369332"/>
+          </a:xfrm>
+          <a:prstGeom prst="rect">
+            <a:avLst/>
+          </a:prstGeom>
+          <a:noFill/>
+        </p:spPr>
+        <p:txBody>
+          <a:bodyPr wrap="none" rtlCol="0">
+            <a:spAutoFit/>
+          </a:bodyPr>
+          <a:lstStyle/>
+          <a:p>
+            <a:r>
+              <a:rPr lang="en-GB" dirty="0">
+                <a:solidFill>
+                  <a:schemeClr val="accent1">
+                    <a:lumMod val="75000"/>
+                  </a:schemeClr>
+                </a:solidFill>
+                <a:latin typeface="Gill Sans Light"/>
+              </a:rPr>
+              <a:t>P3 arrival</a:t>
+            </a:r>
+            <a:endParaRPr lang="en-SE" dirty="0">
+              <a:solidFill>
+                <a:schemeClr val="accent1">
+                  <a:lumMod val="75000"/>
+                </a:schemeClr>
+              </a:solidFill>
+              <a:latin typeface="Gill Sans Light"/>
+            </a:endParaRPr>
+          </a:p>
+        </p:txBody>
+      </p:sp>
+      <p:cxnSp>
+        <p:nvCxnSpPr>
+          <p:cNvPr id="13" name="Straight Arrow Connector 12">
+            <a:extLst>
+              <a:ext uri="{FF2B5EF4-FFF2-40B4-BE49-F238E27FC236}">
+                <a16:creationId xmlns:a16="http://schemas.microsoft.com/office/drawing/2014/main" id="{0B07A6AE-D075-FB93-9B9E-61DF9D7E3F08}"/>
+              </a:ext>
+            </a:extLst>
+          </p:cNvPr>
+          <p:cNvCxnSpPr>
+            <a:cxnSpLocks/>
+          </p:cNvCxnSpPr>
+          <p:nvPr/>
+        </p:nvCxnSpPr>
+        <p:spPr bwMode="auto">
+          <a:xfrm flipV="1">
+            <a:off x="8303273" y="6067011"/>
+            <a:ext cx="0" cy="485455"/>
+          </a:xfrm>
+          <a:prstGeom prst="straightConnector1">
+            <a:avLst/>
+          </a:prstGeom>
+          <a:ln w="19050" cap="flat" cmpd="sng" algn="ctr">
+            <a:solidFill>
+              <a:schemeClr val="accent1"/>
+            </a:solidFill>
+            <a:prstDash val="solid"/>
+            <a:round/>
+            <a:headEnd type="none" w="med" len="med"/>
+            <a:tailEnd type="arrow" w="med" len="med"/>
+          </a:ln>
+          <a:extLst>
+            <a:ext uri="{AF507438-7753-43e0-B8FC-AC1667EBCBE1}">
+              <a14:hiddenEffects xmlns:a14="http://schemas.microsoft.com/office/drawing/2010/main" xmlns="">
+                <a:effectLst>
+                  <a:outerShdw dist="35921" dir="2700000" algn="ctr" rotWithShape="0">
+                    <a:schemeClr val="bg2"/>
+                  </a:outerShdw>
+                </a:effectLst>
+              </a14:hiddenEffects>
+            </a:ext>
+          </a:extLst>
+        </p:spPr>
+        <p:style>
+          <a:lnRef idx="0">
+            <a:scrgbClr r="0" g="0" b="0"/>
+          </a:lnRef>
+          <a:fillRef idx="0">
+            <a:scrgbClr r="0" g="0" b="0"/>
+          </a:fillRef>
+          <a:effectRef idx="0">
+            <a:scrgbClr r="0" g="0" b="0"/>
+          </a:effectRef>
+          <a:fontRef idx="minor">
+            <a:schemeClr val="tx1"/>
+          </a:fontRef>
+        </p:style>
+      </p:cxnSp>
+      <p:sp>
+        <p:nvSpPr>
+          <p:cNvPr id="14" name="TextBox 13">
+            <a:extLst>
+              <a:ext uri="{FF2B5EF4-FFF2-40B4-BE49-F238E27FC236}">
+                <a16:creationId xmlns:a16="http://schemas.microsoft.com/office/drawing/2014/main" id="{286778EA-F1D7-4F3A-503B-8C0EE3507BDB}"/>
+              </a:ext>
+            </a:extLst>
+          </p:cNvPr>
+          <p:cNvSpPr txBox="1"/>
+          <p:nvPr/>
+        </p:nvSpPr>
+        <p:spPr>
+          <a:xfrm>
+            <a:off x="7765864" y="6498854"/>
+            <a:ext cx="1013867" cy="369332"/>
+          </a:xfrm>
+          <a:prstGeom prst="rect">
+            <a:avLst/>
+          </a:prstGeom>
+          <a:noFill/>
+        </p:spPr>
+        <p:txBody>
+          <a:bodyPr wrap="none" rtlCol="0">
+            <a:spAutoFit/>
+          </a:bodyPr>
+          <a:lstStyle/>
+          <a:p>
+            <a:r>
+              <a:rPr lang="en-GB" dirty="0">
+                <a:solidFill>
+                  <a:schemeClr val="accent1">
+                    <a:lumMod val="75000"/>
+                  </a:schemeClr>
+                </a:solidFill>
+                <a:latin typeface="Gill Sans Light"/>
+              </a:rPr>
+              <a:t>P4 arrival</a:t>
+            </a:r>
+            <a:endParaRPr lang="en-SE" dirty="0">
+              <a:solidFill>
+                <a:schemeClr val="accent1">
+                  <a:lumMod val="75000"/>
+                </a:schemeClr>
+              </a:solidFill>
+              <a:latin typeface="Gill Sans Light"/>
+            </a:endParaRPr>
+          </a:p>
+        </p:txBody>
+      </p:sp>
     </p:spTree>
     <p:extLst>
       <p:ext uri="{BB962C8B-B14F-4D97-AF65-F5344CB8AC3E}">
@@ -15906,6 +23666,810 @@
       <p:bldP spid="42" grpId="0"/>
     </p:bldLst>
   </p:timing>
+</p:sld>
+</file>
+
+<file path=ppt/slides/slide9.xml><?xml version="1.0" encoding="utf-8"?>
+<p:sld xmlns:a="http://schemas.openxmlformats.org/drawingml/2006/main" xmlns:r="http://schemas.openxmlformats.org/officeDocument/2006/relationships" xmlns:p="http://schemas.openxmlformats.org/presentationml/2006/main">
+  <p:cSld>
+    <p:spTree>
+      <p:nvGrpSpPr>
+        <p:cNvPr id="1" name=""/>
+        <p:cNvGrpSpPr/>
+        <p:nvPr/>
+      </p:nvGrpSpPr>
+      <p:grpSpPr>
+        <a:xfrm>
+          <a:off x="0" y="0"/>
+          <a:ext cx="0" cy="0"/>
+          <a:chOff x="0" y="0"/>
+          <a:chExt cx="0" cy="0"/>
+        </a:xfrm>
+      </p:grpSpPr>
+      <p:sp>
+        <p:nvSpPr>
+          <p:cNvPr id="2" name="Title 1">
+            <a:extLst>
+              <a:ext uri="{FF2B5EF4-FFF2-40B4-BE49-F238E27FC236}">
+                <a16:creationId xmlns:a16="http://schemas.microsoft.com/office/drawing/2014/main" id="{D2418C39-8001-A5C8-A334-B92A4C4C6AC3}"/>
+              </a:ext>
+            </a:extLst>
+          </p:cNvPr>
+          <p:cNvSpPr>
+            <a:spLocks noGrp="1"/>
+          </p:cNvSpPr>
+          <p:nvPr>
+            <p:ph type="title"/>
+          </p:nvPr>
+        </p:nvSpPr>
+        <p:spPr/>
+        <p:txBody>
+          <a:bodyPr/>
+          <a:lstStyle/>
+          <a:p>
+            <a:r>
+              <a:rPr lang="en-US" dirty="0"/>
+              <a:t>Scheduling III</a:t>
+            </a:r>
+            <a:endParaRPr lang="en-SE" dirty="0"/>
+          </a:p>
+        </p:txBody>
+      </p:sp>
+      <p:sp>
+        <p:nvSpPr>
+          <p:cNvPr id="4" name="Content Placeholder 2">
+            <a:extLst>
+              <a:ext uri="{FF2B5EF4-FFF2-40B4-BE49-F238E27FC236}">
+                <a16:creationId xmlns:a16="http://schemas.microsoft.com/office/drawing/2014/main" id="{0FEE6DBB-E87F-2753-724E-EFAE1A33AED2}"/>
+              </a:ext>
+            </a:extLst>
+          </p:cNvPr>
+          <p:cNvSpPr>
+            <a:spLocks noGrp="1"/>
+          </p:cNvSpPr>
+          <p:nvPr>
+            <p:ph idx="1"/>
+          </p:nvPr>
+        </p:nvSpPr>
+        <p:spPr>
+          <a:xfrm>
+            <a:off x="812800" y="914400"/>
+            <a:ext cx="10566400" cy="5105400"/>
+          </a:xfrm>
+        </p:spPr>
+        <p:txBody>
+          <a:bodyPr/>
+          <a:lstStyle/>
+          <a:p>
+            <a:r>
+              <a:rPr lang="en-GB" dirty="0"/>
+              <a:t>Consider the set of 3 processes whose arrival time and CPU/IO burst times are given below. If the CPU scheduling policy is </a:t>
+            </a:r>
+            <a:r>
+              <a:rPr lang="en-GB" b="1" dirty="0"/>
+              <a:t>FCFS</a:t>
+            </a:r>
+            <a:r>
+              <a:rPr lang="en-GB" dirty="0"/>
+              <a:t>, draw the Gantt chart and calculate the average response time. </a:t>
+            </a:r>
+            <a:endParaRPr lang="en-SE" dirty="0"/>
+          </a:p>
+        </p:txBody>
+      </p:sp>
+      <p:graphicFrame>
+        <p:nvGraphicFramePr>
+          <p:cNvPr id="5" name="表格 6">
+            <a:extLst>
+              <a:ext uri="{FF2B5EF4-FFF2-40B4-BE49-F238E27FC236}">
+                <a16:creationId xmlns:a16="http://schemas.microsoft.com/office/drawing/2014/main" id="{AC95CE60-07E0-6F78-BBA8-98CD8A3140D2}"/>
+              </a:ext>
+            </a:extLst>
+          </p:cNvPr>
+          <p:cNvGraphicFramePr>
+            <a:graphicFrameLocks noGrp="1"/>
+          </p:cNvGraphicFramePr>
+          <p:nvPr/>
+        </p:nvGraphicFramePr>
+        <p:xfrm>
+          <a:off x="4191000" y="2362200"/>
+          <a:ext cx="4057622" cy="2377440"/>
+        </p:xfrm>
+        <a:graphic>
+          <a:graphicData uri="http://schemas.openxmlformats.org/drawingml/2006/table">
+            <a:tbl>
+              <a:tblPr firstRow="1" bandRow="1">
+                <a:tableStyleId>{5C22544A-7EE6-4342-B048-85BDC9FD1C3A}</a:tableStyleId>
+              </a:tblPr>
+              <a:tblGrid>
+                <a:gridCol w="320287">
+                  <a:extLst>
+                    <a:ext uri="{9D8B030D-6E8A-4147-A177-3AD203B41FA5}">
+                      <a16:colId xmlns:a16="http://schemas.microsoft.com/office/drawing/2014/main" val="3897766631"/>
+                    </a:ext>
+                  </a:extLst>
+                </a:gridCol>
+                <a:gridCol w="814309">
+                  <a:extLst>
+                    <a:ext uri="{9D8B030D-6E8A-4147-A177-3AD203B41FA5}">
+                      <a16:colId xmlns:a16="http://schemas.microsoft.com/office/drawing/2014/main" val="3850674632"/>
+                    </a:ext>
+                  </a:extLst>
+                </a:gridCol>
+                <a:gridCol w="778832">
+                  <a:extLst>
+                    <a:ext uri="{9D8B030D-6E8A-4147-A177-3AD203B41FA5}">
+                      <a16:colId xmlns:a16="http://schemas.microsoft.com/office/drawing/2014/main" val="3839086762"/>
+                    </a:ext>
+                  </a:extLst>
+                </a:gridCol>
+                <a:gridCol w="1072097">
+                  <a:extLst>
+                    <a:ext uri="{9D8B030D-6E8A-4147-A177-3AD203B41FA5}">
+                      <a16:colId xmlns:a16="http://schemas.microsoft.com/office/drawing/2014/main" val="3306942541"/>
+                    </a:ext>
+                  </a:extLst>
+                </a:gridCol>
+                <a:gridCol w="1072097">
+                  <a:extLst>
+                    <a:ext uri="{9D8B030D-6E8A-4147-A177-3AD203B41FA5}">
+                      <a16:colId xmlns:a16="http://schemas.microsoft.com/office/drawing/2014/main" val="3517187588"/>
+                    </a:ext>
+                  </a:extLst>
+                </a:gridCol>
+              </a:tblGrid>
+              <a:tr h="875830">
+                <a:tc>
+                  <a:txBody>
+                    <a:bodyPr/>
+                    <a:lstStyle/>
+                    <a:p>
+                      <a:pPr algn="r"/>
+                      <a:r>
+                        <a:rPr lang="en-US" b="0" dirty="0">
+                          <a:solidFill>
+                            <a:schemeClr val="tx1"/>
+                          </a:solidFill>
+                        </a:rPr>
+                        <a:t>PID</a:t>
+                      </a:r>
+                    </a:p>
+                  </a:txBody>
+                  <a:tcPr/>
+                </a:tc>
+                <a:tc>
+                  <a:txBody>
+                    <a:bodyPr/>
+                    <a:lstStyle/>
+                    <a:p>
+                      <a:pPr algn="r"/>
+                      <a:r>
+                        <a:rPr lang="en-US" altLang="zh-CN" b="0" dirty="0" err="1">
+                          <a:solidFill>
+                            <a:schemeClr val="tx1"/>
+                          </a:solidFill>
+                        </a:rPr>
+                        <a:t>Arriv</a:t>
+                      </a:r>
+                      <a:r>
+                        <a:rPr lang="en-US" altLang="zh-CN" b="0" dirty="0">
+                          <a:solidFill>
+                            <a:schemeClr val="tx1"/>
+                          </a:solidFill>
+                        </a:rPr>
+                        <a:t>.</a:t>
+                      </a:r>
+                      <a:r>
+                        <a:rPr lang="zh-CN" altLang="en-US" b="0" dirty="0">
+                          <a:solidFill>
+                            <a:schemeClr val="tx1"/>
+                          </a:solidFill>
+                        </a:rPr>
+                        <a:t> </a:t>
+                      </a:r>
+                      <a:r>
+                        <a:rPr lang="en-US" altLang="zh-CN" b="0" dirty="0">
+                          <a:solidFill>
+                            <a:schemeClr val="tx1"/>
+                          </a:solidFill>
+                        </a:rPr>
+                        <a:t>time</a:t>
+                      </a:r>
+                      <a:endParaRPr lang="en-US" b="0" dirty="0">
+                        <a:solidFill>
+                          <a:schemeClr val="tx1"/>
+                        </a:solidFill>
+                      </a:endParaRPr>
+                    </a:p>
+                  </a:txBody>
+                  <a:tcPr/>
+                </a:tc>
+                <a:tc>
+                  <a:txBody>
+                    <a:bodyPr/>
+                    <a:lstStyle/>
+                    <a:p>
+                      <a:pPr algn="r"/>
+                      <a:r>
+                        <a:rPr lang="en-GB" altLang="zh-CN" b="0" dirty="0">
+                          <a:solidFill>
+                            <a:schemeClr val="tx1"/>
+                          </a:solidFill>
+                        </a:rPr>
+                        <a:t>Exec Time</a:t>
+                      </a:r>
+                      <a:endParaRPr lang="en-US" b="0" dirty="0">
+                        <a:solidFill>
+                          <a:schemeClr val="tx1"/>
+                        </a:solidFill>
+                      </a:endParaRPr>
+                    </a:p>
+                  </a:txBody>
+                  <a:tcPr/>
+                </a:tc>
+                <a:tc>
+                  <a:txBody>
+                    <a:bodyPr/>
+                    <a:lstStyle/>
+                    <a:p>
+                      <a:pPr algn="r"/>
+                      <a:r>
+                        <a:rPr lang="en-US" altLang="zh-CN" b="0" dirty="0">
+                          <a:solidFill>
+                            <a:schemeClr val="tx1"/>
+                          </a:solidFill>
+                        </a:rPr>
+                        <a:t>FCFS</a:t>
+                      </a:r>
+                    </a:p>
+                    <a:p>
+                      <a:pPr algn="r"/>
+                      <a:r>
+                        <a:rPr lang="en-US" altLang="zh-CN" b="0" dirty="0">
+                          <a:solidFill>
+                            <a:schemeClr val="tx1"/>
+                          </a:solidFill>
+                        </a:rPr>
+                        <a:t>Finish</a:t>
+                      </a:r>
+                      <a:r>
+                        <a:rPr lang="zh-CN" altLang="en-US" b="0" dirty="0">
+                          <a:solidFill>
+                            <a:schemeClr val="tx1"/>
+                          </a:solidFill>
+                        </a:rPr>
+                        <a:t> </a:t>
+                      </a:r>
+                      <a:r>
+                        <a:rPr lang="en-US" altLang="zh-CN" b="0" dirty="0">
+                          <a:solidFill>
+                            <a:schemeClr val="tx1"/>
+                          </a:solidFill>
+                        </a:rPr>
+                        <a:t>Time</a:t>
+                      </a:r>
+                      <a:endParaRPr lang="en-US" b="0" dirty="0">
+                        <a:solidFill>
+                          <a:schemeClr val="tx1"/>
+                        </a:solidFill>
+                      </a:endParaRPr>
+                    </a:p>
+                  </a:txBody>
+                  <a:tcPr/>
+                </a:tc>
+                <a:tc>
+                  <a:txBody>
+                    <a:bodyPr/>
+                    <a:lstStyle/>
+                    <a:p>
+                      <a:pPr algn="r"/>
+                      <a:r>
+                        <a:rPr lang="en-US" altLang="zh-CN" b="0" dirty="0">
+                          <a:solidFill>
+                            <a:schemeClr val="tx1"/>
+                          </a:solidFill>
+                        </a:rPr>
+                        <a:t>FCFS</a:t>
+                      </a:r>
+                    </a:p>
+                    <a:p>
+                      <a:pPr algn="r"/>
+                      <a:r>
+                        <a:rPr lang="en-US" altLang="zh-CN" b="0" dirty="0">
+                          <a:solidFill>
+                            <a:schemeClr val="tx1"/>
+                          </a:solidFill>
+                        </a:rPr>
+                        <a:t>Response</a:t>
+                      </a:r>
+                      <a:r>
+                        <a:rPr lang="zh-CN" altLang="en-US" b="0" dirty="0">
+                          <a:solidFill>
+                            <a:schemeClr val="tx1"/>
+                          </a:solidFill>
+                        </a:rPr>
+                        <a:t> </a:t>
+                      </a:r>
+                      <a:r>
+                        <a:rPr lang="en-US" altLang="zh-CN" b="0" dirty="0">
+                          <a:solidFill>
+                            <a:schemeClr val="tx1"/>
+                          </a:solidFill>
+                        </a:rPr>
+                        <a:t>Time</a:t>
+                      </a:r>
+                      <a:endParaRPr lang="en-US" b="0" dirty="0">
+                        <a:solidFill>
+                          <a:schemeClr val="tx1"/>
+                        </a:solidFill>
+                      </a:endParaRPr>
+                    </a:p>
+                  </a:txBody>
+                  <a:tcPr marL="45720" marR="45720"/>
+                </a:tc>
+                <a:extLst>
+                  <a:ext uri="{0D108BD9-81ED-4DB2-BD59-A6C34878D82A}">
+                    <a16:rowId xmlns:a16="http://schemas.microsoft.com/office/drawing/2014/main" val="3141622018"/>
+                  </a:ext>
+                </a:extLst>
+              </a:tr>
+              <a:tr h="0">
+                <a:tc>
+                  <a:txBody>
+                    <a:bodyPr/>
+                    <a:lstStyle/>
+                    <a:p>
+                      <a:pPr algn="r"/>
+                      <a:r>
+                        <a:rPr lang="en-US" altLang="zh-CN" dirty="0">
+                          <a:solidFill>
+                            <a:schemeClr val="tx1"/>
+                          </a:solidFill>
+                        </a:rPr>
+                        <a:t>1</a:t>
+                      </a:r>
+                      <a:endParaRPr lang="en-US" dirty="0">
+                        <a:solidFill>
+                          <a:schemeClr val="tx1"/>
+                        </a:solidFill>
+                      </a:endParaRPr>
+                    </a:p>
+                  </a:txBody>
+                  <a:tcPr/>
+                </a:tc>
+                <a:tc>
+                  <a:txBody>
+                    <a:bodyPr/>
+                    <a:lstStyle/>
+                    <a:p>
+                      <a:pPr algn="r"/>
+                      <a:r>
+                        <a:rPr lang="en-US" altLang="zh-CN" dirty="0">
+                          <a:solidFill>
+                            <a:schemeClr val="tx1"/>
+                          </a:solidFill>
+                        </a:rPr>
+                        <a:t>0</a:t>
+                      </a:r>
+                      <a:endParaRPr lang="en-US" dirty="0">
+                        <a:solidFill>
+                          <a:schemeClr val="tx1"/>
+                        </a:solidFill>
+                      </a:endParaRPr>
+                    </a:p>
+                  </a:txBody>
+                  <a:tcPr/>
+                </a:tc>
+                <a:tc>
+                  <a:txBody>
+                    <a:bodyPr/>
+                    <a:lstStyle/>
+                    <a:p>
+                      <a:pPr algn="r"/>
+                      <a:r>
+                        <a:rPr lang="en-US" altLang="zh-CN" strike="noStrike" dirty="0">
+                          <a:solidFill>
+                            <a:schemeClr val="tx1"/>
+                          </a:solidFill>
+                        </a:rPr>
+                        <a:t>2</a:t>
+                      </a:r>
+                      <a:endParaRPr lang="en-US" strike="noStrike" dirty="0">
+                        <a:solidFill>
+                          <a:schemeClr val="tx1"/>
+                        </a:solidFill>
+                      </a:endParaRPr>
+                    </a:p>
+                  </a:txBody>
+                  <a:tcPr/>
+                </a:tc>
+                <a:tc>
+                  <a:txBody>
+                    <a:bodyPr/>
+                    <a:lstStyle/>
+                    <a:p>
+                      <a:pPr algn="r"/>
+                      <a:endParaRPr lang="en-US" dirty="0">
+                        <a:solidFill>
+                          <a:schemeClr val="tx1"/>
+                        </a:solidFill>
+                      </a:endParaRPr>
+                    </a:p>
+                  </a:txBody>
+                  <a:tcPr/>
+                </a:tc>
+                <a:tc>
+                  <a:txBody>
+                    <a:bodyPr/>
+                    <a:lstStyle/>
+                    <a:p>
+                      <a:pPr algn="r"/>
+                      <a:endParaRPr lang="en-US" dirty="0">
+                        <a:solidFill>
+                          <a:schemeClr val="tx1"/>
+                        </a:solidFill>
+                      </a:endParaRPr>
+                    </a:p>
+                  </a:txBody>
+                  <a:tcPr/>
+                </a:tc>
+                <a:extLst>
+                  <a:ext uri="{0D108BD9-81ED-4DB2-BD59-A6C34878D82A}">
+                    <a16:rowId xmlns:a16="http://schemas.microsoft.com/office/drawing/2014/main" val="2311278232"/>
+                  </a:ext>
+                </a:extLst>
+              </a:tr>
+              <a:tr h="0">
+                <a:tc>
+                  <a:txBody>
+                    <a:bodyPr/>
+                    <a:lstStyle/>
+                    <a:p>
+                      <a:pPr marL="0" marR="0" lvl="0" indent="0" algn="r" defTabSz="914400" rtl="0" eaLnBrk="1" fontAlgn="auto" latinLnBrk="0" hangingPunct="1">
+                        <a:lnSpc>
+                          <a:spcPct val="100000"/>
+                        </a:lnSpc>
+                        <a:spcBef>
+                          <a:spcPts val="0"/>
+                        </a:spcBef>
+                        <a:spcAft>
+                          <a:spcPts val="0"/>
+                        </a:spcAft>
+                        <a:buClrTx/>
+                        <a:buSzTx/>
+                        <a:buFontTx/>
+                        <a:buNone/>
+                        <a:tabLst/>
+                        <a:defRPr/>
+                      </a:pPr>
+                      <a:r>
+                        <a:rPr lang="en-US" altLang="zh-CN" dirty="0">
+                          <a:solidFill>
+                            <a:schemeClr val="tx1"/>
+                          </a:solidFill>
+                        </a:rPr>
+                        <a:t>2</a:t>
+                      </a:r>
+                      <a:endParaRPr lang="en-US" dirty="0">
+                        <a:solidFill>
+                          <a:schemeClr val="tx1"/>
+                        </a:solidFill>
+                      </a:endParaRPr>
+                    </a:p>
+                  </a:txBody>
+                  <a:tcPr/>
+                </a:tc>
+                <a:tc>
+                  <a:txBody>
+                    <a:bodyPr/>
+                    <a:lstStyle/>
+                    <a:p>
+                      <a:pPr algn="r"/>
+                      <a:r>
+                        <a:rPr lang="en-US" altLang="zh-CN" baseline="0" dirty="0">
+                          <a:solidFill>
+                            <a:schemeClr val="tx1"/>
+                          </a:solidFill>
+                        </a:rPr>
+                        <a:t>3</a:t>
+                      </a:r>
+                      <a:endParaRPr lang="en-US" baseline="0" dirty="0">
+                        <a:solidFill>
+                          <a:schemeClr val="tx1"/>
+                        </a:solidFill>
+                      </a:endParaRPr>
+                    </a:p>
+                  </a:txBody>
+                  <a:tcPr/>
+                </a:tc>
+                <a:tc>
+                  <a:txBody>
+                    <a:bodyPr/>
+                    <a:lstStyle/>
+                    <a:p>
+                      <a:pPr algn="r"/>
+                      <a:r>
+                        <a:rPr lang="en-US" altLang="zh-CN" dirty="0">
+                          <a:solidFill>
+                            <a:schemeClr val="tx1"/>
+                          </a:solidFill>
+                        </a:rPr>
+                        <a:t>1</a:t>
+                      </a:r>
+                      <a:endParaRPr lang="en-US" dirty="0">
+                        <a:solidFill>
+                          <a:schemeClr val="tx1"/>
+                        </a:solidFill>
+                      </a:endParaRPr>
+                    </a:p>
+                  </a:txBody>
+                  <a:tcPr/>
+                </a:tc>
+                <a:tc>
+                  <a:txBody>
+                    <a:bodyPr/>
+                    <a:lstStyle/>
+                    <a:p>
+                      <a:pPr algn="r"/>
+                      <a:endParaRPr lang="en-US" dirty="0">
+                        <a:solidFill>
+                          <a:schemeClr val="tx1"/>
+                        </a:solidFill>
+                      </a:endParaRPr>
+                    </a:p>
+                  </a:txBody>
+                  <a:tcPr/>
+                </a:tc>
+                <a:tc>
+                  <a:txBody>
+                    <a:bodyPr/>
+                    <a:lstStyle/>
+                    <a:p>
+                      <a:pPr algn="r"/>
+                      <a:endParaRPr lang="en-US" dirty="0">
+                        <a:solidFill>
+                          <a:schemeClr val="tx1"/>
+                        </a:solidFill>
+                      </a:endParaRPr>
+                    </a:p>
+                  </a:txBody>
+                  <a:tcPr/>
+                </a:tc>
+                <a:extLst>
+                  <a:ext uri="{0D108BD9-81ED-4DB2-BD59-A6C34878D82A}">
+                    <a16:rowId xmlns:a16="http://schemas.microsoft.com/office/drawing/2014/main" val="1749603488"/>
+                  </a:ext>
+                </a:extLst>
+              </a:tr>
+              <a:tr h="0">
+                <a:tc>
+                  <a:txBody>
+                    <a:bodyPr/>
+                    <a:lstStyle/>
+                    <a:p>
+                      <a:pPr marL="0" marR="0" lvl="0" indent="0" algn="r" defTabSz="914400" rtl="0" eaLnBrk="1" fontAlgn="auto" latinLnBrk="0" hangingPunct="1">
+                        <a:lnSpc>
+                          <a:spcPct val="100000"/>
+                        </a:lnSpc>
+                        <a:spcBef>
+                          <a:spcPts val="0"/>
+                        </a:spcBef>
+                        <a:spcAft>
+                          <a:spcPts val="0"/>
+                        </a:spcAft>
+                        <a:buClrTx/>
+                        <a:buSzTx/>
+                        <a:buFontTx/>
+                        <a:buNone/>
+                        <a:tabLst/>
+                        <a:defRPr/>
+                      </a:pPr>
+                      <a:r>
+                        <a:rPr lang="en-US" altLang="zh-CN" dirty="0">
+                          <a:solidFill>
+                            <a:schemeClr val="tx1"/>
+                          </a:solidFill>
+                        </a:rPr>
+                        <a:t>3</a:t>
+                      </a:r>
+                      <a:endParaRPr lang="en-US" dirty="0">
+                        <a:solidFill>
+                          <a:schemeClr val="tx1"/>
+                        </a:solidFill>
+                      </a:endParaRPr>
+                    </a:p>
+                  </a:txBody>
+                  <a:tcPr/>
+                </a:tc>
+                <a:tc>
+                  <a:txBody>
+                    <a:bodyPr/>
+                    <a:lstStyle/>
+                    <a:p>
+                      <a:pPr algn="r"/>
+                      <a:r>
+                        <a:rPr lang="en-US" altLang="zh-CN" dirty="0">
+                          <a:solidFill>
+                            <a:schemeClr val="tx1"/>
+                          </a:solidFill>
+                        </a:rPr>
+                        <a:t>5</a:t>
+                      </a:r>
+                      <a:endParaRPr lang="en-US" baseline="30000" dirty="0">
+                        <a:solidFill>
+                          <a:schemeClr val="tx1"/>
+                        </a:solidFill>
+                      </a:endParaRPr>
+                    </a:p>
+                  </a:txBody>
+                  <a:tcPr/>
+                </a:tc>
+                <a:tc>
+                  <a:txBody>
+                    <a:bodyPr/>
+                    <a:lstStyle/>
+                    <a:p>
+                      <a:pPr algn="r"/>
+                      <a:r>
+                        <a:rPr lang="en-US" altLang="zh-CN" dirty="0">
+                          <a:solidFill>
+                            <a:schemeClr val="tx1"/>
+                          </a:solidFill>
+                        </a:rPr>
+                        <a:t>6</a:t>
+                      </a:r>
+                      <a:endParaRPr lang="en-US" dirty="0">
+                        <a:solidFill>
+                          <a:schemeClr val="tx1"/>
+                        </a:solidFill>
+                      </a:endParaRPr>
+                    </a:p>
+                  </a:txBody>
+                  <a:tcPr/>
+                </a:tc>
+                <a:tc>
+                  <a:txBody>
+                    <a:bodyPr/>
+                    <a:lstStyle/>
+                    <a:p>
+                      <a:pPr algn="r"/>
+                      <a:endParaRPr lang="en-US" dirty="0">
+                        <a:solidFill>
+                          <a:schemeClr val="tx1"/>
+                        </a:solidFill>
+                      </a:endParaRPr>
+                    </a:p>
+                  </a:txBody>
+                  <a:tcPr/>
+                </a:tc>
+                <a:tc>
+                  <a:txBody>
+                    <a:bodyPr/>
+                    <a:lstStyle/>
+                    <a:p>
+                      <a:pPr algn="r"/>
+                      <a:endParaRPr lang="en-US" dirty="0">
+                        <a:solidFill>
+                          <a:schemeClr val="tx1"/>
+                        </a:solidFill>
+                      </a:endParaRPr>
+                    </a:p>
+                  </a:txBody>
+                  <a:tcPr/>
+                </a:tc>
+                <a:extLst>
+                  <a:ext uri="{0D108BD9-81ED-4DB2-BD59-A6C34878D82A}">
+                    <a16:rowId xmlns:a16="http://schemas.microsoft.com/office/drawing/2014/main" val="1233945708"/>
+                  </a:ext>
+                </a:extLst>
+              </a:tr>
+              <a:tr h="0">
+                <a:tc>
+                  <a:txBody>
+                    <a:bodyPr/>
+                    <a:lstStyle/>
+                    <a:p>
+                      <a:pPr algn="r"/>
+                      <a:endParaRPr lang="en-US" dirty="0">
+                        <a:solidFill>
+                          <a:schemeClr val="tx1"/>
+                        </a:solidFill>
+                      </a:endParaRPr>
+                    </a:p>
+                  </a:txBody>
+                  <a:tcPr/>
+                </a:tc>
+                <a:tc gridSpan="2">
+                  <a:txBody>
+                    <a:bodyPr/>
+                    <a:lstStyle/>
+                    <a:p>
+                      <a:pPr algn="r"/>
+                      <a:endParaRPr lang="en-US" dirty="0">
+                        <a:solidFill>
+                          <a:schemeClr val="tx1"/>
+                        </a:solidFill>
+                      </a:endParaRPr>
+                    </a:p>
+                  </a:txBody>
+                  <a:tcPr/>
+                </a:tc>
+                <a:tc hMerge="1">
+                  <a:txBody>
+                    <a:bodyPr/>
+                    <a:lstStyle/>
+                    <a:p>
+                      <a:r>
+                        <a:rPr lang="en-US" altLang="zh-CN" dirty="0"/>
+                        <a:t>Average</a:t>
+                      </a:r>
+                      <a:r>
+                        <a:rPr lang="zh-CN" altLang="en-US" dirty="0"/>
+                        <a:t> </a:t>
+                      </a:r>
+                      <a:r>
+                        <a:rPr lang="en-US" altLang="zh-CN" dirty="0"/>
+                        <a:t>Turnaround</a:t>
+                      </a:r>
+                      <a:endParaRPr lang="en-US" dirty="0"/>
+                    </a:p>
+                  </a:txBody>
+                  <a:tcPr/>
+                </a:tc>
+                <a:tc>
+                  <a:txBody>
+                    <a:bodyPr/>
+                    <a:lstStyle/>
+                    <a:p>
+                      <a:pPr algn="r"/>
+                      <a:endParaRPr lang="en-US" dirty="0">
+                        <a:solidFill>
+                          <a:schemeClr val="tx1"/>
+                        </a:solidFill>
+                      </a:endParaRPr>
+                    </a:p>
+                  </a:txBody>
+                  <a:tcPr/>
+                </a:tc>
+                <a:tc>
+                  <a:txBody>
+                    <a:bodyPr/>
+                    <a:lstStyle/>
+                    <a:p>
+                      <a:pPr algn="r"/>
+                      <a:r>
+                        <a:rPr lang="en-US" dirty="0">
+                          <a:solidFill>
+                            <a:schemeClr val="tx1"/>
+                          </a:solidFill>
+                        </a:rPr>
+                        <a:t>Avg RT</a:t>
+                      </a:r>
+                    </a:p>
+                  </a:txBody>
+                  <a:tcPr/>
+                </a:tc>
+                <a:extLst>
+                  <a:ext uri="{0D108BD9-81ED-4DB2-BD59-A6C34878D82A}">
+                    <a16:rowId xmlns:a16="http://schemas.microsoft.com/office/drawing/2014/main" val="2879113726"/>
+                  </a:ext>
+                </a:extLst>
+              </a:tr>
+            </a:tbl>
+          </a:graphicData>
+        </a:graphic>
+      </p:graphicFrame>
+    </p:spTree>
+    <p:extLst>
+      <p:ext uri="{BB962C8B-B14F-4D97-AF65-F5344CB8AC3E}">
+        <p14:creationId xmlns:p14="http://schemas.microsoft.com/office/powerpoint/2010/main" val="3597490601"/>
+      </p:ext>
+    </p:extLst>
+  </p:cSld>
+  <p:clrMapOvr>
+    <a:masterClrMapping/>
+  </p:clrMapOvr>
+  <p:transition/>
 </p:sld>
 </file>
 
@@ -16147,7 +24711,7 @@
         <a:effectLst/>
         <a:extLst>
           <a:ext uri="{AF507438-7753-43e0-B8FC-AC1667EBCBE1}">
-            <a14:hiddenEffects xmlns:a14="http://schemas.microsoft.com/office/drawing/2010/main" xmlns="">
+            <a14:hiddenEffects xmlns="" xmlns:a14="http://schemas.microsoft.com/office/drawing/2010/main">
               <a:effectLst>
                 <a:outerShdw dist="35921" dir="2700000" algn="ctr" rotWithShape="0">
                   <a:schemeClr val="bg2"/>
@@ -16220,7 +24784,7 @@
         <a:effectLst/>
         <a:extLst>
           <a:ext uri="{AF507438-7753-43e0-B8FC-AC1667EBCBE1}">
-            <a14:hiddenEffects xmlns:a14="http://schemas.microsoft.com/office/drawing/2010/main" xmlns="">
+            <a14:hiddenEffects xmlns="" xmlns:a14="http://schemas.microsoft.com/office/drawing/2010/main">
               <a:effectLst>
                 <a:outerShdw dist="35921" dir="2700000" algn="ctr" rotWithShape="0">
                   <a:schemeClr val="bg2"/>

--- a/PPTs/L5-Exercises ANS.pptx
+++ b/PPTs/L5-Exercises ANS.pptx
@@ -5,10 +5,10 @@
     <p:sldMasterId id="2147483648" r:id="rId1"/>
   </p:sldMasterIdLst>
   <p:notesMasterIdLst>
-    <p:notesMasterId r:id="rId16"/>
+    <p:notesMasterId r:id="rId17"/>
   </p:notesMasterIdLst>
   <p:handoutMasterIdLst>
-    <p:handoutMasterId r:id="rId17"/>
+    <p:handoutMasterId r:id="rId18"/>
   </p:handoutMasterIdLst>
   <p:sldIdLst>
     <p:sldId id="256" r:id="rId2"/>
@@ -19,12 +19,13 @@
     <p:sldId id="1494" r:id="rId7"/>
     <p:sldId id="1497" r:id="rId8"/>
     <p:sldId id="1499" r:id="rId9"/>
-    <p:sldId id="1507" r:id="rId10"/>
-    <p:sldId id="1506" r:id="rId11"/>
-    <p:sldId id="1502" r:id="rId12"/>
-    <p:sldId id="1505" r:id="rId13"/>
-    <p:sldId id="1504" r:id="rId14"/>
-    <p:sldId id="1503" r:id="rId15"/>
+    <p:sldId id="1508" r:id="rId10"/>
+    <p:sldId id="1507" r:id="rId11"/>
+    <p:sldId id="1506" r:id="rId12"/>
+    <p:sldId id="1502" r:id="rId13"/>
+    <p:sldId id="1505" r:id="rId14"/>
+    <p:sldId id="1504" r:id="rId15"/>
+    <p:sldId id="1503" r:id="rId16"/>
   </p:sldIdLst>
   <p:sldSz cx="12192000" cy="6858000"/>
   <p:notesSz cx="9601200" cy="7315200"/>
@@ -221,14 +222,14 @@
           <a:effectLst/>
           <a:extLst>
             <a:ext uri="{909E8E84-426E-40dd-AFC4-6F175D3DCCD1}">
-              <a14:hiddenFill xmlns="" xmlns:a14="http://schemas.microsoft.com/office/drawing/2010/main">
+              <a14:hiddenFill xmlns:a14="http://schemas.microsoft.com/office/drawing/2010/main" xmlns="">
                 <a:solidFill>
                   <a:schemeClr val="bg1"/>
                 </a:solidFill>
               </a14:hiddenFill>
             </a:ext>
             <a:ext uri="{91240B29-F687-4f45-9708-019B960494DF}">
-              <a14:hiddenLine xmlns="" xmlns:a14="http://schemas.microsoft.com/office/drawing/2010/main" w="12700">
+              <a14:hiddenLine xmlns:a14="http://schemas.microsoft.com/office/drawing/2010/main" xmlns="" w="12700">
                 <a:pattFill prst="narHorz">
                   <a:fgClr>
                     <a:schemeClr val="tx1"/>
@@ -243,7 +244,7 @@
               </a14:hiddenLine>
             </a:ext>
             <a:ext uri="{AF507438-7753-43e0-B8FC-AC1667EBCBE1}">
-              <a14:hiddenEffects xmlns="" xmlns:a14="http://schemas.microsoft.com/office/drawing/2010/main">
+              <a14:hiddenEffects xmlns:a14="http://schemas.microsoft.com/office/drawing/2010/main" xmlns="">
                 <a:effectLst>
                   <a:outerShdw dist="35921" dir="2700000" algn="ctr" rotWithShape="0">
                     <a:schemeClr val="bg2"/>
@@ -349,14 +350,14 @@
           <a:effectLst/>
           <a:extLst>
             <a:ext uri="{909E8E84-426E-40dd-AFC4-6F175D3DCCD1}">
-              <a14:hiddenFill xmlns="" xmlns:a14="http://schemas.microsoft.com/office/drawing/2010/main">
+              <a14:hiddenFill xmlns:a14="http://schemas.microsoft.com/office/drawing/2010/main" xmlns="">
                 <a:solidFill>
                   <a:schemeClr val="bg1"/>
                 </a:solidFill>
               </a14:hiddenFill>
             </a:ext>
             <a:ext uri="{91240B29-F687-4f45-9708-019B960494DF}">
-              <a14:hiddenLine xmlns="" xmlns:a14="http://schemas.microsoft.com/office/drawing/2010/main" w="12700">
+              <a14:hiddenLine xmlns:a14="http://schemas.microsoft.com/office/drawing/2010/main" xmlns="" w="12700">
                 <a:pattFill prst="narHorz">
                   <a:fgClr>
                     <a:schemeClr val="tx1"/>
@@ -371,7 +372,7 @@
               </a14:hiddenLine>
             </a:ext>
             <a:ext uri="{AF507438-7753-43e0-B8FC-AC1667EBCBE1}">
-              <a14:hiddenEffects xmlns="" xmlns:a14="http://schemas.microsoft.com/office/drawing/2010/main">
+              <a14:hiddenEffects xmlns:a14="http://schemas.microsoft.com/office/drawing/2010/main" xmlns="">
                 <a:effectLst>
                   <a:outerShdw dist="35921" dir="2700000" algn="ctr" rotWithShape="0">
                     <a:schemeClr val="bg2"/>
@@ -439,17 +440,17 @@
           <a:effectLst/>
           <a:extLst>
             <a:ext uri="{FAA26D3D-D897-4be2-8F04-BA451C77F1D7}">
-              <ma14:placeholderFlag xmlns="" xmlns:ma14="http://schemas.microsoft.com/office/mac/drawingml/2011/main" val="1"/>
+              <ma14:placeholderFlag xmlns:ma14="http://schemas.microsoft.com/office/mac/drawingml/2011/main" xmlns="" val="1"/>
             </a:ext>
             <a:ext uri="{909E8E84-426E-40dd-AFC4-6F175D3DCCD1}">
-              <a14:hiddenFill xmlns="" xmlns:a14="http://schemas.microsoft.com/office/drawing/2010/main">
+              <a14:hiddenFill xmlns:a14="http://schemas.microsoft.com/office/drawing/2010/main" xmlns="">
                 <a:solidFill>
                   <a:srgbClr val="FFFFFF"/>
                 </a:solidFill>
               </a14:hiddenFill>
             </a:ext>
             <a:ext uri="{AF507438-7753-43e0-B8FC-AC1667EBCBE1}">
-              <a14:hiddenEffects xmlns="" xmlns:a14="http://schemas.microsoft.com/office/drawing/2010/main">
+              <a14:hiddenEffects xmlns:a14="http://schemas.microsoft.com/office/drawing/2010/main" xmlns="">
                 <a:effectLst>
                   <a:outerShdw blurRad="63500" dist="38099" dir="2700000" algn="ctr" rotWithShape="0">
                     <a:srgbClr val="000000">
@@ -460,7 +461,7 @@
               </a14:hiddenEffects>
             </a:ext>
             <a:ext uri="{53640926-AAD7-44d8-BBD7-CCE9431645EC}">
-              <a14:shadowObscured xmlns="" xmlns:a14="http://schemas.microsoft.com/office/drawing/2010/main" val="1"/>
+              <a14:shadowObscured xmlns:a14="http://schemas.microsoft.com/office/drawing/2010/main" xmlns="" val="1"/>
             </a:ext>
           </a:extLst>
         </p:spPr>
@@ -490,14 +491,14 @@
           <a:effectLst/>
           <a:extLst>
             <a:ext uri="{909E8E84-426E-40dd-AFC4-6F175D3DCCD1}">
-              <a14:hiddenFill xmlns="" xmlns:a14="http://schemas.microsoft.com/office/drawing/2010/main">
+              <a14:hiddenFill xmlns:a14="http://schemas.microsoft.com/office/drawing/2010/main" xmlns="">
                 <a:solidFill>
                   <a:schemeClr val="bg1"/>
                 </a:solidFill>
               </a14:hiddenFill>
             </a:ext>
             <a:ext uri="{91240B29-F687-4f45-9708-019B960494DF}">
-              <a14:hiddenLine xmlns="" xmlns:a14="http://schemas.microsoft.com/office/drawing/2010/main" w="12700">
+              <a14:hiddenLine xmlns:a14="http://schemas.microsoft.com/office/drawing/2010/main" xmlns="" w="12700">
                 <a:pattFill prst="narHorz">
                   <a:fgClr>
                     <a:schemeClr val="tx1"/>
@@ -512,7 +513,7 @@
               </a14:hiddenLine>
             </a:ext>
             <a:ext uri="{AF507438-7753-43e0-B8FC-AC1667EBCBE1}">
-              <a14:hiddenEffects xmlns="" xmlns:a14="http://schemas.microsoft.com/office/drawing/2010/main">
+              <a14:hiddenEffects xmlns:a14="http://schemas.microsoft.com/office/drawing/2010/main" xmlns="">
                 <a:effectLst>
                   <a:outerShdw dist="35921" dir="2700000" algn="ctr" rotWithShape="0">
                     <a:schemeClr val="bg2"/>
@@ -762,10 +763,10 @@
         <p:spPr>
           <a:extLst>
             <a:ext uri="{FAA26D3D-D897-4be2-8F04-BA451C77F1D7}">
-              <ma14:placeholderFlag xmlns="" xmlns:ma14="http://schemas.microsoft.com/office/mac/drawingml/2011/main" val="1"/>
+              <ma14:placeholderFlag xmlns:ma14="http://schemas.microsoft.com/office/mac/drawingml/2011/main" xmlns="" val="1"/>
             </a:ext>
             <a:ext uri="{AF507438-7753-43e0-B8FC-AC1667EBCBE1}">
-              <a14:hiddenEffects xmlns="" xmlns:a14="http://schemas.microsoft.com/office/drawing/2010/main">
+              <a14:hiddenEffects xmlns:a14="http://schemas.microsoft.com/office/drawing/2010/main" xmlns="">
                 <a:effectLst>
                   <a:outerShdw blurRad="63500" dist="38099" dir="2700000" algn="ctr" rotWithShape="0">
                     <a:schemeClr val="bg2">
@@ -1241,6 +1242,119 @@
         <p:cNvPr id="1" name="">
           <a:extLst>
             <a:ext uri="{FF2B5EF4-FFF2-40B4-BE49-F238E27FC236}">
+              <a16:creationId xmlns:a16="http://schemas.microsoft.com/office/drawing/2014/main" id="{89A35218-8966-C389-E7BB-A4FEF9082B78}"/>
+            </a:ext>
+          </a:extLst>
+        </p:cNvPr>
+        <p:cNvGrpSpPr/>
+        <p:nvPr/>
+      </p:nvGrpSpPr>
+      <p:grpSpPr>
+        <a:xfrm>
+          <a:off x="0" y="0"/>
+          <a:ext cx="0" cy="0"/>
+          <a:chOff x="0" y="0"/>
+          <a:chExt cx="0" cy="0"/>
+        </a:xfrm>
+      </p:grpSpPr>
+      <p:sp>
+        <p:nvSpPr>
+          <p:cNvPr id="2" name="Slide Image Placeholder 1">
+            <a:extLst>
+              <a:ext uri="{FF2B5EF4-FFF2-40B4-BE49-F238E27FC236}">
+                <a16:creationId xmlns:a16="http://schemas.microsoft.com/office/drawing/2014/main" id="{796BC890-B3F9-D1AB-1E9F-EAA5FD649000}"/>
+              </a:ext>
+            </a:extLst>
+          </p:cNvPr>
+          <p:cNvSpPr>
+            <a:spLocks noGrp="1" noRot="1" noChangeAspect="1"/>
+          </p:cNvSpPr>
+          <p:nvPr>
+            <p:ph type="sldImg"/>
+          </p:nvPr>
+        </p:nvSpPr>
+        <p:spPr/>
+      </p:sp>
+      <p:sp>
+        <p:nvSpPr>
+          <p:cNvPr id="3" name="Notes Placeholder 2">
+            <a:extLst>
+              <a:ext uri="{FF2B5EF4-FFF2-40B4-BE49-F238E27FC236}">
+                <a16:creationId xmlns:a16="http://schemas.microsoft.com/office/drawing/2014/main" id="{552A7B3E-48D6-CFC3-7F4E-CEA3EA6BB883}"/>
+              </a:ext>
+            </a:extLst>
+          </p:cNvPr>
+          <p:cNvSpPr>
+            <a:spLocks noGrp="1"/>
+          </p:cNvSpPr>
+          <p:nvPr>
+            <p:ph type="body" idx="1"/>
+          </p:nvPr>
+        </p:nvSpPr>
+        <p:spPr/>
+        <p:txBody>
+          <a:bodyPr/>
+          <a:lstStyle/>
+          <a:p>
+            <a:r>
+              <a:rPr lang="en-GB" b="0" i="0" dirty="0">
+                <a:effectLst/>
+                <a:latin typeface="fkGroteskNeue"/>
+              </a:rPr>
+              <a:t>So, the average of 2, 7, 5, 6, and 8 is 5.6.</a:t>
+            </a:r>
+          </a:p>
+          <a:p>
+            <a:r>
+              <a:rPr lang="en-GB" b="0" i="0" dirty="0">
+                <a:effectLst/>
+                <a:latin typeface="fkGroteskNeue"/>
+              </a:rPr>
+              <a:t>The average of the numbers 2, 7, 5, 9, and 4 is 5.4.</a:t>
+            </a:r>
+          </a:p>
+          <a:p>
+            <a:r>
+              <a:rPr lang="en-GB" b="0" i="0" dirty="0">
+                <a:effectLst/>
+                <a:latin typeface="fkGroteskNeue"/>
+              </a:rPr>
+              <a:t>The average of the numbers 2, 8, 1, 9, and 4 is 4.8.</a:t>
+            </a:r>
+          </a:p>
+          <a:p>
+            <a:r>
+              <a:rPr lang="en-GB" b="0" i="0" dirty="0">
+                <a:effectLst/>
+                <a:latin typeface="fkGroteskNeue"/>
+              </a:rPr>
+              <a:t>The average of the numbers 3, 12, 1, 9, and 7 is 6.4.</a:t>
+            </a:r>
+            <a:endParaRPr lang="en-SE" dirty="0"/>
+          </a:p>
+        </p:txBody>
+      </p:sp>
+    </p:spTree>
+    <p:extLst>
+      <p:ext uri="{BB962C8B-B14F-4D97-AF65-F5344CB8AC3E}">
+        <p14:creationId xmlns:p14="http://schemas.microsoft.com/office/powerpoint/2010/main" val="3628953641"/>
+      </p:ext>
+    </p:extLst>
+  </p:cSld>
+  <p:clrMapOvr>
+    <a:masterClrMapping/>
+  </p:clrMapOvr>
+</p:notes>
+</file>
+
+<file path=ppt/notesSlides/notesSlide7.xml><?xml version="1.0" encoding="utf-8"?>
+<p:notes xmlns:a="http://schemas.openxmlformats.org/drawingml/2006/main" xmlns:r="http://schemas.openxmlformats.org/officeDocument/2006/relationships" xmlns:p="http://schemas.openxmlformats.org/presentationml/2006/main">
+  <p:cSld>
+    <p:spTree>
+      <p:nvGrpSpPr>
+        <p:cNvPr id="1" name="">
+          <a:extLst>
+            <a:ext uri="{FF2B5EF4-FFF2-40B4-BE49-F238E27FC236}">
               <a16:creationId xmlns:a16="http://schemas.microsoft.com/office/drawing/2014/main" id="{A163533C-E2AD-25EA-00B7-41D9FE77D91E}"/>
             </a:ext>
           </a:extLst>
@@ -1346,7 +1460,7 @@
 </p:notes>
 </file>
 
-<file path=ppt/notesSlides/notesSlide7.xml><?xml version="1.0" encoding="utf-8"?>
+<file path=ppt/notesSlides/notesSlide8.xml><?xml version="1.0" encoding="utf-8"?>
 <p:notes xmlns:a="http://schemas.openxmlformats.org/drawingml/2006/main" xmlns:r="http://schemas.openxmlformats.org/officeDocument/2006/relationships" xmlns:p="http://schemas.openxmlformats.org/presentationml/2006/main">
   <p:cSld>
     <p:spTree>
@@ -3302,17 +3416,17 @@
           <a:effectLst/>
           <a:extLst>
             <a:ext uri="{FAA26D3D-D897-4be2-8F04-BA451C77F1D7}">
-              <ma14:placeholderFlag xmlns="" xmlns:ma14="http://schemas.microsoft.com/office/mac/drawingml/2011/main" val="1"/>
+              <ma14:placeholderFlag xmlns:ma14="http://schemas.microsoft.com/office/mac/drawingml/2011/main" xmlns="" val="1"/>
             </a:ext>
             <a:ext uri="{909E8E84-426E-40dd-AFC4-6F175D3DCCD1}">
-              <a14:hiddenFill xmlns="" xmlns:a14="http://schemas.microsoft.com/office/drawing/2010/main">
+              <a14:hiddenFill xmlns:a14="http://schemas.microsoft.com/office/drawing/2010/main" xmlns="">
                 <a:solidFill>
                   <a:schemeClr val="bg1"/>
                 </a:solidFill>
               </a14:hiddenFill>
             </a:ext>
             <a:ext uri="{91240B29-F687-4f45-9708-019B960494DF}">
-              <a14:hiddenLine xmlns="" xmlns:a14="http://schemas.microsoft.com/office/drawing/2010/main" w="12700">
+              <a14:hiddenLine xmlns:a14="http://schemas.microsoft.com/office/drawing/2010/main" xmlns="" w="12700">
                 <a:pattFill prst="narHorz">
                   <a:fgClr>
                     <a:schemeClr val="tx1"/>
@@ -3327,7 +3441,7 @@
               </a14:hiddenLine>
             </a:ext>
             <a:ext uri="{AF507438-7753-43e0-B8FC-AC1667EBCBE1}">
-              <a14:hiddenEffects xmlns="" xmlns:a14="http://schemas.microsoft.com/office/drawing/2010/main">
+              <a14:hiddenEffects xmlns:a14="http://schemas.microsoft.com/office/drawing/2010/main" xmlns="">
                 <a:effectLst>
                   <a:outerShdw blurRad="63500" dist="38099" dir="2700000" algn="ctr" rotWithShape="0">
                     <a:schemeClr val="bg2">
@@ -3380,17 +3494,17 @@
           <a:effectLst/>
           <a:extLst>
             <a:ext uri="{FAA26D3D-D897-4be2-8F04-BA451C77F1D7}">
-              <ma14:placeholderFlag xmlns="" xmlns:ma14="http://schemas.microsoft.com/office/mac/drawingml/2011/main" val="1"/>
+              <ma14:placeholderFlag xmlns:ma14="http://schemas.microsoft.com/office/mac/drawingml/2011/main" xmlns="" val="1"/>
             </a:ext>
             <a:ext uri="{909E8E84-426E-40dd-AFC4-6F175D3DCCD1}">
-              <a14:hiddenFill xmlns="" xmlns:a14="http://schemas.microsoft.com/office/drawing/2010/main">
+              <a14:hiddenFill xmlns:a14="http://schemas.microsoft.com/office/drawing/2010/main" xmlns="">
                 <a:solidFill>
                   <a:schemeClr val="bg1"/>
                 </a:solidFill>
               </a14:hiddenFill>
             </a:ext>
             <a:ext uri="{91240B29-F687-4f45-9708-019B960494DF}">
-              <a14:hiddenLine xmlns="" xmlns:a14="http://schemas.microsoft.com/office/drawing/2010/main" w="12700">
+              <a14:hiddenLine xmlns:a14="http://schemas.microsoft.com/office/drawing/2010/main" xmlns="" w="12700">
                 <a:pattFill prst="narHorz">
                   <a:fgClr>
                     <a:schemeClr val="tx1"/>
@@ -3405,7 +3519,7 @@
               </a14:hiddenLine>
             </a:ext>
             <a:ext uri="{AF507438-7753-43e0-B8FC-AC1667EBCBE1}">
-              <a14:hiddenEffects xmlns="" xmlns:a14="http://schemas.microsoft.com/office/drawing/2010/main">
+              <a14:hiddenEffects xmlns:a14="http://schemas.microsoft.com/office/drawing/2010/main" xmlns="">
                 <a:effectLst>
                   <a:outerShdw blurRad="63500" dist="38099" dir="2700000" algn="ctr" rotWithShape="0">
                     <a:schemeClr val="bg2">
@@ -3484,14 +3598,14 @@
           <a:effectLst/>
           <a:extLst>
             <a:ext uri="{909E8E84-426E-40dd-AFC4-6F175D3DCCD1}">
-              <a14:hiddenFill xmlns="" xmlns:a14="http://schemas.microsoft.com/office/drawing/2010/main">
+              <a14:hiddenFill xmlns:a14="http://schemas.microsoft.com/office/drawing/2010/main" xmlns="">
                 <a:solidFill>
                   <a:schemeClr val="bg1"/>
                 </a:solidFill>
               </a14:hiddenFill>
             </a:ext>
             <a:ext uri="{91240B29-F687-4f45-9708-019B960494DF}">
-              <a14:hiddenLine xmlns="" xmlns:a14="http://schemas.microsoft.com/office/drawing/2010/main" w="12700">
+              <a14:hiddenLine xmlns:a14="http://schemas.microsoft.com/office/drawing/2010/main" xmlns="" w="12700">
                 <a:pattFill prst="narHorz">
                   <a:fgClr>
                     <a:schemeClr val="tx1"/>
@@ -3506,7 +3620,7 @@
               </a14:hiddenLine>
             </a:ext>
             <a:ext uri="{AF507438-7753-43e0-B8FC-AC1667EBCBE1}">
-              <a14:hiddenEffects xmlns="" xmlns:a14="http://schemas.microsoft.com/office/drawing/2010/main">
+              <a14:hiddenEffects xmlns:a14="http://schemas.microsoft.com/office/drawing/2010/main" xmlns="">
                 <a:effectLst>
                   <a:outerShdw dist="35921" dir="2700000" algn="ctr" rotWithShape="0">
                     <a:schemeClr val="bg2"/>
@@ -3572,12 +3686,12 @@
           <a:effectLst/>
           <a:extLst>
             <a:ext uri="{909E8E84-426E-40dd-AFC4-6F175D3DCCD1}">
-              <a14:hiddenFill xmlns="" xmlns:a14="http://schemas.microsoft.com/office/drawing/2010/main">
+              <a14:hiddenFill xmlns:a14="http://schemas.microsoft.com/office/drawing/2010/main" xmlns="">
                 <a:noFill/>
               </a14:hiddenFill>
             </a:ext>
             <a:ext uri="{AF507438-7753-43e0-B8FC-AC1667EBCBE1}">
-              <a14:hiddenEffects xmlns="" xmlns:a14="http://schemas.microsoft.com/office/drawing/2010/main">
+              <a14:hiddenEffects xmlns:a14="http://schemas.microsoft.com/office/drawing/2010/main" xmlns="">
                 <a:effectLst>
                   <a:outerShdw blurRad="63500" dist="38099" dir="2700000" algn="ctr" rotWithShape="0">
                     <a:schemeClr val="bg2">
@@ -4276,6 +4390,810 @@
   <p:cSld>
     <p:spTree>
       <p:nvGrpSpPr>
+        <p:cNvPr id="1" name=""/>
+        <p:cNvGrpSpPr/>
+        <p:nvPr/>
+      </p:nvGrpSpPr>
+      <p:grpSpPr>
+        <a:xfrm>
+          <a:off x="0" y="0"/>
+          <a:ext cx="0" cy="0"/>
+          <a:chOff x="0" y="0"/>
+          <a:chExt cx="0" cy="0"/>
+        </a:xfrm>
+      </p:grpSpPr>
+      <p:sp>
+        <p:nvSpPr>
+          <p:cNvPr id="2" name="Title 1">
+            <a:extLst>
+              <a:ext uri="{FF2B5EF4-FFF2-40B4-BE49-F238E27FC236}">
+                <a16:creationId xmlns:a16="http://schemas.microsoft.com/office/drawing/2014/main" id="{D2418C39-8001-A5C8-A334-B92A4C4C6AC3}"/>
+              </a:ext>
+            </a:extLst>
+          </p:cNvPr>
+          <p:cNvSpPr>
+            <a:spLocks noGrp="1"/>
+          </p:cNvSpPr>
+          <p:nvPr>
+            <p:ph type="title"/>
+          </p:nvPr>
+        </p:nvSpPr>
+        <p:spPr/>
+        <p:txBody>
+          <a:bodyPr/>
+          <a:lstStyle/>
+          <a:p>
+            <a:r>
+              <a:rPr lang="en-US" dirty="0"/>
+              <a:t>Scheduling III</a:t>
+            </a:r>
+            <a:endParaRPr lang="en-SE" dirty="0"/>
+          </a:p>
+        </p:txBody>
+      </p:sp>
+      <p:sp>
+        <p:nvSpPr>
+          <p:cNvPr id="4" name="Content Placeholder 2">
+            <a:extLst>
+              <a:ext uri="{FF2B5EF4-FFF2-40B4-BE49-F238E27FC236}">
+                <a16:creationId xmlns:a16="http://schemas.microsoft.com/office/drawing/2014/main" id="{0FEE6DBB-E87F-2753-724E-EFAE1A33AED2}"/>
+              </a:ext>
+            </a:extLst>
+          </p:cNvPr>
+          <p:cNvSpPr>
+            <a:spLocks noGrp="1"/>
+          </p:cNvSpPr>
+          <p:nvPr>
+            <p:ph idx="1"/>
+          </p:nvPr>
+        </p:nvSpPr>
+        <p:spPr>
+          <a:xfrm>
+            <a:off x="812800" y="914400"/>
+            <a:ext cx="10566400" cy="5105400"/>
+          </a:xfrm>
+        </p:spPr>
+        <p:txBody>
+          <a:bodyPr/>
+          <a:lstStyle/>
+          <a:p>
+            <a:r>
+              <a:rPr lang="en-GB" dirty="0"/>
+              <a:t>Consider the set of 3 processes whose arrival time and CPU burst times are given below. If the CPU scheduling policy is </a:t>
+            </a:r>
+            <a:r>
+              <a:rPr lang="en-GB" b="1" dirty="0"/>
+              <a:t>FCFS</a:t>
+            </a:r>
+            <a:r>
+              <a:rPr lang="en-GB" dirty="0"/>
+              <a:t>, draw the Gantt chart and calculate the average response time. </a:t>
+            </a:r>
+            <a:endParaRPr lang="en-SE" dirty="0"/>
+          </a:p>
+        </p:txBody>
+      </p:sp>
+      <p:graphicFrame>
+        <p:nvGraphicFramePr>
+          <p:cNvPr id="5" name="表格 6">
+            <a:extLst>
+              <a:ext uri="{FF2B5EF4-FFF2-40B4-BE49-F238E27FC236}">
+                <a16:creationId xmlns:a16="http://schemas.microsoft.com/office/drawing/2014/main" id="{AC95CE60-07E0-6F78-BBA8-98CD8A3140D2}"/>
+              </a:ext>
+            </a:extLst>
+          </p:cNvPr>
+          <p:cNvGraphicFramePr>
+            <a:graphicFrameLocks noGrp="1"/>
+          </p:cNvGraphicFramePr>
+          <p:nvPr/>
+        </p:nvGraphicFramePr>
+        <p:xfrm>
+          <a:off x="4191000" y="2362200"/>
+          <a:ext cx="4057622" cy="2377440"/>
+        </p:xfrm>
+        <a:graphic>
+          <a:graphicData uri="http://schemas.openxmlformats.org/drawingml/2006/table">
+            <a:tbl>
+              <a:tblPr firstRow="1" bandRow="1">
+                <a:tableStyleId>{5C22544A-7EE6-4342-B048-85BDC9FD1C3A}</a:tableStyleId>
+              </a:tblPr>
+              <a:tblGrid>
+                <a:gridCol w="320287">
+                  <a:extLst>
+                    <a:ext uri="{9D8B030D-6E8A-4147-A177-3AD203B41FA5}">
+                      <a16:colId xmlns:a16="http://schemas.microsoft.com/office/drawing/2014/main" val="3897766631"/>
+                    </a:ext>
+                  </a:extLst>
+                </a:gridCol>
+                <a:gridCol w="814309">
+                  <a:extLst>
+                    <a:ext uri="{9D8B030D-6E8A-4147-A177-3AD203B41FA5}">
+                      <a16:colId xmlns:a16="http://schemas.microsoft.com/office/drawing/2014/main" val="3850674632"/>
+                    </a:ext>
+                  </a:extLst>
+                </a:gridCol>
+                <a:gridCol w="778832">
+                  <a:extLst>
+                    <a:ext uri="{9D8B030D-6E8A-4147-A177-3AD203B41FA5}">
+                      <a16:colId xmlns:a16="http://schemas.microsoft.com/office/drawing/2014/main" val="3839086762"/>
+                    </a:ext>
+                  </a:extLst>
+                </a:gridCol>
+                <a:gridCol w="1072097">
+                  <a:extLst>
+                    <a:ext uri="{9D8B030D-6E8A-4147-A177-3AD203B41FA5}">
+                      <a16:colId xmlns:a16="http://schemas.microsoft.com/office/drawing/2014/main" val="3306942541"/>
+                    </a:ext>
+                  </a:extLst>
+                </a:gridCol>
+                <a:gridCol w="1072097">
+                  <a:extLst>
+                    <a:ext uri="{9D8B030D-6E8A-4147-A177-3AD203B41FA5}">
+                      <a16:colId xmlns:a16="http://schemas.microsoft.com/office/drawing/2014/main" val="3517187588"/>
+                    </a:ext>
+                  </a:extLst>
+                </a:gridCol>
+              </a:tblGrid>
+              <a:tr h="875830">
+                <a:tc>
+                  <a:txBody>
+                    <a:bodyPr/>
+                    <a:lstStyle/>
+                    <a:p>
+                      <a:pPr algn="r"/>
+                      <a:r>
+                        <a:rPr lang="en-US" b="0" dirty="0">
+                          <a:solidFill>
+                            <a:schemeClr val="tx1"/>
+                          </a:solidFill>
+                        </a:rPr>
+                        <a:t>PID</a:t>
+                      </a:r>
+                    </a:p>
+                  </a:txBody>
+                  <a:tcPr/>
+                </a:tc>
+                <a:tc>
+                  <a:txBody>
+                    <a:bodyPr/>
+                    <a:lstStyle/>
+                    <a:p>
+                      <a:pPr algn="r"/>
+                      <a:r>
+                        <a:rPr lang="en-US" altLang="zh-CN" b="0" dirty="0" err="1">
+                          <a:solidFill>
+                            <a:schemeClr val="tx1"/>
+                          </a:solidFill>
+                        </a:rPr>
+                        <a:t>Arriv</a:t>
+                      </a:r>
+                      <a:r>
+                        <a:rPr lang="en-US" altLang="zh-CN" b="0" dirty="0">
+                          <a:solidFill>
+                            <a:schemeClr val="tx1"/>
+                          </a:solidFill>
+                        </a:rPr>
+                        <a:t>.</a:t>
+                      </a:r>
+                      <a:r>
+                        <a:rPr lang="zh-CN" altLang="en-US" b="0" dirty="0">
+                          <a:solidFill>
+                            <a:schemeClr val="tx1"/>
+                          </a:solidFill>
+                        </a:rPr>
+                        <a:t> </a:t>
+                      </a:r>
+                      <a:r>
+                        <a:rPr lang="en-US" altLang="zh-CN" b="0" dirty="0">
+                          <a:solidFill>
+                            <a:schemeClr val="tx1"/>
+                          </a:solidFill>
+                        </a:rPr>
+                        <a:t>time</a:t>
+                      </a:r>
+                      <a:endParaRPr lang="en-US" b="0" dirty="0">
+                        <a:solidFill>
+                          <a:schemeClr val="tx1"/>
+                        </a:solidFill>
+                      </a:endParaRPr>
+                    </a:p>
+                  </a:txBody>
+                  <a:tcPr/>
+                </a:tc>
+                <a:tc>
+                  <a:txBody>
+                    <a:bodyPr/>
+                    <a:lstStyle/>
+                    <a:p>
+                      <a:pPr algn="r"/>
+                      <a:r>
+                        <a:rPr lang="en-GB" altLang="zh-CN" b="0" dirty="0">
+                          <a:solidFill>
+                            <a:schemeClr val="tx1"/>
+                          </a:solidFill>
+                        </a:rPr>
+                        <a:t>Exec Time</a:t>
+                      </a:r>
+                      <a:endParaRPr lang="en-US" b="0" dirty="0">
+                        <a:solidFill>
+                          <a:schemeClr val="tx1"/>
+                        </a:solidFill>
+                      </a:endParaRPr>
+                    </a:p>
+                  </a:txBody>
+                  <a:tcPr/>
+                </a:tc>
+                <a:tc>
+                  <a:txBody>
+                    <a:bodyPr/>
+                    <a:lstStyle/>
+                    <a:p>
+                      <a:pPr algn="r"/>
+                      <a:r>
+                        <a:rPr lang="en-US" altLang="zh-CN" b="0" dirty="0">
+                          <a:solidFill>
+                            <a:schemeClr val="tx1"/>
+                          </a:solidFill>
+                        </a:rPr>
+                        <a:t>FCFS</a:t>
+                      </a:r>
+                    </a:p>
+                    <a:p>
+                      <a:pPr algn="r"/>
+                      <a:r>
+                        <a:rPr lang="en-US" altLang="zh-CN" b="0" dirty="0">
+                          <a:solidFill>
+                            <a:schemeClr val="tx1"/>
+                          </a:solidFill>
+                        </a:rPr>
+                        <a:t>Finish</a:t>
+                      </a:r>
+                      <a:r>
+                        <a:rPr lang="zh-CN" altLang="en-US" b="0" dirty="0">
+                          <a:solidFill>
+                            <a:schemeClr val="tx1"/>
+                          </a:solidFill>
+                        </a:rPr>
+                        <a:t> </a:t>
+                      </a:r>
+                      <a:r>
+                        <a:rPr lang="en-US" altLang="zh-CN" b="0" dirty="0">
+                          <a:solidFill>
+                            <a:schemeClr val="tx1"/>
+                          </a:solidFill>
+                        </a:rPr>
+                        <a:t>Time</a:t>
+                      </a:r>
+                      <a:endParaRPr lang="en-US" b="0" dirty="0">
+                        <a:solidFill>
+                          <a:schemeClr val="tx1"/>
+                        </a:solidFill>
+                      </a:endParaRPr>
+                    </a:p>
+                  </a:txBody>
+                  <a:tcPr/>
+                </a:tc>
+                <a:tc>
+                  <a:txBody>
+                    <a:bodyPr/>
+                    <a:lstStyle/>
+                    <a:p>
+                      <a:pPr algn="r"/>
+                      <a:r>
+                        <a:rPr lang="en-US" altLang="zh-CN" b="0" dirty="0">
+                          <a:solidFill>
+                            <a:schemeClr val="tx1"/>
+                          </a:solidFill>
+                        </a:rPr>
+                        <a:t>FCFS</a:t>
+                      </a:r>
+                    </a:p>
+                    <a:p>
+                      <a:pPr algn="r"/>
+                      <a:r>
+                        <a:rPr lang="en-US" altLang="zh-CN" b="0" dirty="0">
+                          <a:solidFill>
+                            <a:schemeClr val="tx1"/>
+                          </a:solidFill>
+                        </a:rPr>
+                        <a:t>Response</a:t>
+                      </a:r>
+                      <a:r>
+                        <a:rPr lang="zh-CN" altLang="en-US" b="0" dirty="0">
+                          <a:solidFill>
+                            <a:schemeClr val="tx1"/>
+                          </a:solidFill>
+                        </a:rPr>
+                        <a:t> </a:t>
+                      </a:r>
+                      <a:r>
+                        <a:rPr lang="en-US" altLang="zh-CN" b="0" dirty="0">
+                          <a:solidFill>
+                            <a:schemeClr val="tx1"/>
+                          </a:solidFill>
+                        </a:rPr>
+                        <a:t>Time</a:t>
+                      </a:r>
+                      <a:endParaRPr lang="en-US" b="0" dirty="0">
+                        <a:solidFill>
+                          <a:schemeClr val="tx1"/>
+                        </a:solidFill>
+                      </a:endParaRPr>
+                    </a:p>
+                  </a:txBody>
+                  <a:tcPr marL="45720" marR="45720"/>
+                </a:tc>
+                <a:extLst>
+                  <a:ext uri="{0D108BD9-81ED-4DB2-BD59-A6C34878D82A}">
+                    <a16:rowId xmlns:a16="http://schemas.microsoft.com/office/drawing/2014/main" val="3141622018"/>
+                  </a:ext>
+                </a:extLst>
+              </a:tr>
+              <a:tr h="0">
+                <a:tc>
+                  <a:txBody>
+                    <a:bodyPr/>
+                    <a:lstStyle/>
+                    <a:p>
+                      <a:pPr algn="r"/>
+                      <a:r>
+                        <a:rPr lang="en-US" altLang="zh-CN" dirty="0">
+                          <a:solidFill>
+                            <a:schemeClr val="tx1"/>
+                          </a:solidFill>
+                        </a:rPr>
+                        <a:t>1</a:t>
+                      </a:r>
+                      <a:endParaRPr lang="en-US" dirty="0">
+                        <a:solidFill>
+                          <a:schemeClr val="tx1"/>
+                        </a:solidFill>
+                      </a:endParaRPr>
+                    </a:p>
+                  </a:txBody>
+                  <a:tcPr/>
+                </a:tc>
+                <a:tc>
+                  <a:txBody>
+                    <a:bodyPr/>
+                    <a:lstStyle/>
+                    <a:p>
+                      <a:pPr algn="r"/>
+                      <a:r>
+                        <a:rPr lang="en-US" altLang="zh-CN" dirty="0">
+                          <a:solidFill>
+                            <a:schemeClr val="tx1"/>
+                          </a:solidFill>
+                        </a:rPr>
+                        <a:t>0</a:t>
+                      </a:r>
+                      <a:endParaRPr lang="en-US" dirty="0">
+                        <a:solidFill>
+                          <a:schemeClr val="tx1"/>
+                        </a:solidFill>
+                      </a:endParaRPr>
+                    </a:p>
+                  </a:txBody>
+                  <a:tcPr/>
+                </a:tc>
+                <a:tc>
+                  <a:txBody>
+                    <a:bodyPr/>
+                    <a:lstStyle/>
+                    <a:p>
+                      <a:pPr algn="r"/>
+                      <a:r>
+                        <a:rPr lang="en-US" altLang="zh-CN" strike="noStrike" dirty="0">
+                          <a:solidFill>
+                            <a:schemeClr val="tx1"/>
+                          </a:solidFill>
+                        </a:rPr>
+                        <a:t>2</a:t>
+                      </a:r>
+                      <a:endParaRPr lang="en-US" strike="noStrike" dirty="0">
+                        <a:solidFill>
+                          <a:schemeClr val="tx1"/>
+                        </a:solidFill>
+                      </a:endParaRPr>
+                    </a:p>
+                  </a:txBody>
+                  <a:tcPr/>
+                </a:tc>
+                <a:tc>
+                  <a:txBody>
+                    <a:bodyPr/>
+                    <a:lstStyle/>
+                    <a:p>
+                      <a:pPr algn="r"/>
+                      <a:endParaRPr lang="en-US" dirty="0">
+                        <a:solidFill>
+                          <a:schemeClr val="tx1"/>
+                        </a:solidFill>
+                      </a:endParaRPr>
+                    </a:p>
+                  </a:txBody>
+                  <a:tcPr/>
+                </a:tc>
+                <a:tc>
+                  <a:txBody>
+                    <a:bodyPr/>
+                    <a:lstStyle/>
+                    <a:p>
+                      <a:pPr algn="r"/>
+                      <a:endParaRPr lang="en-US" dirty="0">
+                        <a:solidFill>
+                          <a:schemeClr val="tx1"/>
+                        </a:solidFill>
+                      </a:endParaRPr>
+                    </a:p>
+                  </a:txBody>
+                  <a:tcPr/>
+                </a:tc>
+                <a:extLst>
+                  <a:ext uri="{0D108BD9-81ED-4DB2-BD59-A6C34878D82A}">
+                    <a16:rowId xmlns:a16="http://schemas.microsoft.com/office/drawing/2014/main" val="2311278232"/>
+                  </a:ext>
+                </a:extLst>
+              </a:tr>
+              <a:tr h="0">
+                <a:tc>
+                  <a:txBody>
+                    <a:bodyPr/>
+                    <a:lstStyle/>
+                    <a:p>
+                      <a:pPr marL="0" marR="0" lvl="0" indent="0" algn="r" defTabSz="914400" rtl="0" eaLnBrk="1" fontAlgn="auto" latinLnBrk="0" hangingPunct="1">
+                        <a:lnSpc>
+                          <a:spcPct val="100000"/>
+                        </a:lnSpc>
+                        <a:spcBef>
+                          <a:spcPts val="0"/>
+                        </a:spcBef>
+                        <a:spcAft>
+                          <a:spcPts val="0"/>
+                        </a:spcAft>
+                        <a:buClrTx/>
+                        <a:buSzTx/>
+                        <a:buFontTx/>
+                        <a:buNone/>
+                        <a:tabLst/>
+                        <a:defRPr/>
+                      </a:pPr>
+                      <a:r>
+                        <a:rPr lang="en-US" altLang="zh-CN" dirty="0">
+                          <a:solidFill>
+                            <a:schemeClr val="tx1"/>
+                          </a:solidFill>
+                        </a:rPr>
+                        <a:t>2</a:t>
+                      </a:r>
+                      <a:endParaRPr lang="en-US" dirty="0">
+                        <a:solidFill>
+                          <a:schemeClr val="tx1"/>
+                        </a:solidFill>
+                      </a:endParaRPr>
+                    </a:p>
+                  </a:txBody>
+                  <a:tcPr/>
+                </a:tc>
+                <a:tc>
+                  <a:txBody>
+                    <a:bodyPr/>
+                    <a:lstStyle/>
+                    <a:p>
+                      <a:pPr algn="r"/>
+                      <a:r>
+                        <a:rPr lang="en-US" altLang="zh-CN" baseline="0" dirty="0">
+                          <a:solidFill>
+                            <a:schemeClr val="tx1"/>
+                          </a:solidFill>
+                        </a:rPr>
+                        <a:t>3</a:t>
+                      </a:r>
+                      <a:endParaRPr lang="en-US" baseline="0" dirty="0">
+                        <a:solidFill>
+                          <a:schemeClr val="tx1"/>
+                        </a:solidFill>
+                      </a:endParaRPr>
+                    </a:p>
+                  </a:txBody>
+                  <a:tcPr/>
+                </a:tc>
+                <a:tc>
+                  <a:txBody>
+                    <a:bodyPr/>
+                    <a:lstStyle/>
+                    <a:p>
+                      <a:pPr algn="r"/>
+                      <a:r>
+                        <a:rPr lang="en-US" altLang="zh-CN" dirty="0">
+                          <a:solidFill>
+                            <a:schemeClr val="tx1"/>
+                          </a:solidFill>
+                        </a:rPr>
+                        <a:t>1</a:t>
+                      </a:r>
+                      <a:endParaRPr lang="en-US" dirty="0">
+                        <a:solidFill>
+                          <a:schemeClr val="tx1"/>
+                        </a:solidFill>
+                      </a:endParaRPr>
+                    </a:p>
+                  </a:txBody>
+                  <a:tcPr/>
+                </a:tc>
+                <a:tc>
+                  <a:txBody>
+                    <a:bodyPr/>
+                    <a:lstStyle/>
+                    <a:p>
+                      <a:pPr algn="r"/>
+                      <a:endParaRPr lang="en-US" dirty="0">
+                        <a:solidFill>
+                          <a:schemeClr val="tx1"/>
+                        </a:solidFill>
+                      </a:endParaRPr>
+                    </a:p>
+                  </a:txBody>
+                  <a:tcPr/>
+                </a:tc>
+                <a:tc>
+                  <a:txBody>
+                    <a:bodyPr/>
+                    <a:lstStyle/>
+                    <a:p>
+                      <a:pPr algn="r"/>
+                      <a:endParaRPr lang="en-US" dirty="0">
+                        <a:solidFill>
+                          <a:schemeClr val="tx1"/>
+                        </a:solidFill>
+                      </a:endParaRPr>
+                    </a:p>
+                  </a:txBody>
+                  <a:tcPr/>
+                </a:tc>
+                <a:extLst>
+                  <a:ext uri="{0D108BD9-81ED-4DB2-BD59-A6C34878D82A}">
+                    <a16:rowId xmlns:a16="http://schemas.microsoft.com/office/drawing/2014/main" val="1749603488"/>
+                  </a:ext>
+                </a:extLst>
+              </a:tr>
+              <a:tr h="0">
+                <a:tc>
+                  <a:txBody>
+                    <a:bodyPr/>
+                    <a:lstStyle/>
+                    <a:p>
+                      <a:pPr marL="0" marR="0" lvl="0" indent="0" algn="r" defTabSz="914400" rtl="0" eaLnBrk="1" fontAlgn="auto" latinLnBrk="0" hangingPunct="1">
+                        <a:lnSpc>
+                          <a:spcPct val="100000"/>
+                        </a:lnSpc>
+                        <a:spcBef>
+                          <a:spcPts val="0"/>
+                        </a:spcBef>
+                        <a:spcAft>
+                          <a:spcPts val="0"/>
+                        </a:spcAft>
+                        <a:buClrTx/>
+                        <a:buSzTx/>
+                        <a:buFontTx/>
+                        <a:buNone/>
+                        <a:tabLst/>
+                        <a:defRPr/>
+                      </a:pPr>
+                      <a:r>
+                        <a:rPr lang="en-US" altLang="zh-CN" dirty="0">
+                          <a:solidFill>
+                            <a:schemeClr val="tx1"/>
+                          </a:solidFill>
+                        </a:rPr>
+                        <a:t>3</a:t>
+                      </a:r>
+                      <a:endParaRPr lang="en-US" dirty="0">
+                        <a:solidFill>
+                          <a:schemeClr val="tx1"/>
+                        </a:solidFill>
+                      </a:endParaRPr>
+                    </a:p>
+                  </a:txBody>
+                  <a:tcPr/>
+                </a:tc>
+                <a:tc>
+                  <a:txBody>
+                    <a:bodyPr/>
+                    <a:lstStyle/>
+                    <a:p>
+                      <a:pPr algn="r"/>
+                      <a:r>
+                        <a:rPr lang="en-US" altLang="zh-CN" dirty="0">
+                          <a:solidFill>
+                            <a:schemeClr val="tx1"/>
+                          </a:solidFill>
+                        </a:rPr>
+                        <a:t>5</a:t>
+                      </a:r>
+                      <a:endParaRPr lang="en-US" baseline="30000" dirty="0">
+                        <a:solidFill>
+                          <a:schemeClr val="tx1"/>
+                        </a:solidFill>
+                      </a:endParaRPr>
+                    </a:p>
+                  </a:txBody>
+                  <a:tcPr/>
+                </a:tc>
+                <a:tc>
+                  <a:txBody>
+                    <a:bodyPr/>
+                    <a:lstStyle/>
+                    <a:p>
+                      <a:pPr algn="r"/>
+                      <a:r>
+                        <a:rPr lang="en-US" altLang="zh-CN" dirty="0">
+                          <a:solidFill>
+                            <a:schemeClr val="tx1"/>
+                          </a:solidFill>
+                        </a:rPr>
+                        <a:t>6</a:t>
+                      </a:r>
+                      <a:endParaRPr lang="en-US" dirty="0">
+                        <a:solidFill>
+                          <a:schemeClr val="tx1"/>
+                        </a:solidFill>
+                      </a:endParaRPr>
+                    </a:p>
+                  </a:txBody>
+                  <a:tcPr/>
+                </a:tc>
+                <a:tc>
+                  <a:txBody>
+                    <a:bodyPr/>
+                    <a:lstStyle/>
+                    <a:p>
+                      <a:pPr algn="r"/>
+                      <a:endParaRPr lang="en-US" dirty="0">
+                        <a:solidFill>
+                          <a:schemeClr val="tx1"/>
+                        </a:solidFill>
+                      </a:endParaRPr>
+                    </a:p>
+                  </a:txBody>
+                  <a:tcPr/>
+                </a:tc>
+                <a:tc>
+                  <a:txBody>
+                    <a:bodyPr/>
+                    <a:lstStyle/>
+                    <a:p>
+                      <a:pPr algn="r"/>
+                      <a:endParaRPr lang="en-US" dirty="0">
+                        <a:solidFill>
+                          <a:schemeClr val="tx1"/>
+                        </a:solidFill>
+                      </a:endParaRPr>
+                    </a:p>
+                  </a:txBody>
+                  <a:tcPr/>
+                </a:tc>
+                <a:extLst>
+                  <a:ext uri="{0D108BD9-81ED-4DB2-BD59-A6C34878D82A}">
+                    <a16:rowId xmlns:a16="http://schemas.microsoft.com/office/drawing/2014/main" val="1233945708"/>
+                  </a:ext>
+                </a:extLst>
+              </a:tr>
+              <a:tr h="0">
+                <a:tc>
+                  <a:txBody>
+                    <a:bodyPr/>
+                    <a:lstStyle/>
+                    <a:p>
+                      <a:pPr algn="r"/>
+                      <a:endParaRPr lang="en-US" dirty="0">
+                        <a:solidFill>
+                          <a:schemeClr val="tx1"/>
+                        </a:solidFill>
+                      </a:endParaRPr>
+                    </a:p>
+                  </a:txBody>
+                  <a:tcPr/>
+                </a:tc>
+                <a:tc gridSpan="2">
+                  <a:txBody>
+                    <a:bodyPr/>
+                    <a:lstStyle/>
+                    <a:p>
+                      <a:pPr algn="r"/>
+                      <a:endParaRPr lang="en-US" dirty="0">
+                        <a:solidFill>
+                          <a:schemeClr val="tx1"/>
+                        </a:solidFill>
+                      </a:endParaRPr>
+                    </a:p>
+                  </a:txBody>
+                  <a:tcPr/>
+                </a:tc>
+                <a:tc hMerge="1">
+                  <a:txBody>
+                    <a:bodyPr/>
+                    <a:lstStyle/>
+                    <a:p>
+                      <a:r>
+                        <a:rPr lang="en-US" altLang="zh-CN" dirty="0"/>
+                        <a:t>Average</a:t>
+                      </a:r>
+                      <a:r>
+                        <a:rPr lang="zh-CN" altLang="en-US" dirty="0"/>
+                        <a:t> </a:t>
+                      </a:r>
+                      <a:r>
+                        <a:rPr lang="en-US" altLang="zh-CN" dirty="0"/>
+                        <a:t>Turnaround</a:t>
+                      </a:r>
+                      <a:endParaRPr lang="en-US" dirty="0"/>
+                    </a:p>
+                  </a:txBody>
+                  <a:tcPr/>
+                </a:tc>
+                <a:tc>
+                  <a:txBody>
+                    <a:bodyPr/>
+                    <a:lstStyle/>
+                    <a:p>
+                      <a:pPr algn="r"/>
+                      <a:endParaRPr lang="en-US" dirty="0">
+                        <a:solidFill>
+                          <a:schemeClr val="tx1"/>
+                        </a:solidFill>
+                      </a:endParaRPr>
+                    </a:p>
+                  </a:txBody>
+                  <a:tcPr/>
+                </a:tc>
+                <a:tc>
+                  <a:txBody>
+                    <a:bodyPr/>
+                    <a:lstStyle/>
+                    <a:p>
+                      <a:pPr algn="r"/>
+                      <a:r>
+                        <a:rPr lang="en-US" dirty="0">
+                          <a:solidFill>
+                            <a:schemeClr val="tx1"/>
+                          </a:solidFill>
+                        </a:rPr>
+                        <a:t>Avg RT</a:t>
+                      </a:r>
+                    </a:p>
+                  </a:txBody>
+                  <a:tcPr/>
+                </a:tc>
+                <a:extLst>
+                  <a:ext uri="{0D108BD9-81ED-4DB2-BD59-A6C34878D82A}">
+                    <a16:rowId xmlns:a16="http://schemas.microsoft.com/office/drawing/2014/main" val="2879113726"/>
+                  </a:ext>
+                </a:extLst>
+              </a:tr>
+            </a:tbl>
+          </a:graphicData>
+        </a:graphic>
+      </p:graphicFrame>
+    </p:spTree>
+    <p:extLst>
+      <p:ext uri="{BB962C8B-B14F-4D97-AF65-F5344CB8AC3E}">
+        <p14:creationId xmlns:p14="http://schemas.microsoft.com/office/powerpoint/2010/main" val="3597490601"/>
+      </p:ext>
+    </p:extLst>
+  </p:cSld>
+  <p:clrMapOvr>
+    <a:masterClrMapping/>
+  </p:clrMapOvr>
+  <p:transition/>
+</p:sld>
+</file>
+
+<file path=ppt/slides/slide11.xml><?xml version="1.0" encoding="utf-8"?>
+<p:sld xmlns:a="http://schemas.openxmlformats.org/drawingml/2006/main" xmlns:r="http://schemas.openxmlformats.org/officeDocument/2006/relationships" xmlns:p="http://schemas.openxmlformats.org/presentationml/2006/main">
+  <p:cSld>
+    <p:spTree>
+      <p:nvGrpSpPr>
         <p:cNvPr id="1" name="">
           <a:extLst>
             <a:ext uri="{FF2B5EF4-FFF2-40B4-BE49-F238E27FC236}">
@@ -5066,122 +5984,6 @@
       </p:graphicFrame>
       <p:sp>
         <p:nvSpPr>
-          <p:cNvPr id="11" name="文本框 10">
-            <a:extLst>
-              <a:ext uri="{FF2B5EF4-FFF2-40B4-BE49-F238E27FC236}">
-                <a16:creationId xmlns:a16="http://schemas.microsoft.com/office/drawing/2014/main" id="{108BCEE7-D40E-BDD6-0942-2F8A4779AAFE}"/>
-              </a:ext>
-            </a:extLst>
-          </p:cNvPr>
-          <p:cNvSpPr txBox="1"/>
-          <p:nvPr/>
-        </p:nvSpPr>
-        <p:spPr>
-          <a:xfrm>
-            <a:off x="5998668" y="7436332"/>
-            <a:ext cx="1031051" cy="369332"/>
-          </a:xfrm>
-          <a:prstGeom prst="rect">
-            <a:avLst/>
-          </a:prstGeom>
-          <a:noFill/>
-        </p:spPr>
-        <p:txBody>
-          <a:bodyPr wrap="none" rtlCol="0">
-            <a:spAutoFit/>
-          </a:bodyPr>
-          <a:lstStyle/>
-          <a:p>
-            <a:pPr defTabSz="457200" eaLnBrk="1" fontAlgn="auto" hangingPunct="1">
-              <a:spcBef>
-                <a:spcPts val="0"/>
-              </a:spcBef>
-              <a:spcAft>
-                <a:spcPts val="0"/>
-              </a:spcAft>
-            </a:pPr>
-            <a:r>
-              <a:rPr lang="en-US" altLang="zh-CN" b="0" dirty="0">
-                <a:solidFill>
-                  <a:srgbClr val="000000"/>
-                </a:solidFill>
-                <a:latin typeface="Arial" panose="020B0604020202020204"/>
-                <a:ea typeface="黑体" panose="02010609060101010101" pitchFamily="49" charset="-122"/>
-                <a:cs typeface="+mn-cs"/>
-              </a:rPr>
-              <a:t>B arrival</a:t>
-            </a:r>
-            <a:endParaRPr lang="en-US" b="0" dirty="0">
-              <a:solidFill>
-                <a:srgbClr val="000000"/>
-              </a:solidFill>
-              <a:latin typeface="Arial" panose="020B0604020202020204"/>
-              <a:ea typeface="+mn-ea"/>
-              <a:cs typeface="+mn-cs"/>
-            </a:endParaRPr>
-          </a:p>
-        </p:txBody>
-      </p:sp>
-      <p:sp>
-        <p:nvSpPr>
-          <p:cNvPr id="42" name="文本框 10">
-            <a:extLst>
-              <a:ext uri="{FF2B5EF4-FFF2-40B4-BE49-F238E27FC236}">
-                <a16:creationId xmlns:a16="http://schemas.microsoft.com/office/drawing/2014/main" id="{4ADD59B3-3E65-AA0D-BC0D-FCC84BEADF3F}"/>
-              </a:ext>
-            </a:extLst>
-          </p:cNvPr>
-          <p:cNvSpPr txBox="1"/>
-          <p:nvPr/>
-        </p:nvSpPr>
-        <p:spPr>
-          <a:xfrm>
-            <a:off x="7000409" y="7436332"/>
-            <a:ext cx="1043876" cy="369332"/>
-          </a:xfrm>
-          <a:prstGeom prst="rect">
-            <a:avLst/>
-          </a:prstGeom>
-          <a:noFill/>
-        </p:spPr>
-        <p:txBody>
-          <a:bodyPr wrap="none" rtlCol="0">
-            <a:spAutoFit/>
-          </a:bodyPr>
-          <a:lstStyle/>
-          <a:p>
-            <a:pPr defTabSz="457200" eaLnBrk="1" fontAlgn="auto" hangingPunct="1">
-              <a:spcBef>
-                <a:spcPts val="0"/>
-              </a:spcBef>
-              <a:spcAft>
-                <a:spcPts val="0"/>
-              </a:spcAft>
-            </a:pPr>
-            <a:r>
-              <a:rPr lang="en-US" altLang="zh-CN" b="0" dirty="0">
-                <a:solidFill>
-                  <a:srgbClr val="000000"/>
-                </a:solidFill>
-                <a:latin typeface="Arial" panose="020B0604020202020204"/>
-                <a:ea typeface="黑体" panose="02010609060101010101" pitchFamily="49" charset="-122"/>
-                <a:cs typeface="+mn-cs"/>
-              </a:rPr>
-              <a:t>C arrival</a:t>
-            </a:r>
-            <a:endParaRPr lang="en-US" b="0" dirty="0">
-              <a:solidFill>
-                <a:srgbClr val="000000"/>
-              </a:solidFill>
-              <a:latin typeface="Arial" panose="020B0604020202020204"/>
-              <a:ea typeface="+mn-ea"/>
-              <a:cs typeface="+mn-cs"/>
-            </a:endParaRPr>
-          </a:p>
-        </p:txBody>
-      </p:sp>
-      <p:sp>
-        <p:nvSpPr>
           <p:cNvPr id="36" name="Content Placeholder 2">
             <a:extLst>
               <a:ext uri="{FF2B5EF4-FFF2-40B4-BE49-F238E27FC236}">
@@ -5282,7 +6084,7 @@
           </a:ln>
           <a:extLst>
             <a:ext uri="{AF507438-7753-43e0-B8FC-AC1667EBCBE1}">
-              <a14:hiddenEffects xmlns:a14="http://schemas.microsoft.com/office/drawing/2010/main" xmlns="">
+              <a14:hiddenEffects xmlns="" xmlns:a14="http://schemas.microsoft.com/office/drawing/2010/main">
                 <a:effectLst>
                   <a:outerShdw dist="35921" dir="2700000" algn="ctr" rotWithShape="0">
                     <a:schemeClr val="bg2"/>
@@ -5390,7 +6192,7 @@
           </a:ln>
           <a:extLst>
             <a:ext uri="{AF507438-7753-43e0-B8FC-AC1667EBCBE1}">
-              <a14:hiddenEffects xmlns:a14="http://schemas.microsoft.com/office/drawing/2010/main" xmlns="">
+              <a14:hiddenEffects xmlns="" xmlns:a14="http://schemas.microsoft.com/office/drawing/2010/main">
                 <a:effectLst>
                   <a:outerShdw dist="35921" dir="2700000" algn="ctr" rotWithShape="0">
                     <a:schemeClr val="bg2"/>
@@ -5500,7 +6302,7 @@
           </a:ln>
           <a:extLst>
             <a:ext uri="{AF507438-7753-43e0-B8FC-AC1667EBCBE1}">
-              <a14:hiddenEffects xmlns:a14="http://schemas.microsoft.com/office/drawing/2010/main" xmlns="">
+              <a14:hiddenEffects xmlns="" xmlns:a14="http://schemas.microsoft.com/office/drawing/2010/main">
                 <a:effectLst>
                   <a:outerShdw dist="35921" dir="2700000" algn="ctr" rotWithShape="0">
                     <a:schemeClr val="bg2"/>
@@ -5586,119 +6388,10 @@
     <a:masterClrMapping/>
   </p:clrMapOvr>
   <p:transition/>
-  <p:timing>
-    <p:tnLst>
-      <p:par>
-        <p:cTn id="1" dur="indefinite" restart="never" nodeType="tmRoot">
-          <p:childTnLst>
-            <p:seq concurrent="1" nextAc="seek">
-              <p:cTn id="2" dur="indefinite" nodeType="mainSeq">
-                <p:childTnLst>
-                  <p:par>
-                    <p:cTn id="3" fill="hold">
-                      <p:stCondLst>
-                        <p:cond delay="indefinite"/>
-                        <p:cond evt="onBegin" delay="0">
-                          <p:tn val="2"/>
-                        </p:cond>
-                      </p:stCondLst>
-                      <p:childTnLst>
-                        <p:par>
-                          <p:cTn id="4" fill="hold">
-                            <p:stCondLst>
-                              <p:cond delay="0"/>
-                            </p:stCondLst>
-                            <p:childTnLst>
-                              <p:par>
-                                <p:cTn id="5" presetID="1" presetClass="entr" presetSubtype="0" fill="hold" grpId="0" nodeType="withEffect">
-                                  <p:stCondLst>
-                                    <p:cond delay="0"/>
-                                  </p:stCondLst>
-                                  <p:childTnLst>
-                                    <p:set>
-                                      <p:cBhvr>
-                                        <p:cTn id="6" dur="1" fill="hold">
-                                          <p:stCondLst>
-                                            <p:cond delay="0"/>
-                                          </p:stCondLst>
-                                        </p:cTn>
-                                        <p:tgtEl>
-                                          <p:spTgt spid="11"/>
-                                        </p:tgtEl>
-                                        <p:attrNameLst>
-                                          <p:attrName>style.visibility</p:attrName>
-                                        </p:attrNameLst>
-                                      </p:cBhvr>
-                                      <p:to>
-                                        <p:strVal val="visible"/>
-                                      </p:to>
-                                    </p:set>
-                                  </p:childTnLst>
-                                </p:cTn>
-                              </p:par>
-                              <p:par>
-                                <p:cTn id="7" presetID="1" presetClass="entr" presetSubtype="0" fill="hold" grpId="0" nodeType="withEffect">
-                                  <p:stCondLst>
-                                    <p:cond delay="0"/>
-                                  </p:stCondLst>
-                                  <p:childTnLst>
-                                    <p:set>
-                                      <p:cBhvr>
-                                        <p:cTn id="8" dur="1" fill="hold">
-                                          <p:stCondLst>
-                                            <p:cond delay="0"/>
-                                          </p:stCondLst>
-                                        </p:cTn>
-                                        <p:tgtEl>
-                                          <p:spTgt spid="42"/>
-                                        </p:tgtEl>
-                                        <p:attrNameLst>
-                                          <p:attrName>style.visibility</p:attrName>
-                                        </p:attrNameLst>
-                                      </p:cBhvr>
-                                      <p:to>
-                                        <p:strVal val="visible"/>
-                                      </p:to>
-                                    </p:set>
-                                  </p:childTnLst>
-                                </p:cTn>
-                              </p:par>
-                            </p:childTnLst>
-                          </p:cTn>
-                        </p:par>
-                      </p:childTnLst>
-                    </p:cTn>
-                  </p:par>
-                </p:childTnLst>
-              </p:cTn>
-              <p:prevCondLst>
-                <p:cond evt="onPrev" delay="0">
-                  <p:tgtEl>
-                    <p:sldTgt/>
-                  </p:tgtEl>
-                </p:cond>
-              </p:prevCondLst>
-              <p:nextCondLst>
-                <p:cond evt="onNext" delay="0">
-                  <p:tgtEl>
-                    <p:sldTgt/>
-                  </p:tgtEl>
-                </p:cond>
-              </p:nextCondLst>
-            </p:seq>
-          </p:childTnLst>
-        </p:cTn>
-      </p:par>
-    </p:tnLst>
-    <p:bldLst>
-      <p:bldP spid="11" grpId="0"/>
-      <p:bldP spid="42" grpId="0"/>
-    </p:bldLst>
-  </p:timing>
 </p:sld>
 </file>
 
-<file path=ppt/slides/slide11.xml><?xml version="1.0" encoding="utf-8"?>
+<file path=ppt/slides/slide12.xml><?xml version="1.0" encoding="utf-8"?>
 <p:sld xmlns:a="http://schemas.openxmlformats.org/drawingml/2006/main" xmlns:r="http://schemas.openxmlformats.org/officeDocument/2006/relationships" xmlns:p="http://schemas.openxmlformats.org/presentationml/2006/main">
   <p:cSld>
     <p:spTree>
@@ -5767,7 +6460,7 @@
           <a:p>
             <a:r>
               <a:rPr lang="en-GB" dirty="0"/>
-              <a:t>Consider the set of 4 processes whose arrival time and CPU/IO burst times are given below. If the CPU scheduling policy is </a:t>
+              <a:t>Consider the set of 3 processes whose arrival time and CPU/IO burst times are given below. If the CPU scheduling policy is </a:t>
             </a:r>
             <a:r>
               <a:rPr lang="en-GB" b="1" dirty="0"/>
@@ -6508,7 +7201,7 @@
 </p:sld>
 </file>
 
-<file path=ppt/slides/slide12.xml><?xml version="1.0" encoding="utf-8"?>
+<file path=ppt/slides/slide13.xml><?xml version="1.0" encoding="utf-8"?>
 <p:sld xmlns:a="http://schemas.openxmlformats.org/drawingml/2006/main" xmlns:r="http://schemas.openxmlformats.org/officeDocument/2006/relationships" xmlns:p="http://schemas.openxmlformats.org/presentationml/2006/main">
   <p:cSld>
     <p:spTree>
@@ -7877,7 +8570,7 @@
           </a:ln>
           <a:extLst>
             <a:ext uri="{AF507438-7753-43e0-B8FC-AC1667EBCBE1}">
-              <a14:hiddenEffects xmlns:a14="http://schemas.microsoft.com/office/drawing/2010/main" xmlns="">
+              <a14:hiddenEffects xmlns="" xmlns:a14="http://schemas.microsoft.com/office/drawing/2010/main">
                 <a:effectLst>
                   <a:outerShdw dist="35921" dir="2700000" algn="ctr" rotWithShape="0">
                     <a:schemeClr val="bg2"/>
@@ -7966,7 +8659,7 @@
 </p:sld>
 </file>
 
-<file path=ppt/slides/slide13.xml><?xml version="1.0" encoding="utf-8"?>
+<file path=ppt/slides/slide14.xml><?xml version="1.0" encoding="utf-8"?>
 <p:sld xmlns:a="http://schemas.openxmlformats.org/drawingml/2006/main" xmlns:r="http://schemas.openxmlformats.org/officeDocument/2006/relationships" xmlns:p="http://schemas.openxmlformats.org/presentationml/2006/main">
   <p:cSld>
     <p:spTree>
@@ -8041,7 +8734,7 @@
           <a:p>
             <a:r>
               <a:rPr lang="en-GB" dirty="0"/>
-              <a:t>Consider the set of 4 processes whose arrival time and CPU/IO burst times are given below. If the CPU scheduling policy is </a:t>
+              <a:t>Consider the set of 3 processes whose arrival time and CPU/IO burst times are given below. If the CPU scheduling policy is </a:t>
             </a:r>
             <a:r>
               <a:rPr lang="en-GB" b="1" dirty="0"/>
@@ -8856,7 +9549,7 @@
 </p:sld>
 </file>
 
-<file path=ppt/slides/slide14.xml><?xml version="1.0" encoding="utf-8"?>
+<file path=ppt/slides/slide15.xml><?xml version="1.0" encoding="utf-8"?>
 <p:sld xmlns:a="http://schemas.openxmlformats.org/drawingml/2006/main" xmlns:r="http://schemas.openxmlformats.org/officeDocument/2006/relationships" xmlns:p="http://schemas.openxmlformats.org/presentationml/2006/main">
   <p:cSld>
     <p:spTree>
@@ -9985,7 +10678,7 @@
         </p:blipFill>
         <p:spPr>
           <a:xfrm>
-            <a:off x="2057400" y="3098489"/>
+            <a:off x="368967" y="3106509"/>
             <a:ext cx="7757310" cy="3708222"/>
           </a:xfrm>
           <a:prstGeom prst="rect">
@@ -10007,7 +10700,7 @@
         </p:nvSpPr>
         <p:spPr>
           <a:xfrm>
-            <a:off x="5181600" y="4079452"/>
+            <a:off x="3493167" y="4087472"/>
             <a:ext cx="417102" cy="369332"/>
           </a:xfrm>
           <a:prstGeom prst="rect">
@@ -10053,7 +10746,7 @@
         </p:nvSpPr>
         <p:spPr>
           <a:xfrm>
-            <a:off x="7656096" y="4395172"/>
+            <a:off x="5967663" y="4403192"/>
             <a:ext cx="417102" cy="369332"/>
           </a:xfrm>
           <a:prstGeom prst="rect">
@@ -10099,7 +10792,7 @@
         </p:nvSpPr>
         <p:spPr>
           <a:xfrm>
-            <a:off x="6541168" y="6031832"/>
+            <a:off x="4852735" y="6039852"/>
             <a:ext cx="417102" cy="369332"/>
           </a:xfrm>
           <a:prstGeom prst="rect">
@@ -10147,7 +10840,7 @@
         </p:nvCxnSpPr>
         <p:spPr bwMode="auto">
           <a:xfrm flipV="1">
-            <a:off x="2209800" y="3963329"/>
+            <a:off x="521367" y="3971349"/>
             <a:ext cx="0" cy="485455"/>
           </a:xfrm>
           <a:prstGeom prst="straightConnector1">
@@ -10164,7 +10857,7 @@
           </a:ln>
           <a:extLst>
             <a:ext uri="{AF507438-7753-43e0-B8FC-AC1667EBCBE1}">
-              <a14:hiddenEffects xmlns:a14="http://schemas.microsoft.com/office/drawing/2010/main" xmlns="">
+              <a14:hiddenEffects xmlns="" xmlns:a14="http://schemas.microsoft.com/office/drawing/2010/main">
                 <a:effectLst>
                   <a:outerShdw dist="35921" dir="2700000" algn="ctr" rotWithShape="0">
                     <a:schemeClr val="bg2"/>
@@ -10203,7 +10896,7 @@
         </p:nvSpPr>
         <p:spPr>
           <a:xfrm>
-            <a:off x="1672391" y="4395172"/>
+            <a:off x="-16042" y="4403192"/>
             <a:ext cx="1013867" cy="369332"/>
           </a:xfrm>
           <a:prstGeom prst="rect">
@@ -10255,7 +10948,7 @@
         </p:nvCxnSpPr>
         <p:spPr bwMode="auto">
           <a:xfrm flipV="1">
-            <a:off x="3909505" y="3952661"/>
+            <a:off x="2221072" y="3960681"/>
             <a:ext cx="0" cy="485455"/>
           </a:xfrm>
           <a:prstGeom prst="straightConnector1">
@@ -10272,7 +10965,7 @@
           </a:ln>
           <a:extLst>
             <a:ext uri="{AF507438-7753-43e0-B8FC-AC1667EBCBE1}">
-              <a14:hiddenEffects xmlns:a14="http://schemas.microsoft.com/office/drawing/2010/main" xmlns="">
+              <a14:hiddenEffects xmlns="" xmlns:a14="http://schemas.microsoft.com/office/drawing/2010/main">
                 <a:effectLst>
                   <a:outerShdw dist="35921" dir="2700000" algn="ctr" rotWithShape="0">
                     <a:schemeClr val="bg2"/>
@@ -10311,7 +11004,7 @@
         </p:nvSpPr>
         <p:spPr>
           <a:xfrm>
-            <a:off x="3372096" y="4384504"/>
+            <a:off x="1683663" y="4392524"/>
             <a:ext cx="1013867" cy="369332"/>
           </a:xfrm>
           <a:prstGeom prst="rect">
@@ -10363,7 +11056,7 @@
         </p:nvCxnSpPr>
         <p:spPr bwMode="auto">
           <a:xfrm flipV="1">
-            <a:off x="4719162" y="4021950"/>
+            <a:off x="3030729" y="4029970"/>
             <a:ext cx="0" cy="485455"/>
           </a:xfrm>
           <a:prstGeom prst="straightConnector1">
@@ -10380,7 +11073,7 @@
           </a:ln>
           <a:extLst>
             <a:ext uri="{AF507438-7753-43e0-B8FC-AC1667EBCBE1}">
-              <a14:hiddenEffects xmlns:a14="http://schemas.microsoft.com/office/drawing/2010/main" xmlns="">
+              <a14:hiddenEffects xmlns="" xmlns:a14="http://schemas.microsoft.com/office/drawing/2010/main">
                 <a:effectLst>
                   <a:outerShdw dist="35921" dir="2700000" algn="ctr" rotWithShape="0">
                     <a:schemeClr val="bg2"/>
@@ -10419,7 +11112,7 @@
         </p:nvSpPr>
         <p:spPr>
           <a:xfrm>
-            <a:off x="4162244" y="4587278"/>
+            <a:off x="2473811" y="4595298"/>
             <a:ext cx="1013867" cy="369332"/>
           </a:xfrm>
           <a:prstGeom prst="rect">
@@ -10452,6 +11145,59 @@
               </a:solidFill>
               <a:latin typeface="Gill Sans Light"/>
             </a:endParaRPr>
+          </a:p>
+        </p:txBody>
+      </p:sp>
+      <p:sp>
+        <p:nvSpPr>
+          <p:cNvPr id="3" name="Content Placeholder 2">
+            <a:extLst>
+              <a:ext uri="{FF2B5EF4-FFF2-40B4-BE49-F238E27FC236}">
+                <a16:creationId xmlns:a16="http://schemas.microsoft.com/office/drawing/2014/main" id="{2E0BCE77-CEF0-E37B-CD3F-9F0F08413A90}"/>
+              </a:ext>
+            </a:extLst>
+          </p:cNvPr>
+          <p:cNvSpPr>
+            <a:spLocks noGrp="1"/>
+          </p:cNvSpPr>
+          <p:nvPr>
+            <p:ph idx="1"/>
+          </p:nvPr>
+        </p:nvSpPr>
+        <p:spPr>
+          <a:xfrm>
+            <a:off x="8394038" y="3306775"/>
+            <a:ext cx="3654568" cy="3322625"/>
+          </a:xfrm>
+        </p:spPr>
+        <p:style>
+          <a:lnRef idx="1">
+            <a:schemeClr val="dk1"/>
+          </a:lnRef>
+          <a:fillRef idx="2">
+            <a:schemeClr val="dk1"/>
+          </a:fillRef>
+          <a:effectRef idx="1">
+            <a:schemeClr val="dk1"/>
+          </a:effectRef>
+          <a:fontRef idx="minor">
+            <a:schemeClr val="dk1"/>
+          </a:fontRef>
+        </p:style>
+        <p:txBody>
+          <a:bodyPr>
+            <a:normAutofit lnSpcReduction="10000"/>
+          </a:bodyPr>
+          <a:lstStyle/>
+          <a:p>
+            <a:pPr marL="0" indent="0">
+              <a:buNone/>
+            </a:pPr>
+            <a:r>
+              <a:rPr lang="en-GB" sz="2400" dirty="0"/>
+              <a:t>For fixed-priority scheduling, draw the Gantt chart starting from highest priority process and go down to the lowest priority (first P3, then P1, then P2). Schedule CPU bursts of lower priority processes in the remaining time slots that are left over by higher priority processes.</a:t>
+            </a:r>
+            <a:endParaRPr lang="en-SE" sz="2400" dirty="0"/>
           </a:p>
         </p:txBody>
       </p:sp>
@@ -11178,15 +11924,7 @@
             </a:r>
             <a:r>
               <a:rPr lang="en-GB" dirty="0"/>
-              <a:t>under 4 policies: First Come First Serve (FCFS), Shortest Job First (SJF), Shortest-Remaining-Time-First (SRTF), Round-Robin (RR) with </a:t>
-            </a:r>
-            <a:r>
-              <a:rPr lang="en-GB" dirty="0" err="1"/>
-              <a:t>timeslice</a:t>
-            </a:r>
-            <a:r>
-              <a:rPr lang="en-GB" dirty="0"/>
-              <a:t> quantum = 1. Assume that context switch overhead is 0. For RR, assume that an arriving process is scheduled to run at the beginning of its arrival time, i.e., it is added to the head of the queue upon arrival. </a:t>
+              <a:t>under 4 policies: First Come First Serve (FCFS), Shortest Job First (SJF), Shortest-Remaining-Time-First (SRTF), Round-Robin (RR) with time quantum = 1. Assume that context switch overhead is 0. For RR, assume that an arriving process is scheduled to run at the beginning of its arrival time, i.e., it is added to the head of the queue upon arrival. </a:t>
             </a:r>
           </a:p>
           <a:p>
@@ -12626,122 +13364,6 @@
           </a:graphicData>
         </a:graphic>
       </p:graphicFrame>
-      <p:sp>
-        <p:nvSpPr>
-          <p:cNvPr id="11" name="文本框 10">
-            <a:extLst>
-              <a:ext uri="{FF2B5EF4-FFF2-40B4-BE49-F238E27FC236}">
-                <a16:creationId xmlns:a16="http://schemas.microsoft.com/office/drawing/2014/main" id="{7B95E552-BB9C-9DD5-CCC3-40AA06825068}"/>
-              </a:ext>
-            </a:extLst>
-          </p:cNvPr>
-          <p:cNvSpPr txBox="1"/>
-          <p:nvPr/>
-        </p:nvSpPr>
-        <p:spPr>
-          <a:xfrm>
-            <a:off x="4942626" y="7629372"/>
-            <a:ext cx="1031051" cy="369332"/>
-          </a:xfrm>
-          <a:prstGeom prst="rect">
-            <a:avLst/>
-          </a:prstGeom>
-          <a:noFill/>
-        </p:spPr>
-        <p:txBody>
-          <a:bodyPr wrap="none" rtlCol="0">
-            <a:spAutoFit/>
-          </a:bodyPr>
-          <a:lstStyle/>
-          <a:p>
-            <a:pPr defTabSz="457200" eaLnBrk="1" fontAlgn="auto" hangingPunct="1">
-              <a:spcBef>
-                <a:spcPts val="0"/>
-              </a:spcBef>
-              <a:spcAft>
-                <a:spcPts val="0"/>
-              </a:spcAft>
-            </a:pPr>
-            <a:r>
-              <a:rPr lang="en-US" altLang="zh-CN" b="0" dirty="0">
-                <a:solidFill>
-                  <a:srgbClr val="000000"/>
-                </a:solidFill>
-                <a:latin typeface="Arial" panose="020B0604020202020204"/>
-                <a:ea typeface="黑体" panose="02010609060101010101" pitchFamily="49" charset="-122"/>
-                <a:cs typeface="+mn-cs"/>
-              </a:rPr>
-              <a:t>B arrival</a:t>
-            </a:r>
-            <a:endParaRPr lang="en-US" b="0" dirty="0">
-              <a:solidFill>
-                <a:srgbClr val="000000"/>
-              </a:solidFill>
-              <a:latin typeface="Arial" panose="020B0604020202020204"/>
-              <a:ea typeface="+mn-ea"/>
-              <a:cs typeface="+mn-cs"/>
-            </a:endParaRPr>
-          </a:p>
-        </p:txBody>
-      </p:sp>
-      <p:sp>
-        <p:nvSpPr>
-          <p:cNvPr id="42" name="文本框 10">
-            <a:extLst>
-              <a:ext uri="{FF2B5EF4-FFF2-40B4-BE49-F238E27FC236}">
-                <a16:creationId xmlns:a16="http://schemas.microsoft.com/office/drawing/2014/main" id="{2193EE09-BEED-D6C1-361A-A16E6E3D7CBF}"/>
-              </a:ext>
-            </a:extLst>
-          </p:cNvPr>
-          <p:cNvSpPr txBox="1"/>
-          <p:nvPr/>
-        </p:nvSpPr>
-        <p:spPr>
-          <a:xfrm>
-            <a:off x="5944367" y="7629372"/>
-            <a:ext cx="1043876" cy="369332"/>
-          </a:xfrm>
-          <a:prstGeom prst="rect">
-            <a:avLst/>
-          </a:prstGeom>
-          <a:noFill/>
-        </p:spPr>
-        <p:txBody>
-          <a:bodyPr wrap="none" rtlCol="0">
-            <a:spAutoFit/>
-          </a:bodyPr>
-          <a:lstStyle/>
-          <a:p>
-            <a:pPr defTabSz="457200" eaLnBrk="1" fontAlgn="auto" hangingPunct="1">
-              <a:spcBef>
-                <a:spcPts val="0"/>
-              </a:spcBef>
-              <a:spcAft>
-                <a:spcPts val="0"/>
-              </a:spcAft>
-            </a:pPr>
-            <a:r>
-              <a:rPr lang="en-US" altLang="zh-CN" b="0" dirty="0">
-                <a:solidFill>
-                  <a:srgbClr val="000000"/>
-                </a:solidFill>
-                <a:latin typeface="Arial" panose="020B0604020202020204"/>
-                <a:ea typeface="黑体" panose="02010609060101010101" pitchFamily="49" charset="-122"/>
-                <a:cs typeface="+mn-cs"/>
-              </a:rPr>
-              <a:t>C arrival</a:t>
-            </a:r>
-            <a:endParaRPr lang="en-US" b="0" dirty="0">
-              <a:solidFill>
-                <a:srgbClr val="000000"/>
-              </a:solidFill>
-              <a:latin typeface="Arial" panose="020B0604020202020204"/>
-              <a:ea typeface="+mn-ea"/>
-              <a:cs typeface="+mn-cs"/>
-            </a:endParaRPr>
-          </a:p>
-        </p:txBody>
-      </p:sp>
       <p:graphicFrame>
         <p:nvGraphicFramePr>
           <p:cNvPr id="32" name="Table 31">
@@ -13735,115 +14357,6 @@
     <a:masterClrMapping/>
   </p:clrMapOvr>
   <p:transition/>
-  <p:timing>
-    <p:tnLst>
-      <p:par>
-        <p:cTn id="1" dur="indefinite" restart="never" nodeType="tmRoot">
-          <p:childTnLst>
-            <p:seq concurrent="1" nextAc="seek">
-              <p:cTn id="2" dur="indefinite" nodeType="mainSeq">
-                <p:childTnLst>
-                  <p:par>
-                    <p:cTn id="3" fill="hold">
-                      <p:stCondLst>
-                        <p:cond delay="indefinite"/>
-                        <p:cond evt="onBegin" delay="0">
-                          <p:tn val="2"/>
-                        </p:cond>
-                      </p:stCondLst>
-                      <p:childTnLst>
-                        <p:par>
-                          <p:cTn id="4" fill="hold">
-                            <p:stCondLst>
-                              <p:cond delay="0"/>
-                            </p:stCondLst>
-                            <p:childTnLst>
-                              <p:par>
-                                <p:cTn id="5" presetID="1" presetClass="entr" presetSubtype="0" fill="hold" grpId="0" nodeType="withEffect">
-                                  <p:stCondLst>
-                                    <p:cond delay="0"/>
-                                  </p:stCondLst>
-                                  <p:childTnLst>
-                                    <p:set>
-                                      <p:cBhvr>
-                                        <p:cTn id="6" dur="1" fill="hold">
-                                          <p:stCondLst>
-                                            <p:cond delay="0"/>
-                                          </p:stCondLst>
-                                        </p:cTn>
-                                        <p:tgtEl>
-                                          <p:spTgt spid="11"/>
-                                        </p:tgtEl>
-                                        <p:attrNameLst>
-                                          <p:attrName>style.visibility</p:attrName>
-                                        </p:attrNameLst>
-                                      </p:cBhvr>
-                                      <p:to>
-                                        <p:strVal val="visible"/>
-                                      </p:to>
-                                    </p:set>
-                                  </p:childTnLst>
-                                </p:cTn>
-                              </p:par>
-                              <p:par>
-                                <p:cTn id="7" presetID="1" presetClass="entr" presetSubtype="0" fill="hold" grpId="0" nodeType="withEffect">
-                                  <p:stCondLst>
-                                    <p:cond delay="0"/>
-                                  </p:stCondLst>
-                                  <p:childTnLst>
-                                    <p:set>
-                                      <p:cBhvr>
-                                        <p:cTn id="8" dur="1" fill="hold">
-                                          <p:stCondLst>
-                                            <p:cond delay="0"/>
-                                          </p:stCondLst>
-                                        </p:cTn>
-                                        <p:tgtEl>
-                                          <p:spTgt spid="42"/>
-                                        </p:tgtEl>
-                                        <p:attrNameLst>
-                                          <p:attrName>style.visibility</p:attrName>
-                                        </p:attrNameLst>
-                                      </p:cBhvr>
-                                      <p:to>
-                                        <p:strVal val="visible"/>
-                                      </p:to>
-                                    </p:set>
-                                  </p:childTnLst>
-                                </p:cTn>
-                              </p:par>
-                            </p:childTnLst>
-                          </p:cTn>
-                        </p:par>
-                      </p:childTnLst>
-                    </p:cTn>
-                  </p:par>
-                </p:childTnLst>
-              </p:cTn>
-              <p:prevCondLst>
-                <p:cond evt="onPrev" delay="0">
-                  <p:tgtEl>
-                    <p:sldTgt/>
-                  </p:tgtEl>
-                </p:cond>
-              </p:prevCondLst>
-              <p:nextCondLst>
-                <p:cond evt="onNext" delay="0">
-                  <p:tgtEl>
-                    <p:sldTgt/>
-                  </p:tgtEl>
-                </p:cond>
-              </p:nextCondLst>
-            </p:seq>
-          </p:childTnLst>
-        </p:cTn>
-      </p:par>
-    </p:tnLst>
-    <p:bldLst>
-      <p:bldP spid="11" grpId="0"/>
-      <p:bldP spid="42" grpId="0"/>
-    </p:bldLst>
-  </p:timing>
 </p:sld>
 </file>
 
@@ -15340,122 +15853,6 @@
           </a:graphicData>
         </a:graphic>
       </p:graphicFrame>
-      <p:sp>
-        <p:nvSpPr>
-          <p:cNvPr id="11" name="文本框 10">
-            <a:extLst>
-              <a:ext uri="{FF2B5EF4-FFF2-40B4-BE49-F238E27FC236}">
-                <a16:creationId xmlns:a16="http://schemas.microsoft.com/office/drawing/2014/main" id="{497E2242-97E2-A443-5AC8-A038E760CE0A}"/>
-              </a:ext>
-            </a:extLst>
-          </p:cNvPr>
-          <p:cNvSpPr txBox="1"/>
-          <p:nvPr/>
-        </p:nvSpPr>
-        <p:spPr>
-          <a:xfrm>
-            <a:off x="4942626" y="7629372"/>
-            <a:ext cx="1031051" cy="369332"/>
-          </a:xfrm>
-          <a:prstGeom prst="rect">
-            <a:avLst/>
-          </a:prstGeom>
-          <a:noFill/>
-        </p:spPr>
-        <p:txBody>
-          <a:bodyPr wrap="none" rtlCol="0">
-            <a:spAutoFit/>
-          </a:bodyPr>
-          <a:lstStyle/>
-          <a:p>
-            <a:pPr defTabSz="457200" eaLnBrk="1" fontAlgn="auto" hangingPunct="1">
-              <a:spcBef>
-                <a:spcPts val="0"/>
-              </a:spcBef>
-              <a:spcAft>
-                <a:spcPts val="0"/>
-              </a:spcAft>
-            </a:pPr>
-            <a:r>
-              <a:rPr lang="en-US" altLang="zh-CN" b="0" dirty="0">
-                <a:solidFill>
-                  <a:srgbClr val="000000"/>
-                </a:solidFill>
-                <a:latin typeface="Arial" panose="020B0604020202020204"/>
-                <a:ea typeface="黑体" panose="02010609060101010101" pitchFamily="49" charset="-122"/>
-                <a:cs typeface="+mn-cs"/>
-              </a:rPr>
-              <a:t>B arrival</a:t>
-            </a:r>
-            <a:endParaRPr lang="en-US" b="0" dirty="0">
-              <a:solidFill>
-                <a:srgbClr val="000000"/>
-              </a:solidFill>
-              <a:latin typeface="Arial" panose="020B0604020202020204"/>
-              <a:ea typeface="+mn-ea"/>
-              <a:cs typeface="+mn-cs"/>
-            </a:endParaRPr>
-          </a:p>
-        </p:txBody>
-      </p:sp>
-      <p:sp>
-        <p:nvSpPr>
-          <p:cNvPr id="42" name="文本框 10">
-            <a:extLst>
-              <a:ext uri="{FF2B5EF4-FFF2-40B4-BE49-F238E27FC236}">
-                <a16:creationId xmlns:a16="http://schemas.microsoft.com/office/drawing/2014/main" id="{FC0DA23B-6382-934C-FA03-3A309312BDBF}"/>
-              </a:ext>
-            </a:extLst>
-          </p:cNvPr>
-          <p:cNvSpPr txBox="1"/>
-          <p:nvPr/>
-        </p:nvSpPr>
-        <p:spPr>
-          <a:xfrm>
-            <a:off x="5944367" y="7629372"/>
-            <a:ext cx="1043876" cy="369332"/>
-          </a:xfrm>
-          <a:prstGeom prst="rect">
-            <a:avLst/>
-          </a:prstGeom>
-          <a:noFill/>
-        </p:spPr>
-        <p:txBody>
-          <a:bodyPr wrap="none" rtlCol="0">
-            <a:spAutoFit/>
-          </a:bodyPr>
-          <a:lstStyle/>
-          <a:p>
-            <a:pPr defTabSz="457200" eaLnBrk="1" fontAlgn="auto" hangingPunct="1">
-              <a:spcBef>
-                <a:spcPts val="0"/>
-              </a:spcBef>
-              <a:spcAft>
-                <a:spcPts val="0"/>
-              </a:spcAft>
-            </a:pPr>
-            <a:r>
-              <a:rPr lang="en-US" altLang="zh-CN" b="0" dirty="0">
-                <a:solidFill>
-                  <a:srgbClr val="000000"/>
-                </a:solidFill>
-                <a:latin typeface="Arial" panose="020B0604020202020204"/>
-                <a:ea typeface="黑体" panose="02010609060101010101" pitchFamily="49" charset="-122"/>
-                <a:cs typeface="+mn-cs"/>
-              </a:rPr>
-              <a:t>C arrival</a:t>
-            </a:r>
-            <a:endParaRPr lang="en-US" b="0" dirty="0">
-              <a:solidFill>
-                <a:srgbClr val="000000"/>
-              </a:solidFill>
-              <a:latin typeface="Arial" panose="020B0604020202020204"/>
-              <a:ea typeface="+mn-ea"/>
-              <a:cs typeface="+mn-cs"/>
-            </a:endParaRPr>
-          </a:p>
-        </p:txBody>
-      </p:sp>
       <p:graphicFrame>
         <p:nvGraphicFramePr>
           <p:cNvPr id="32" name="Table 31">
@@ -16619,7 +17016,7 @@
           </a:ln>
           <a:extLst>
             <a:ext uri="{AF507438-7753-43e0-B8FC-AC1667EBCBE1}">
-              <a14:hiddenEffects xmlns:a14="http://schemas.microsoft.com/office/drawing/2010/main" xmlns="">
+              <a14:hiddenEffects xmlns="" xmlns:a14="http://schemas.microsoft.com/office/drawing/2010/main">
                 <a:effectLst>
                   <a:outerShdw dist="35921" dir="2700000" algn="ctr" rotWithShape="0">
                     <a:schemeClr val="bg2"/>
@@ -16727,7 +17124,7 @@
           </a:ln>
           <a:extLst>
             <a:ext uri="{AF507438-7753-43e0-B8FC-AC1667EBCBE1}">
-              <a14:hiddenEffects xmlns:a14="http://schemas.microsoft.com/office/drawing/2010/main" xmlns="">
+              <a14:hiddenEffects xmlns="" xmlns:a14="http://schemas.microsoft.com/office/drawing/2010/main">
                 <a:effectLst>
                   <a:outerShdw dist="35921" dir="2700000" algn="ctr" rotWithShape="0">
                     <a:schemeClr val="bg2"/>
@@ -16818,7 +17215,7 @@
         </p:nvCxnSpPr>
         <p:spPr bwMode="auto">
           <a:xfrm flipV="1">
-            <a:off x="5718175" y="5864752"/>
+            <a:off x="6152942" y="5864752"/>
             <a:ext cx="0" cy="485455"/>
           </a:xfrm>
           <a:prstGeom prst="straightConnector1">
@@ -16835,7 +17232,7 @@
           </a:ln>
           <a:extLst>
             <a:ext uri="{AF507438-7753-43e0-B8FC-AC1667EBCBE1}">
-              <a14:hiddenEffects xmlns:a14="http://schemas.microsoft.com/office/drawing/2010/main" xmlns="">
+              <a14:hiddenEffects xmlns="" xmlns:a14="http://schemas.microsoft.com/office/drawing/2010/main">
                 <a:effectLst>
                   <a:outerShdw dist="35921" dir="2700000" algn="ctr" rotWithShape="0">
                     <a:schemeClr val="bg2"/>
@@ -16874,7 +17271,7 @@
         </p:nvSpPr>
         <p:spPr>
           <a:xfrm>
-            <a:off x="5180766" y="6296595"/>
+            <a:off x="5615533" y="6296595"/>
             <a:ext cx="1013867" cy="369332"/>
           </a:xfrm>
           <a:prstGeom prst="rect">
@@ -16921,115 +17318,6 @@
     <a:masterClrMapping/>
   </p:clrMapOvr>
   <p:transition/>
-  <p:timing>
-    <p:tnLst>
-      <p:par>
-        <p:cTn id="1" dur="indefinite" restart="never" nodeType="tmRoot">
-          <p:childTnLst>
-            <p:seq concurrent="1" nextAc="seek">
-              <p:cTn id="2" dur="indefinite" nodeType="mainSeq">
-                <p:childTnLst>
-                  <p:par>
-                    <p:cTn id="3" fill="hold">
-                      <p:stCondLst>
-                        <p:cond delay="indefinite"/>
-                        <p:cond evt="onBegin" delay="0">
-                          <p:tn val="2"/>
-                        </p:cond>
-                      </p:stCondLst>
-                      <p:childTnLst>
-                        <p:par>
-                          <p:cTn id="4" fill="hold">
-                            <p:stCondLst>
-                              <p:cond delay="0"/>
-                            </p:stCondLst>
-                            <p:childTnLst>
-                              <p:par>
-                                <p:cTn id="5" presetID="1" presetClass="entr" presetSubtype="0" fill="hold" grpId="0" nodeType="withEffect">
-                                  <p:stCondLst>
-                                    <p:cond delay="0"/>
-                                  </p:stCondLst>
-                                  <p:childTnLst>
-                                    <p:set>
-                                      <p:cBhvr>
-                                        <p:cTn id="6" dur="1" fill="hold">
-                                          <p:stCondLst>
-                                            <p:cond delay="0"/>
-                                          </p:stCondLst>
-                                        </p:cTn>
-                                        <p:tgtEl>
-                                          <p:spTgt spid="11"/>
-                                        </p:tgtEl>
-                                        <p:attrNameLst>
-                                          <p:attrName>style.visibility</p:attrName>
-                                        </p:attrNameLst>
-                                      </p:cBhvr>
-                                      <p:to>
-                                        <p:strVal val="visible"/>
-                                      </p:to>
-                                    </p:set>
-                                  </p:childTnLst>
-                                </p:cTn>
-                              </p:par>
-                              <p:par>
-                                <p:cTn id="7" presetID="1" presetClass="entr" presetSubtype="0" fill="hold" grpId="0" nodeType="withEffect">
-                                  <p:stCondLst>
-                                    <p:cond delay="0"/>
-                                  </p:stCondLst>
-                                  <p:childTnLst>
-                                    <p:set>
-                                      <p:cBhvr>
-                                        <p:cTn id="8" dur="1" fill="hold">
-                                          <p:stCondLst>
-                                            <p:cond delay="0"/>
-                                          </p:stCondLst>
-                                        </p:cTn>
-                                        <p:tgtEl>
-                                          <p:spTgt spid="42"/>
-                                        </p:tgtEl>
-                                        <p:attrNameLst>
-                                          <p:attrName>style.visibility</p:attrName>
-                                        </p:attrNameLst>
-                                      </p:cBhvr>
-                                      <p:to>
-                                        <p:strVal val="visible"/>
-                                      </p:to>
-                                    </p:set>
-                                  </p:childTnLst>
-                                </p:cTn>
-                              </p:par>
-                            </p:childTnLst>
-                          </p:cTn>
-                        </p:par>
-                      </p:childTnLst>
-                    </p:cTn>
-                  </p:par>
-                </p:childTnLst>
-              </p:cTn>
-              <p:prevCondLst>
-                <p:cond evt="onPrev" delay="0">
-                  <p:tgtEl>
-                    <p:sldTgt/>
-                  </p:tgtEl>
-                </p:cond>
-              </p:prevCondLst>
-              <p:nextCondLst>
-                <p:cond evt="onNext" delay="0">
-                  <p:tgtEl>
-                    <p:sldTgt/>
-                  </p:tgtEl>
-                </p:cond>
-              </p:nextCondLst>
-            </p:seq>
-          </p:childTnLst>
-        </p:cTn>
-      </p:par>
-    </p:tnLst>
-    <p:bldLst>
-      <p:bldP spid="11" grpId="0"/>
-      <p:bldP spid="42" grpId="0"/>
-    </p:bldLst>
-  </p:timing>
 </p:sld>
 </file>
 
@@ -18621,122 +18909,6 @@
           </a:graphicData>
         </a:graphic>
       </p:graphicFrame>
-      <p:sp>
-        <p:nvSpPr>
-          <p:cNvPr id="11" name="文本框 10">
-            <a:extLst>
-              <a:ext uri="{FF2B5EF4-FFF2-40B4-BE49-F238E27FC236}">
-                <a16:creationId xmlns:a16="http://schemas.microsoft.com/office/drawing/2014/main" id="{30F0970B-47A5-D306-9A89-16794956F88F}"/>
-              </a:ext>
-            </a:extLst>
-          </p:cNvPr>
-          <p:cNvSpPr txBox="1"/>
-          <p:nvPr/>
-        </p:nvSpPr>
-        <p:spPr>
-          <a:xfrm>
-            <a:off x="4942626" y="7629372"/>
-            <a:ext cx="1031051" cy="369332"/>
-          </a:xfrm>
-          <a:prstGeom prst="rect">
-            <a:avLst/>
-          </a:prstGeom>
-          <a:noFill/>
-        </p:spPr>
-        <p:txBody>
-          <a:bodyPr wrap="none" rtlCol="0">
-            <a:spAutoFit/>
-          </a:bodyPr>
-          <a:lstStyle/>
-          <a:p>
-            <a:pPr defTabSz="457200" eaLnBrk="1" fontAlgn="auto" hangingPunct="1">
-              <a:spcBef>
-                <a:spcPts val="0"/>
-              </a:spcBef>
-              <a:spcAft>
-                <a:spcPts val="0"/>
-              </a:spcAft>
-            </a:pPr>
-            <a:r>
-              <a:rPr lang="en-US" altLang="zh-CN" b="0" dirty="0">
-                <a:solidFill>
-                  <a:srgbClr val="000000"/>
-                </a:solidFill>
-                <a:latin typeface="Arial" panose="020B0604020202020204"/>
-                <a:ea typeface="黑体" panose="02010609060101010101" pitchFamily="49" charset="-122"/>
-                <a:cs typeface="+mn-cs"/>
-              </a:rPr>
-              <a:t>B arrival</a:t>
-            </a:r>
-            <a:endParaRPr lang="en-US" b="0" dirty="0">
-              <a:solidFill>
-                <a:srgbClr val="000000"/>
-              </a:solidFill>
-              <a:latin typeface="Arial" panose="020B0604020202020204"/>
-              <a:ea typeface="+mn-ea"/>
-              <a:cs typeface="+mn-cs"/>
-            </a:endParaRPr>
-          </a:p>
-        </p:txBody>
-      </p:sp>
-      <p:sp>
-        <p:nvSpPr>
-          <p:cNvPr id="42" name="文本框 10">
-            <a:extLst>
-              <a:ext uri="{FF2B5EF4-FFF2-40B4-BE49-F238E27FC236}">
-                <a16:creationId xmlns:a16="http://schemas.microsoft.com/office/drawing/2014/main" id="{84A9D2B7-C986-0478-DB39-9322737E146A}"/>
-              </a:ext>
-            </a:extLst>
-          </p:cNvPr>
-          <p:cNvSpPr txBox="1"/>
-          <p:nvPr/>
-        </p:nvSpPr>
-        <p:spPr>
-          <a:xfrm>
-            <a:off x="5944367" y="7629372"/>
-            <a:ext cx="1043876" cy="369332"/>
-          </a:xfrm>
-          <a:prstGeom prst="rect">
-            <a:avLst/>
-          </a:prstGeom>
-          <a:noFill/>
-        </p:spPr>
-        <p:txBody>
-          <a:bodyPr wrap="none" rtlCol="0">
-            <a:spAutoFit/>
-          </a:bodyPr>
-          <a:lstStyle/>
-          <a:p>
-            <a:pPr defTabSz="457200" eaLnBrk="1" fontAlgn="auto" hangingPunct="1">
-              <a:spcBef>
-                <a:spcPts val="0"/>
-              </a:spcBef>
-              <a:spcAft>
-                <a:spcPts val="0"/>
-              </a:spcAft>
-            </a:pPr>
-            <a:r>
-              <a:rPr lang="en-US" altLang="zh-CN" b="0" dirty="0">
-                <a:solidFill>
-                  <a:srgbClr val="000000"/>
-                </a:solidFill>
-                <a:latin typeface="Arial" panose="020B0604020202020204"/>
-                <a:ea typeface="黑体" panose="02010609060101010101" pitchFamily="49" charset="-122"/>
-                <a:cs typeface="+mn-cs"/>
-              </a:rPr>
-              <a:t>C arrival</a:t>
-            </a:r>
-            <a:endParaRPr lang="en-US" b="0" dirty="0">
-              <a:solidFill>
-                <a:srgbClr val="000000"/>
-              </a:solidFill>
-              <a:latin typeface="Arial" panose="020B0604020202020204"/>
-              <a:ea typeface="+mn-ea"/>
-              <a:cs typeface="+mn-cs"/>
-            </a:endParaRPr>
-          </a:p>
-        </p:txBody>
-      </p:sp>
       <p:graphicFrame>
         <p:nvGraphicFramePr>
           <p:cNvPr id="32" name="Table 31">
@@ -18749,10 +18921,16 @@
           <p:cNvGraphicFramePr>
             <a:graphicFrameLocks noGrp="1"/>
           </p:cNvGraphicFramePr>
-          <p:nvPr/>
+          <p:nvPr>
+            <p:extLst>
+              <p:ext uri="{D42A27DB-BD31-4B8C-83A1-F6EECF244321}">
+                <p14:modId xmlns:p14="http://schemas.microsoft.com/office/powerpoint/2010/main" val="2366394037"/>
+              </p:ext>
+            </p:extLst>
+          </p:nvPr>
         </p:nvGraphicFramePr>
         <p:xfrm>
-          <a:off x="2895600" y="4267200"/>
+          <a:off x="2895600" y="4038600"/>
           <a:ext cx="6959328" cy="1483360"/>
         </p:xfrm>
         <a:graphic>
@@ -19482,10 +19660,16 @@
           <p:cNvGraphicFramePr>
             <a:graphicFrameLocks noGrp="1"/>
           </p:cNvGraphicFramePr>
-          <p:nvPr/>
+          <p:nvPr>
+            <p:extLst>
+              <p:ext uri="{D42A27DB-BD31-4B8C-83A1-F6EECF244321}">
+                <p14:modId xmlns:p14="http://schemas.microsoft.com/office/powerpoint/2010/main" val="1963474267"/>
+              </p:ext>
+            </p:extLst>
+          </p:nvPr>
         </p:nvGraphicFramePr>
         <p:xfrm>
-          <a:off x="2656242" y="5750560"/>
+          <a:off x="2656242" y="5521960"/>
           <a:ext cx="7361291" cy="370840"/>
         </p:xfrm>
         <a:graphic>
@@ -19832,7 +20016,7 @@
         </p:nvSpPr>
         <p:spPr>
           <a:xfrm>
-            <a:off x="5537064" y="6187772"/>
+            <a:off x="5537064" y="5959172"/>
             <a:ext cx="1676400" cy="395575"/>
           </a:xfrm>
         </p:spPr>
@@ -19864,115 +20048,6 @@
     <a:masterClrMapping/>
   </p:clrMapOvr>
   <p:transition/>
-  <p:timing>
-    <p:tnLst>
-      <p:par>
-        <p:cTn id="1" dur="indefinite" restart="never" nodeType="tmRoot">
-          <p:childTnLst>
-            <p:seq concurrent="1" nextAc="seek">
-              <p:cTn id="2" dur="indefinite" nodeType="mainSeq">
-                <p:childTnLst>
-                  <p:par>
-                    <p:cTn id="3" fill="hold">
-                      <p:stCondLst>
-                        <p:cond delay="indefinite"/>
-                        <p:cond evt="onBegin" delay="0">
-                          <p:tn val="2"/>
-                        </p:cond>
-                      </p:stCondLst>
-                      <p:childTnLst>
-                        <p:par>
-                          <p:cTn id="4" fill="hold">
-                            <p:stCondLst>
-                              <p:cond delay="0"/>
-                            </p:stCondLst>
-                            <p:childTnLst>
-                              <p:par>
-                                <p:cTn id="5" presetID="1" presetClass="entr" presetSubtype="0" fill="hold" grpId="0" nodeType="withEffect">
-                                  <p:stCondLst>
-                                    <p:cond delay="0"/>
-                                  </p:stCondLst>
-                                  <p:childTnLst>
-                                    <p:set>
-                                      <p:cBhvr>
-                                        <p:cTn id="6" dur="1" fill="hold">
-                                          <p:stCondLst>
-                                            <p:cond delay="0"/>
-                                          </p:stCondLst>
-                                        </p:cTn>
-                                        <p:tgtEl>
-                                          <p:spTgt spid="11"/>
-                                        </p:tgtEl>
-                                        <p:attrNameLst>
-                                          <p:attrName>style.visibility</p:attrName>
-                                        </p:attrNameLst>
-                                      </p:cBhvr>
-                                      <p:to>
-                                        <p:strVal val="visible"/>
-                                      </p:to>
-                                    </p:set>
-                                  </p:childTnLst>
-                                </p:cTn>
-                              </p:par>
-                              <p:par>
-                                <p:cTn id="7" presetID="1" presetClass="entr" presetSubtype="0" fill="hold" grpId="0" nodeType="withEffect">
-                                  <p:stCondLst>
-                                    <p:cond delay="0"/>
-                                  </p:stCondLst>
-                                  <p:childTnLst>
-                                    <p:set>
-                                      <p:cBhvr>
-                                        <p:cTn id="8" dur="1" fill="hold">
-                                          <p:stCondLst>
-                                            <p:cond delay="0"/>
-                                          </p:stCondLst>
-                                        </p:cTn>
-                                        <p:tgtEl>
-                                          <p:spTgt spid="42"/>
-                                        </p:tgtEl>
-                                        <p:attrNameLst>
-                                          <p:attrName>style.visibility</p:attrName>
-                                        </p:attrNameLst>
-                                      </p:cBhvr>
-                                      <p:to>
-                                        <p:strVal val="visible"/>
-                                      </p:to>
-                                    </p:set>
-                                  </p:childTnLst>
-                                </p:cTn>
-                              </p:par>
-                            </p:childTnLst>
-                          </p:cTn>
-                        </p:par>
-                      </p:childTnLst>
-                    </p:cTn>
-                  </p:par>
-                </p:childTnLst>
-              </p:cTn>
-              <p:prevCondLst>
-                <p:cond evt="onPrev" delay="0">
-                  <p:tgtEl>
-                    <p:sldTgt/>
-                  </p:tgtEl>
-                </p:cond>
-              </p:prevCondLst>
-              <p:nextCondLst>
-                <p:cond evt="onNext" delay="0">
-                  <p:tgtEl>
-                    <p:sldTgt/>
-                  </p:tgtEl>
-                </p:cond>
-              </p:nextCondLst>
-            </p:seq>
-          </p:childTnLst>
-        </p:cTn>
-      </p:par>
-    </p:tnLst>
-    <p:bldLst>
-      <p:bldP spid="11" grpId="0"/>
-      <p:bldP spid="42" grpId="0"/>
-    </p:bldLst>
-  </p:timing>
 </p:sld>
 </file>
 
@@ -20040,7 +20115,13 @@
           <p:cNvGraphicFramePr>
             <a:graphicFrameLocks noGrp="1"/>
           </p:cNvGraphicFramePr>
-          <p:nvPr/>
+          <p:nvPr>
+            <p:extLst>
+              <p:ext uri="{D42A27DB-BD31-4B8C-83A1-F6EECF244321}">
+                <p14:modId xmlns:p14="http://schemas.microsoft.com/office/powerpoint/2010/main" val="969077823"/>
+              </p:ext>
+            </p:extLst>
+          </p:nvPr>
         </p:nvGraphicFramePr>
         <p:xfrm>
           <a:off x="990600" y="854105"/>
@@ -20638,18 +20719,13 @@
                     <a:p>
                       <a:pPr algn="r"/>
                       <a:r>
-                        <a:rPr lang="en-US" altLang="zh-CN" dirty="0">
+                        <a:rPr lang="en-US" dirty="0">
                           <a:solidFill>
                             <a:schemeClr val="tx1"/>
                           </a:solidFill>
                         </a:rPr>
                         <a:t>3</a:t>
                       </a:r>
-                      <a:endParaRPr lang="en-US" dirty="0">
-                        <a:solidFill>
-                          <a:schemeClr val="tx1"/>
-                        </a:solidFill>
-                      </a:endParaRPr>
                     </a:p>
                   </a:txBody>
                   <a:tcPr/>
@@ -20884,35 +20960,30 @@
                     <a:p>
                       <a:pPr algn="r"/>
                       <a:r>
-                        <a:rPr lang="en-US" altLang="zh-CN" dirty="0">
-                          <a:solidFill>
-                            <a:schemeClr val="tx1"/>
-                          </a:solidFill>
-                        </a:rPr>
-                        <a:t>8</a:t>
-                      </a:r>
-                      <a:endParaRPr lang="en-US" dirty="0">
-                        <a:solidFill>
-                          <a:schemeClr val="tx1"/>
-                        </a:solidFill>
-                      </a:endParaRPr>
-                    </a:p>
-                  </a:txBody>
-                  <a:tcPr/>
-                </a:tc>
-                <a:tc>
-                  <a:txBody>
-                    <a:bodyPr/>
-                    <a:lstStyle/>
-                    <a:p>
-                      <a:pPr algn="r"/>
-                      <a:r>
                         <a:rPr lang="en-US" dirty="0">
                           <a:solidFill>
                             <a:schemeClr val="tx1"/>
                           </a:solidFill>
                         </a:rPr>
-                        <a:t>7</a:t>
+                        <a:t>10</a:t>
+                      </a:r>
+                    </a:p>
+                  </a:txBody>
+                  <a:tcPr/>
+                </a:tc>
+                <a:tc>
+                  <a:txBody>
+                    <a:bodyPr/>
+                    <a:lstStyle/>
+                    <a:p>
+                      <a:pPr algn="r"/>
+                      <a:r>
+                        <a:rPr lang="en-US" dirty="0">
+                          <a:solidFill>
+                            <a:schemeClr val="tx1"/>
+                          </a:solidFill>
+                        </a:rPr>
+                        <a:t>9</a:t>
                       </a:r>
                     </a:p>
                   </a:txBody>
@@ -21130,35 +21201,30 @@
                     <a:p>
                       <a:pPr algn="r"/>
                       <a:r>
-                        <a:rPr lang="en-US" altLang="zh-CN" dirty="0">
-                          <a:solidFill>
-                            <a:schemeClr val="tx1"/>
-                          </a:solidFill>
-                        </a:rPr>
-                        <a:t>10</a:t>
-                      </a:r>
-                      <a:endParaRPr lang="en-US" dirty="0">
-                        <a:solidFill>
-                          <a:schemeClr val="tx1"/>
-                        </a:solidFill>
-                      </a:endParaRPr>
-                    </a:p>
-                  </a:txBody>
-                  <a:tcPr/>
-                </a:tc>
-                <a:tc>
-                  <a:txBody>
-                    <a:bodyPr/>
-                    <a:lstStyle/>
-                    <a:p>
-                      <a:pPr algn="r"/>
-                      <a:r>
                         <a:rPr lang="en-US" dirty="0">
                           <a:solidFill>
                             <a:schemeClr val="tx1"/>
                           </a:solidFill>
                         </a:rPr>
-                        <a:t>7</a:t>
+                        <a:t>5</a:t>
+                      </a:r>
+                    </a:p>
+                  </a:txBody>
+                  <a:tcPr/>
+                </a:tc>
+                <a:tc>
+                  <a:txBody>
+                    <a:bodyPr/>
+                    <a:lstStyle/>
+                    <a:p>
+                      <a:pPr algn="r"/>
+                      <a:r>
+                        <a:rPr lang="en-US" dirty="0">
+                          <a:solidFill>
+                            <a:schemeClr val="tx1"/>
+                          </a:solidFill>
+                        </a:rPr>
+                        <a:t>2</a:t>
                       </a:r>
                     </a:p>
                   </a:txBody>
@@ -21569,39 +21635,6 @@
                     <a:bodyPr/>
                     <a:lstStyle/>
                     <a:p>
-                      <a:pPr algn="r"/>
-                      <a:r>
-                        <a:rPr lang="en-US" dirty="0">
-                          <a:solidFill>
-                            <a:schemeClr val="tx1"/>
-                          </a:solidFill>
-                        </a:rPr>
-                        <a:t>Avg RT 5</a:t>
-                      </a:r>
-                    </a:p>
-                  </a:txBody>
-                  <a:tcPr/>
-                </a:tc>
-                <a:tc>
-                  <a:txBody>
-                    <a:bodyPr/>
-                    <a:lstStyle/>
-                    <a:p>
-                      <a:pPr algn="r"/>
-                      <a:endParaRPr lang="en-US" dirty="0">
-                        <a:solidFill>
-                          <a:schemeClr val="tx1"/>
-                        </a:solidFill>
-                      </a:endParaRPr>
-                    </a:p>
-                  </a:txBody>
-                  <a:tcPr/>
-                </a:tc>
-                <a:tc>
-                  <a:txBody>
-                    <a:bodyPr/>
-                    <a:lstStyle/>
-                    <a:p>
                       <a:pPr marL="0" marR="0" lvl="0" indent="0" algn="r" defTabSz="914400" rtl="0" eaLnBrk="1" fontAlgn="auto" latinLnBrk="0" hangingPunct="1">
                         <a:lnSpc>
                           <a:spcPct val="100000"/>
@@ -21674,6 +21707,55 @@
                             <a:schemeClr val="tx1"/>
                           </a:solidFill>
                         </a:rPr>
+                        <a:t>Avg RT 4.25</a:t>
+                      </a:r>
+                    </a:p>
+                  </a:txBody>
+                  <a:tcPr/>
+                </a:tc>
+                <a:tc>
+                  <a:txBody>
+                    <a:bodyPr/>
+                    <a:lstStyle/>
+                    <a:p>
+                      <a:pPr algn="r"/>
+                      <a:endParaRPr lang="en-US" dirty="0">
+                        <a:solidFill>
+                          <a:schemeClr val="tx1"/>
+                        </a:solidFill>
+                      </a:endParaRPr>
+                    </a:p>
+                  </a:txBody>
+                  <a:tcPr/>
+                </a:tc>
+                <a:tc>
+                  <a:txBody>
+                    <a:bodyPr/>
+                    <a:lstStyle/>
+                    <a:p>
+                      <a:pPr marL="0" marR="0" lvl="0" indent="0" algn="r" defTabSz="914400" rtl="0" eaLnBrk="1" fontAlgn="auto" latinLnBrk="0" hangingPunct="1">
+                        <a:lnSpc>
+                          <a:spcPct val="100000"/>
+                        </a:lnSpc>
+                        <a:spcBef>
+                          <a:spcPts val="0"/>
+                        </a:spcBef>
+                        <a:spcAft>
+                          <a:spcPts val="0"/>
+                        </a:spcAft>
+                        <a:buClrTx/>
+                        <a:buSzTx/>
+                        <a:buFontTx/>
+                        <a:buNone/>
+                        <a:tabLst/>
+                        <a:defRPr/>
+                      </a:pPr>
+                      <a:r>
+                        <a:rPr lang="en-US" dirty="0">
+                          <a:solidFill>
+                            <a:schemeClr val="tx1"/>
+                          </a:solidFill>
+                        </a:rPr>
                         <a:t>Avg RT 5.75</a:t>
                       </a:r>
                     </a:p>
@@ -21690,122 +21772,6 @@
           </a:graphicData>
         </a:graphic>
       </p:graphicFrame>
-      <p:sp>
-        <p:nvSpPr>
-          <p:cNvPr id="11" name="文本框 10">
-            <a:extLst>
-              <a:ext uri="{FF2B5EF4-FFF2-40B4-BE49-F238E27FC236}">
-                <a16:creationId xmlns:a16="http://schemas.microsoft.com/office/drawing/2014/main" id="{770E5F04-59B8-CFC5-9808-44958791B33D}"/>
-              </a:ext>
-            </a:extLst>
-          </p:cNvPr>
-          <p:cNvSpPr txBox="1"/>
-          <p:nvPr/>
-        </p:nvSpPr>
-        <p:spPr>
-          <a:xfrm>
-            <a:off x="5998668" y="7436332"/>
-            <a:ext cx="1031051" cy="369332"/>
-          </a:xfrm>
-          <a:prstGeom prst="rect">
-            <a:avLst/>
-          </a:prstGeom>
-          <a:noFill/>
-        </p:spPr>
-        <p:txBody>
-          <a:bodyPr wrap="none" rtlCol="0">
-            <a:spAutoFit/>
-          </a:bodyPr>
-          <a:lstStyle/>
-          <a:p>
-            <a:pPr defTabSz="457200" eaLnBrk="1" fontAlgn="auto" hangingPunct="1">
-              <a:spcBef>
-                <a:spcPts val="0"/>
-              </a:spcBef>
-              <a:spcAft>
-                <a:spcPts val="0"/>
-              </a:spcAft>
-            </a:pPr>
-            <a:r>
-              <a:rPr lang="en-US" altLang="zh-CN" b="0" dirty="0">
-                <a:solidFill>
-                  <a:srgbClr val="000000"/>
-                </a:solidFill>
-                <a:latin typeface="Arial" panose="020B0604020202020204"/>
-                <a:ea typeface="黑体" panose="02010609060101010101" pitchFamily="49" charset="-122"/>
-                <a:cs typeface="+mn-cs"/>
-              </a:rPr>
-              <a:t>B arrival</a:t>
-            </a:r>
-            <a:endParaRPr lang="en-US" b="0" dirty="0">
-              <a:solidFill>
-                <a:srgbClr val="000000"/>
-              </a:solidFill>
-              <a:latin typeface="Arial" panose="020B0604020202020204"/>
-              <a:ea typeface="+mn-ea"/>
-              <a:cs typeface="+mn-cs"/>
-            </a:endParaRPr>
-          </a:p>
-        </p:txBody>
-      </p:sp>
-      <p:sp>
-        <p:nvSpPr>
-          <p:cNvPr id="42" name="文本框 10">
-            <a:extLst>
-              <a:ext uri="{FF2B5EF4-FFF2-40B4-BE49-F238E27FC236}">
-                <a16:creationId xmlns:a16="http://schemas.microsoft.com/office/drawing/2014/main" id="{B93C1493-8BE5-9595-1A42-12B6BC324DF9}"/>
-              </a:ext>
-            </a:extLst>
-          </p:cNvPr>
-          <p:cNvSpPr txBox="1"/>
-          <p:nvPr/>
-        </p:nvSpPr>
-        <p:spPr>
-          <a:xfrm>
-            <a:off x="7000409" y="7436332"/>
-            <a:ext cx="1043876" cy="369332"/>
-          </a:xfrm>
-          <a:prstGeom prst="rect">
-            <a:avLst/>
-          </a:prstGeom>
-          <a:noFill/>
-        </p:spPr>
-        <p:txBody>
-          <a:bodyPr wrap="none" rtlCol="0">
-            <a:spAutoFit/>
-          </a:bodyPr>
-          <a:lstStyle/>
-          <a:p>
-            <a:pPr defTabSz="457200" eaLnBrk="1" fontAlgn="auto" hangingPunct="1">
-              <a:spcBef>
-                <a:spcPts val="0"/>
-              </a:spcBef>
-              <a:spcAft>
-                <a:spcPts val="0"/>
-              </a:spcAft>
-            </a:pPr>
-            <a:r>
-              <a:rPr lang="en-US" altLang="zh-CN" b="0" dirty="0">
-                <a:solidFill>
-                  <a:srgbClr val="000000"/>
-                </a:solidFill>
-                <a:latin typeface="Arial" panose="020B0604020202020204"/>
-                <a:ea typeface="黑体" panose="02010609060101010101" pitchFamily="49" charset="-122"/>
-                <a:cs typeface="+mn-cs"/>
-              </a:rPr>
-              <a:t>C arrival</a:t>
-            </a:r>
-            <a:endParaRPr lang="en-US" b="0" dirty="0">
-              <a:solidFill>
-                <a:srgbClr val="000000"/>
-              </a:solidFill>
-              <a:latin typeface="Arial" panose="020B0604020202020204"/>
-              <a:ea typeface="+mn-ea"/>
-              <a:cs typeface="+mn-cs"/>
-            </a:endParaRPr>
-          </a:p>
-        </p:txBody>
-      </p:sp>
       <p:graphicFrame>
         <p:nvGraphicFramePr>
           <p:cNvPr id="32" name="Table 31">
@@ -21818,10 +21784,16 @@
           <p:cNvGraphicFramePr>
             <a:graphicFrameLocks noGrp="1"/>
           </p:cNvGraphicFramePr>
-          <p:nvPr/>
+          <p:nvPr>
+            <p:extLst>
+              <p:ext uri="{D42A27DB-BD31-4B8C-83A1-F6EECF244321}">
+                <p14:modId xmlns:p14="http://schemas.microsoft.com/office/powerpoint/2010/main" val="2250945967"/>
+              </p:ext>
+            </p:extLst>
+          </p:nvPr>
         </p:nvGraphicFramePr>
         <p:xfrm>
-          <a:off x="2971800" y="4267200"/>
+          <a:off x="2971800" y="4003774"/>
           <a:ext cx="6959328" cy="1483360"/>
         </p:xfrm>
         <a:graphic>
@@ -22177,7 +22149,37 @@
                       <a:pPr algn="ctr"/>
                       <a:r>
                         <a:rPr lang="en-GB" dirty="0"/>
-                        <a:t>2</a:t>
+                        <a:t>1</a:t>
+                      </a:r>
+                      <a:endParaRPr lang="en-SE" dirty="0"/>
+                    </a:p>
+                  </a:txBody>
+                  <a:tcPr/>
+                </a:tc>
+                <a:tc>
+                  <a:txBody>
+                    <a:bodyPr/>
+                    <a:lstStyle/>
+                    <a:p>
+                      <a:pPr algn="ctr"/>
+                      <a:r>
+                        <a:rPr lang="en-GB" dirty="0"/>
+                        <a:t>3</a:t>
+                      </a:r>
+                      <a:endParaRPr lang="en-SE" dirty="0"/>
+                    </a:p>
+                  </a:txBody>
+                  <a:tcPr/>
+                </a:tc>
+                <a:tc>
+                  <a:txBody>
+                    <a:bodyPr/>
+                    <a:lstStyle/>
+                    <a:p>
+                      <a:pPr algn="ctr"/>
+                      <a:r>
+                        <a:rPr lang="en-GB" dirty="0"/>
+                        <a:t>3</a:t>
                       </a:r>
                       <a:endParaRPr lang="en-SE" dirty="0"/>
                     </a:p>
@@ -22253,36 +22255,6 @@
                       <a:r>
                         <a:rPr lang="en-GB" dirty="0"/>
                         <a:t>2</a:t>
-                      </a:r>
-                      <a:endParaRPr lang="en-SE" dirty="0"/>
-                    </a:p>
-                  </a:txBody>
-                  <a:tcPr/>
-                </a:tc>
-                <a:tc>
-                  <a:txBody>
-                    <a:bodyPr/>
-                    <a:lstStyle/>
-                    <a:p>
-                      <a:pPr algn="ctr"/>
-                      <a:r>
-                        <a:rPr lang="en-GB" dirty="0"/>
-                        <a:t>3</a:t>
-                      </a:r>
-                      <a:endParaRPr lang="en-SE" dirty="0"/>
-                    </a:p>
-                  </a:txBody>
-                  <a:tcPr/>
-                </a:tc>
-                <a:tc>
-                  <a:txBody>
-                    <a:bodyPr/>
-                    <a:lstStyle/>
-                    <a:p>
-                      <a:pPr algn="ctr"/>
-                      <a:r>
-                        <a:rPr lang="en-GB" dirty="0"/>
-                        <a:t>3</a:t>
                       </a:r>
                       <a:endParaRPr lang="en-SE" dirty="0"/>
                     </a:p>
@@ -22743,10 +22715,16 @@
           <p:cNvGraphicFramePr>
             <a:graphicFrameLocks noGrp="1"/>
           </p:cNvGraphicFramePr>
-          <p:nvPr/>
+          <p:nvPr>
+            <p:extLst>
+              <p:ext uri="{D42A27DB-BD31-4B8C-83A1-F6EECF244321}">
+                <p14:modId xmlns:p14="http://schemas.microsoft.com/office/powerpoint/2010/main" val="1768773012"/>
+              </p:ext>
+            </p:extLst>
+          </p:nvPr>
         </p:nvGraphicFramePr>
         <p:xfrm>
-          <a:off x="2732442" y="5750560"/>
+          <a:off x="2732442" y="5487134"/>
           <a:ext cx="7361291" cy="370840"/>
         </p:xfrm>
         <a:graphic>
@@ -23093,7 +23071,7 @@
         </p:nvSpPr>
         <p:spPr>
           <a:xfrm>
-            <a:off x="5775901" y="6121400"/>
+            <a:off x="5775901" y="5857974"/>
             <a:ext cx="1676400" cy="395575"/>
           </a:xfrm>
         </p:spPr>
@@ -23130,7 +23108,7 @@
         </p:nvCxnSpPr>
         <p:spPr bwMode="auto">
           <a:xfrm flipV="1">
-            <a:off x="3870743" y="6083431"/>
+            <a:off x="3870743" y="5820005"/>
             <a:ext cx="0" cy="485455"/>
           </a:xfrm>
           <a:prstGeom prst="straightConnector1">
@@ -23147,7 +23125,7 @@
           </a:ln>
           <a:extLst>
             <a:ext uri="{AF507438-7753-43e0-B8FC-AC1667EBCBE1}">
-              <a14:hiddenEffects xmlns:a14="http://schemas.microsoft.com/office/drawing/2010/main" xmlns="">
+              <a14:hiddenEffects xmlns="" xmlns:a14="http://schemas.microsoft.com/office/drawing/2010/main">
                 <a:effectLst>
                   <a:outerShdw dist="35921" dir="2700000" algn="ctr" rotWithShape="0">
                     <a:schemeClr val="bg2"/>
@@ -23186,7 +23164,7 @@
         </p:nvSpPr>
         <p:spPr>
           <a:xfrm>
-            <a:off x="3333334" y="6515274"/>
+            <a:off x="3333334" y="6251848"/>
             <a:ext cx="1013867" cy="369332"/>
           </a:xfrm>
           <a:prstGeom prst="rect">
@@ -23238,7 +23216,7 @@
         </p:nvCxnSpPr>
         <p:spPr bwMode="auto">
           <a:xfrm flipV="1">
-            <a:off x="4388099" y="6106096"/>
+            <a:off x="4343400" y="5842670"/>
             <a:ext cx="0" cy="259272"/>
           </a:xfrm>
           <a:prstGeom prst="straightConnector1">
@@ -23255,7 +23233,7 @@
           </a:ln>
           <a:extLst>
             <a:ext uri="{AF507438-7753-43e0-B8FC-AC1667EBCBE1}">
-              <a14:hiddenEffects xmlns:a14="http://schemas.microsoft.com/office/drawing/2010/main" xmlns="">
+              <a14:hiddenEffects xmlns="" xmlns:a14="http://schemas.microsoft.com/office/drawing/2010/main">
                 <a:effectLst>
                   <a:outerShdw dist="35921" dir="2700000" algn="ctr" rotWithShape="0">
                     <a:schemeClr val="bg2"/>
@@ -23294,7 +23272,7 @@
         </p:nvSpPr>
         <p:spPr>
           <a:xfrm>
-            <a:off x="3870743" y="6269605"/>
+            <a:off x="3870743" y="6006179"/>
             <a:ext cx="1013867" cy="369332"/>
           </a:xfrm>
           <a:prstGeom prst="rect">
@@ -23346,7 +23324,7 @@
         </p:nvCxnSpPr>
         <p:spPr bwMode="auto">
           <a:xfrm flipV="1">
-            <a:off x="5470109" y="6091651"/>
+            <a:off x="5338009" y="5828225"/>
             <a:ext cx="0" cy="485455"/>
           </a:xfrm>
           <a:prstGeom prst="straightConnector1">
@@ -23363,7 +23341,7 @@
           </a:ln>
           <a:extLst>
             <a:ext uri="{AF507438-7753-43e0-B8FC-AC1667EBCBE1}">
-              <a14:hiddenEffects xmlns:a14="http://schemas.microsoft.com/office/drawing/2010/main" xmlns="">
+              <a14:hiddenEffects xmlns="" xmlns:a14="http://schemas.microsoft.com/office/drawing/2010/main">
                 <a:effectLst>
                   <a:outerShdw dist="35921" dir="2700000" algn="ctr" rotWithShape="0">
                     <a:schemeClr val="bg2"/>
@@ -23402,7 +23380,7 @@
         </p:nvSpPr>
         <p:spPr>
           <a:xfrm>
-            <a:off x="4932700" y="6523494"/>
+            <a:off x="4800600" y="6260068"/>
             <a:ext cx="1013867" cy="369332"/>
           </a:xfrm>
           <a:prstGeom prst="rect">
@@ -23454,7 +23432,7 @@
         </p:nvCxnSpPr>
         <p:spPr bwMode="auto">
           <a:xfrm flipV="1">
-            <a:off x="8303273" y="6067011"/>
+            <a:off x="8303273" y="5803585"/>
             <a:ext cx="0" cy="485455"/>
           </a:xfrm>
           <a:prstGeom prst="straightConnector1">
@@ -23471,7 +23449,7 @@
           </a:ln>
           <a:extLst>
             <a:ext uri="{AF507438-7753-43e0-B8FC-AC1667EBCBE1}">
-              <a14:hiddenEffects xmlns:a14="http://schemas.microsoft.com/office/drawing/2010/main" xmlns="">
+              <a14:hiddenEffects xmlns="" xmlns:a14="http://schemas.microsoft.com/office/drawing/2010/main">
                 <a:effectLst>
                   <a:outerShdw dist="35921" dir="2700000" algn="ctr" rotWithShape="0">
                     <a:schemeClr val="bg2"/>
@@ -23510,7 +23488,7 @@
         </p:nvSpPr>
         <p:spPr>
           <a:xfrm>
-            <a:off x="7765864" y="6498854"/>
+            <a:off x="7765864" y="6235428"/>
             <a:ext cx="1013867" cy="369332"/>
           </a:xfrm>
           <a:prstGeom prst="rect">
@@ -23557,115 +23535,6 @@
     <a:masterClrMapping/>
   </p:clrMapOvr>
   <p:transition/>
-  <p:timing>
-    <p:tnLst>
-      <p:par>
-        <p:cTn id="1" dur="indefinite" restart="never" nodeType="tmRoot">
-          <p:childTnLst>
-            <p:seq concurrent="1" nextAc="seek">
-              <p:cTn id="2" dur="indefinite" nodeType="mainSeq">
-                <p:childTnLst>
-                  <p:par>
-                    <p:cTn id="3" fill="hold">
-                      <p:stCondLst>
-                        <p:cond delay="indefinite"/>
-                        <p:cond evt="onBegin" delay="0">
-                          <p:tn val="2"/>
-                        </p:cond>
-                      </p:stCondLst>
-                      <p:childTnLst>
-                        <p:par>
-                          <p:cTn id="4" fill="hold">
-                            <p:stCondLst>
-                              <p:cond delay="0"/>
-                            </p:stCondLst>
-                            <p:childTnLst>
-                              <p:par>
-                                <p:cTn id="5" presetID="1" presetClass="entr" presetSubtype="0" fill="hold" grpId="0" nodeType="withEffect">
-                                  <p:stCondLst>
-                                    <p:cond delay="0"/>
-                                  </p:stCondLst>
-                                  <p:childTnLst>
-                                    <p:set>
-                                      <p:cBhvr>
-                                        <p:cTn id="6" dur="1" fill="hold">
-                                          <p:stCondLst>
-                                            <p:cond delay="0"/>
-                                          </p:stCondLst>
-                                        </p:cTn>
-                                        <p:tgtEl>
-                                          <p:spTgt spid="11"/>
-                                        </p:tgtEl>
-                                        <p:attrNameLst>
-                                          <p:attrName>style.visibility</p:attrName>
-                                        </p:attrNameLst>
-                                      </p:cBhvr>
-                                      <p:to>
-                                        <p:strVal val="visible"/>
-                                      </p:to>
-                                    </p:set>
-                                  </p:childTnLst>
-                                </p:cTn>
-                              </p:par>
-                              <p:par>
-                                <p:cTn id="7" presetID="1" presetClass="entr" presetSubtype="0" fill="hold" grpId="0" nodeType="withEffect">
-                                  <p:stCondLst>
-                                    <p:cond delay="0"/>
-                                  </p:stCondLst>
-                                  <p:childTnLst>
-                                    <p:set>
-                                      <p:cBhvr>
-                                        <p:cTn id="8" dur="1" fill="hold">
-                                          <p:stCondLst>
-                                            <p:cond delay="0"/>
-                                          </p:stCondLst>
-                                        </p:cTn>
-                                        <p:tgtEl>
-                                          <p:spTgt spid="42"/>
-                                        </p:tgtEl>
-                                        <p:attrNameLst>
-                                          <p:attrName>style.visibility</p:attrName>
-                                        </p:attrNameLst>
-                                      </p:cBhvr>
-                                      <p:to>
-                                        <p:strVal val="visible"/>
-                                      </p:to>
-                                    </p:set>
-                                  </p:childTnLst>
-                                </p:cTn>
-                              </p:par>
-                            </p:childTnLst>
-                          </p:cTn>
-                        </p:par>
-                      </p:childTnLst>
-                    </p:cTn>
-                  </p:par>
-                </p:childTnLst>
-              </p:cTn>
-              <p:prevCondLst>
-                <p:cond evt="onPrev" delay="0">
-                  <p:tgtEl>
-                    <p:sldTgt/>
-                  </p:tgtEl>
-                </p:cond>
-              </p:prevCondLst>
-              <p:nextCondLst>
-                <p:cond evt="onNext" delay="0">
-                  <p:tgtEl>
-                    <p:sldTgt/>
-                  </p:tgtEl>
-                </p:cond>
-              </p:nextCondLst>
-            </p:seq>
-          </p:childTnLst>
-        </p:cTn>
-      </p:par>
-    </p:tnLst>
-    <p:bldLst>
-      <p:bldP spid="11" grpId="0"/>
-      <p:bldP spid="42" grpId="0"/>
-    </p:bldLst>
-  </p:timing>
 </p:sld>
 </file>
 
@@ -23674,7 +23543,13 @@
   <p:cSld>
     <p:spTree>
       <p:nvGrpSpPr>
-        <p:cNvPr id="1" name=""/>
+        <p:cNvPr id="1" name="">
+          <a:extLst>
+            <a:ext uri="{FF2B5EF4-FFF2-40B4-BE49-F238E27FC236}">
+              <a16:creationId xmlns:a16="http://schemas.microsoft.com/office/drawing/2014/main" id="{D6DD8D75-B2AC-0019-5970-9FF407CA013A}"/>
+            </a:ext>
+          </a:extLst>
+        </p:cNvPr>
         <p:cNvGrpSpPr/>
         <p:nvPr/>
       </p:nvGrpSpPr>
@@ -23691,7 +23566,7 @@
           <p:cNvPr id="2" name="Title 1">
             <a:extLst>
               <a:ext uri="{FF2B5EF4-FFF2-40B4-BE49-F238E27FC236}">
-                <a16:creationId xmlns:a16="http://schemas.microsoft.com/office/drawing/2014/main" id="{D2418C39-8001-A5C8-A334-B92A4C4C6AC3}"/>
+                <a16:creationId xmlns:a16="http://schemas.microsoft.com/office/drawing/2014/main" id="{D59366F2-F658-A244-554A-9781322B4924}"/>
               </a:ext>
             </a:extLst>
           </p:cNvPr>
@@ -23709,18 +23584,1299 @@
           <a:p>
             <a:r>
               <a:rPr lang="en-US" dirty="0"/>
-              <a:t>Scheduling III</a:t>
+              <a:t>Scheduling II ANS</a:t>
             </a:r>
             <a:endParaRPr lang="en-SE" dirty="0"/>
           </a:p>
         </p:txBody>
       </p:sp>
+      <p:graphicFrame>
+        <p:nvGraphicFramePr>
+          <p:cNvPr id="32" name="Table 31">
+            <a:extLst>
+              <a:ext uri="{FF2B5EF4-FFF2-40B4-BE49-F238E27FC236}">
+                <a16:creationId xmlns:a16="http://schemas.microsoft.com/office/drawing/2014/main" id="{E12C85D6-2400-DD02-2691-0AFFA92D0ABC}"/>
+              </a:ext>
+            </a:extLst>
+          </p:cNvPr>
+          <p:cNvGraphicFramePr>
+            <a:graphicFrameLocks noGrp="1"/>
+          </p:cNvGraphicFramePr>
+          <p:nvPr>
+            <p:extLst>
+              <p:ext uri="{D42A27DB-BD31-4B8C-83A1-F6EECF244321}">
+                <p14:modId xmlns:p14="http://schemas.microsoft.com/office/powerpoint/2010/main" val="1393741682"/>
+              </p:ext>
+            </p:extLst>
+          </p:nvPr>
+        </p:nvGraphicFramePr>
+        <p:xfrm>
+          <a:off x="2971800" y="4224353"/>
+          <a:ext cx="6959328" cy="1483360"/>
+        </p:xfrm>
+        <a:graphic>
+          <a:graphicData uri="http://schemas.openxmlformats.org/drawingml/2006/table">
+            <a:tbl>
+              <a:tblPr firstRow="1" bandRow="1">
+                <a:tableStyleId>{5940675A-B579-460E-94D1-54222C63F5DA}</a:tableStyleId>
+              </a:tblPr>
+              <a:tblGrid>
+                <a:gridCol w="838200">
+                  <a:extLst>
+                    <a:ext uri="{9D8B030D-6E8A-4147-A177-3AD203B41FA5}">
+                      <a16:colId xmlns:a16="http://schemas.microsoft.com/office/drawing/2014/main" val="733727588"/>
+                    </a:ext>
+                  </a:extLst>
+                </a:gridCol>
+                <a:gridCol w="510094">
+                  <a:extLst>
+                    <a:ext uri="{9D8B030D-6E8A-4147-A177-3AD203B41FA5}">
+                      <a16:colId xmlns:a16="http://schemas.microsoft.com/office/drawing/2014/main" val="2602592049"/>
+                    </a:ext>
+                  </a:extLst>
+                </a:gridCol>
+                <a:gridCol w="510094">
+                  <a:extLst>
+                    <a:ext uri="{9D8B030D-6E8A-4147-A177-3AD203B41FA5}">
+                      <a16:colId xmlns:a16="http://schemas.microsoft.com/office/drawing/2014/main" val="3575549038"/>
+                    </a:ext>
+                  </a:extLst>
+                </a:gridCol>
+                <a:gridCol w="510094">
+                  <a:extLst>
+                    <a:ext uri="{9D8B030D-6E8A-4147-A177-3AD203B41FA5}">
+                      <a16:colId xmlns:a16="http://schemas.microsoft.com/office/drawing/2014/main" val="831617333"/>
+                    </a:ext>
+                  </a:extLst>
+                </a:gridCol>
+                <a:gridCol w="510094">
+                  <a:extLst>
+                    <a:ext uri="{9D8B030D-6E8A-4147-A177-3AD203B41FA5}">
+                      <a16:colId xmlns:a16="http://schemas.microsoft.com/office/drawing/2014/main" val="3218967563"/>
+                    </a:ext>
+                  </a:extLst>
+                </a:gridCol>
+                <a:gridCol w="510094">
+                  <a:extLst>
+                    <a:ext uri="{9D8B030D-6E8A-4147-A177-3AD203B41FA5}">
+                      <a16:colId xmlns:a16="http://schemas.microsoft.com/office/drawing/2014/main" val="3594834760"/>
+                    </a:ext>
+                  </a:extLst>
+                </a:gridCol>
+                <a:gridCol w="510094">
+                  <a:extLst>
+                    <a:ext uri="{9D8B030D-6E8A-4147-A177-3AD203B41FA5}">
+                      <a16:colId xmlns:a16="http://schemas.microsoft.com/office/drawing/2014/main" val="2682597463"/>
+                    </a:ext>
+                  </a:extLst>
+                </a:gridCol>
+                <a:gridCol w="510094">
+                  <a:extLst>
+                    <a:ext uri="{9D8B030D-6E8A-4147-A177-3AD203B41FA5}">
+                      <a16:colId xmlns:a16="http://schemas.microsoft.com/office/drawing/2014/main" val="3439388444"/>
+                    </a:ext>
+                  </a:extLst>
+                </a:gridCol>
+                <a:gridCol w="510094">
+                  <a:extLst>
+                    <a:ext uri="{9D8B030D-6E8A-4147-A177-3AD203B41FA5}">
+                      <a16:colId xmlns:a16="http://schemas.microsoft.com/office/drawing/2014/main" val="3670994415"/>
+                    </a:ext>
+                  </a:extLst>
+                </a:gridCol>
+                <a:gridCol w="510094">
+                  <a:extLst>
+                    <a:ext uri="{9D8B030D-6E8A-4147-A177-3AD203B41FA5}">
+                      <a16:colId xmlns:a16="http://schemas.microsoft.com/office/drawing/2014/main" val="3264987435"/>
+                    </a:ext>
+                  </a:extLst>
+                </a:gridCol>
+                <a:gridCol w="510094">
+                  <a:extLst>
+                    <a:ext uri="{9D8B030D-6E8A-4147-A177-3AD203B41FA5}">
+                      <a16:colId xmlns:a16="http://schemas.microsoft.com/office/drawing/2014/main" val="2607637358"/>
+                    </a:ext>
+                  </a:extLst>
+                </a:gridCol>
+                <a:gridCol w="510094">
+                  <a:extLst>
+                    <a:ext uri="{9D8B030D-6E8A-4147-A177-3AD203B41FA5}">
+                      <a16:colId xmlns:a16="http://schemas.microsoft.com/office/drawing/2014/main" val="4040844026"/>
+                    </a:ext>
+                  </a:extLst>
+                </a:gridCol>
+                <a:gridCol w="510094">
+                  <a:extLst>
+                    <a:ext uri="{9D8B030D-6E8A-4147-A177-3AD203B41FA5}">
+                      <a16:colId xmlns:a16="http://schemas.microsoft.com/office/drawing/2014/main" val="1571313798"/>
+                    </a:ext>
+                  </a:extLst>
+                </a:gridCol>
+              </a:tblGrid>
+              <a:tr h="370840">
+                <a:tc>
+                  <a:txBody>
+                    <a:bodyPr/>
+                    <a:lstStyle/>
+                    <a:p>
+                      <a:r>
+                        <a:rPr lang="en-GB" dirty="0"/>
+                        <a:t>FCFS</a:t>
+                      </a:r>
+                      <a:endParaRPr lang="en-SE" dirty="0"/>
+                    </a:p>
+                  </a:txBody>
+                  <a:tcPr/>
+                </a:tc>
+                <a:tc>
+                  <a:txBody>
+                    <a:bodyPr/>
+                    <a:lstStyle/>
+                    <a:p>
+                      <a:pPr algn="ctr"/>
+                      <a:r>
+                        <a:rPr lang="en-GB" dirty="0"/>
+                        <a:t>1</a:t>
+                      </a:r>
+                      <a:endParaRPr lang="en-SE" dirty="0"/>
+                    </a:p>
+                  </a:txBody>
+                  <a:tcPr/>
+                </a:tc>
+                <a:tc>
+                  <a:txBody>
+                    <a:bodyPr/>
+                    <a:lstStyle/>
+                    <a:p>
+                      <a:pPr algn="ctr"/>
+                      <a:r>
+                        <a:rPr lang="en-GB" dirty="0"/>
+                        <a:t>1</a:t>
+                      </a:r>
+                      <a:endParaRPr lang="en-SE" dirty="0"/>
+                    </a:p>
+                  </a:txBody>
+                  <a:tcPr/>
+                </a:tc>
+                <a:tc>
+                  <a:txBody>
+                    <a:bodyPr/>
+                    <a:lstStyle/>
+                    <a:p>
+                      <a:pPr algn="ctr"/>
+                      <a:r>
+                        <a:rPr lang="en-GB" dirty="0"/>
+                        <a:t>1</a:t>
+                      </a:r>
+                      <a:endParaRPr lang="en-SE" dirty="0"/>
+                    </a:p>
+                  </a:txBody>
+                  <a:tcPr/>
+                </a:tc>
+                <a:tc>
+                  <a:txBody>
+                    <a:bodyPr/>
+                    <a:lstStyle/>
+                    <a:p>
+                      <a:pPr algn="ctr"/>
+                      <a:r>
+                        <a:rPr lang="en-GB" dirty="0"/>
+                        <a:t>2</a:t>
+                      </a:r>
+                      <a:endParaRPr lang="en-SE" dirty="0"/>
+                    </a:p>
+                  </a:txBody>
+                  <a:tcPr/>
+                </a:tc>
+                <a:tc>
+                  <a:txBody>
+                    <a:bodyPr/>
+                    <a:lstStyle/>
+                    <a:p>
+                      <a:pPr algn="ctr"/>
+                      <a:r>
+                        <a:rPr lang="en-GB" dirty="0"/>
+                        <a:t>2</a:t>
+                      </a:r>
+                      <a:endParaRPr lang="en-SE" dirty="0"/>
+                    </a:p>
+                  </a:txBody>
+                  <a:tcPr/>
+                </a:tc>
+                <a:tc>
+                  <a:txBody>
+                    <a:bodyPr/>
+                    <a:lstStyle/>
+                    <a:p>
+                      <a:pPr algn="ctr"/>
+                      <a:r>
+                        <a:rPr lang="en-GB" dirty="0"/>
+                        <a:t>2</a:t>
+                      </a:r>
+                      <a:endParaRPr lang="en-SE" dirty="0"/>
+                    </a:p>
+                  </a:txBody>
+                  <a:tcPr/>
+                </a:tc>
+                <a:tc>
+                  <a:txBody>
+                    <a:bodyPr/>
+                    <a:lstStyle/>
+                    <a:p>
+                      <a:pPr algn="ctr"/>
+                      <a:r>
+                        <a:rPr lang="en-GB" dirty="0"/>
+                        <a:t>2</a:t>
+                      </a:r>
+                      <a:endParaRPr lang="en-SE" dirty="0"/>
+                    </a:p>
+                  </a:txBody>
+                  <a:tcPr/>
+                </a:tc>
+                <a:tc>
+                  <a:txBody>
+                    <a:bodyPr/>
+                    <a:lstStyle/>
+                    <a:p>
+                      <a:pPr algn="ctr"/>
+                      <a:r>
+                        <a:rPr lang="en-GB" dirty="0"/>
+                        <a:t>2</a:t>
+                      </a:r>
+                      <a:endParaRPr lang="en-SE" dirty="0"/>
+                    </a:p>
+                  </a:txBody>
+                  <a:tcPr/>
+                </a:tc>
+                <a:tc>
+                  <a:txBody>
+                    <a:bodyPr/>
+                    <a:lstStyle/>
+                    <a:p>
+                      <a:pPr algn="ctr"/>
+                      <a:r>
+                        <a:rPr lang="en-GB" dirty="0"/>
+                        <a:t>3</a:t>
+                      </a:r>
+                      <a:endParaRPr lang="en-SE" dirty="0"/>
+                    </a:p>
+                  </a:txBody>
+                  <a:tcPr/>
+                </a:tc>
+                <a:tc>
+                  <a:txBody>
+                    <a:bodyPr/>
+                    <a:lstStyle/>
+                    <a:p>
+                      <a:pPr algn="ctr"/>
+                      <a:r>
+                        <a:rPr lang="en-GB" dirty="0"/>
+                        <a:t>3</a:t>
+                      </a:r>
+                      <a:endParaRPr lang="en-SE" dirty="0"/>
+                    </a:p>
+                  </a:txBody>
+                  <a:tcPr/>
+                </a:tc>
+                <a:tc>
+                  <a:txBody>
+                    <a:bodyPr/>
+                    <a:lstStyle/>
+                    <a:p>
+                      <a:pPr algn="ctr"/>
+                      <a:r>
+                        <a:rPr lang="en-GB" dirty="0"/>
+                        <a:t>4</a:t>
+                      </a:r>
+                      <a:endParaRPr lang="en-SE" dirty="0"/>
+                    </a:p>
+                  </a:txBody>
+                  <a:tcPr/>
+                </a:tc>
+                <a:tc>
+                  <a:txBody>
+                    <a:bodyPr/>
+                    <a:lstStyle/>
+                    <a:p>
+                      <a:pPr algn="ctr"/>
+                      <a:r>
+                        <a:rPr lang="en-GB" dirty="0"/>
+                        <a:t>4</a:t>
+                      </a:r>
+                      <a:endParaRPr lang="en-SE" dirty="0"/>
+                    </a:p>
+                  </a:txBody>
+                  <a:tcPr/>
+                </a:tc>
+                <a:extLst>
+                  <a:ext uri="{0D108BD9-81ED-4DB2-BD59-A6C34878D82A}">
+                    <a16:rowId xmlns:a16="http://schemas.microsoft.com/office/drawing/2014/main" val="2765478547"/>
+                  </a:ext>
+                </a:extLst>
+              </a:tr>
+              <a:tr h="370840">
+                <a:tc>
+                  <a:txBody>
+                    <a:bodyPr/>
+                    <a:lstStyle/>
+                    <a:p>
+                      <a:r>
+                        <a:rPr lang="en-GB" dirty="0"/>
+                        <a:t>SJF</a:t>
+                      </a:r>
+                      <a:endParaRPr lang="en-SE" dirty="0"/>
+                    </a:p>
+                  </a:txBody>
+                  <a:tcPr/>
+                </a:tc>
+                <a:tc>
+                  <a:txBody>
+                    <a:bodyPr/>
+                    <a:lstStyle/>
+                    <a:p>
+                      <a:pPr algn="ctr"/>
+                      <a:r>
+                        <a:rPr lang="en-GB" dirty="0"/>
+                        <a:t>1</a:t>
+                      </a:r>
+                      <a:endParaRPr lang="en-SE" dirty="0"/>
+                    </a:p>
+                  </a:txBody>
+                  <a:tcPr/>
+                </a:tc>
+                <a:tc>
+                  <a:txBody>
+                    <a:bodyPr/>
+                    <a:lstStyle/>
+                    <a:p>
+                      <a:pPr algn="ctr"/>
+                      <a:r>
+                        <a:rPr lang="en-GB" dirty="0"/>
+                        <a:t>1</a:t>
+                      </a:r>
+                      <a:endParaRPr lang="en-SE" dirty="0"/>
+                    </a:p>
+                  </a:txBody>
+                  <a:tcPr/>
+                </a:tc>
+                <a:tc>
+                  <a:txBody>
+                    <a:bodyPr/>
+                    <a:lstStyle/>
+                    <a:p>
+                      <a:pPr algn="ctr"/>
+                      <a:r>
+                        <a:rPr lang="en-GB" dirty="0"/>
+                        <a:t>1</a:t>
+                      </a:r>
+                      <a:endParaRPr lang="en-SE" dirty="0"/>
+                    </a:p>
+                  </a:txBody>
+                  <a:tcPr/>
+                </a:tc>
+                <a:tc>
+                  <a:txBody>
+                    <a:bodyPr/>
+                    <a:lstStyle/>
+                    <a:p>
+                      <a:pPr algn="ctr"/>
+                      <a:r>
+                        <a:rPr lang="en-GB" dirty="0"/>
+                        <a:t>3</a:t>
+                      </a:r>
+                      <a:endParaRPr lang="en-SE" dirty="0"/>
+                    </a:p>
+                  </a:txBody>
+                  <a:tcPr/>
+                </a:tc>
+                <a:tc>
+                  <a:txBody>
+                    <a:bodyPr/>
+                    <a:lstStyle/>
+                    <a:p>
+                      <a:pPr algn="ctr"/>
+                      <a:r>
+                        <a:rPr lang="en-GB" dirty="0"/>
+                        <a:t>3</a:t>
+                      </a:r>
+                      <a:endParaRPr lang="en-SE" dirty="0"/>
+                    </a:p>
+                  </a:txBody>
+                  <a:tcPr/>
+                </a:tc>
+                <a:tc>
+                  <a:txBody>
+                    <a:bodyPr/>
+                    <a:lstStyle/>
+                    <a:p>
+                      <a:pPr algn="ctr"/>
+                      <a:r>
+                        <a:rPr lang="en-GB" dirty="0"/>
+                        <a:t>2</a:t>
+                      </a:r>
+                      <a:endParaRPr lang="en-SE" dirty="0"/>
+                    </a:p>
+                  </a:txBody>
+                  <a:tcPr/>
+                </a:tc>
+                <a:tc>
+                  <a:txBody>
+                    <a:bodyPr/>
+                    <a:lstStyle/>
+                    <a:p>
+                      <a:pPr algn="ctr"/>
+                      <a:r>
+                        <a:rPr lang="en-GB" dirty="0"/>
+                        <a:t>2</a:t>
+                      </a:r>
+                      <a:endParaRPr lang="en-SE" dirty="0"/>
+                    </a:p>
+                  </a:txBody>
+                  <a:tcPr/>
+                </a:tc>
+                <a:tc>
+                  <a:txBody>
+                    <a:bodyPr/>
+                    <a:lstStyle/>
+                    <a:p>
+                      <a:pPr algn="ctr"/>
+                      <a:r>
+                        <a:rPr lang="en-GB" dirty="0"/>
+                        <a:t>2</a:t>
+                      </a:r>
+                      <a:endParaRPr lang="en-SE" dirty="0"/>
+                    </a:p>
+                  </a:txBody>
+                  <a:tcPr/>
+                </a:tc>
+                <a:tc>
+                  <a:txBody>
+                    <a:bodyPr/>
+                    <a:lstStyle/>
+                    <a:p>
+                      <a:pPr algn="ctr"/>
+                      <a:r>
+                        <a:rPr lang="en-GB" dirty="0"/>
+                        <a:t>2</a:t>
+                      </a:r>
+                      <a:endParaRPr lang="en-SE" dirty="0"/>
+                    </a:p>
+                  </a:txBody>
+                  <a:tcPr/>
+                </a:tc>
+                <a:tc>
+                  <a:txBody>
+                    <a:bodyPr/>
+                    <a:lstStyle/>
+                    <a:p>
+                      <a:pPr algn="ctr"/>
+                      <a:r>
+                        <a:rPr lang="en-GB" dirty="0"/>
+                        <a:t>2</a:t>
+                      </a:r>
+                      <a:endParaRPr lang="en-SE" dirty="0"/>
+                    </a:p>
+                  </a:txBody>
+                  <a:tcPr/>
+                </a:tc>
+                <a:tc>
+                  <a:txBody>
+                    <a:bodyPr/>
+                    <a:lstStyle/>
+                    <a:p>
+                      <a:pPr algn="ctr"/>
+                      <a:r>
+                        <a:rPr lang="en-GB" dirty="0"/>
+                        <a:t>4</a:t>
+                      </a:r>
+                      <a:endParaRPr lang="en-SE" dirty="0"/>
+                    </a:p>
+                  </a:txBody>
+                  <a:tcPr/>
+                </a:tc>
+                <a:tc>
+                  <a:txBody>
+                    <a:bodyPr/>
+                    <a:lstStyle/>
+                    <a:p>
+                      <a:pPr algn="ctr"/>
+                      <a:r>
+                        <a:rPr lang="en-GB" dirty="0"/>
+                        <a:t>4</a:t>
+                      </a:r>
+                      <a:endParaRPr lang="en-SE" dirty="0"/>
+                    </a:p>
+                  </a:txBody>
+                  <a:tcPr/>
+                </a:tc>
+                <a:extLst>
+                  <a:ext uri="{0D108BD9-81ED-4DB2-BD59-A6C34878D82A}">
+                    <a16:rowId xmlns:a16="http://schemas.microsoft.com/office/drawing/2014/main" val="3821195699"/>
+                  </a:ext>
+                </a:extLst>
+              </a:tr>
+              <a:tr h="370840">
+                <a:tc>
+                  <a:txBody>
+                    <a:bodyPr/>
+                    <a:lstStyle/>
+                    <a:p>
+                      <a:r>
+                        <a:rPr lang="en-GB" dirty="0"/>
+                        <a:t>SRTF</a:t>
+                      </a:r>
+                      <a:endParaRPr lang="en-SE" dirty="0"/>
+                    </a:p>
+                  </a:txBody>
+                  <a:tcPr/>
+                </a:tc>
+                <a:tc>
+                  <a:txBody>
+                    <a:bodyPr/>
+                    <a:lstStyle/>
+                    <a:p>
+                      <a:pPr algn="ctr"/>
+                      <a:r>
+                        <a:rPr lang="en-GB" dirty="0"/>
+                        <a:t>1</a:t>
+                      </a:r>
+                      <a:endParaRPr lang="en-SE" dirty="0"/>
+                    </a:p>
+                  </a:txBody>
+                  <a:tcPr/>
+                </a:tc>
+                <a:tc>
+                  <a:txBody>
+                    <a:bodyPr/>
+                    <a:lstStyle/>
+                    <a:p>
+                      <a:pPr algn="ctr"/>
+                      <a:r>
+                        <a:rPr lang="en-GB" dirty="0"/>
+                        <a:t>1</a:t>
+                      </a:r>
+                      <a:endParaRPr lang="en-SE" dirty="0"/>
+                    </a:p>
+                  </a:txBody>
+                  <a:tcPr/>
+                </a:tc>
+                <a:tc>
+                  <a:txBody>
+                    <a:bodyPr/>
+                    <a:lstStyle/>
+                    <a:p>
+                      <a:pPr algn="ctr"/>
+                      <a:r>
+                        <a:rPr lang="en-GB" dirty="0"/>
+                        <a:t>1</a:t>
+                      </a:r>
+                      <a:endParaRPr lang="en-SE" dirty="0"/>
+                    </a:p>
+                  </a:txBody>
+                  <a:tcPr/>
+                </a:tc>
+                <a:tc>
+                  <a:txBody>
+                    <a:bodyPr/>
+                    <a:lstStyle/>
+                    <a:p>
+                      <a:pPr algn="ctr"/>
+                      <a:r>
+                        <a:rPr lang="en-GB" dirty="0"/>
+                        <a:t>3</a:t>
+                      </a:r>
+                      <a:endParaRPr lang="en-SE" dirty="0"/>
+                    </a:p>
+                  </a:txBody>
+                  <a:tcPr/>
+                </a:tc>
+                <a:tc>
+                  <a:txBody>
+                    <a:bodyPr/>
+                    <a:lstStyle/>
+                    <a:p>
+                      <a:pPr algn="ctr"/>
+                      <a:r>
+                        <a:rPr lang="en-GB" dirty="0"/>
+                        <a:t>3</a:t>
+                      </a:r>
+                      <a:endParaRPr lang="en-SE" dirty="0"/>
+                    </a:p>
+                  </a:txBody>
+                  <a:tcPr/>
+                </a:tc>
+                <a:tc>
+                  <a:txBody>
+                    <a:bodyPr/>
+                    <a:lstStyle/>
+                    <a:p>
+                      <a:pPr algn="ctr"/>
+                      <a:r>
+                        <a:rPr lang="en-GB" dirty="0"/>
+                        <a:t>2</a:t>
+                      </a:r>
+                      <a:endParaRPr lang="en-SE" dirty="0"/>
+                    </a:p>
+                  </a:txBody>
+                  <a:tcPr/>
+                </a:tc>
+                <a:tc>
+                  <a:txBody>
+                    <a:bodyPr/>
+                    <a:lstStyle/>
+                    <a:p>
+                      <a:pPr algn="ctr"/>
+                      <a:r>
+                        <a:rPr lang="en-GB" dirty="0"/>
+                        <a:t>2</a:t>
+                      </a:r>
+                      <a:endParaRPr lang="en-SE" dirty="0"/>
+                    </a:p>
+                  </a:txBody>
+                  <a:tcPr/>
+                </a:tc>
+                <a:tc>
+                  <a:txBody>
+                    <a:bodyPr/>
+                    <a:lstStyle/>
+                    <a:p>
+                      <a:pPr algn="ctr"/>
+                      <a:r>
+                        <a:rPr lang="en-GB" dirty="0"/>
+                        <a:t>2</a:t>
+                      </a:r>
+                      <a:endParaRPr lang="en-SE" dirty="0"/>
+                    </a:p>
+                  </a:txBody>
+                  <a:tcPr/>
+                </a:tc>
+                <a:tc>
+                  <a:txBody>
+                    <a:bodyPr/>
+                    <a:lstStyle/>
+                    <a:p>
+                      <a:pPr algn="ctr"/>
+                      <a:r>
+                        <a:rPr lang="en-GB" dirty="0"/>
+                        <a:t>2</a:t>
+                      </a:r>
+                      <a:endParaRPr lang="en-SE" dirty="0"/>
+                    </a:p>
+                  </a:txBody>
+                  <a:tcPr/>
+                </a:tc>
+                <a:tc>
+                  <a:txBody>
+                    <a:bodyPr/>
+                    <a:lstStyle/>
+                    <a:p>
+                      <a:pPr algn="ctr"/>
+                      <a:r>
+                        <a:rPr lang="en-GB" dirty="0"/>
+                        <a:t>2</a:t>
+                      </a:r>
+                      <a:endParaRPr lang="en-SE" dirty="0"/>
+                    </a:p>
+                  </a:txBody>
+                  <a:tcPr/>
+                </a:tc>
+                <a:tc>
+                  <a:txBody>
+                    <a:bodyPr/>
+                    <a:lstStyle/>
+                    <a:p>
+                      <a:pPr algn="ctr"/>
+                      <a:r>
+                        <a:rPr lang="en-GB" dirty="0"/>
+                        <a:t>4</a:t>
+                      </a:r>
+                      <a:endParaRPr lang="en-SE" dirty="0"/>
+                    </a:p>
+                  </a:txBody>
+                  <a:tcPr/>
+                </a:tc>
+                <a:tc>
+                  <a:txBody>
+                    <a:bodyPr/>
+                    <a:lstStyle/>
+                    <a:p>
+                      <a:pPr algn="ctr"/>
+                      <a:r>
+                        <a:rPr lang="en-GB" dirty="0"/>
+                        <a:t>4</a:t>
+                      </a:r>
+                      <a:endParaRPr lang="en-SE" dirty="0"/>
+                    </a:p>
+                  </a:txBody>
+                  <a:tcPr/>
+                </a:tc>
+                <a:extLst>
+                  <a:ext uri="{0D108BD9-81ED-4DB2-BD59-A6C34878D82A}">
+                    <a16:rowId xmlns:a16="http://schemas.microsoft.com/office/drawing/2014/main" val="695064754"/>
+                  </a:ext>
+                </a:extLst>
+              </a:tr>
+              <a:tr h="370840">
+                <a:tc>
+                  <a:txBody>
+                    <a:bodyPr/>
+                    <a:lstStyle/>
+                    <a:p>
+                      <a:r>
+                        <a:rPr lang="en-GB" dirty="0"/>
+                        <a:t>RR</a:t>
+                      </a:r>
+                      <a:endParaRPr lang="en-SE" dirty="0"/>
+                    </a:p>
+                  </a:txBody>
+                  <a:tcPr/>
+                </a:tc>
+                <a:tc>
+                  <a:txBody>
+                    <a:bodyPr/>
+                    <a:lstStyle/>
+                    <a:p>
+                      <a:pPr algn="ctr"/>
+                      <a:r>
+                        <a:rPr lang="en-GB" dirty="0"/>
+                        <a:t>1</a:t>
+                      </a:r>
+                      <a:endParaRPr lang="en-SE" dirty="0"/>
+                    </a:p>
+                  </a:txBody>
+                  <a:tcPr/>
+                </a:tc>
+                <a:tc>
+                  <a:txBody>
+                    <a:bodyPr/>
+                    <a:lstStyle/>
+                    <a:p>
+                      <a:pPr algn="ctr"/>
+                      <a:r>
+                        <a:rPr lang="en-GB" dirty="0"/>
+                        <a:t>2</a:t>
+                      </a:r>
+                      <a:endParaRPr lang="en-SE" dirty="0"/>
+                    </a:p>
+                  </a:txBody>
+                  <a:tcPr/>
+                </a:tc>
+                <a:tc>
+                  <a:txBody>
+                    <a:bodyPr/>
+                    <a:lstStyle/>
+                    <a:p>
+                      <a:pPr algn="ctr"/>
+                      <a:r>
+                        <a:rPr lang="en-GB" dirty="0"/>
+                        <a:t>1</a:t>
+                      </a:r>
+                      <a:endParaRPr lang="en-SE" dirty="0"/>
+                    </a:p>
+                  </a:txBody>
+                  <a:tcPr/>
+                </a:tc>
+                <a:tc>
+                  <a:txBody>
+                    <a:bodyPr/>
+                    <a:lstStyle/>
+                    <a:p>
+                      <a:pPr algn="ctr"/>
+                      <a:r>
+                        <a:rPr lang="en-GB" dirty="0"/>
+                        <a:t>3</a:t>
+                      </a:r>
+                      <a:endParaRPr lang="en-SE" dirty="0"/>
+                    </a:p>
+                  </a:txBody>
+                  <a:tcPr/>
+                </a:tc>
+                <a:tc>
+                  <a:txBody>
+                    <a:bodyPr/>
+                    <a:lstStyle/>
+                    <a:p>
+                      <a:pPr algn="ctr"/>
+                      <a:r>
+                        <a:rPr lang="en-GB" dirty="0"/>
+                        <a:t>2</a:t>
+                      </a:r>
+                      <a:endParaRPr lang="en-SE" dirty="0"/>
+                    </a:p>
+                  </a:txBody>
+                  <a:tcPr/>
+                </a:tc>
+                <a:tc>
+                  <a:txBody>
+                    <a:bodyPr/>
+                    <a:lstStyle/>
+                    <a:p>
+                      <a:pPr algn="ctr"/>
+                      <a:r>
+                        <a:rPr lang="en-GB" dirty="0"/>
+                        <a:t>1</a:t>
+                      </a:r>
+                      <a:endParaRPr lang="en-SE" dirty="0"/>
+                    </a:p>
+                  </a:txBody>
+                  <a:tcPr/>
+                </a:tc>
+                <a:tc>
+                  <a:txBody>
+                    <a:bodyPr/>
+                    <a:lstStyle/>
+                    <a:p>
+                      <a:pPr algn="ctr"/>
+                      <a:r>
+                        <a:rPr lang="en-GB" dirty="0"/>
+                        <a:t>3</a:t>
+                      </a:r>
+                      <a:endParaRPr lang="en-SE" dirty="0"/>
+                    </a:p>
+                  </a:txBody>
+                  <a:tcPr/>
+                </a:tc>
+                <a:tc>
+                  <a:txBody>
+                    <a:bodyPr/>
+                    <a:lstStyle/>
+                    <a:p>
+                      <a:pPr algn="ctr"/>
+                      <a:r>
+                        <a:rPr lang="en-GB" dirty="0"/>
+                        <a:t>2</a:t>
+                      </a:r>
+                      <a:endParaRPr lang="en-SE" dirty="0"/>
+                    </a:p>
+                  </a:txBody>
+                  <a:tcPr/>
+                </a:tc>
+                <a:tc>
+                  <a:txBody>
+                    <a:bodyPr/>
+                    <a:lstStyle/>
+                    <a:p>
+                      <a:pPr algn="ctr"/>
+                      <a:r>
+                        <a:rPr lang="en-GB" dirty="0"/>
+                        <a:t>2</a:t>
+                      </a:r>
+                      <a:endParaRPr lang="en-SE" dirty="0"/>
+                    </a:p>
+                  </a:txBody>
+                  <a:tcPr/>
+                </a:tc>
+                <a:tc>
+                  <a:txBody>
+                    <a:bodyPr/>
+                    <a:lstStyle/>
+                    <a:p>
+                      <a:pPr algn="ctr"/>
+                      <a:r>
+                        <a:rPr lang="en-GB" dirty="0"/>
+                        <a:t>4</a:t>
+                      </a:r>
+                      <a:endParaRPr lang="en-SE" dirty="0"/>
+                    </a:p>
+                  </a:txBody>
+                  <a:tcPr/>
+                </a:tc>
+                <a:tc>
+                  <a:txBody>
+                    <a:bodyPr/>
+                    <a:lstStyle/>
+                    <a:p>
+                      <a:pPr algn="ctr"/>
+                      <a:r>
+                        <a:rPr lang="en-GB" dirty="0"/>
+                        <a:t>2</a:t>
+                      </a:r>
+                      <a:endParaRPr lang="en-SE" dirty="0"/>
+                    </a:p>
+                  </a:txBody>
+                  <a:tcPr/>
+                </a:tc>
+                <a:tc>
+                  <a:txBody>
+                    <a:bodyPr/>
+                    <a:lstStyle/>
+                    <a:p>
+                      <a:pPr algn="ctr"/>
+                      <a:r>
+                        <a:rPr lang="en-GB" dirty="0"/>
+                        <a:t>4</a:t>
+                      </a:r>
+                      <a:endParaRPr lang="en-SE" dirty="0"/>
+                    </a:p>
+                  </a:txBody>
+                  <a:tcPr/>
+                </a:tc>
+                <a:extLst>
+                  <a:ext uri="{0D108BD9-81ED-4DB2-BD59-A6C34878D82A}">
+                    <a16:rowId xmlns:a16="http://schemas.microsoft.com/office/drawing/2014/main" val="362492301"/>
+                  </a:ext>
+                </a:extLst>
+              </a:tr>
+            </a:tbl>
+          </a:graphicData>
+        </a:graphic>
+      </p:graphicFrame>
+      <p:graphicFrame>
+        <p:nvGraphicFramePr>
+          <p:cNvPr id="33" name="Table 32">
+            <a:extLst>
+              <a:ext uri="{FF2B5EF4-FFF2-40B4-BE49-F238E27FC236}">
+                <a16:creationId xmlns:a16="http://schemas.microsoft.com/office/drawing/2014/main" id="{E02BD8CA-642F-25CA-59C7-9D29B5074C1B}"/>
+              </a:ext>
+            </a:extLst>
+          </p:cNvPr>
+          <p:cNvGraphicFramePr>
+            <a:graphicFrameLocks noGrp="1"/>
+          </p:cNvGraphicFramePr>
+          <p:nvPr>
+            <p:extLst>
+              <p:ext uri="{D42A27DB-BD31-4B8C-83A1-F6EECF244321}">
+                <p14:modId xmlns:p14="http://schemas.microsoft.com/office/powerpoint/2010/main" val="2896416752"/>
+              </p:ext>
+            </p:extLst>
+          </p:nvPr>
+        </p:nvGraphicFramePr>
+        <p:xfrm>
+          <a:off x="2732442" y="5707713"/>
+          <a:ext cx="7361291" cy="370840"/>
+        </p:xfrm>
+        <a:graphic>
+          <a:graphicData uri="http://schemas.openxmlformats.org/drawingml/2006/table">
+            <a:tbl>
+              <a:tblPr firstRow="1" bandRow="1">
+                <a:tableStyleId>{2D5ABB26-0587-4C30-8999-92F81FD0307C}</a:tableStyleId>
+              </a:tblPr>
+              <a:tblGrid>
+                <a:gridCol w="839540">
+                  <a:extLst>
+                    <a:ext uri="{9D8B030D-6E8A-4147-A177-3AD203B41FA5}">
+                      <a16:colId xmlns:a16="http://schemas.microsoft.com/office/drawing/2014/main" val="733727588"/>
+                    </a:ext>
+                  </a:extLst>
+                </a:gridCol>
+                <a:gridCol w="510909">
+                  <a:extLst>
+                    <a:ext uri="{9D8B030D-6E8A-4147-A177-3AD203B41FA5}">
+                      <a16:colId xmlns:a16="http://schemas.microsoft.com/office/drawing/2014/main" val="2602592049"/>
+                    </a:ext>
+                  </a:extLst>
+                </a:gridCol>
+                <a:gridCol w="510909">
+                  <a:extLst>
+                    <a:ext uri="{9D8B030D-6E8A-4147-A177-3AD203B41FA5}">
+                      <a16:colId xmlns:a16="http://schemas.microsoft.com/office/drawing/2014/main" val="3575549038"/>
+                    </a:ext>
+                  </a:extLst>
+                </a:gridCol>
+                <a:gridCol w="510909">
+                  <a:extLst>
+                    <a:ext uri="{9D8B030D-6E8A-4147-A177-3AD203B41FA5}">
+                      <a16:colId xmlns:a16="http://schemas.microsoft.com/office/drawing/2014/main" val="831617333"/>
+                    </a:ext>
+                  </a:extLst>
+                </a:gridCol>
+                <a:gridCol w="390843">
+                  <a:extLst>
+                    <a:ext uri="{9D8B030D-6E8A-4147-A177-3AD203B41FA5}">
+                      <a16:colId xmlns:a16="http://schemas.microsoft.com/office/drawing/2014/main" val="3218967563"/>
+                    </a:ext>
+                  </a:extLst>
+                </a:gridCol>
+                <a:gridCol w="510909">
+                  <a:extLst>
+                    <a:ext uri="{9D8B030D-6E8A-4147-A177-3AD203B41FA5}">
+                      <a16:colId xmlns:a16="http://schemas.microsoft.com/office/drawing/2014/main" val="3594834760"/>
+                    </a:ext>
+                  </a:extLst>
+                </a:gridCol>
+                <a:gridCol w="510909">
+                  <a:extLst>
+                    <a:ext uri="{9D8B030D-6E8A-4147-A177-3AD203B41FA5}">
+                      <a16:colId xmlns:a16="http://schemas.microsoft.com/office/drawing/2014/main" val="2682597463"/>
+                    </a:ext>
+                  </a:extLst>
+                </a:gridCol>
+                <a:gridCol w="510909">
+                  <a:extLst>
+                    <a:ext uri="{9D8B030D-6E8A-4147-A177-3AD203B41FA5}">
+                      <a16:colId xmlns:a16="http://schemas.microsoft.com/office/drawing/2014/main" val="3439388444"/>
+                    </a:ext>
+                  </a:extLst>
+                </a:gridCol>
+                <a:gridCol w="510909">
+                  <a:extLst>
+                    <a:ext uri="{9D8B030D-6E8A-4147-A177-3AD203B41FA5}">
+                      <a16:colId xmlns:a16="http://schemas.microsoft.com/office/drawing/2014/main" val="3670994415"/>
+                    </a:ext>
+                  </a:extLst>
+                </a:gridCol>
+                <a:gridCol w="510909">
+                  <a:extLst>
+                    <a:ext uri="{9D8B030D-6E8A-4147-A177-3AD203B41FA5}">
+                      <a16:colId xmlns:a16="http://schemas.microsoft.com/office/drawing/2014/main" val="3264987435"/>
+                    </a:ext>
+                  </a:extLst>
+                </a:gridCol>
+                <a:gridCol w="510909">
+                  <a:extLst>
+                    <a:ext uri="{9D8B030D-6E8A-4147-A177-3AD203B41FA5}">
+                      <a16:colId xmlns:a16="http://schemas.microsoft.com/office/drawing/2014/main" val="2607637358"/>
+                    </a:ext>
+                  </a:extLst>
+                </a:gridCol>
+                <a:gridCol w="510909">
+                  <a:extLst>
+                    <a:ext uri="{9D8B030D-6E8A-4147-A177-3AD203B41FA5}">
+                      <a16:colId xmlns:a16="http://schemas.microsoft.com/office/drawing/2014/main" val="4040844026"/>
+                    </a:ext>
+                  </a:extLst>
+                </a:gridCol>
+                <a:gridCol w="510909">
+                  <a:extLst>
+                    <a:ext uri="{9D8B030D-6E8A-4147-A177-3AD203B41FA5}">
+                      <a16:colId xmlns:a16="http://schemas.microsoft.com/office/drawing/2014/main" val="1571313798"/>
+                    </a:ext>
+                  </a:extLst>
+                </a:gridCol>
+                <a:gridCol w="510909">
+                  <a:extLst>
+                    <a:ext uri="{9D8B030D-6E8A-4147-A177-3AD203B41FA5}">
+                      <a16:colId xmlns:a16="http://schemas.microsoft.com/office/drawing/2014/main" val="931111055"/>
+                    </a:ext>
+                  </a:extLst>
+                </a:gridCol>
+              </a:tblGrid>
+              <a:tr h="370840">
+                <a:tc>
+                  <a:txBody>
+                    <a:bodyPr/>
+                    <a:lstStyle/>
+                    <a:p>
+                      <a:r>
+                        <a:rPr lang="en-GB" dirty="0"/>
+                        <a:t>Time </a:t>
+                      </a:r>
+                      <a:endParaRPr lang="en-SE" dirty="0"/>
+                    </a:p>
+                  </a:txBody>
+                  <a:tcPr/>
+                </a:tc>
+                <a:tc>
+                  <a:txBody>
+                    <a:bodyPr/>
+                    <a:lstStyle/>
+                    <a:p>
+                      <a:pPr algn="ctr"/>
+                      <a:r>
+                        <a:rPr lang="en-GB" dirty="0"/>
+                        <a:t>0</a:t>
+                      </a:r>
+                      <a:endParaRPr lang="en-SE" dirty="0"/>
+                    </a:p>
+                  </a:txBody>
+                  <a:tcPr/>
+                </a:tc>
+                <a:tc>
+                  <a:txBody>
+                    <a:bodyPr/>
+                    <a:lstStyle/>
+                    <a:p>
+                      <a:pPr algn="ctr"/>
+                      <a:r>
+                        <a:rPr lang="en-GB" dirty="0"/>
+                        <a:t>1</a:t>
+                      </a:r>
+                      <a:endParaRPr lang="en-SE" dirty="0"/>
+                    </a:p>
+                  </a:txBody>
+                  <a:tcPr/>
+                </a:tc>
+                <a:tc>
+                  <a:txBody>
+                    <a:bodyPr/>
+                    <a:lstStyle/>
+                    <a:p>
+                      <a:pPr algn="ctr"/>
+                      <a:r>
+                        <a:rPr lang="en-GB" dirty="0"/>
+                        <a:t>2</a:t>
+                      </a:r>
+                      <a:endParaRPr lang="en-SE" dirty="0"/>
+                    </a:p>
+                  </a:txBody>
+                  <a:tcPr/>
+                </a:tc>
+                <a:tc>
+                  <a:txBody>
+                    <a:bodyPr/>
+                    <a:lstStyle/>
+                    <a:p>
+                      <a:pPr algn="ctr"/>
+                      <a:r>
+                        <a:rPr lang="en-GB" dirty="0"/>
+                        <a:t>3</a:t>
+                      </a:r>
+                      <a:endParaRPr lang="en-SE" dirty="0"/>
+                    </a:p>
+                  </a:txBody>
+                  <a:tcPr/>
+                </a:tc>
+                <a:tc>
+                  <a:txBody>
+                    <a:bodyPr/>
+                    <a:lstStyle/>
+                    <a:p>
+                      <a:pPr algn="ctr"/>
+                      <a:r>
+                        <a:rPr lang="en-GB" dirty="0"/>
+                        <a:t>4</a:t>
+                      </a:r>
+                      <a:endParaRPr lang="en-SE" dirty="0"/>
+                    </a:p>
+                  </a:txBody>
+                  <a:tcPr/>
+                </a:tc>
+                <a:tc>
+                  <a:txBody>
+                    <a:bodyPr/>
+                    <a:lstStyle/>
+                    <a:p>
+                      <a:pPr algn="ctr"/>
+                      <a:r>
+                        <a:rPr lang="en-GB" dirty="0"/>
+                        <a:t>5</a:t>
+                      </a:r>
+                      <a:endParaRPr lang="en-SE" dirty="0"/>
+                    </a:p>
+                  </a:txBody>
+                  <a:tcPr/>
+                </a:tc>
+                <a:tc>
+                  <a:txBody>
+                    <a:bodyPr/>
+                    <a:lstStyle/>
+                    <a:p>
+                      <a:pPr algn="ctr"/>
+                      <a:r>
+                        <a:rPr lang="en-GB" dirty="0"/>
+                        <a:t>6</a:t>
+                      </a:r>
+                      <a:endParaRPr lang="en-SE" dirty="0"/>
+                    </a:p>
+                  </a:txBody>
+                  <a:tcPr/>
+                </a:tc>
+                <a:tc>
+                  <a:txBody>
+                    <a:bodyPr/>
+                    <a:lstStyle/>
+                    <a:p>
+                      <a:pPr algn="ctr"/>
+                      <a:r>
+                        <a:rPr lang="en-GB" dirty="0"/>
+                        <a:t>7</a:t>
+                      </a:r>
+                      <a:endParaRPr lang="en-SE" dirty="0"/>
+                    </a:p>
+                  </a:txBody>
+                  <a:tcPr/>
+                </a:tc>
+                <a:tc>
+                  <a:txBody>
+                    <a:bodyPr/>
+                    <a:lstStyle/>
+                    <a:p>
+                      <a:pPr algn="ctr"/>
+                      <a:r>
+                        <a:rPr lang="en-GB" dirty="0"/>
+                        <a:t>8</a:t>
+                      </a:r>
+                      <a:endParaRPr lang="en-SE" dirty="0"/>
+                    </a:p>
+                  </a:txBody>
+                  <a:tcPr/>
+                </a:tc>
+                <a:tc>
+                  <a:txBody>
+                    <a:bodyPr/>
+                    <a:lstStyle/>
+                    <a:p>
+                      <a:pPr algn="ctr"/>
+                      <a:r>
+                        <a:rPr lang="en-GB" dirty="0"/>
+                        <a:t>9</a:t>
+                      </a:r>
+                      <a:endParaRPr lang="en-SE" dirty="0"/>
+                    </a:p>
+                  </a:txBody>
+                  <a:tcPr/>
+                </a:tc>
+                <a:tc>
+                  <a:txBody>
+                    <a:bodyPr/>
+                    <a:lstStyle/>
+                    <a:p>
+                      <a:pPr algn="ctr"/>
+                      <a:r>
+                        <a:rPr lang="en-GB" dirty="0"/>
+                        <a:t>10</a:t>
+                      </a:r>
+                      <a:endParaRPr lang="en-SE" dirty="0"/>
+                    </a:p>
+                  </a:txBody>
+                  <a:tcPr/>
+                </a:tc>
+                <a:tc>
+                  <a:txBody>
+                    <a:bodyPr/>
+                    <a:lstStyle/>
+                    <a:p>
+                      <a:pPr algn="ctr"/>
+                      <a:r>
+                        <a:rPr lang="en-GB" dirty="0"/>
+                        <a:t>11</a:t>
+                      </a:r>
+                      <a:endParaRPr lang="en-SE" dirty="0"/>
+                    </a:p>
+                  </a:txBody>
+                  <a:tcPr/>
+                </a:tc>
+                <a:tc>
+                  <a:txBody>
+                    <a:bodyPr/>
+                    <a:lstStyle/>
+                    <a:p>
+                      <a:pPr algn="ctr"/>
+                      <a:r>
+                        <a:rPr lang="en-GB" dirty="0"/>
+                        <a:t>12</a:t>
+                      </a:r>
+                      <a:endParaRPr lang="en-SE" dirty="0"/>
+                    </a:p>
+                  </a:txBody>
+                  <a:tcPr/>
+                </a:tc>
+                <a:extLst>
+                  <a:ext uri="{0D108BD9-81ED-4DB2-BD59-A6C34878D82A}">
+                    <a16:rowId xmlns:a16="http://schemas.microsoft.com/office/drawing/2014/main" val="1169300345"/>
+                  </a:ext>
+                </a:extLst>
+              </a:tr>
+            </a:tbl>
+          </a:graphicData>
+        </a:graphic>
+      </p:graphicFrame>
       <p:sp>
         <p:nvSpPr>
-          <p:cNvPr id="4" name="Content Placeholder 2">
+          <p:cNvPr id="36" name="Content Placeholder 2">
             <a:extLst>
               <a:ext uri="{FF2B5EF4-FFF2-40B4-BE49-F238E27FC236}">
-                <a16:creationId xmlns:a16="http://schemas.microsoft.com/office/drawing/2014/main" id="{0FEE6DBB-E87F-2753-724E-EFAE1A33AED2}"/>
+                <a16:creationId xmlns:a16="http://schemas.microsoft.com/office/drawing/2014/main" id="{85FBEF5D-A600-7D50-0F56-04D432A43B5D}"/>
               </a:ext>
             </a:extLst>
           </p:cNvPr>
@@ -23733,736 +24889,765 @@
         </p:nvSpPr>
         <p:spPr>
           <a:xfrm>
-            <a:off x="812800" y="914400"/>
-            <a:ext cx="10566400" cy="5105400"/>
+            <a:off x="5775901" y="6078553"/>
+            <a:ext cx="1676400" cy="395575"/>
           </a:xfrm>
         </p:spPr>
         <p:txBody>
-          <a:bodyPr/>
+          <a:bodyPr>
+            <a:normAutofit lnSpcReduction="10000"/>
+          </a:bodyPr>
+          <a:lstStyle/>
+          <a:p>
+            <a:pPr marL="0" indent="0">
+              <a:buNone/>
+            </a:pPr>
+            <a:r>
+              <a:rPr lang="en-GB" sz="2400" dirty="0"/>
+              <a:t>Gantt Chart</a:t>
+            </a:r>
+            <a:endParaRPr lang="en-SE" sz="2400" dirty="0"/>
+          </a:p>
+        </p:txBody>
+      </p:sp>
+      <p:cxnSp>
+        <p:nvCxnSpPr>
+          <p:cNvPr id="5" name="Straight Arrow Connector 4">
+            <a:extLst>
+              <a:ext uri="{FF2B5EF4-FFF2-40B4-BE49-F238E27FC236}">
+                <a16:creationId xmlns:a16="http://schemas.microsoft.com/office/drawing/2014/main" id="{0451F4A4-B9A4-D33B-2081-F8E050D8405B}"/>
+              </a:ext>
+            </a:extLst>
+          </p:cNvPr>
+          <p:cNvCxnSpPr>
+            <a:cxnSpLocks/>
+          </p:cNvCxnSpPr>
+          <p:nvPr/>
+        </p:nvCxnSpPr>
+        <p:spPr bwMode="auto">
+          <a:xfrm flipV="1">
+            <a:off x="3870743" y="6040584"/>
+            <a:ext cx="0" cy="485455"/>
+          </a:xfrm>
+          <a:prstGeom prst="straightConnector1">
+            <a:avLst/>
+          </a:prstGeom>
+          <a:ln w="19050" cap="flat" cmpd="sng" algn="ctr">
+            <a:solidFill>
+              <a:schemeClr val="accent1"/>
+            </a:solidFill>
+            <a:prstDash val="solid"/>
+            <a:round/>
+            <a:headEnd type="none" w="med" len="med"/>
+            <a:tailEnd type="arrow" w="med" len="med"/>
+          </a:ln>
+          <a:extLst>
+            <a:ext uri="{AF507438-7753-43e0-B8FC-AC1667EBCBE1}">
+              <a14:hiddenEffects xmlns="" xmlns:a14="http://schemas.microsoft.com/office/drawing/2010/main">
+                <a:effectLst>
+                  <a:outerShdw dist="35921" dir="2700000" algn="ctr" rotWithShape="0">
+                    <a:schemeClr val="bg2"/>
+                  </a:outerShdw>
+                </a:effectLst>
+              </a14:hiddenEffects>
+            </a:ext>
+          </a:extLst>
+        </p:spPr>
+        <p:style>
+          <a:lnRef idx="0">
+            <a:scrgbClr r="0" g="0" b="0"/>
+          </a:lnRef>
+          <a:fillRef idx="0">
+            <a:scrgbClr r="0" g="0" b="0"/>
+          </a:fillRef>
+          <a:effectRef idx="0">
+            <a:scrgbClr r="0" g="0" b="0"/>
+          </a:effectRef>
+          <a:fontRef idx="minor">
+            <a:schemeClr val="tx1"/>
+          </a:fontRef>
+        </p:style>
+      </p:cxnSp>
+      <p:sp>
+        <p:nvSpPr>
+          <p:cNvPr id="7" name="TextBox 6">
+            <a:extLst>
+              <a:ext uri="{FF2B5EF4-FFF2-40B4-BE49-F238E27FC236}">
+                <a16:creationId xmlns:a16="http://schemas.microsoft.com/office/drawing/2014/main" id="{432EADD6-069B-C544-7F12-3B451ED099F0}"/>
+              </a:ext>
+            </a:extLst>
+          </p:cNvPr>
+          <p:cNvSpPr txBox="1"/>
+          <p:nvPr/>
+        </p:nvSpPr>
+        <p:spPr>
+          <a:xfrm>
+            <a:off x="3333334" y="6472427"/>
+            <a:ext cx="1013867" cy="369332"/>
+          </a:xfrm>
+          <a:prstGeom prst="rect">
+            <a:avLst/>
+          </a:prstGeom>
+          <a:noFill/>
+        </p:spPr>
+        <p:txBody>
+          <a:bodyPr wrap="none" rtlCol="0">
+            <a:spAutoFit/>
+          </a:bodyPr>
           <a:lstStyle/>
           <a:p>
             <a:r>
-              <a:rPr lang="en-GB" dirty="0"/>
-              <a:t>Consider the set of 3 processes whose arrival time and CPU/IO burst times are given below. If the CPU scheduling policy is </a:t>
+              <a:rPr lang="en-GB" dirty="0">
+                <a:solidFill>
+                  <a:schemeClr val="accent1">
+                    <a:lumMod val="75000"/>
+                  </a:schemeClr>
+                </a:solidFill>
+                <a:latin typeface="Gill Sans Light"/>
+              </a:rPr>
+              <a:t>P1 arrival</a:t>
             </a:r>
+            <a:endParaRPr lang="en-SE" dirty="0">
+              <a:solidFill>
+                <a:schemeClr val="accent1">
+                  <a:lumMod val="75000"/>
+                </a:schemeClr>
+              </a:solidFill>
+              <a:latin typeface="Gill Sans Light"/>
+            </a:endParaRPr>
+          </a:p>
+        </p:txBody>
+      </p:sp>
+      <p:cxnSp>
+        <p:nvCxnSpPr>
+          <p:cNvPr id="8" name="Straight Arrow Connector 7">
+            <a:extLst>
+              <a:ext uri="{FF2B5EF4-FFF2-40B4-BE49-F238E27FC236}">
+                <a16:creationId xmlns:a16="http://schemas.microsoft.com/office/drawing/2014/main" id="{CE88742C-C130-5BD7-B9C0-F7BDFD735479}"/>
+              </a:ext>
+            </a:extLst>
+          </p:cNvPr>
+          <p:cNvCxnSpPr>
+            <a:cxnSpLocks/>
+          </p:cNvCxnSpPr>
+          <p:nvPr/>
+        </p:nvCxnSpPr>
+        <p:spPr bwMode="auto">
+          <a:xfrm flipV="1">
+            <a:off x="4343400" y="6063249"/>
+            <a:ext cx="0" cy="259272"/>
+          </a:xfrm>
+          <a:prstGeom prst="straightConnector1">
+            <a:avLst/>
+          </a:prstGeom>
+          <a:ln w="19050" cap="flat" cmpd="sng" algn="ctr">
+            <a:solidFill>
+              <a:schemeClr val="accent1"/>
+            </a:solidFill>
+            <a:prstDash val="solid"/>
+            <a:round/>
+            <a:headEnd type="none" w="med" len="med"/>
+            <a:tailEnd type="arrow" w="med" len="med"/>
+          </a:ln>
+          <a:extLst>
+            <a:ext uri="{AF507438-7753-43e0-B8FC-AC1667EBCBE1}">
+              <a14:hiddenEffects xmlns="" xmlns:a14="http://schemas.microsoft.com/office/drawing/2010/main">
+                <a:effectLst>
+                  <a:outerShdw dist="35921" dir="2700000" algn="ctr" rotWithShape="0">
+                    <a:schemeClr val="bg2"/>
+                  </a:outerShdw>
+                </a:effectLst>
+              </a14:hiddenEffects>
+            </a:ext>
+          </a:extLst>
+        </p:spPr>
+        <p:style>
+          <a:lnRef idx="0">
+            <a:scrgbClr r="0" g="0" b="0"/>
+          </a:lnRef>
+          <a:fillRef idx="0">
+            <a:scrgbClr r="0" g="0" b="0"/>
+          </a:fillRef>
+          <a:effectRef idx="0">
+            <a:scrgbClr r="0" g="0" b="0"/>
+          </a:effectRef>
+          <a:fontRef idx="minor">
+            <a:schemeClr val="tx1"/>
+          </a:fontRef>
+        </p:style>
+      </p:cxnSp>
+      <p:sp>
+        <p:nvSpPr>
+          <p:cNvPr id="9" name="TextBox 8">
+            <a:extLst>
+              <a:ext uri="{FF2B5EF4-FFF2-40B4-BE49-F238E27FC236}">
+                <a16:creationId xmlns:a16="http://schemas.microsoft.com/office/drawing/2014/main" id="{049969F4-BC77-D8CD-4B27-0FF9F6E0C573}"/>
+              </a:ext>
+            </a:extLst>
+          </p:cNvPr>
+          <p:cNvSpPr txBox="1"/>
+          <p:nvPr/>
+        </p:nvSpPr>
+        <p:spPr>
+          <a:xfrm>
+            <a:off x="3870743" y="6226758"/>
+            <a:ext cx="1013867" cy="369332"/>
+          </a:xfrm>
+          <a:prstGeom prst="rect">
+            <a:avLst/>
+          </a:prstGeom>
+          <a:noFill/>
+        </p:spPr>
+        <p:txBody>
+          <a:bodyPr wrap="none" rtlCol="0">
+            <a:spAutoFit/>
+          </a:bodyPr>
+          <a:lstStyle/>
+          <a:p>
             <a:r>
-              <a:rPr lang="en-GB" b="1" dirty="0"/>
-              <a:t>FCFS</a:t>
+              <a:rPr lang="en-GB" dirty="0">
+                <a:solidFill>
+                  <a:schemeClr val="accent1">
+                    <a:lumMod val="75000"/>
+                  </a:schemeClr>
+                </a:solidFill>
+                <a:latin typeface="Gill Sans Light"/>
+              </a:rPr>
+              <a:t>P2 arrival</a:t>
+            </a:r>
+            <a:endParaRPr lang="en-SE" dirty="0">
+              <a:solidFill>
+                <a:schemeClr val="accent1">
+                  <a:lumMod val="75000"/>
+                </a:schemeClr>
+              </a:solidFill>
+              <a:latin typeface="Gill Sans Light"/>
+            </a:endParaRPr>
+          </a:p>
+        </p:txBody>
+      </p:sp>
+      <p:cxnSp>
+        <p:nvCxnSpPr>
+          <p:cNvPr id="10" name="Straight Arrow Connector 9">
+            <a:extLst>
+              <a:ext uri="{FF2B5EF4-FFF2-40B4-BE49-F238E27FC236}">
+                <a16:creationId xmlns:a16="http://schemas.microsoft.com/office/drawing/2014/main" id="{4E5C1E7A-0617-B9D6-4C6A-DC8D288DF8F6}"/>
+              </a:ext>
+            </a:extLst>
+          </p:cNvPr>
+          <p:cNvCxnSpPr>
+            <a:cxnSpLocks/>
+          </p:cNvCxnSpPr>
+          <p:nvPr/>
+        </p:nvCxnSpPr>
+        <p:spPr bwMode="auto">
+          <a:xfrm flipV="1">
+            <a:off x="5338009" y="6048804"/>
+            <a:ext cx="0" cy="485455"/>
+          </a:xfrm>
+          <a:prstGeom prst="straightConnector1">
+            <a:avLst/>
+          </a:prstGeom>
+          <a:ln w="19050" cap="flat" cmpd="sng" algn="ctr">
+            <a:solidFill>
+              <a:schemeClr val="accent1"/>
+            </a:solidFill>
+            <a:prstDash val="solid"/>
+            <a:round/>
+            <a:headEnd type="none" w="med" len="med"/>
+            <a:tailEnd type="arrow" w="med" len="med"/>
+          </a:ln>
+          <a:extLst>
+            <a:ext uri="{AF507438-7753-43e0-B8FC-AC1667EBCBE1}">
+              <a14:hiddenEffects xmlns="" xmlns:a14="http://schemas.microsoft.com/office/drawing/2010/main">
+                <a:effectLst>
+                  <a:outerShdw dist="35921" dir="2700000" algn="ctr" rotWithShape="0">
+                    <a:schemeClr val="bg2"/>
+                  </a:outerShdw>
+                </a:effectLst>
+              </a14:hiddenEffects>
+            </a:ext>
+          </a:extLst>
+        </p:spPr>
+        <p:style>
+          <a:lnRef idx="0">
+            <a:scrgbClr r="0" g="0" b="0"/>
+          </a:lnRef>
+          <a:fillRef idx="0">
+            <a:scrgbClr r="0" g="0" b="0"/>
+          </a:fillRef>
+          <a:effectRef idx="0">
+            <a:scrgbClr r="0" g="0" b="0"/>
+          </a:effectRef>
+          <a:fontRef idx="minor">
+            <a:schemeClr val="tx1"/>
+          </a:fontRef>
+        </p:style>
+      </p:cxnSp>
+      <p:sp>
+        <p:nvSpPr>
+          <p:cNvPr id="12" name="TextBox 11">
+            <a:extLst>
+              <a:ext uri="{FF2B5EF4-FFF2-40B4-BE49-F238E27FC236}">
+                <a16:creationId xmlns:a16="http://schemas.microsoft.com/office/drawing/2014/main" id="{80B94E16-7F1B-7556-B628-455EBCDF5FB9}"/>
+              </a:ext>
+            </a:extLst>
+          </p:cNvPr>
+          <p:cNvSpPr txBox="1"/>
+          <p:nvPr/>
+        </p:nvSpPr>
+        <p:spPr>
+          <a:xfrm>
+            <a:off x="4800600" y="6480647"/>
+            <a:ext cx="1013867" cy="369332"/>
+          </a:xfrm>
+          <a:prstGeom prst="rect">
+            <a:avLst/>
+          </a:prstGeom>
+          <a:noFill/>
+        </p:spPr>
+        <p:txBody>
+          <a:bodyPr wrap="none" rtlCol="0">
+            <a:spAutoFit/>
+          </a:bodyPr>
+          <a:lstStyle/>
+          <a:p>
+            <a:r>
+              <a:rPr lang="en-GB" dirty="0">
+                <a:solidFill>
+                  <a:schemeClr val="accent1">
+                    <a:lumMod val="75000"/>
+                  </a:schemeClr>
+                </a:solidFill>
+                <a:latin typeface="Gill Sans Light"/>
+              </a:rPr>
+              <a:t>P3 arrival</a:t>
+            </a:r>
+            <a:endParaRPr lang="en-SE" dirty="0">
+              <a:solidFill>
+                <a:schemeClr val="accent1">
+                  <a:lumMod val="75000"/>
+                </a:schemeClr>
+              </a:solidFill>
+              <a:latin typeface="Gill Sans Light"/>
+            </a:endParaRPr>
+          </a:p>
+        </p:txBody>
+      </p:sp>
+      <p:cxnSp>
+        <p:nvCxnSpPr>
+          <p:cNvPr id="13" name="Straight Arrow Connector 12">
+            <a:extLst>
+              <a:ext uri="{FF2B5EF4-FFF2-40B4-BE49-F238E27FC236}">
+                <a16:creationId xmlns:a16="http://schemas.microsoft.com/office/drawing/2014/main" id="{76D78D6D-4B87-D892-04B9-CEE2F68AE7FA}"/>
+              </a:ext>
+            </a:extLst>
+          </p:cNvPr>
+          <p:cNvCxnSpPr>
+            <a:cxnSpLocks/>
+          </p:cNvCxnSpPr>
+          <p:nvPr/>
+        </p:nvCxnSpPr>
+        <p:spPr bwMode="auto">
+          <a:xfrm flipV="1">
+            <a:off x="8438942" y="6024164"/>
+            <a:ext cx="0" cy="485455"/>
+          </a:xfrm>
+          <a:prstGeom prst="straightConnector1">
+            <a:avLst/>
+          </a:prstGeom>
+          <a:ln w="19050" cap="flat" cmpd="sng" algn="ctr">
+            <a:solidFill>
+              <a:schemeClr val="accent1"/>
+            </a:solidFill>
+            <a:prstDash val="solid"/>
+            <a:round/>
+            <a:headEnd type="none" w="med" len="med"/>
+            <a:tailEnd type="arrow" w="med" len="med"/>
+          </a:ln>
+          <a:extLst>
+            <a:ext uri="{AF507438-7753-43e0-B8FC-AC1667EBCBE1}">
+              <a14:hiddenEffects xmlns="" xmlns:a14="http://schemas.microsoft.com/office/drawing/2010/main">
+                <a:effectLst>
+                  <a:outerShdw dist="35921" dir="2700000" algn="ctr" rotWithShape="0">
+                    <a:schemeClr val="bg2"/>
+                  </a:outerShdw>
+                </a:effectLst>
+              </a14:hiddenEffects>
+            </a:ext>
+          </a:extLst>
+        </p:spPr>
+        <p:style>
+          <a:lnRef idx="0">
+            <a:scrgbClr r="0" g="0" b="0"/>
+          </a:lnRef>
+          <a:fillRef idx="0">
+            <a:scrgbClr r="0" g="0" b="0"/>
+          </a:fillRef>
+          <a:effectRef idx="0">
+            <a:scrgbClr r="0" g="0" b="0"/>
+          </a:effectRef>
+          <a:fontRef idx="minor">
+            <a:schemeClr val="tx1"/>
+          </a:fontRef>
+        </p:style>
+      </p:cxnSp>
+      <p:sp>
+        <p:nvSpPr>
+          <p:cNvPr id="14" name="TextBox 13">
+            <a:extLst>
+              <a:ext uri="{FF2B5EF4-FFF2-40B4-BE49-F238E27FC236}">
+                <a16:creationId xmlns:a16="http://schemas.microsoft.com/office/drawing/2014/main" id="{D63D04D4-BA47-C616-1B5D-BA26CA5631CB}"/>
+              </a:ext>
+            </a:extLst>
+          </p:cNvPr>
+          <p:cNvSpPr txBox="1"/>
+          <p:nvPr/>
+        </p:nvSpPr>
+        <p:spPr>
+          <a:xfrm>
+            <a:off x="7901533" y="6456007"/>
+            <a:ext cx="1013867" cy="369332"/>
+          </a:xfrm>
+          <a:prstGeom prst="rect">
+            <a:avLst/>
+          </a:prstGeom>
+          <a:noFill/>
+        </p:spPr>
+        <p:txBody>
+          <a:bodyPr wrap="none" rtlCol="0">
+            <a:spAutoFit/>
+          </a:bodyPr>
+          <a:lstStyle/>
+          <a:p>
+            <a:r>
+              <a:rPr lang="en-GB" dirty="0">
+                <a:solidFill>
+                  <a:schemeClr val="accent1">
+                    <a:lumMod val="75000"/>
+                  </a:schemeClr>
+                </a:solidFill>
+                <a:latin typeface="Gill Sans Light"/>
+              </a:rPr>
+              <a:t>P4 arrival</a:t>
+            </a:r>
+            <a:endParaRPr lang="en-SE" dirty="0">
+              <a:solidFill>
+                <a:schemeClr val="accent1">
+                  <a:lumMod val="75000"/>
+                </a:schemeClr>
+              </a:solidFill>
+              <a:latin typeface="Gill Sans Light"/>
+            </a:endParaRPr>
+          </a:p>
+        </p:txBody>
+      </p:sp>
+      <p:sp>
+        <p:nvSpPr>
+          <p:cNvPr id="3" name="Content Placeholder 2">
+            <a:extLst>
+              <a:ext uri="{FF2B5EF4-FFF2-40B4-BE49-F238E27FC236}">
+                <a16:creationId xmlns:a16="http://schemas.microsoft.com/office/drawing/2014/main" id="{E2C0AC57-872C-69A0-5B15-B3A330E5308D}"/>
+              </a:ext>
+            </a:extLst>
+          </p:cNvPr>
+          <p:cNvSpPr txBox="1">
+            <a:spLocks/>
+          </p:cNvSpPr>
+          <p:nvPr/>
+        </p:nvSpPr>
+        <p:spPr bwMode="auto">
+          <a:xfrm>
+            <a:off x="812800" y="692320"/>
+            <a:ext cx="10566400" cy="3532034"/>
+          </a:xfrm>
+          <a:prstGeom prst="rect">
+            <a:avLst/>
+          </a:prstGeom>
+          <a:noFill/>
+          <a:ln>
+            <a:noFill/>
+          </a:ln>
+          <a:effectLst/>
+          <a:extLst>
+            <a:ext uri="{FAA26D3D-D897-4be2-8F04-BA451C77F1D7}">
+              <ma14:placeholderFlag xmlns:ma14="http://schemas.microsoft.com/office/mac/drawingml/2011/main" xmlns="" val="1"/>
+            </a:ext>
+            <a:ext uri="{909E8E84-426E-40dd-AFC4-6F175D3DCCD1}">
+              <a14:hiddenFill xmlns:a14="http://schemas.microsoft.com/office/drawing/2010/main" xmlns="">
+                <a:solidFill>
+                  <a:schemeClr val="bg1"/>
+                </a:solidFill>
+              </a14:hiddenFill>
+            </a:ext>
+            <a:ext uri="{91240B29-F687-4f45-9708-019B960494DF}">
+              <a14:hiddenLine xmlns:a14="http://schemas.microsoft.com/office/drawing/2010/main" xmlns="" w="12700">
+                <a:pattFill prst="narHorz">
+                  <a:fgClr>
+                    <a:schemeClr val="tx1"/>
+                  </a:fgClr>
+                  <a:bgClr>
+                    <a:schemeClr val="bg1"/>
+                  </a:bgClr>
+                </a:pattFill>
+                <a:miter lim="800000"/>
+                <a:headEnd/>
+                <a:tailEnd/>
+              </a14:hiddenLine>
+            </a:ext>
+            <a:ext uri="{AF507438-7753-43e0-B8FC-AC1667EBCBE1}">
+              <a14:hiddenEffects xmlns:a14="http://schemas.microsoft.com/office/drawing/2010/main" xmlns="">
+                <a:effectLst>
+                  <a:outerShdw blurRad="63500" dist="38099" dir="2700000" algn="ctr" rotWithShape="0">
+                    <a:schemeClr val="bg2">
+                      <a:alpha val="74998"/>
+                    </a:schemeClr>
+                  </a:outerShdw>
+                </a:effectLst>
+              </a14:hiddenEffects>
+            </a:ext>
+          </a:extLst>
+        </p:spPr>
+        <p:txBody>
+          <a:bodyPr vert="horz" wrap="square" lIns="90478" tIns="44445" rIns="90478" bIns="44445" numCol="1" anchor="t" anchorCtr="0" compatLnSpc="1">
+            <a:prstTxWarp prst="textNoShape">
+              <a:avLst/>
+            </a:prstTxWarp>
+            <a:normAutofit fontScale="92500" lnSpcReduction="10000"/>
+          </a:bodyPr>
+          <a:lstStyle>
+            <a:lvl1pPr marL="285750" indent="-285750" algn="l" rtl="0" eaLnBrk="0" fontAlgn="base" hangingPunct="0">
+              <a:lnSpc>
+                <a:spcPct val="90000"/>
+              </a:lnSpc>
+              <a:spcBef>
+                <a:spcPct val="30000"/>
+              </a:spcBef>
+              <a:spcAft>
+                <a:spcPct val="0"/>
+              </a:spcAft>
+              <a:buSzPct val="100000"/>
+              <a:buChar char="•"/>
+              <a:defRPr sz="2800" b="0" i="0">
+                <a:solidFill>
+                  <a:schemeClr val="tx1"/>
+                </a:solidFill>
+                <a:latin typeface="Gill Sans" panose="020B0502020104020203"/>
+                <a:ea typeface="Gill Sans" panose="020B0502020104020203"/>
+                <a:cs typeface="Gill Sans" panose="020B0502020104020203"/>
+              </a:defRPr>
+            </a:lvl1pPr>
+            <a:lvl2pPr marL="685800" indent="-228600" algn="l" rtl="0" eaLnBrk="0" fontAlgn="base" hangingPunct="0">
+              <a:lnSpc>
+                <a:spcPct val="90000"/>
+              </a:lnSpc>
+              <a:spcBef>
+                <a:spcPct val="30000"/>
+              </a:spcBef>
+              <a:spcAft>
+                <a:spcPct val="0"/>
+              </a:spcAft>
+              <a:buSzPct val="100000"/>
+              <a:buChar char="–"/>
+              <a:defRPr sz="2400" b="0" i="0">
+                <a:solidFill>
+                  <a:schemeClr val="tx1"/>
+                </a:solidFill>
+                <a:latin typeface="Gill Sans" panose="020B0502020104020203"/>
+                <a:ea typeface="Gill Sans" panose="020B0502020104020203"/>
+                <a:cs typeface="Gill Sans" panose="020B0502020104020203"/>
+              </a:defRPr>
+            </a:lvl2pPr>
+            <a:lvl3pPr marL="1143000" indent="-228600" algn="l" rtl="0" eaLnBrk="0" fontAlgn="base" hangingPunct="0">
+              <a:lnSpc>
+                <a:spcPct val="90000"/>
+              </a:lnSpc>
+              <a:spcBef>
+                <a:spcPct val="30000"/>
+              </a:spcBef>
+              <a:spcAft>
+                <a:spcPct val="0"/>
+              </a:spcAft>
+              <a:buSzPct val="100000"/>
+              <a:buChar char="»"/>
+              <a:defRPr sz="2400" b="0" i="0">
+                <a:solidFill>
+                  <a:schemeClr val="tx1"/>
+                </a:solidFill>
+                <a:latin typeface="Gill Sans" panose="020B0502020104020203"/>
+                <a:ea typeface="Gill Sans" panose="020B0502020104020203"/>
+                <a:cs typeface="Gill Sans" panose="020B0502020104020203"/>
+              </a:defRPr>
+            </a:lvl3pPr>
+            <a:lvl4pPr marL="1543050" indent="-171450" algn="l" rtl="0" eaLnBrk="0" fontAlgn="base" hangingPunct="0">
+              <a:lnSpc>
+                <a:spcPct val="90000"/>
+              </a:lnSpc>
+              <a:spcBef>
+                <a:spcPct val="30000"/>
+              </a:spcBef>
+              <a:spcAft>
+                <a:spcPct val="0"/>
+              </a:spcAft>
+              <a:buSzPct val="100000"/>
+              <a:buChar char="•"/>
+              <a:defRPr sz="2400" b="0" i="0">
+                <a:solidFill>
+                  <a:schemeClr val="tx1"/>
+                </a:solidFill>
+                <a:latin typeface="Gill Sans" panose="020B0502020104020203"/>
+                <a:ea typeface="Gill Sans" panose="020B0502020104020203"/>
+                <a:cs typeface="Gill Sans" panose="020B0502020104020203"/>
+              </a:defRPr>
+            </a:lvl4pPr>
+            <a:lvl5pPr marL="2000250" indent="-171450" algn="l" rtl="0" eaLnBrk="0" fontAlgn="base" hangingPunct="0">
+              <a:lnSpc>
+                <a:spcPct val="90000"/>
+              </a:lnSpc>
+              <a:spcBef>
+                <a:spcPct val="30000"/>
+              </a:spcBef>
+              <a:spcAft>
+                <a:spcPct val="0"/>
+              </a:spcAft>
+              <a:buSzPct val="100000"/>
+              <a:buChar char="–"/>
+              <a:defRPr sz="2400" b="0" i="0">
+                <a:solidFill>
+                  <a:schemeClr val="tx1"/>
+                </a:solidFill>
+                <a:latin typeface="Gill Sans" panose="020B0502020104020203"/>
+                <a:ea typeface="Gill Sans" panose="020B0502020104020203"/>
+                <a:cs typeface="Gill Sans" panose="020B0502020104020203"/>
+              </a:defRPr>
+            </a:lvl5pPr>
+            <a:lvl6pPr marL="2457450" indent="-171450" algn="l" rtl="0" eaLnBrk="0" fontAlgn="base" hangingPunct="0">
+              <a:lnSpc>
+                <a:spcPct val="90000"/>
+              </a:lnSpc>
+              <a:spcBef>
+                <a:spcPct val="30000"/>
+              </a:spcBef>
+              <a:spcAft>
+                <a:spcPct val="0"/>
+              </a:spcAft>
+              <a:buSzPct val="100000"/>
+              <a:buChar char="–"/>
+              <a:defRPr sz="2000" b="1">
+                <a:solidFill>
+                  <a:schemeClr val="tx1"/>
+                </a:solidFill>
+                <a:latin typeface="+mn-lt"/>
+              </a:defRPr>
+            </a:lvl6pPr>
+            <a:lvl7pPr marL="2914650" indent="-171450" algn="l" rtl="0" eaLnBrk="0" fontAlgn="base" hangingPunct="0">
+              <a:lnSpc>
+                <a:spcPct val="90000"/>
+              </a:lnSpc>
+              <a:spcBef>
+                <a:spcPct val="30000"/>
+              </a:spcBef>
+              <a:spcAft>
+                <a:spcPct val="0"/>
+              </a:spcAft>
+              <a:buSzPct val="100000"/>
+              <a:buChar char="–"/>
+              <a:defRPr sz="2000" b="1">
+                <a:solidFill>
+                  <a:schemeClr val="tx1"/>
+                </a:solidFill>
+                <a:latin typeface="+mn-lt"/>
+              </a:defRPr>
+            </a:lvl7pPr>
+            <a:lvl8pPr marL="3371850" indent="-171450" algn="l" rtl="0" eaLnBrk="0" fontAlgn="base" hangingPunct="0">
+              <a:lnSpc>
+                <a:spcPct val="90000"/>
+              </a:lnSpc>
+              <a:spcBef>
+                <a:spcPct val="30000"/>
+              </a:spcBef>
+              <a:spcAft>
+                <a:spcPct val="0"/>
+              </a:spcAft>
+              <a:buSzPct val="100000"/>
+              <a:buChar char="–"/>
+              <a:defRPr sz="2000" b="1">
+                <a:solidFill>
+                  <a:schemeClr val="tx1"/>
+                </a:solidFill>
+                <a:latin typeface="+mn-lt"/>
+              </a:defRPr>
+            </a:lvl8pPr>
+            <a:lvl9pPr marL="3829050" indent="-171450" algn="l" rtl="0" eaLnBrk="0" fontAlgn="base" hangingPunct="0">
+              <a:lnSpc>
+                <a:spcPct val="90000"/>
+              </a:lnSpc>
+              <a:spcBef>
+                <a:spcPct val="30000"/>
+              </a:spcBef>
+              <a:spcAft>
+                <a:spcPct val="0"/>
+              </a:spcAft>
+              <a:buSzPct val="100000"/>
+              <a:buChar char="–"/>
+              <a:defRPr sz="2000" b="1">
+                <a:solidFill>
+                  <a:schemeClr val="tx1"/>
+                </a:solidFill>
+                <a:latin typeface="+mn-lt"/>
+              </a:defRPr>
+            </a:lvl9pPr>
+          </a:lstStyle>
+          <a:p>
+            <a:r>
+              <a:rPr lang="en-GB" kern="0" dirty="0"/>
+              <a:t>RR scheduling explanations: </a:t>
+            </a:r>
+          </a:p>
+          <a:p>
+            <a:r>
+              <a:rPr lang="en-GB" kern="0" dirty="0"/>
+              <a:t>Time 1: P2 arrives, and it runs immediately based on our assumption that an arriving process </a:t>
             </a:r>
             <a:r>
               <a:rPr lang="en-GB" dirty="0"/>
-              <a:t>, draw the Gantt chart and calculate the average response time. </a:t>
+              <a:t>is added to the head of the queue upon arrival.</a:t>
             </a:r>
-            <a:endParaRPr lang="en-SE" dirty="0"/>
+          </a:p>
+          <a:p>
+            <a:r>
+              <a:rPr lang="en-GB" kern="0" dirty="0"/>
+              <a:t>Time 3: P3 arrives, and it runs immediately.</a:t>
+            </a:r>
+          </a:p>
+          <a:p>
+            <a:r>
+              <a:rPr lang="en-GB" kern="0" dirty="0"/>
+              <a:t>Time 4: P2 runs since it is next in ready queue based on the cyclic pattern of  “12, 12”.</a:t>
+            </a:r>
+          </a:p>
+          <a:p>
+            <a:r>
+              <a:rPr lang="en-GB" kern="0" dirty="0"/>
+              <a:t>Time 6: P3 runs based on the cyclic pattern of “321, 321”.</a:t>
+            </a:r>
+          </a:p>
+          <a:p>
+            <a:r>
+              <a:rPr lang="en-GB" kern="0" dirty="0"/>
+              <a:t>Time 9: P4 arrives, and it runs immediately.</a:t>
+            </a:r>
+            <a:endParaRPr lang="en-SE" kern="0" dirty="0"/>
+          </a:p>
+          <a:p>
+            <a:endParaRPr lang="en-SE" kern="0" dirty="0"/>
           </a:p>
         </p:txBody>
       </p:sp>
-      <p:graphicFrame>
-        <p:nvGraphicFramePr>
-          <p:cNvPr id="5" name="表格 6">
-            <a:extLst>
-              <a:ext uri="{FF2B5EF4-FFF2-40B4-BE49-F238E27FC236}">
-                <a16:creationId xmlns:a16="http://schemas.microsoft.com/office/drawing/2014/main" id="{AC95CE60-07E0-6F78-BBA8-98CD8A3140D2}"/>
-              </a:ext>
-            </a:extLst>
-          </p:cNvPr>
-          <p:cNvGraphicFramePr>
-            <a:graphicFrameLocks noGrp="1"/>
-          </p:cNvGraphicFramePr>
-          <p:nvPr/>
-        </p:nvGraphicFramePr>
-        <p:xfrm>
-          <a:off x="4191000" y="2362200"/>
-          <a:ext cx="4057622" cy="2377440"/>
-        </p:xfrm>
-        <a:graphic>
-          <a:graphicData uri="http://schemas.openxmlformats.org/drawingml/2006/table">
-            <a:tbl>
-              <a:tblPr firstRow="1" bandRow="1">
-                <a:tableStyleId>{5C22544A-7EE6-4342-B048-85BDC9FD1C3A}</a:tableStyleId>
-              </a:tblPr>
-              <a:tblGrid>
-                <a:gridCol w="320287">
-                  <a:extLst>
-                    <a:ext uri="{9D8B030D-6E8A-4147-A177-3AD203B41FA5}">
-                      <a16:colId xmlns:a16="http://schemas.microsoft.com/office/drawing/2014/main" val="3897766631"/>
-                    </a:ext>
-                  </a:extLst>
-                </a:gridCol>
-                <a:gridCol w="814309">
-                  <a:extLst>
-                    <a:ext uri="{9D8B030D-6E8A-4147-A177-3AD203B41FA5}">
-                      <a16:colId xmlns:a16="http://schemas.microsoft.com/office/drawing/2014/main" val="3850674632"/>
-                    </a:ext>
-                  </a:extLst>
-                </a:gridCol>
-                <a:gridCol w="778832">
-                  <a:extLst>
-                    <a:ext uri="{9D8B030D-6E8A-4147-A177-3AD203B41FA5}">
-                      <a16:colId xmlns:a16="http://schemas.microsoft.com/office/drawing/2014/main" val="3839086762"/>
-                    </a:ext>
-                  </a:extLst>
-                </a:gridCol>
-                <a:gridCol w="1072097">
-                  <a:extLst>
-                    <a:ext uri="{9D8B030D-6E8A-4147-A177-3AD203B41FA5}">
-                      <a16:colId xmlns:a16="http://schemas.microsoft.com/office/drawing/2014/main" val="3306942541"/>
-                    </a:ext>
-                  </a:extLst>
-                </a:gridCol>
-                <a:gridCol w="1072097">
-                  <a:extLst>
-                    <a:ext uri="{9D8B030D-6E8A-4147-A177-3AD203B41FA5}">
-                      <a16:colId xmlns:a16="http://schemas.microsoft.com/office/drawing/2014/main" val="3517187588"/>
-                    </a:ext>
-                  </a:extLst>
-                </a:gridCol>
-              </a:tblGrid>
-              <a:tr h="875830">
-                <a:tc>
-                  <a:txBody>
-                    <a:bodyPr/>
-                    <a:lstStyle/>
-                    <a:p>
-                      <a:pPr algn="r"/>
-                      <a:r>
-                        <a:rPr lang="en-US" b="0" dirty="0">
-                          <a:solidFill>
-                            <a:schemeClr val="tx1"/>
-                          </a:solidFill>
-                        </a:rPr>
-                        <a:t>PID</a:t>
-                      </a:r>
-                    </a:p>
-                  </a:txBody>
-                  <a:tcPr/>
-                </a:tc>
-                <a:tc>
-                  <a:txBody>
-                    <a:bodyPr/>
-                    <a:lstStyle/>
-                    <a:p>
-                      <a:pPr algn="r"/>
-                      <a:r>
-                        <a:rPr lang="en-US" altLang="zh-CN" b="0" dirty="0" err="1">
-                          <a:solidFill>
-                            <a:schemeClr val="tx1"/>
-                          </a:solidFill>
-                        </a:rPr>
-                        <a:t>Arriv</a:t>
-                      </a:r>
-                      <a:r>
-                        <a:rPr lang="en-US" altLang="zh-CN" b="0" dirty="0">
-                          <a:solidFill>
-                            <a:schemeClr val="tx1"/>
-                          </a:solidFill>
-                        </a:rPr>
-                        <a:t>.</a:t>
-                      </a:r>
-                      <a:r>
-                        <a:rPr lang="zh-CN" altLang="en-US" b="0" dirty="0">
-                          <a:solidFill>
-                            <a:schemeClr val="tx1"/>
-                          </a:solidFill>
-                        </a:rPr>
-                        <a:t> </a:t>
-                      </a:r>
-                      <a:r>
-                        <a:rPr lang="en-US" altLang="zh-CN" b="0" dirty="0">
-                          <a:solidFill>
-                            <a:schemeClr val="tx1"/>
-                          </a:solidFill>
-                        </a:rPr>
-                        <a:t>time</a:t>
-                      </a:r>
-                      <a:endParaRPr lang="en-US" b="0" dirty="0">
-                        <a:solidFill>
-                          <a:schemeClr val="tx1"/>
-                        </a:solidFill>
-                      </a:endParaRPr>
-                    </a:p>
-                  </a:txBody>
-                  <a:tcPr/>
-                </a:tc>
-                <a:tc>
-                  <a:txBody>
-                    <a:bodyPr/>
-                    <a:lstStyle/>
-                    <a:p>
-                      <a:pPr algn="r"/>
-                      <a:r>
-                        <a:rPr lang="en-GB" altLang="zh-CN" b="0" dirty="0">
-                          <a:solidFill>
-                            <a:schemeClr val="tx1"/>
-                          </a:solidFill>
-                        </a:rPr>
-                        <a:t>Exec Time</a:t>
-                      </a:r>
-                      <a:endParaRPr lang="en-US" b="0" dirty="0">
-                        <a:solidFill>
-                          <a:schemeClr val="tx1"/>
-                        </a:solidFill>
-                      </a:endParaRPr>
-                    </a:p>
-                  </a:txBody>
-                  <a:tcPr/>
-                </a:tc>
-                <a:tc>
-                  <a:txBody>
-                    <a:bodyPr/>
-                    <a:lstStyle/>
-                    <a:p>
-                      <a:pPr algn="r"/>
-                      <a:r>
-                        <a:rPr lang="en-US" altLang="zh-CN" b="0" dirty="0">
-                          <a:solidFill>
-                            <a:schemeClr val="tx1"/>
-                          </a:solidFill>
-                        </a:rPr>
-                        <a:t>FCFS</a:t>
-                      </a:r>
-                    </a:p>
-                    <a:p>
-                      <a:pPr algn="r"/>
-                      <a:r>
-                        <a:rPr lang="en-US" altLang="zh-CN" b="0" dirty="0">
-                          <a:solidFill>
-                            <a:schemeClr val="tx1"/>
-                          </a:solidFill>
-                        </a:rPr>
-                        <a:t>Finish</a:t>
-                      </a:r>
-                      <a:r>
-                        <a:rPr lang="zh-CN" altLang="en-US" b="0" dirty="0">
-                          <a:solidFill>
-                            <a:schemeClr val="tx1"/>
-                          </a:solidFill>
-                        </a:rPr>
-                        <a:t> </a:t>
-                      </a:r>
-                      <a:r>
-                        <a:rPr lang="en-US" altLang="zh-CN" b="0" dirty="0">
-                          <a:solidFill>
-                            <a:schemeClr val="tx1"/>
-                          </a:solidFill>
-                        </a:rPr>
-                        <a:t>Time</a:t>
-                      </a:r>
-                      <a:endParaRPr lang="en-US" b="0" dirty="0">
-                        <a:solidFill>
-                          <a:schemeClr val="tx1"/>
-                        </a:solidFill>
-                      </a:endParaRPr>
-                    </a:p>
-                  </a:txBody>
-                  <a:tcPr/>
-                </a:tc>
-                <a:tc>
-                  <a:txBody>
-                    <a:bodyPr/>
-                    <a:lstStyle/>
-                    <a:p>
-                      <a:pPr algn="r"/>
-                      <a:r>
-                        <a:rPr lang="en-US" altLang="zh-CN" b="0" dirty="0">
-                          <a:solidFill>
-                            <a:schemeClr val="tx1"/>
-                          </a:solidFill>
-                        </a:rPr>
-                        <a:t>FCFS</a:t>
-                      </a:r>
-                    </a:p>
-                    <a:p>
-                      <a:pPr algn="r"/>
-                      <a:r>
-                        <a:rPr lang="en-US" altLang="zh-CN" b="0" dirty="0">
-                          <a:solidFill>
-                            <a:schemeClr val="tx1"/>
-                          </a:solidFill>
-                        </a:rPr>
-                        <a:t>Response</a:t>
-                      </a:r>
-                      <a:r>
-                        <a:rPr lang="zh-CN" altLang="en-US" b="0" dirty="0">
-                          <a:solidFill>
-                            <a:schemeClr val="tx1"/>
-                          </a:solidFill>
-                        </a:rPr>
-                        <a:t> </a:t>
-                      </a:r>
-                      <a:r>
-                        <a:rPr lang="en-US" altLang="zh-CN" b="0" dirty="0">
-                          <a:solidFill>
-                            <a:schemeClr val="tx1"/>
-                          </a:solidFill>
-                        </a:rPr>
-                        <a:t>Time</a:t>
-                      </a:r>
-                      <a:endParaRPr lang="en-US" b="0" dirty="0">
-                        <a:solidFill>
-                          <a:schemeClr val="tx1"/>
-                        </a:solidFill>
-                      </a:endParaRPr>
-                    </a:p>
-                  </a:txBody>
-                  <a:tcPr marL="45720" marR="45720"/>
-                </a:tc>
-                <a:extLst>
-                  <a:ext uri="{0D108BD9-81ED-4DB2-BD59-A6C34878D82A}">
-                    <a16:rowId xmlns:a16="http://schemas.microsoft.com/office/drawing/2014/main" val="3141622018"/>
-                  </a:ext>
-                </a:extLst>
-              </a:tr>
-              <a:tr h="0">
-                <a:tc>
-                  <a:txBody>
-                    <a:bodyPr/>
-                    <a:lstStyle/>
-                    <a:p>
-                      <a:pPr algn="r"/>
-                      <a:r>
-                        <a:rPr lang="en-US" altLang="zh-CN" dirty="0">
-                          <a:solidFill>
-                            <a:schemeClr val="tx1"/>
-                          </a:solidFill>
-                        </a:rPr>
-                        <a:t>1</a:t>
-                      </a:r>
-                      <a:endParaRPr lang="en-US" dirty="0">
-                        <a:solidFill>
-                          <a:schemeClr val="tx1"/>
-                        </a:solidFill>
-                      </a:endParaRPr>
-                    </a:p>
-                  </a:txBody>
-                  <a:tcPr/>
-                </a:tc>
-                <a:tc>
-                  <a:txBody>
-                    <a:bodyPr/>
-                    <a:lstStyle/>
-                    <a:p>
-                      <a:pPr algn="r"/>
-                      <a:r>
-                        <a:rPr lang="en-US" altLang="zh-CN" dirty="0">
-                          <a:solidFill>
-                            <a:schemeClr val="tx1"/>
-                          </a:solidFill>
-                        </a:rPr>
-                        <a:t>0</a:t>
-                      </a:r>
-                      <a:endParaRPr lang="en-US" dirty="0">
-                        <a:solidFill>
-                          <a:schemeClr val="tx1"/>
-                        </a:solidFill>
-                      </a:endParaRPr>
-                    </a:p>
-                  </a:txBody>
-                  <a:tcPr/>
-                </a:tc>
-                <a:tc>
-                  <a:txBody>
-                    <a:bodyPr/>
-                    <a:lstStyle/>
-                    <a:p>
-                      <a:pPr algn="r"/>
-                      <a:r>
-                        <a:rPr lang="en-US" altLang="zh-CN" strike="noStrike" dirty="0">
-                          <a:solidFill>
-                            <a:schemeClr val="tx1"/>
-                          </a:solidFill>
-                        </a:rPr>
-                        <a:t>2</a:t>
-                      </a:r>
-                      <a:endParaRPr lang="en-US" strike="noStrike" dirty="0">
-                        <a:solidFill>
-                          <a:schemeClr val="tx1"/>
-                        </a:solidFill>
-                      </a:endParaRPr>
-                    </a:p>
-                  </a:txBody>
-                  <a:tcPr/>
-                </a:tc>
-                <a:tc>
-                  <a:txBody>
-                    <a:bodyPr/>
-                    <a:lstStyle/>
-                    <a:p>
-                      <a:pPr algn="r"/>
-                      <a:endParaRPr lang="en-US" dirty="0">
-                        <a:solidFill>
-                          <a:schemeClr val="tx1"/>
-                        </a:solidFill>
-                      </a:endParaRPr>
-                    </a:p>
-                  </a:txBody>
-                  <a:tcPr/>
-                </a:tc>
-                <a:tc>
-                  <a:txBody>
-                    <a:bodyPr/>
-                    <a:lstStyle/>
-                    <a:p>
-                      <a:pPr algn="r"/>
-                      <a:endParaRPr lang="en-US" dirty="0">
-                        <a:solidFill>
-                          <a:schemeClr val="tx1"/>
-                        </a:solidFill>
-                      </a:endParaRPr>
-                    </a:p>
-                  </a:txBody>
-                  <a:tcPr/>
-                </a:tc>
-                <a:extLst>
-                  <a:ext uri="{0D108BD9-81ED-4DB2-BD59-A6C34878D82A}">
-                    <a16:rowId xmlns:a16="http://schemas.microsoft.com/office/drawing/2014/main" val="2311278232"/>
-                  </a:ext>
-                </a:extLst>
-              </a:tr>
-              <a:tr h="0">
-                <a:tc>
-                  <a:txBody>
-                    <a:bodyPr/>
-                    <a:lstStyle/>
-                    <a:p>
-                      <a:pPr marL="0" marR="0" lvl="0" indent="0" algn="r" defTabSz="914400" rtl="0" eaLnBrk="1" fontAlgn="auto" latinLnBrk="0" hangingPunct="1">
-                        <a:lnSpc>
-                          <a:spcPct val="100000"/>
-                        </a:lnSpc>
-                        <a:spcBef>
-                          <a:spcPts val="0"/>
-                        </a:spcBef>
-                        <a:spcAft>
-                          <a:spcPts val="0"/>
-                        </a:spcAft>
-                        <a:buClrTx/>
-                        <a:buSzTx/>
-                        <a:buFontTx/>
-                        <a:buNone/>
-                        <a:tabLst/>
-                        <a:defRPr/>
-                      </a:pPr>
-                      <a:r>
-                        <a:rPr lang="en-US" altLang="zh-CN" dirty="0">
-                          <a:solidFill>
-                            <a:schemeClr val="tx1"/>
-                          </a:solidFill>
-                        </a:rPr>
-                        <a:t>2</a:t>
-                      </a:r>
-                      <a:endParaRPr lang="en-US" dirty="0">
-                        <a:solidFill>
-                          <a:schemeClr val="tx1"/>
-                        </a:solidFill>
-                      </a:endParaRPr>
-                    </a:p>
-                  </a:txBody>
-                  <a:tcPr/>
-                </a:tc>
-                <a:tc>
-                  <a:txBody>
-                    <a:bodyPr/>
-                    <a:lstStyle/>
-                    <a:p>
-                      <a:pPr algn="r"/>
-                      <a:r>
-                        <a:rPr lang="en-US" altLang="zh-CN" baseline="0" dirty="0">
-                          <a:solidFill>
-                            <a:schemeClr val="tx1"/>
-                          </a:solidFill>
-                        </a:rPr>
-                        <a:t>3</a:t>
-                      </a:r>
-                      <a:endParaRPr lang="en-US" baseline="0" dirty="0">
-                        <a:solidFill>
-                          <a:schemeClr val="tx1"/>
-                        </a:solidFill>
-                      </a:endParaRPr>
-                    </a:p>
-                  </a:txBody>
-                  <a:tcPr/>
-                </a:tc>
-                <a:tc>
-                  <a:txBody>
-                    <a:bodyPr/>
-                    <a:lstStyle/>
-                    <a:p>
-                      <a:pPr algn="r"/>
-                      <a:r>
-                        <a:rPr lang="en-US" altLang="zh-CN" dirty="0">
-                          <a:solidFill>
-                            <a:schemeClr val="tx1"/>
-                          </a:solidFill>
-                        </a:rPr>
-                        <a:t>1</a:t>
-                      </a:r>
-                      <a:endParaRPr lang="en-US" dirty="0">
-                        <a:solidFill>
-                          <a:schemeClr val="tx1"/>
-                        </a:solidFill>
-                      </a:endParaRPr>
-                    </a:p>
-                  </a:txBody>
-                  <a:tcPr/>
-                </a:tc>
-                <a:tc>
-                  <a:txBody>
-                    <a:bodyPr/>
-                    <a:lstStyle/>
-                    <a:p>
-                      <a:pPr algn="r"/>
-                      <a:endParaRPr lang="en-US" dirty="0">
-                        <a:solidFill>
-                          <a:schemeClr val="tx1"/>
-                        </a:solidFill>
-                      </a:endParaRPr>
-                    </a:p>
-                  </a:txBody>
-                  <a:tcPr/>
-                </a:tc>
-                <a:tc>
-                  <a:txBody>
-                    <a:bodyPr/>
-                    <a:lstStyle/>
-                    <a:p>
-                      <a:pPr algn="r"/>
-                      <a:endParaRPr lang="en-US" dirty="0">
-                        <a:solidFill>
-                          <a:schemeClr val="tx1"/>
-                        </a:solidFill>
-                      </a:endParaRPr>
-                    </a:p>
-                  </a:txBody>
-                  <a:tcPr/>
-                </a:tc>
-                <a:extLst>
-                  <a:ext uri="{0D108BD9-81ED-4DB2-BD59-A6C34878D82A}">
-                    <a16:rowId xmlns:a16="http://schemas.microsoft.com/office/drawing/2014/main" val="1749603488"/>
-                  </a:ext>
-                </a:extLst>
-              </a:tr>
-              <a:tr h="0">
-                <a:tc>
-                  <a:txBody>
-                    <a:bodyPr/>
-                    <a:lstStyle/>
-                    <a:p>
-                      <a:pPr marL="0" marR="0" lvl="0" indent="0" algn="r" defTabSz="914400" rtl="0" eaLnBrk="1" fontAlgn="auto" latinLnBrk="0" hangingPunct="1">
-                        <a:lnSpc>
-                          <a:spcPct val="100000"/>
-                        </a:lnSpc>
-                        <a:spcBef>
-                          <a:spcPts val="0"/>
-                        </a:spcBef>
-                        <a:spcAft>
-                          <a:spcPts val="0"/>
-                        </a:spcAft>
-                        <a:buClrTx/>
-                        <a:buSzTx/>
-                        <a:buFontTx/>
-                        <a:buNone/>
-                        <a:tabLst/>
-                        <a:defRPr/>
-                      </a:pPr>
-                      <a:r>
-                        <a:rPr lang="en-US" altLang="zh-CN" dirty="0">
-                          <a:solidFill>
-                            <a:schemeClr val="tx1"/>
-                          </a:solidFill>
-                        </a:rPr>
-                        <a:t>3</a:t>
-                      </a:r>
-                      <a:endParaRPr lang="en-US" dirty="0">
-                        <a:solidFill>
-                          <a:schemeClr val="tx1"/>
-                        </a:solidFill>
-                      </a:endParaRPr>
-                    </a:p>
-                  </a:txBody>
-                  <a:tcPr/>
-                </a:tc>
-                <a:tc>
-                  <a:txBody>
-                    <a:bodyPr/>
-                    <a:lstStyle/>
-                    <a:p>
-                      <a:pPr algn="r"/>
-                      <a:r>
-                        <a:rPr lang="en-US" altLang="zh-CN" dirty="0">
-                          <a:solidFill>
-                            <a:schemeClr val="tx1"/>
-                          </a:solidFill>
-                        </a:rPr>
-                        <a:t>5</a:t>
-                      </a:r>
-                      <a:endParaRPr lang="en-US" baseline="30000" dirty="0">
-                        <a:solidFill>
-                          <a:schemeClr val="tx1"/>
-                        </a:solidFill>
-                      </a:endParaRPr>
-                    </a:p>
-                  </a:txBody>
-                  <a:tcPr/>
-                </a:tc>
-                <a:tc>
-                  <a:txBody>
-                    <a:bodyPr/>
-                    <a:lstStyle/>
-                    <a:p>
-                      <a:pPr algn="r"/>
-                      <a:r>
-                        <a:rPr lang="en-US" altLang="zh-CN" dirty="0">
-                          <a:solidFill>
-                            <a:schemeClr val="tx1"/>
-                          </a:solidFill>
-                        </a:rPr>
-                        <a:t>6</a:t>
-                      </a:r>
-                      <a:endParaRPr lang="en-US" dirty="0">
-                        <a:solidFill>
-                          <a:schemeClr val="tx1"/>
-                        </a:solidFill>
-                      </a:endParaRPr>
-                    </a:p>
-                  </a:txBody>
-                  <a:tcPr/>
-                </a:tc>
-                <a:tc>
-                  <a:txBody>
-                    <a:bodyPr/>
-                    <a:lstStyle/>
-                    <a:p>
-                      <a:pPr algn="r"/>
-                      <a:endParaRPr lang="en-US" dirty="0">
-                        <a:solidFill>
-                          <a:schemeClr val="tx1"/>
-                        </a:solidFill>
-                      </a:endParaRPr>
-                    </a:p>
-                  </a:txBody>
-                  <a:tcPr/>
-                </a:tc>
-                <a:tc>
-                  <a:txBody>
-                    <a:bodyPr/>
-                    <a:lstStyle/>
-                    <a:p>
-                      <a:pPr algn="r"/>
-                      <a:endParaRPr lang="en-US" dirty="0">
-                        <a:solidFill>
-                          <a:schemeClr val="tx1"/>
-                        </a:solidFill>
-                      </a:endParaRPr>
-                    </a:p>
-                  </a:txBody>
-                  <a:tcPr/>
-                </a:tc>
-                <a:extLst>
-                  <a:ext uri="{0D108BD9-81ED-4DB2-BD59-A6C34878D82A}">
-                    <a16:rowId xmlns:a16="http://schemas.microsoft.com/office/drawing/2014/main" val="1233945708"/>
-                  </a:ext>
-                </a:extLst>
-              </a:tr>
-              <a:tr h="0">
-                <a:tc>
-                  <a:txBody>
-                    <a:bodyPr/>
-                    <a:lstStyle/>
-                    <a:p>
-                      <a:pPr algn="r"/>
-                      <a:endParaRPr lang="en-US" dirty="0">
-                        <a:solidFill>
-                          <a:schemeClr val="tx1"/>
-                        </a:solidFill>
-                      </a:endParaRPr>
-                    </a:p>
-                  </a:txBody>
-                  <a:tcPr/>
-                </a:tc>
-                <a:tc gridSpan="2">
-                  <a:txBody>
-                    <a:bodyPr/>
-                    <a:lstStyle/>
-                    <a:p>
-                      <a:pPr algn="r"/>
-                      <a:endParaRPr lang="en-US" dirty="0">
-                        <a:solidFill>
-                          <a:schemeClr val="tx1"/>
-                        </a:solidFill>
-                      </a:endParaRPr>
-                    </a:p>
-                  </a:txBody>
-                  <a:tcPr/>
-                </a:tc>
-                <a:tc hMerge="1">
-                  <a:txBody>
-                    <a:bodyPr/>
-                    <a:lstStyle/>
-                    <a:p>
-                      <a:r>
-                        <a:rPr lang="en-US" altLang="zh-CN" dirty="0"/>
-                        <a:t>Average</a:t>
-                      </a:r>
-                      <a:r>
-                        <a:rPr lang="zh-CN" altLang="en-US" dirty="0"/>
-                        <a:t> </a:t>
-                      </a:r>
-                      <a:r>
-                        <a:rPr lang="en-US" altLang="zh-CN" dirty="0"/>
-                        <a:t>Turnaround</a:t>
-                      </a:r>
-                      <a:endParaRPr lang="en-US" dirty="0"/>
-                    </a:p>
-                  </a:txBody>
-                  <a:tcPr/>
-                </a:tc>
-                <a:tc>
-                  <a:txBody>
-                    <a:bodyPr/>
-                    <a:lstStyle/>
-                    <a:p>
-                      <a:pPr algn="r"/>
-                      <a:endParaRPr lang="en-US" dirty="0">
-                        <a:solidFill>
-                          <a:schemeClr val="tx1"/>
-                        </a:solidFill>
-                      </a:endParaRPr>
-                    </a:p>
-                  </a:txBody>
-                  <a:tcPr/>
-                </a:tc>
-                <a:tc>
-                  <a:txBody>
-                    <a:bodyPr/>
-                    <a:lstStyle/>
-                    <a:p>
-                      <a:pPr algn="r"/>
-                      <a:r>
-                        <a:rPr lang="en-US" dirty="0">
-                          <a:solidFill>
-                            <a:schemeClr val="tx1"/>
-                          </a:solidFill>
-                        </a:rPr>
-                        <a:t>Avg RT</a:t>
-                      </a:r>
-                    </a:p>
-                  </a:txBody>
-                  <a:tcPr/>
-                </a:tc>
-                <a:extLst>
-                  <a:ext uri="{0D108BD9-81ED-4DB2-BD59-A6C34878D82A}">
-                    <a16:rowId xmlns:a16="http://schemas.microsoft.com/office/drawing/2014/main" val="2879113726"/>
-                  </a:ext>
-                </a:extLst>
-              </a:tr>
-            </a:tbl>
-          </a:graphicData>
-        </a:graphic>
-      </p:graphicFrame>
     </p:spTree>
     <p:extLst>
       <p:ext uri="{BB962C8B-B14F-4D97-AF65-F5344CB8AC3E}">
-        <p14:creationId xmlns:p14="http://schemas.microsoft.com/office/powerpoint/2010/main" val="3597490601"/>
+        <p14:creationId xmlns:p14="http://schemas.microsoft.com/office/powerpoint/2010/main" val="3793240590"/>
       </p:ext>
     </p:extLst>
   </p:cSld>
@@ -24711,7 +25896,7 @@
         <a:effectLst/>
         <a:extLst>
           <a:ext uri="{AF507438-7753-43e0-B8FC-AC1667EBCBE1}">
-            <a14:hiddenEffects xmlns="" xmlns:a14="http://schemas.microsoft.com/office/drawing/2010/main">
+            <a14:hiddenEffects xmlns:a14="http://schemas.microsoft.com/office/drawing/2010/main" xmlns="">
               <a:effectLst>
                 <a:outerShdw dist="35921" dir="2700000" algn="ctr" rotWithShape="0">
                   <a:schemeClr val="bg2"/>
@@ -24784,7 +25969,7 @@
         <a:effectLst/>
         <a:extLst>
           <a:ext uri="{AF507438-7753-43e0-B8FC-AC1667EBCBE1}">
-            <a14:hiddenEffects xmlns="" xmlns:a14="http://schemas.microsoft.com/office/drawing/2010/main">
+            <a14:hiddenEffects xmlns:a14="http://schemas.microsoft.com/office/drawing/2010/main" xmlns="">
               <a:effectLst>
                 <a:outerShdw dist="35921" dir="2700000" algn="ctr" rotWithShape="0">
                   <a:schemeClr val="bg2"/>

--- a/PPTs/L5-Exercises ANS.pptx
+++ b/PPTs/L5-Exercises ANS.pptx
@@ -222,14 +222,14 @@
           <a:effectLst/>
           <a:extLst>
             <a:ext uri="{909E8E84-426E-40dd-AFC4-6F175D3DCCD1}">
-              <a14:hiddenFill xmlns:a14="http://schemas.microsoft.com/office/drawing/2010/main" xmlns="">
+              <a14:hiddenFill xmlns="" xmlns:a14="http://schemas.microsoft.com/office/drawing/2010/main">
                 <a:solidFill>
                   <a:schemeClr val="bg1"/>
                 </a:solidFill>
               </a14:hiddenFill>
             </a:ext>
             <a:ext uri="{91240B29-F687-4f45-9708-019B960494DF}">
-              <a14:hiddenLine xmlns:a14="http://schemas.microsoft.com/office/drawing/2010/main" xmlns="" w="12700">
+              <a14:hiddenLine xmlns="" xmlns:a14="http://schemas.microsoft.com/office/drawing/2010/main" w="12700">
                 <a:pattFill prst="narHorz">
                   <a:fgClr>
                     <a:schemeClr val="tx1"/>
@@ -244,7 +244,7 @@
               </a14:hiddenLine>
             </a:ext>
             <a:ext uri="{AF507438-7753-43e0-B8FC-AC1667EBCBE1}">
-              <a14:hiddenEffects xmlns:a14="http://schemas.microsoft.com/office/drawing/2010/main" xmlns="">
+              <a14:hiddenEffects xmlns="" xmlns:a14="http://schemas.microsoft.com/office/drawing/2010/main">
                 <a:effectLst>
                   <a:outerShdw dist="35921" dir="2700000" algn="ctr" rotWithShape="0">
                     <a:schemeClr val="bg2"/>
@@ -350,14 +350,14 @@
           <a:effectLst/>
           <a:extLst>
             <a:ext uri="{909E8E84-426E-40dd-AFC4-6F175D3DCCD1}">
-              <a14:hiddenFill xmlns:a14="http://schemas.microsoft.com/office/drawing/2010/main" xmlns="">
+              <a14:hiddenFill xmlns="" xmlns:a14="http://schemas.microsoft.com/office/drawing/2010/main">
                 <a:solidFill>
                   <a:schemeClr val="bg1"/>
                 </a:solidFill>
               </a14:hiddenFill>
             </a:ext>
             <a:ext uri="{91240B29-F687-4f45-9708-019B960494DF}">
-              <a14:hiddenLine xmlns:a14="http://schemas.microsoft.com/office/drawing/2010/main" xmlns="" w="12700">
+              <a14:hiddenLine xmlns="" xmlns:a14="http://schemas.microsoft.com/office/drawing/2010/main" w="12700">
                 <a:pattFill prst="narHorz">
                   <a:fgClr>
                     <a:schemeClr val="tx1"/>
@@ -372,7 +372,7 @@
               </a14:hiddenLine>
             </a:ext>
             <a:ext uri="{AF507438-7753-43e0-B8FC-AC1667EBCBE1}">
-              <a14:hiddenEffects xmlns:a14="http://schemas.microsoft.com/office/drawing/2010/main" xmlns="">
+              <a14:hiddenEffects xmlns="" xmlns:a14="http://schemas.microsoft.com/office/drawing/2010/main">
                 <a:effectLst>
                   <a:outerShdw dist="35921" dir="2700000" algn="ctr" rotWithShape="0">
                     <a:schemeClr val="bg2"/>
@@ -440,17 +440,17 @@
           <a:effectLst/>
           <a:extLst>
             <a:ext uri="{FAA26D3D-D897-4be2-8F04-BA451C77F1D7}">
-              <ma14:placeholderFlag xmlns:ma14="http://schemas.microsoft.com/office/mac/drawingml/2011/main" xmlns="" val="1"/>
+              <ma14:placeholderFlag xmlns="" xmlns:ma14="http://schemas.microsoft.com/office/mac/drawingml/2011/main" val="1"/>
             </a:ext>
             <a:ext uri="{909E8E84-426E-40dd-AFC4-6F175D3DCCD1}">
-              <a14:hiddenFill xmlns:a14="http://schemas.microsoft.com/office/drawing/2010/main" xmlns="">
+              <a14:hiddenFill xmlns="" xmlns:a14="http://schemas.microsoft.com/office/drawing/2010/main">
                 <a:solidFill>
                   <a:srgbClr val="FFFFFF"/>
                 </a:solidFill>
               </a14:hiddenFill>
             </a:ext>
             <a:ext uri="{AF507438-7753-43e0-B8FC-AC1667EBCBE1}">
-              <a14:hiddenEffects xmlns:a14="http://schemas.microsoft.com/office/drawing/2010/main" xmlns="">
+              <a14:hiddenEffects xmlns="" xmlns:a14="http://schemas.microsoft.com/office/drawing/2010/main">
                 <a:effectLst>
                   <a:outerShdw blurRad="63500" dist="38099" dir="2700000" algn="ctr" rotWithShape="0">
                     <a:srgbClr val="000000">
@@ -461,7 +461,7 @@
               </a14:hiddenEffects>
             </a:ext>
             <a:ext uri="{53640926-AAD7-44d8-BBD7-CCE9431645EC}">
-              <a14:shadowObscured xmlns:a14="http://schemas.microsoft.com/office/drawing/2010/main" xmlns="" val="1"/>
+              <a14:shadowObscured xmlns="" xmlns:a14="http://schemas.microsoft.com/office/drawing/2010/main" val="1"/>
             </a:ext>
           </a:extLst>
         </p:spPr>
@@ -491,14 +491,14 @@
           <a:effectLst/>
           <a:extLst>
             <a:ext uri="{909E8E84-426E-40dd-AFC4-6F175D3DCCD1}">
-              <a14:hiddenFill xmlns:a14="http://schemas.microsoft.com/office/drawing/2010/main" xmlns="">
+              <a14:hiddenFill xmlns="" xmlns:a14="http://schemas.microsoft.com/office/drawing/2010/main">
                 <a:solidFill>
                   <a:schemeClr val="bg1"/>
                 </a:solidFill>
               </a14:hiddenFill>
             </a:ext>
             <a:ext uri="{91240B29-F687-4f45-9708-019B960494DF}">
-              <a14:hiddenLine xmlns:a14="http://schemas.microsoft.com/office/drawing/2010/main" xmlns="" w="12700">
+              <a14:hiddenLine xmlns="" xmlns:a14="http://schemas.microsoft.com/office/drawing/2010/main" w="12700">
                 <a:pattFill prst="narHorz">
                   <a:fgClr>
                     <a:schemeClr val="tx1"/>
@@ -513,7 +513,7 @@
               </a14:hiddenLine>
             </a:ext>
             <a:ext uri="{AF507438-7753-43e0-B8FC-AC1667EBCBE1}">
-              <a14:hiddenEffects xmlns:a14="http://schemas.microsoft.com/office/drawing/2010/main" xmlns="">
+              <a14:hiddenEffects xmlns="" xmlns:a14="http://schemas.microsoft.com/office/drawing/2010/main">
                 <a:effectLst>
                   <a:outerShdw dist="35921" dir="2700000" algn="ctr" rotWithShape="0">
                     <a:schemeClr val="bg2"/>
@@ -763,10 +763,10 @@
         <p:spPr>
           <a:extLst>
             <a:ext uri="{FAA26D3D-D897-4be2-8F04-BA451C77F1D7}">
-              <ma14:placeholderFlag xmlns:ma14="http://schemas.microsoft.com/office/mac/drawingml/2011/main" xmlns="" val="1"/>
+              <ma14:placeholderFlag xmlns="" xmlns:ma14="http://schemas.microsoft.com/office/mac/drawingml/2011/main" val="1"/>
             </a:ext>
             <a:ext uri="{AF507438-7753-43e0-B8FC-AC1667EBCBE1}">
-              <a14:hiddenEffects xmlns:a14="http://schemas.microsoft.com/office/drawing/2010/main" xmlns="">
+              <a14:hiddenEffects xmlns="" xmlns:a14="http://schemas.microsoft.com/office/drawing/2010/main">
                 <a:effectLst>
                   <a:outerShdw blurRad="63500" dist="38099" dir="2700000" algn="ctr" rotWithShape="0">
                     <a:schemeClr val="bg2">
@@ -3416,17 +3416,17 @@
           <a:effectLst/>
           <a:extLst>
             <a:ext uri="{FAA26D3D-D897-4be2-8F04-BA451C77F1D7}">
-              <ma14:placeholderFlag xmlns:ma14="http://schemas.microsoft.com/office/mac/drawingml/2011/main" xmlns="" val="1"/>
+              <ma14:placeholderFlag xmlns="" xmlns:ma14="http://schemas.microsoft.com/office/mac/drawingml/2011/main" val="1"/>
             </a:ext>
             <a:ext uri="{909E8E84-426E-40dd-AFC4-6F175D3DCCD1}">
-              <a14:hiddenFill xmlns:a14="http://schemas.microsoft.com/office/drawing/2010/main" xmlns="">
+              <a14:hiddenFill xmlns="" xmlns:a14="http://schemas.microsoft.com/office/drawing/2010/main">
                 <a:solidFill>
                   <a:schemeClr val="bg1"/>
                 </a:solidFill>
               </a14:hiddenFill>
             </a:ext>
             <a:ext uri="{91240B29-F687-4f45-9708-019B960494DF}">
-              <a14:hiddenLine xmlns:a14="http://schemas.microsoft.com/office/drawing/2010/main" xmlns="" w="12700">
+              <a14:hiddenLine xmlns="" xmlns:a14="http://schemas.microsoft.com/office/drawing/2010/main" w="12700">
                 <a:pattFill prst="narHorz">
                   <a:fgClr>
                     <a:schemeClr val="tx1"/>
@@ -3441,7 +3441,7 @@
               </a14:hiddenLine>
             </a:ext>
             <a:ext uri="{AF507438-7753-43e0-B8FC-AC1667EBCBE1}">
-              <a14:hiddenEffects xmlns:a14="http://schemas.microsoft.com/office/drawing/2010/main" xmlns="">
+              <a14:hiddenEffects xmlns="" xmlns:a14="http://schemas.microsoft.com/office/drawing/2010/main">
                 <a:effectLst>
                   <a:outerShdw blurRad="63500" dist="38099" dir="2700000" algn="ctr" rotWithShape="0">
                     <a:schemeClr val="bg2">
@@ -3494,17 +3494,17 @@
           <a:effectLst/>
           <a:extLst>
             <a:ext uri="{FAA26D3D-D897-4be2-8F04-BA451C77F1D7}">
-              <ma14:placeholderFlag xmlns:ma14="http://schemas.microsoft.com/office/mac/drawingml/2011/main" xmlns="" val="1"/>
+              <ma14:placeholderFlag xmlns="" xmlns:ma14="http://schemas.microsoft.com/office/mac/drawingml/2011/main" val="1"/>
             </a:ext>
             <a:ext uri="{909E8E84-426E-40dd-AFC4-6F175D3DCCD1}">
-              <a14:hiddenFill xmlns:a14="http://schemas.microsoft.com/office/drawing/2010/main" xmlns="">
+              <a14:hiddenFill xmlns="" xmlns:a14="http://schemas.microsoft.com/office/drawing/2010/main">
                 <a:solidFill>
                   <a:schemeClr val="bg1"/>
                 </a:solidFill>
               </a14:hiddenFill>
             </a:ext>
             <a:ext uri="{91240B29-F687-4f45-9708-019B960494DF}">
-              <a14:hiddenLine xmlns:a14="http://schemas.microsoft.com/office/drawing/2010/main" xmlns="" w="12700">
+              <a14:hiddenLine xmlns="" xmlns:a14="http://schemas.microsoft.com/office/drawing/2010/main" w="12700">
                 <a:pattFill prst="narHorz">
                   <a:fgClr>
                     <a:schemeClr val="tx1"/>
@@ -3519,7 +3519,7 @@
               </a14:hiddenLine>
             </a:ext>
             <a:ext uri="{AF507438-7753-43e0-B8FC-AC1667EBCBE1}">
-              <a14:hiddenEffects xmlns:a14="http://schemas.microsoft.com/office/drawing/2010/main" xmlns="">
+              <a14:hiddenEffects xmlns="" xmlns:a14="http://schemas.microsoft.com/office/drawing/2010/main">
                 <a:effectLst>
                   <a:outerShdw blurRad="63500" dist="38099" dir="2700000" algn="ctr" rotWithShape="0">
                     <a:schemeClr val="bg2">
@@ -3598,14 +3598,14 @@
           <a:effectLst/>
           <a:extLst>
             <a:ext uri="{909E8E84-426E-40dd-AFC4-6F175D3DCCD1}">
-              <a14:hiddenFill xmlns:a14="http://schemas.microsoft.com/office/drawing/2010/main" xmlns="">
+              <a14:hiddenFill xmlns="" xmlns:a14="http://schemas.microsoft.com/office/drawing/2010/main">
                 <a:solidFill>
                   <a:schemeClr val="bg1"/>
                 </a:solidFill>
               </a14:hiddenFill>
             </a:ext>
             <a:ext uri="{91240B29-F687-4f45-9708-019B960494DF}">
-              <a14:hiddenLine xmlns:a14="http://schemas.microsoft.com/office/drawing/2010/main" xmlns="" w="12700">
+              <a14:hiddenLine xmlns="" xmlns:a14="http://schemas.microsoft.com/office/drawing/2010/main" w="12700">
                 <a:pattFill prst="narHorz">
                   <a:fgClr>
                     <a:schemeClr val="tx1"/>
@@ -3620,7 +3620,7 @@
               </a14:hiddenLine>
             </a:ext>
             <a:ext uri="{AF507438-7753-43e0-B8FC-AC1667EBCBE1}">
-              <a14:hiddenEffects xmlns:a14="http://schemas.microsoft.com/office/drawing/2010/main" xmlns="">
+              <a14:hiddenEffects xmlns="" xmlns:a14="http://schemas.microsoft.com/office/drawing/2010/main">
                 <a:effectLst>
                   <a:outerShdw dist="35921" dir="2700000" algn="ctr" rotWithShape="0">
                     <a:schemeClr val="bg2"/>
@@ -3686,12 +3686,12 @@
           <a:effectLst/>
           <a:extLst>
             <a:ext uri="{909E8E84-426E-40dd-AFC4-6F175D3DCCD1}">
-              <a14:hiddenFill xmlns:a14="http://schemas.microsoft.com/office/drawing/2010/main" xmlns="">
+              <a14:hiddenFill xmlns="" xmlns:a14="http://schemas.microsoft.com/office/drawing/2010/main">
                 <a:noFill/>
               </a14:hiddenFill>
             </a:ext>
             <a:ext uri="{AF507438-7753-43e0-B8FC-AC1667EBCBE1}">
-              <a14:hiddenEffects xmlns:a14="http://schemas.microsoft.com/office/drawing/2010/main" xmlns="">
+              <a14:hiddenEffects xmlns="" xmlns:a14="http://schemas.microsoft.com/office/drawing/2010/main">
                 <a:effectLst>
                   <a:outerShdw blurRad="63500" dist="38099" dir="2700000" algn="ctr" rotWithShape="0">
                     <a:schemeClr val="bg2">
@@ -6084,7 +6084,7 @@
           </a:ln>
           <a:extLst>
             <a:ext uri="{AF507438-7753-43e0-B8FC-AC1667EBCBE1}">
-              <a14:hiddenEffects xmlns="" xmlns:a14="http://schemas.microsoft.com/office/drawing/2010/main">
+              <a14:hiddenEffects xmlns:a14="http://schemas.microsoft.com/office/drawing/2010/main" xmlns="">
                 <a:effectLst>
                   <a:outerShdw dist="35921" dir="2700000" algn="ctr" rotWithShape="0">
                     <a:schemeClr val="bg2"/>
@@ -6192,7 +6192,7 @@
           </a:ln>
           <a:extLst>
             <a:ext uri="{AF507438-7753-43e0-B8FC-AC1667EBCBE1}">
-              <a14:hiddenEffects xmlns="" xmlns:a14="http://schemas.microsoft.com/office/drawing/2010/main">
+              <a14:hiddenEffects xmlns:a14="http://schemas.microsoft.com/office/drawing/2010/main" xmlns="">
                 <a:effectLst>
                   <a:outerShdw dist="35921" dir="2700000" algn="ctr" rotWithShape="0">
                     <a:schemeClr val="bg2"/>
@@ -6302,7 +6302,7 @@
           </a:ln>
           <a:extLst>
             <a:ext uri="{AF507438-7753-43e0-B8FC-AC1667EBCBE1}">
-              <a14:hiddenEffects xmlns="" xmlns:a14="http://schemas.microsoft.com/office/drawing/2010/main">
+              <a14:hiddenEffects xmlns:a14="http://schemas.microsoft.com/office/drawing/2010/main" xmlns="">
                 <a:effectLst>
                   <a:outerShdw dist="35921" dir="2700000" algn="ctr" rotWithShape="0">
                     <a:schemeClr val="bg2"/>
@@ -8570,7 +8570,7 @@
           </a:ln>
           <a:extLst>
             <a:ext uri="{AF507438-7753-43e0-B8FC-AC1667EBCBE1}">
-              <a14:hiddenEffects xmlns="" xmlns:a14="http://schemas.microsoft.com/office/drawing/2010/main">
+              <a14:hiddenEffects xmlns:a14="http://schemas.microsoft.com/office/drawing/2010/main" xmlns="">
                 <a:effectLst>
                   <a:outerShdw dist="35921" dir="2700000" algn="ctr" rotWithShape="0">
                     <a:schemeClr val="bg2"/>
@@ -10857,7 +10857,7 @@
           </a:ln>
           <a:extLst>
             <a:ext uri="{AF507438-7753-43e0-B8FC-AC1667EBCBE1}">
-              <a14:hiddenEffects xmlns="" xmlns:a14="http://schemas.microsoft.com/office/drawing/2010/main">
+              <a14:hiddenEffects xmlns:a14="http://schemas.microsoft.com/office/drawing/2010/main" xmlns="">
                 <a:effectLst>
                   <a:outerShdw dist="35921" dir="2700000" algn="ctr" rotWithShape="0">
                     <a:schemeClr val="bg2"/>
@@ -10965,7 +10965,7 @@
           </a:ln>
           <a:extLst>
             <a:ext uri="{AF507438-7753-43e0-B8FC-AC1667EBCBE1}">
-              <a14:hiddenEffects xmlns="" xmlns:a14="http://schemas.microsoft.com/office/drawing/2010/main">
+              <a14:hiddenEffects xmlns:a14="http://schemas.microsoft.com/office/drawing/2010/main" xmlns="">
                 <a:effectLst>
                   <a:outerShdw dist="35921" dir="2700000" algn="ctr" rotWithShape="0">
                     <a:schemeClr val="bg2"/>
@@ -11073,7 +11073,7 @@
           </a:ln>
           <a:extLst>
             <a:ext uri="{AF507438-7753-43e0-B8FC-AC1667EBCBE1}">
-              <a14:hiddenEffects xmlns="" xmlns:a14="http://schemas.microsoft.com/office/drawing/2010/main">
+              <a14:hiddenEffects xmlns:a14="http://schemas.microsoft.com/office/drawing/2010/main" xmlns="">
                 <a:effectLst>
                   <a:outerShdw dist="35921" dir="2700000" algn="ctr" rotWithShape="0">
                     <a:schemeClr val="bg2"/>
@@ -14424,7 +14424,13 @@
           <p:cNvGraphicFramePr>
             <a:graphicFrameLocks noGrp="1"/>
           </p:cNvGraphicFramePr>
-          <p:nvPr/>
+          <p:nvPr>
+            <p:extLst>
+              <p:ext uri="{D42A27DB-BD31-4B8C-83A1-F6EECF244321}">
+                <p14:modId xmlns:p14="http://schemas.microsoft.com/office/powerpoint/2010/main" val="473350421"/>
+              </p:ext>
+            </p:extLst>
+          </p:nvPr>
         </p:nvGraphicFramePr>
         <p:xfrm>
           <a:off x="850898" y="1240518"/>
@@ -15706,7 +15712,7 @@
                             <a:schemeClr val="tx1"/>
                           </a:solidFill>
                         </a:rPr>
-                        <a:t>Avg RT 5.6</a:t>
+                        <a:t>Avg RT 5</a:t>
                       </a:r>
                     </a:p>
                   </a:txBody>
@@ -15739,8 +15745,21 @@
                             <a:schemeClr val="tx1"/>
                           </a:solidFill>
                         </a:rPr>
-                        <a:t>Avg RT 5.6</a:t>
-                      </a:r>
+                        <a:t>Avg </a:t>
+                      </a:r>
+                      <a:r>
+                        <a:rPr lang="en-US">
+                          <a:solidFill>
+                            <a:schemeClr val="tx1"/>
+                          </a:solidFill>
+                        </a:rPr>
+                        <a:t>RT 5</a:t>
+                      </a:r>
+                      <a:endParaRPr lang="en-US" dirty="0">
+                        <a:solidFill>
+                          <a:schemeClr val="tx1"/>
+                        </a:solidFill>
+                      </a:endParaRPr>
                     </a:p>
                   </a:txBody>
                   <a:tcPr/>
@@ -17016,7 +17035,7 @@
           </a:ln>
           <a:extLst>
             <a:ext uri="{AF507438-7753-43e0-B8FC-AC1667EBCBE1}">
-              <a14:hiddenEffects xmlns="" xmlns:a14="http://schemas.microsoft.com/office/drawing/2010/main">
+              <a14:hiddenEffects xmlns:a14="http://schemas.microsoft.com/office/drawing/2010/main" xmlns="">
                 <a:effectLst>
                   <a:outerShdw dist="35921" dir="2700000" algn="ctr" rotWithShape="0">
                     <a:schemeClr val="bg2"/>
@@ -17124,7 +17143,7 @@
           </a:ln>
           <a:extLst>
             <a:ext uri="{AF507438-7753-43e0-B8FC-AC1667EBCBE1}">
-              <a14:hiddenEffects xmlns="" xmlns:a14="http://schemas.microsoft.com/office/drawing/2010/main">
+              <a14:hiddenEffects xmlns:a14="http://schemas.microsoft.com/office/drawing/2010/main" xmlns="">
                 <a:effectLst>
                   <a:outerShdw dist="35921" dir="2700000" algn="ctr" rotWithShape="0">
                     <a:schemeClr val="bg2"/>
@@ -17232,7 +17251,7 @@
           </a:ln>
           <a:extLst>
             <a:ext uri="{AF507438-7753-43e0-B8FC-AC1667EBCBE1}">
-              <a14:hiddenEffects xmlns="" xmlns:a14="http://schemas.microsoft.com/office/drawing/2010/main">
+              <a14:hiddenEffects xmlns:a14="http://schemas.microsoft.com/office/drawing/2010/main" xmlns="">
                 <a:effectLst>
                   <a:outerShdw dist="35921" dir="2700000" algn="ctr" rotWithShape="0">
                     <a:schemeClr val="bg2"/>
@@ -23125,7 +23144,7 @@
           </a:ln>
           <a:extLst>
             <a:ext uri="{AF507438-7753-43e0-B8FC-AC1667EBCBE1}">
-              <a14:hiddenEffects xmlns="" xmlns:a14="http://schemas.microsoft.com/office/drawing/2010/main">
+              <a14:hiddenEffects xmlns:a14="http://schemas.microsoft.com/office/drawing/2010/main" xmlns="">
                 <a:effectLst>
                   <a:outerShdw dist="35921" dir="2700000" algn="ctr" rotWithShape="0">
                     <a:schemeClr val="bg2"/>
@@ -23233,7 +23252,7 @@
           </a:ln>
           <a:extLst>
             <a:ext uri="{AF507438-7753-43e0-B8FC-AC1667EBCBE1}">
-              <a14:hiddenEffects xmlns="" xmlns:a14="http://schemas.microsoft.com/office/drawing/2010/main">
+              <a14:hiddenEffects xmlns:a14="http://schemas.microsoft.com/office/drawing/2010/main" xmlns="">
                 <a:effectLst>
                   <a:outerShdw dist="35921" dir="2700000" algn="ctr" rotWithShape="0">
                     <a:schemeClr val="bg2"/>
@@ -23341,7 +23360,7 @@
           </a:ln>
           <a:extLst>
             <a:ext uri="{AF507438-7753-43e0-B8FC-AC1667EBCBE1}">
-              <a14:hiddenEffects xmlns="" xmlns:a14="http://schemas.microsoft.com/office/drawing/2010/main">
+              <a14:hiddenEffects xmlns:a14="http://schemas.microsoft.com/office/drawing/2010/main" xmlns="">
                 <a:effectLst>
                   <a:outerShdw dist="35921" dir="2700000" algn="ctr" rotWithShape="0">
                     <a:schemeClr val="bg2"/>
@@ -23449,7 +23468,7 @@
           </a:ln>
           <a:extLst>
             <a:ext uri="{AF507438-7753-43e0-B8FC-AC1667EBCBE1}">
-              <a14:hiddenEffects xmlns="" xmlns:a14="http://schemas.microsoft.com/office/drawing/2010/main">
+              <a14:hiddenEffects xmlns:a14="http://schemas.microsoft.com/office/drawing/2010/main" xmlns="">
                 <a:effectLst>
                   <a:outerShdw dist="35921" dir="2700000" algn="ctr" rotWithShape="0">
                     <a:schemeClr val="bg2"/>
@@ -24943,7 +24962,7 @@
           </a:ln>
           <a:extLst>
             <a:ext uri="{AF507438-7753-43e0-B8FC-AC1667EBCBE1}">
-              <a14:hiddenEffects xmlns="" xmlns:a14="http://schemas.microsoft.com/office/drawing/2010/main">
+              <a14:hiddenEffects xmlns:a14="http://schemas.microsoft.com/office/drawing/2010/main" xmlns="">
                 <a:effectLst>
                   <a:outerShdw dist="35921" dir="2700000" algn="ctr" rotWithShape="0">
                     <a:schemeClr val="bg2"/>
@@ -25051,7 +25070,7 @@
           </a:ln>
           <a:extLst>
             <a:ext uri="{AF507438-7753-43e0-B8FC-AC1667EBCBE1}">
-              <a14:hiddenEffects xmlns="" xmlns:a14="http://schemas.microsoft.com/office/drawing/2010/main">
+              <a14:hiddenEffects xmlns:a14="http://schemas.microsoft.com/office/drawing/2010/main" xmlns="">
                 <a:effectLst>
                   <a:outerShdw dist="35921" dir="2700000" algn="ctr" rotWithShape="0">
                     <a:schemeClr val="bg2"/>
@@ -25159,7 +25178,7 @@
           </a:ln>
           <a:extLst>
             <a:ext uri="{AF507438-7753-43e0-B8FC-AC1667EBCBE1}">
-              <a14:hiddenEffects xmlns="" xmlns:a14="http://schemas.microsoft.com/office/drawing/2010/main">
+              <a14:hiddenEffects xmlns:a14="http://schemas.microsoft.com/office/drawing/2010/main" xmlns="">
                 <a:effectLst>
                   <a:outerShdw dist="35921" dir="2700000" algn="ctr" rotWithShape="0">
                     <a:schemeClr val="bg2"/>
@@ -25267,7 +25286,7 @@
           </a:ln>
           <a:extLst>
             <a:ext uri="{AF507438-7753-43e0-B8FC-AC1667EBCBE1}">
-              <a14:hiddenEffects xmlns="" xmlns:a14="http://schemas.microsoft.com/office/drawing/2010/main">
+              <a14:hiddenEffects xmlns:a14="http://schemas.microsoft.com/office/drawing/2010/main" xmlns="">
                 <a:effectLst>
                   <a:outerShdw dist="35921" dir="2700000" algn="ctr" rotWithShape="0">
                     <a:schemeClr val="bg2"/>
@@ -25371,17 +25390,17 @@
           <a:effectLst/>
           <a:extLst>
             <a:ext uri="{FAA26D3D-D897-4be2-8F04-BA451C77F1D7}">
-              <ma14:placeholderFlag xmlns:ma14="http://schemas.microsoft.com/office/mac/drawingml/2011/main" xmlns="" val="1"/>
+              <ma14:placeholderFlag xmlns="" xmlns:ma14="http://schemas.microsoft.com/office/mac/drawingml/2011/main" val="1"/>
             </a:ext>
             <a:ext uri="{909E8E84-426E-40dd-AFC4-6F175D3DCCD1}">
-              <a14:hiddenFill xmlns:a14="http://schemas.microsoft.com/office/drawing/2010/main" xmlns="">
+              <a14:hiddenFill xmlns="" xmlns:a14="http://schemas.microsoft.com/office/drawing/2010/main">
                 <a:solidFill>
                   <a:schemeClr val="bg1"/>
                 </a:solidFill>
               </a14:hiddenFill>
             </a:ext>
             <a:ext uri="{91240B29-F687-4f45-9708-019B960494DF}">
-              <a14:hiddenLine xmlns:a14="http://schemas.microsoft.com/office/drawing/2010/main" xmlns="" w="12700">
+              <a14:hiddenLine xmlns="" xmlns:a14="http://schemas.microsoft.com/office/drawing/2010/main" w="12700">
                 <a:pattFill prst="narHorz">
                   <a:fgClr>
                     <a:schemeClr val="tx1"/>
@@ -25396,7 +25415,7 @@
               </a14:hiddenLine>
             </a:ext>
             <a:ext uri="{AF507438-7753-43e0-B8FC-AC1667EBCBE1}">
-              <a14:hiddenEffects xmlns:a14="http://schemas.microsoft.com/office/drawing/2010/main" xmlns="">
+              <a14:hiddenEffects xmlns="" xmlns:a14="http://schemas.microsoft.com/office/drawing/2010/main">
                 <a:effectLst>
                   <a:outerShdw blurRad="63500" dist="38099" dir="2700000" algn="ctr" rotWithShape="0">
                     <a:schemeClr val="bg2">
@@ -25896,7 +25915,7 @@
         <a:effectLst/>
         <a:extLst>
           <a:ext uri="{AF507438-7753-43e0-B8FC-AC1667EBCBE1}">
-            <a14:hiddenEffects xmlns:a14="http://schemas.microsoft.com/office/drawing/2010/main" xmlns="">
+            <a14:hiddenEffects xmlns="" xmlns:a14="http://schemas.microsoft.com/office/drawing/2010/main">
               <a:effectLst>
                 <a:outerShdw dist="35921" dir="2700000" algn="ctr" rotWithShape="0">
                   <a:schemeClr val="bg2"/>
@@ -25969,7 +25988,7 @@
         <a:effectLst/>
         <a:extLst>
           <a:ext uri="{AF507438-7753-43e0-B8FC-AC1667EBCBE1}">
-            <a14:hiddenEffects xmlns:a14="http://schemas.microsoft.com/office/drawing/2010/main" xmlns="">
+            <a14:hiddenEffects xmlns="" xmlns:a14="http://schemas.microsoft.com/office/drawing/2010/main">
               <a:effectLst>
                 <a:outerShdw dist="35921" dir="2700000" algn="ctr" rotWithShape="0">
                   <a:schemeClr val="bg2"/>
